--- a/Aprien_Group _6.pptx
+++ b/Aprien_Group _6.pptx
@@ -5,7 +5,7 @@
     <p:sldMasterId id="2147483648" r:id="rId1"/>
   </p:sldMasterIdLst>
   <p:notesMasterIdLst>
-    <p:notesMasterId r:id="rId8"/>
+    <p:notesMasterId r:id="rId12"/>
   </p:notesMasterIdLst>
   <p:sldIdLst>
     <p:sldId id="256" r:id="rId2"/>
@@ -13,7 +13,11 @@
     <p:sldId id="259" r:id="rId4"/>
     <p:sldId id="260" r:id="rId5"/>
     <p:sldId id="261" r:id="rId6"/>
-    <p:sldId id="258" r:id="rId7"/>
+    <p:sldId id="263" r:id="rId7"/>
+    <p:sldId id="264" r:id="rId8"/>
+    <p:sldId id="265" r:id="rId9"/>
+    <p:sldId id="262" r:id="rId10"/>
+    <p:sldId id="258" r:id="rId11"/>
   </p:sldIdLst>
   <p:sldSz cx="12192000" cy="6858000"/>
   <p:notesSz cx="6858000" cy="9144000"/>
@@ -555,6 +559,426 @@
     <p:extLst>
       <p:ext uri="{BB962C8B-B14F-4D97-AF65-F5344CB8AC3E}">
         <p14:creationId xmlns:p14="http://schemas.microsoft.com/office/powerpoint/2010/main" val="2391832103"/>
+      </p:ext>
+    </p:extLst>
+  </p:cSld>
+  <p:clrMapOvr>
+    <a:masterClrMapping/>
+  </p:clrMapOvr>
+</p:notes>
+</file>
+
+<file path=ppt/notesSlides/notesSlide2.xml><?xml version="1.0" encoding="utf-8"?>
+<p:notes xmlns:a="http://schemas.openxmlformats.org/drawingml/2006/main" xmlns:r="http://schemas.openxmlformats.org/officeDocument/2006/relationships" xmlns:p="http://schemas.openxmlformats.org/presentationml/2006/main">
+  <p:cSld>
+    <p:spTree>
+      <p:nvGrpSpPr>
+        <p:cNvPr id="1" name=""/>
+        <p:cNvGrpSpPr/>
+        <p:nvPr/>
+      </p:nvGrpSpPr>
+      <p:grpSpPr>
+        <a:xfrm>
+          <a:off x="0" y="0"/>
+          <a:ext cx="0" cy="0"/>
+          <a:chOff x="0" y="0"/>
+          <a:chExt cx="0" cy="0"/>
+        </a:xfrm>
+      </p:grpSpPr>
+      <p:sp>
+        <p:nvSpPr>
+          <p:cNvPr id="2" name="Slide Image Placeholder 1"/>
+          <p:cNvSpPr>
+            <a:spLocks noGrp="1" noRot="1" noChangeAspect="1"/>
+          </p:cNvSpPr>
+          <p:nvPr>
+            <p:ph type="sldImg"/>
+          </p:nvPr>
+        </p:nvSpPr>
+        <p:spPr/>
+      </p:sp>
+      <p:sp>
+        <p:nvSpPr>
+          <p:cNvPr id="3" name="Notes Placeholder 2"/>
+          <p:cNvSpPr>
+            <a:spLocks noGrp="1"/>
+          </p:cNvSpPr>
+          <p:nvPr>
+            <p:ph type="body" idx="1"/>
+          </p:nvPr>
+        </p:nvSpPr>
+        <p:spPr/>
+        <p:txBody>
+          <a:bodyPr/>
+          <a:lstStyle/>
+          <a:p>
+            <a:endParaRPr lang="en-US" dirty="0"/>
+          </a:p>
+        </p:txBody>
+      </p:sp>
+      <p:sp>
+        <p:nvSpPr>
+          <p:cNvPr id="4" name="Slide Number Placeholder 3"/>
+          <p:cNvSpPr>
+            <a:spLocks noGrp="1"/>
+          </p:cNvSpPr>
+          <p:nvPr>
+            <p:ph type="sldNum" sz="quarter" idx="5"/>
+          </p:nvPr>
+        </p:nvSpPr>
+        <p:spPr/>
+        <p:txBody>
+          <a:bodyPr/>
+          <a:lstStyle/>
+          <a:p>
+            <a:fld id="{E460D524-EB5F-4E33-A65E-4B797E20057D}" type="slidenum">
+              <a:rPr lang="en-US" smtClean="0"/>
+              <a:t>3</a:t>
+            </a:fld>
+            <a:endParaRPr lang="en-US"/>
+          </a:p>
+        </p:txBody>
+      </p:sp>
+    </p:spTree>
+    <p:extLst>
+      <p:ext uri="{BB962C8B-B14F-4D97-AF65-F5344CB8AC3E}">
+        <p14:creationId xmlns:p14="http://schemas.microsoft.com/office/powerpoint/2010/main" val="4221123272"/>
+      </p:ext>
+    </p:extLst>
+  </p:cSld>
+  <p:clrMapOvr>
+    <a:masterClrMapping/>
+  </p:clrMapOvr>
+</p:notes>
+</file>
+
+<file path=ppt/notesSlides/notesSlide3.xml><?xml version="1.0" encoding="utf-8"?>
+<p:notes xmlns:a="http://schemas.openxmlformats.org/drawingml/2006/main" xmlns:r="http://schemas.openxmlformats.org/officeDocument/2006/relationships" xmlns:p="http://schemas.openxmlformats.org/presentationml/2006/main">
+  <p:cSld>
+    <p:spTree>
+      <p:nvGrpSpPr>
+        <p:cNvPr id="1" name=""/>
+        <p:cNvGrpSpPr/>
+        <p:nvPr/>
+      </p:nvGrpSpPr>
+      <p:grpSpPr>
+        <a:xfrm>
+          <a:off x="0" y="0"/>
+          <a:ext cx="0" cy="0"/>
+          <a:chOff x="0" y="0"/>
+          <a:chExt cx="0" cy="0"/>
+        </a:xfrm>
+      </p:grpSpPr>
+      <p:sp>
+        <p:nvSpPr>
+          <p:cNvPr id="2" name="Slide Image Placeholder 1"/>
+          <p:cNvSpPr>
+            <a:spLocks noGrp="1" noRot="1" noChangeAspect="1"/>
+          </p:cNvSpPr>
+          <p:nvPr>
+            <p:ph type="sldImg"/>
+          </p:nvPr>
+        </p:nvSpPr>
+        <p:spPr/>
+      </p:sp>
+      <p:sp>
+        <p:nvSpPr>
+          <p:cNvPr id="3" name="Notes Placeholder 2"/>
+          <p:cNvSpPr>
+            <a:spLocks noGrp="1"/>
+          </p:cNvSpPr>
+          <p:nvPr>
+            <p:ph type="body" idx="1"/>
+          </p:nvPr>
+        </p:nvSpPr>
+        <p:spPr/>
+        <p:txBody>
+          <a:bodyPr/>
+          <a:lstStyle/>
+          <a:p>
+            <a:endParaRPr lang="en-US" dirty="0"/>
+          </a:p>
+        </p:txBody>
+      </p:sp>
+      <p:sp>
+        <p:nvSpPr>
+          <p:cNvPr id="4" name="Slide Number Placeholder 3"/>
+          <p:cNvSpPr>
+            <a:spLocks noGrp="1"/>
+          </p:cNvSpPr>
+          <p:nvPr>
+            <p:ph type="sldNum" sz="quarter" idx="5"/>
+          </p:nvPr>
+        </p:nvSpPr>
+        <p:spPr/>
+        <p:txBody>
+          <a:bodyPr/>
+          <a:lstStyle/>
+          <a:p>
+            <a:fld id="{E460D524-EB5F-4E33-A65E-4B797E20057D}" type="slidenum">
+              <a:rPr lang="en-US" smtClean="0"/>
+              <a:t>5</a:t>
+            </a:fld>
+            <a:endParaRPr lang="en-US"/>
+          </a:p>
+        </p:txBody>
+      </p:sp>
+    </p:spTree>
+    <p:extLst>
+      <p:ext uri="{BB962C8B-B14F-4D97-AF65-F5344CB8AC3E}">
+        <p14:creationId xmlns:p14="http://schemas.microsoft.com/office/powerpoint/2010/main" val="319129174"/>
+      </p:ext>
+    </p:extLst>
+  </p:cSld>
+  <p:clrMapOvr>
+    <a:masterClrMapping/>
+  </p:clrMapOvr>
+</p:notes>
+</file>
+
+<file path=ppt/notesSlides/notesSlide4.xml><?xml version="1.0" encoding="utf-8"?>
+<p:notes xmlns:a="http://schemas.openxmlformats.org/drawingml/2006/main" xmlns:r="http://schemas.openxmlformats.org/officeDocument/2006/relationships" xmlns:p="http://schemas.openxmlformats.org/presentationml/2006/main">
+  <p:cSld>
+    <p:spTree>
+      <p:nvGrpSpPr>
+        <p:cNvPr id="1" name=""/>
+        <p:cNvGrpSpPr/>
+        <p:nvPr/>
+      </p:nvGrpSpPr>
+      <p:grpSpPr>
+        <a:xfrm>
+          <a:off x="0" y="0"/>
+          <a:ext cx="0" cy="0"/>
+          <a:chOff x="0" y="0"/>
+          <a:chExt cx="0" cy="0"/>
+        </a:xfrm>
+      </p:grpSpPr>
+      <p:sp>
+        <p:nvSpPr>
+          <p:cNvPr id="2" name="Slide Image Placeholder 1"/>
+          <p:cNvSpPr>
+            <a:spLocks noGrp="1" noRot="1" noChangeAspect="1"/>
+          </p:cNvSpPr>
+          <p:nvPr>
+            <p:ph type="sldImg"/>
+          </p:nvPr>
+        </p:nvSpPr>
+        <p:spPr/>
+      </p:sp>
+      <p:sp>
+        <p:nvSpPr>
+          <p:cNvPr id="3" name="Notes Placeholder 2"/>
+          <p:cNvSpPr>
+            <a:spLocks noGrp="1"/>
+          </p:cNvSpPr>
+          <p:nvPr>
+            <p:ph type="body" idx="1"/>
+          </p:nvPr>
+        </p:nvSpPr>
+        <p:spPr/>
+        <p:txBody>
+          <a:bodyPr/>
+          <a:lstStyle/>
+          <a:p>
+            <a:endParaRPr lang="en-US" dirty="0"/>
+          </a:p>
+        </p:txBody>
+      </p:sp>
+      <p:sp>
+        <p:nvSpPr>
+          <p:cNvPr id="4" name="Slide Number Placeholder 3"/>
+          <p:cNvSpPr>
+            <a:spLocks noGrp="1"/>
+          </p:cNvSpPr>
+          <p:nvPr>
+            <p:ph type="sldNum" sz="quarter" idx="5"/>
+          </p:nvPr>
+        </p:nvSpPr>
+        <p:spPr/>
+        <p:txBody>
+          <a:bodyPr/>
+          <a:lstStyle/>
+          <a:p>
+            <a:fld id="{E460D524-EB5F-4E33-A65E-4B797E20057D}" type="slidenum">
+              <a:rPr lang="en-US" smtClean="0"/>
+              <a:t>6</a:t>
+            </a:fld>
+            <a:endParaRPr lang="en-US"/>
+          </a:p>
+        </p:txBody>
+      </p:sp>
+    </p:spTree>
+    <p:extLst>
+      <p:ext uri="{BB962C8B-B14F-4D97-AF65-F5344CB8AC3E}">
+        <p14:creationId xmlns:p14="http://schemas.microsoft.com/office/powerpoint/2010/main" val="1136228187"/>
+      </p:ext>
+    </p:extLst>
+  </p:cSld>
+  <p:clrMapOvr>
+    <a:masterClrMapping/>
+  </p:clrMapOvr>
+</p:notes>
+</file>
+
+<file path=ppt/notesSlides/notesSlide5.xml><?xml version="1.0" encoding="utf-8"?>
+<p:notes xmlns:a="http://schemas.openxmlformats.org/drawingml/2006/main" xmlns:r="http://schemas.openxmlformats.org/officeDocument/2006/relationships" xmlns:p="http://schemas.openxmlformats.org/presentationml/2006/main">
+  <p:cSld>
+    <p:spTree>
+      <p:nvGrpSpPr>
+        <p:cNvPr id="1" name=""/>
+        <p:cNvGrpSpPr/>
+        <p:nvPr/>
+      </p:nvGrpSpPr>
+      <p:grpSpPr>
+        <a:xfrm>
+          <a:off x="0" y="0"/>
+          <a:ext cx="0" cy="0"/>
+          <a:chOff x="0" y="0"/>
+          <a:chExt cx="0" cy="0"/>
+        </a:xfrm>
+      </p:grpSpPr>
+      <p:sp>
+        <p:nvSpPr>
+          <p:cNvPr id="2" name="Slide Image Placeholder 1"/>
+          <p:cNvSpPr>
+            <a:spLocks noGrp="1" noRot="1" noChangeAspect="1"/>
+          </p:cNvSpPr>
+          <p:nvPr>
+            <p:ph type="sldImg"/>
+          </p:nvPr>
+        </p:nvSpPr>
+        <p:spPr/>
+      </p:sp>
+      <p:sp>
+        <p:nvSpPr>
+          <p:cNvPr id="3" name="Notes Placeholder 2"/>
+          <p:cNvSpPr>
+            <a:spLocks noGrp="1"/>
+          </p:cNvSpPr>
+          <p:nvPr>
+            <p:ph type="body" idx="1"/>
+          </p:nvPr>
+        </p:nvSpPr>
+        <p:spPr/>
+        <p:txBody>
+          <a:bodyPr/>
+          <a:lstStyle/>
+          <a:p>
+            <a:endParaRPr lang="en-US" dirty="0"/>
+          </a:p>
+        </p:txBody>
+      </p:sp>
+      <p:sp>
+        <p:nvSpPr>
+          <p:cNvPr id="4" name="Slide Number Placeholder 3"/>
+          <p:cNvSpPr>
+            <a:spLocks noGrp="1"/>
+          </p:cNvSpPr>
+          <p:nvPr>
+            <p:ph type="sldNum" sz="quarter" idx="5"/>
+          </p:nvPr>
+        </p:nvSpPr>
+        <p:spPr/>
+        <p:txBody>
+          <a:bodyPr/>
+          <a:lstStyle/>
+          <a:p>
+            <a:fld id="{E460D524-EB5F-4E33-A65E-4B797E20057D}" type="slidenum">
+              <a:rPr lang="en-US" smtClean="0"/>
+              <a:t>7</a:t>
+            </a:fld>
+            <a:endParaRPr lang="en-US"/>
+          </a:p>
+        </p:txBody>
+      </p:sp>
+    </p:spTree>
+    <p:extLst>
+      <p:ext uri="{BB962C8B-B14F-4D97-AF65-F5344CB8AC3E}">
+        <p14:creationId xmlns:p14="http://schemas.microsoft.com/office/powerpoint/2010/main" val="2415984033"/>
+      </p:ext>
+    </p:extLst>
+  </p:cSld>
+  <p:clrMapOvr>
+    <a:masterClrMapping/>
+  </p:clrMapOvr>
+</p:notes>
+</file>
+
+<file path=ppt/notesSlides/notesSlide6.xml><?xml version="1.0" encoding="utf-8"?>
+<p:notes xmlns:a="http://schemas.openxmlformats.org/drawingml/2006/main" xmlns:r="http://schemas.openxmlformats.org/officeDocument/2006/relationships" xmlns:p="http://schemas.openxmlformats.org/presentationml/2006/main">
+  <p:cSld>
+    <p:spTree>
+      <p:nvGrpSpPr>
+        <p:cNvPr id="1" name=""/>
+        <p:cNvGrpSpPr/>
+        <p:nvPr/>
+      </p:nvGrpSpPr>
+      <p:grpSpPr>
+        <a:xfrm>
+          <a:off x="0" y="0"/>
+          <a:ext cx="0" cy="0"/>
+          <a:chOff x="0" y="0"/>
+          <a:chExt cx="0" cy="0"/>
+        </a:xfrm>
+      </p:grpSpPr>
+      <p:sp>
+        <p:nvSpPr>
+          <p:cNvPr id="2" name="Slide Image Placeholder 1"/>
+          <p:cNvSpPr>
+            <a:spLocks noGrp="1" noRot="1" noChangeAspect="1"/>
+          </p:cNvSpPr>
+          <p:nvPr>
+            <p:ph type="sldImg"/>
+          </p:nvPr>
+        </p:nvSpPr>
+        <p:spPr/>
+      </p:sp>
+      <p:sp>
+        <p:nvSpPr>
+          <p:cNvPr id="3" name="Notes Placeholder 2"/>
+          <p:cNvSpPr>
+            <a:spLocks noGrp="1"/>
+          </p:cNvSpPr>
+          <p:nvPr>
+            <p:ph type="body" idx="1"/>
+          </p:nvPr>
+        </p:nvSpPr>
+        <p:spPr/>
+        <p:txBody>
+          <a:bodyPr/>
+          <a:lstStyle/>
+          <a:p>
+            <a:endParaRPr lang="en-US" dirty="0"/>
+          </a:p>
+        </p:txBody>
+      </p:sp>
+      <p:sp>
+        <p:nvSpPr>
+          <p:cNvPr id="4" name="Slide Number Placeholder 3"/>
+          <p:cNvSpPr>
+            <a:spLocks noGrp="1"/>
+          </p:cNvSpPr>
+          <p:nvPr>
+            <p:ph type="sldNum" sz="quarter" idx="5"/>
+          </p:nvPr>
+        </p:nvSpPr>
+        <p:spPr/>
+        <p:txBody>
+          <a:bodyPr/>
+          <a:lstStyle/>
+          <a:p>
+            <a:fld id="{E460D524-EB5F-4E33-A65E-4B797E20057D}" type="slidenum">
+              <a:rPr lang="en-US" smtClean="0"/>
+              <a:t>8</a:t>
+            </a:fld>
+            <a:endParaRPr lang="en-US"/>
+          </a:p>
+        </p:txBody>
+      </p:sp>
+    </p:spTree>
+    <p:extLst>
+      <p:ext uri="{BB962C8B-B14F-4D97-AF65-F5344CB8AC3E}">
+        <p14:creationId xmlns:p14="http://schemas.microsoft.com/office/powerpoint/2010/main" val="1546986407"/>
       </p:ext>
     </p:extLst>
   </p:cSld>
@@ -4622,6 +5046,36 @@
 </p:sld>
 </file>
 
+<file path=ppt/slides/slide10.xml><?xml version="1.0" encoding="utf-8"?>
+<p:sld xmlns:a="http://schemas.openxmlformats.org/drawingml/2006/main" xmlns:r="http://schemas.openxmlformats.org/officeDocument/2006/relationships" xmlns:p="http://schemas.openxmlformats.org/presentationml/2006/main">
+  <p:cSld>
+    <p:spTree>
+      <p:nvGrpSpPr>
+        <p:cNvPr id="1" name=""/>
+        <p:cNvGrpSpPr/>
+        <p:nvPr/>
+      </p:nvGrpSpPr>
+      <p:grpSpPr>
+        <a:xfrm>
+          <a:off x="0" y="0"/>
+          <a:ext cx="0" cy="0"/>
+          <a:chOff x="0" y="0"/>
+          <a:chExt cx="0" cy="0"/>
+        </a:xfrm>
+      </p:grpSpPr>
+    </p:spTree>
+    <p:extLst>
+      <p:ext uri="{BB962C8B-B14F-4D97-AF65-F5344CB8AC3E}">
+        <p14:creationId xmlns:p14="http://schemas.microsoft.com/office/powerpoint/2010/main" val="1590461893"/>
+      </p:ext>
+    </p:extLst>
+  </p:cSld>
+  <p:clrMapOvr>
+    <a:masterClrMapping/>
+  </p:clrMapOvr>
+</p:sld>
+</file>
+
 <file path=ppt/slides/slide2.xml><?xml version="1.0" encoding="utf-8"?>
 <p:sld xmlns:a="http://schemas.openxmlformats.org/drawingml/2006/main" xmlns:r="http://schemas.openxmlformats.org/officeDocument/2006/relationships" xmlns:p="http://schemas.openxmlformats.org/presentationml/2006/main">
   <p:cSld>
@@ -4873,11 +5327,11 @@
                   <a:schemeClr val="bg1"/>
                 </a:solidFill>
               </a:rPr>
-              <a:t>progress</a:t>
+              <a:t>progress </a:t>
             </a:r>
             <a:r>
               <a:rPr lang="en-US" sz="2400" dirty="0"/>
-              <a:t> with a </a:t>
+              <a:t>with a </a:t>
             </a:r>
             <a:r>
               <a:rPr lang="en-US" sz="2400" dirty="0">
@@ -5078,7 +5532,7 @@
           <p:nvPr/>
         </p:nvPicPr>
         <p:blipFill>
-          <a:blip r:embed="rId2">
+          <a:blip r:embed="rId3">
             <a:extLst>
               <a:ext uri="{28A0092B-C50C-407E-A947-70E740481C1C}">
                 <a14:useLocalDpi xmlns:a14="http://schemas.microsoft.com/office/drawing/2010/main" val="0"/>
@@ -5114,7 +5568,7 @@
           <p:nvPr/>
         </p:nvPicPr>
         <p:blipFill>
-          <a:blip r:embed="rId3">
+          <a:blip r:embed="rId4">
             <a:extLst>
               <a:ext uri="{28A0092B-C50C-407E-A947-70E740481C1C}">
                 <a14:useLocalDpi xmlns:a14="http://schemas.microsoft.com/office/drawing/2010/main" val="0"/>
@@ -5247,7 +5701,39 @@
                   </a:outerShdw>
                 </a:effectLst>
               </a:rPr>
-              <a:t>Debt Tracker(Balance,  Payment)</a:t>
+              <a:t>Debt Tracker(Balance,  Payment, Interest Rate, Estimate time to </a:t>
+            </a:r>
+            <a:r>
+              <a:rPr lang="en-US" sz="2400" dirty="0" err="1">
+                <a:ln w="0"/>
+                <a:solidFill>
+                  <a:srgbClr val="000000"/>
+                </a:solidFill>
+                <a:effectLst>
+                  <a:outerShdw blurRad="38100" dist="19050" dir="2700000" algn="tl" rotWithShape="0">
+                    <a:schemeClr val="dk1">
+                      <a:alpha val="40000"/>
+                    </a:schemeClr>
+                  </a:outerShdw>
+                </a:effectLst>
+              </a:rPr>
+              <a:t>completition</a:t>
+            </a:r>
+            <a:r>
+              <a:rPr lang="en-US" sz="2400" dirty="0">
+                <a:ln w="0"/>
+                <a:solidFill>
+                  <a:srgbClr val="000000"/>
+                </a:solidFill>
+                <a:effectLst>
+                  <a:outerShdw blurRad="38100" dist="19050" dir="2700000" algn="tl" rotWithShape="0">
+                    <a:schemeClr val="dk1">
+                      <a:alpha val="40000"/>
+                    </a:schemeClr>
+                  </a:outerShdw>
+                </a:effectLst>
+              </a:rPr>
+              <a:t>)</a:t>
             </a:r>
           </a:p>
           <a:p>
@@ -5278,10 +5764,25 @@
                   </a:outerShdw>
                 </a:effectLst>
               </a:rPr>
-              <a:t>Budget </a:t>
-            </a:r>
-            <a:r>
-              <a:rPr lang="en-US" sz="2400">
+              <a:t>Budget (Income)</a:t>
+            </a:r>
+          </a:p>
+          <a:p>
+            <a:pPr marL="342900" indent="-342900">
+              <a:lnSpc>
+                <a:spcPct val="90000"/>
+              </a:lnSpc>
+              <a:spcBef>
+                <a:spcPct val="0"/>
+              </a:spcBef>
+              <a:spcAft>
+                <a:spcPts val="600"/>
+              </a:spcAft>
+              <a:buFont typeface="Arial" panose="020B0604020202020204" pitchFamily="34" charset="0"/>
+              <a:buChar char="•"/>
+            </a:pPr>
+            <a:r>
+              <a:rPr lang="en-US" sz="2400" dirty="0">
                 <a:ln w="0"/>
                 <a:solidFill>
                   <a:srgbClr val="000000"/>
@@ -5294,8 +5795,172 @@
                   </a:outerShdw>
                 </a:effectLst>
               </a:rPr>
-              <a:t>(Income)</a:t>
-            </a:r>
+              <a:t>Payment Reminders (Push/Email/Text/Phones)</a:t>
+            </a:r>
+          </a:p>
+          <a:p>
+            <a:pPr marL="342900" indent="-342900">
+              <a:lnSpc>
+                <a:spcPct val="90000"/>
+              </a:lnSpc>
+              <a:spcBef>
+                <a:spcPct val="0"/>
+              </a:spcBef>
+              <a:spcAft>
+                <a:spcPts val="600"/>
+              </a:spcAft>
+              <a:buFont typeface="Arial" panose="020B0604020202020204" pitchFamily="34" charset="0"/>
+              <a:buChar char="•"/>
+            </a:pPr>
+            <a:r>
+              <a:rPr lang="en-US" sz="2400" dirty="0">
+                <a:ln w="0"/>
+                <a:solidFill>
+                  <a:srgbClr val="000000"/>
+                </a:solidFill>
+                <a:effectLst>
+                  <a:outerShdw blurRad="38100" dist="19050" dir="2700000" algn="tl" rotWithShape="0">
+                    <a:schemeClr val="dk1">
+                      <a:alpha val="40000"/>
+                    </a:schemeClr>
+                  </a:outerShdw>
+                </a:effectLst>
+              </a:rPr>
+              <a:t>Nest egg tracker(Savings Account)</a:t>
+            </a:r>
+          </a:p>
+          <a:p>
+            <a:pPr marL="342900" indent="-342900">
+              <a:lnSpc>
+                <a:spcPct val="90000"/>
+              </a:lnSpc>
+              <a:spcBef>
+                <a:spcPct val="0"/>
+              </a:spcBef>
+              <a:spcAft>
+                <a:spcPts val="600"/>
+              </a:spcAft>
+              <a:buFont typeface="Arial" panose="020B0604020202020204" pitchFamily="34" charset="0"/>
+              <a:buChar char="•"/>
+            </a:pPr>
+            <a:r>
+              <a:rPr lang="en-US" sz="2400" dirty="0">
+                <a:ln w="0"/>
+                <a:solidFill>
+                  <a:srgbClr val="000000"/>
+                </a:solidFill>
+                <a:effectLst>
+                  <a:outerShdw blurRad="38100" dist="19050" dir="2700000" algn="tl" rotWithShape="0">
+                    <a:schemeClr val="dk1">
+                      <a:alpha val="40000"/>
+                    </a:schemeClr>
+                  </a:outerShdw>
+                </a:effectLst>
+              </a:rPr>
+              <a:t>Appointment Scheduling</a:t>
+            </a:r>
+          </a:p>
+          <a:p>
+            <a:pPr marL="342900" indent="-342900">
+              <a:lnSpc>
+                <a:spcPct val="90000"/>
+              </a:lnSpc>
+              <a:spcBef>
+                <a:spcPct val="0"/>
+              </a:spcBef>
+              <a:spcAft>
+                <a:spcPts val="600"/>
+              </a:spcAft>
+              <a:buFont typeface="Arial" panose="020B0604020202020204" pitchFamily="34" charset="0"/>
+              <a:buChar char="•"/>
+            </a:pPr>
+            <a:r>
+              <a:rPr lang="en-US" sz="2400" dirty="0">
+                <a:ln w="0"/>
+                <a:solidFill>
+                  <a:srgbClr val="000000"/>
+                </a:solidFill>
+                <a:effectLst>
+                  <a:outerShdw blurRad="38100" dist="19050" dir="2700000" algn="tl" rotWithShape="0">
+                    <a:schemeClr val="dk1">
+                      <a:alpha val="40000"/>
+                    </a:schemeClr>
+                  </a:outerShdw>
+                </a:effectLst>
+              </a:rPr>
+              <a:t>Find nearby locations</a:t>
+            </a:r>
+          </a:p>
+          <a:p>
+            <a:pPr marL="342900" indent="-342900">
+              <a:lnSpc>
+                <a:spcPct val="90000"/>
+              </a:lnSpc>
+              <a:spcBef>
+                <a:spcPct val="0"/>
+              </a:spcBef>
+              <a:spcAft>
+                <a:spcPts val="600"/>
+              </a:spcAft>
+              <a:buFont typeface="Arial" panose="020B0604020202020204" pitchFamily="34" charset="0"/>
+              <a:buChar char="•"/>
+            </a:pPr>
+            <a:endParaRPr lang="en-US" sz="2400" dirty="0">
+              <a:ln w="0"/>
+              <a:solidFill>
+                <a:srgbClr val="000000"/>
+              </a:solidFill>
+              <a:effectLst>
+                <a:outerShdw blurRad="38100" dist="19050" dir="2700000" algn="tl" rotWithShape="0">
+                  <a:schemeClr val="dk1">
+                    <a:alpha val="40000"/>
+                  </a:schemeClr>
+                </a:outerShdw>
+              </a:effectLst>
+            </a:endParaRPr>
+          </a:p>
+          <a:p>
+            <a:pPr marL="342900" indent="-342900">
+              <a:lnSpc>
+                <a:spcPct val="90000"/>
+              </a:lnSpc>
+              <a:spcBef>
+                <a:spcPct val="0"/>
+              </a:spcBef>
+              <a:spcAft>
+                <a:spcPts val="600"/>
+              </a:spcAft>
+              <a:buFont typeface="Arial" panose="020B0604020202020204" pitchFamily="34" charset="0"/>
+              <a:buChar char="•"/>
+            </a:pPr>
+            <a:endParaRPr lang="en-US" sz="2400" dirty="0">
+              <a:ln w="0"/>
+              <a:solidFill>
+                <a:srgbClr val="000000"/>
+              </a:solidFill>
+              <a:effectLst>
+                <a:outerShdw blurRad="38100" dist="19050" dir="2700000" algn="tl" rotWithShape="0">
+                  <a:schemeClr val="dk1">
+                    <a:alpha val="40000"/>
+                  </a:schemeClr>
+                </a:outerShdw>
+              </a:effectLst>
+            </a:endParaRPr>
+          </a:p>
+          <a:p>
+            <a:pPr marL="342900" indent="-342900">
+              <a:lnSpc>
+                <a:spcPct val="90000"/>
+              </a:lnSpc>
+              <a:spcBef>
+                <a:spcPct val="0"/>
+              </a:spcBef>
+              <a:spcAft>
+                <a:spcPts val="600"/>
+              </a:spcAft>
+              <a:buFont typeface="Arial" panose="020B0604020202020204" pitchFamily="34" charset="0"/>
+              <a:buChar char="•"/>
+            </a:pPr>
             <a:endParaRPr lang="en-US" sz="2400" dirty="0">
               <a:ln w="0"/>
               <a:solidFill>
@@ -5501,6 +6166,142 @@
           </a:prstGeom>
         </p:spPr>
       </p:pic>
+      <p:sp>
+        <p:nvSpPr>
+          <p:cNvPr id="4" name="Rectangle 3">
+            <a:extLst>
+              <a:ext uri="{FF2B5EF4-FFF2-40B4-BE49-F238E27FC236}">
+                <a16:creationId xmlns:a16="http://schemas.microsoft.com/office/drawing/2014/main" id="{EA166BA9-897B-4FB9-90A0-4A2EC6862345}"/>
+              </a:ext>
+            </a:extLst>
+          </p:cNvPr>
+          <p:cNvSpPr/>
+          <p:nvPr/>
+        </p:nvSpPr>
+        <p:spPr>
+          <a:xfrm>
+            <a:off x="4514748" y="3138828"/>
+            <a:ext cx="7326060" cy="6042493"/>
+          </a:xfrm>
+          <a:prstGeom prst="rect">
+            <a:avLst/>
+          </a:prstGeom>
+        </p:spPr>
+        <p:txBody>
+          <a:bodyPr vert="horz" lIns="91440" tIns="45720" rIns="91440" bIns="45720" rtlCol="0" anchor="t">
+            <a:normAutofit/>
+          </a:bodyPr>
+          <a:lstStyle/>
+          <a:p>
+            <a:pPr>
+              <a:lnSpc>
+                <a:spcPct val="90000"/>
+              </a:lnSpc>
+              <a:spcBef>
+                <a:spcPct val="0"/>
+              </a:spcBef>
+              <a:spcAft>
+                <a:spcPts val="600"/>
+              </a:spcAft>
+            </a:pPr>
+            <a:r>
+              <a:rPr lang="en-US" sz="2000" i="1" u="sng" dirty="0"/>
+              <a:t>How does our proposed solution respond to the challenge statement?</a:t>
+            </a:r>
+          </a:p>
+          <a:p>
+            <a:pPr>
+              <a:lnSpc>
+                <a:spcPct val="90000"/>
+              </a:lnSpc>
+              <a:spcBef>
+                <a:spcPct val="0"/>
+              </a:spcBef>
+              <a:spcAft>
+                <a:spcPts val="600"/>
+              </a:spcAft>
+            </a:pPr>
+            <a:r>
+              <a:rPr lang="en-US" i="1" dirty="0"/>
+              <a:t> </a:t>
+            </a:r>
+            <a:endParaRPr lang="en-US" sz="4400" b="0" cap="none" spc="0" dirty="0">
+              <a:ln w="0"/>
+              <a:solidFill>
+                <a:srgbClr val="000000"/>
+              </a:solidFill>
+              <a:effectLst>
+                <a:outerShdw blurRad="38100" dist="19050" dir="2700000" algn="tl" rotWithShape="0">
+                  <a:schemeClr val="dk1">
+                    <a:alpha val="40000"/>
+                  </a:schemeClr>
+                </a:outerShdw>
+              </a:effectLst>
+              <a:latin typeface="+mj-lt"/>
+              <a:ea typeface="+mj-ea"/>
+              <a:cs typeface="+mj-cs"/>
+            </a:endParaRPr>
+          </a:p>
+          <a:p>
+            <a:pPr>
+              <a:lnSpc>
+                <a:spcPct val="90000"/>
+              </a:lnSpc>
+              <a:spcBef>
+                <a:spcPct val="0"/>
+              </a:spcBef>
+              <a:spcAft>
+                <a:spcPts val="600"/>
+              </a:spcAft>
+            </a:pPr>
+            <a:endParaRPr lang="en-US" sz="2800" dirty="0">
+              <a:ln w="0"/>
+              <a:solidFill>
+                <a:srgbClr val="000000"/>
+              </a:solidFill>
+              <a:effectLst>
+                <a:outerShdw blurRad="38100" dist="19050" dir="2700000" algn="tl" rotWithShape="0">
+                  <a:schemeClr val="dk1">
+                    <a:alpha val="40000"/>
+                  </a:schemeClr>
+                </a:outerShdw>
+              </a:effectLst>
+              <a:latin typeface="+mj-lt"/>
+              <a:ea typeface="+mj-ea"/>
+              <a:cs typeface="+mj-cs"/>
+            </a:endParaRPr>
+          </a:p>
+          <a:p>
+            <a:pPr>
+              <a:lnSpc>
+                <a:spcPct val="90000"/>
+              </a:lnSpc>
+              <a:spcBef>
+                <a:spcPct val="0"/>
+              </a:spcBef>
+              <a:spcAft>
+                <a:spcPts val="600"/>
+              </a:spcAft>
+            </a:pPr>
+            <a:endParaRPr lang="en-US" sz="4400" b="0" cap="none" spc="0" dirty="0">
+              <a:ln w="0"/>
+              <a:solidFill>
+                <a:srgbClr val="000000"/>
+              </a:solidFill>
+              <a:effectLst>
+                <a:outerShdw blurRad="38100" dist="19050" dir="2700000" algn="tl" rotWithShape="0">
+                  <a:schemeClr val="dk1">
+                    <a:alpha val="40000"/>
+                  </a:schemeClr>
+                </a:outerShdw>
+              </a:effectLst>
+              <a:latin typeface="+mj-lt"/>
+              <a:ea typeface="+mj-ea"/>
+              <a:cs typeface="+mj-cs"/>
+            </a:endParaRPr>
+          </a:p>
+        </p:txBody>
+      </p:sp>
     </p:spTree>
     <p:extLst>
       <p:ext uri="{BB962C8B-B14F-4D97-AF65-F5344CB8AC3E}">
@@ -5546,7 +6347,7 @@
           <p:nvPr/>
         </p:nvPicPr>
         <p:blipFill>
-          <a:blip r:embed="rId2">
+          <a:blip r:embed="rId3">
             <a:extLst>
               <a:ext uri="{28A0092B-C50C-407E-A947-70E740481C1C}">
                 <a14:useLocalDpi xmlns:a14="http://schemas.microsoft.com/office/drawing/2010/main" val="0"/>
@@ -5582,7 +6383,7 @@
           <p:nvPr/>
         </p:nvPicPr>
         <p:blipFill>
-          <a:blip r:embed="rId3">
+          <a:blip r:embed="rId4">
             <a:extLst>
               <a:ext uri="{28A0092B-C50C-407E-A947-70E740481C1C}">
                 <a14:useLocalDpi xmlns:a14="http://schemas.microsoft.com/office/drawing/2010/main" val="0"/>
@@ -5603,6 +6404,700 @@
           </a:prstGeom>
         </p:spPr>
       </p:pic>
+      <p:sp>
+        <p:nvSpPr>
+          <p:cNvPr id="2" name="Rectangle 1">
+            <a:extLst>
+              <a:ext uri="{FF2B5EF4-FFF2-40B4-BE49-F238E27FC236}">
+                <a16:creationId xmlns:a16="http://schemas.microsoft.com/office/drawing/2014/main" id="{74C58203-793B-4E6D-938A-334F35970113}"/>
+              </a:ext>
+            </a:extLst>
+          </p:cNvPr>
+          <p:cNvSpPr/>
+          <p:nvPr/>
+        </p:nvSpPr>
+        <p:spPr>
+          <a:xfrm>
+            <a:off x="4438284" y="384355"/>
+            <a:ext cx="3539367" cy="341632"/>
+          </a:xfrm>
+          <a:prstGeom prst="rect">
+            <a:avLst/>
+          </a:prstGeom>
+        </p:spPr>
+        <p:txBody>
+          <a:bodyPr wrap="none">
+            <a:spAutoFit/>
+          </a:bodyPr>
+          <a:lstStyle/>
+          <a:p>
+            <a:pPr>
+              <a:lnSpc>
+                <a:spcPct val="90000"/>
+              </a:lnSpc>
+              <a:spcBef>
+                <a:spcPct val="0"/>
+              </a:spcBef>
+              <a:spcAft>
+                <a:spcPts val="600"/>
+              </a:spcAft>
+            </a:pPr>
+            <a:r>
+              <a:rPr lang="en-US" dirty="0">
+                <a:solidFill>
+                  <a:schemeClr val="bg1"/>
+                </a:solidFill>
+              </a:rPr>
+              <a:t>Motivational Visual Representation:</a:t>
+            </a:r>
+          </a:p>
+        </p:txBody>
+      </p:sp>
+      <p:sp>
+        <p:nvSpPr>
+          <p:cNvPr id="6" name="Rectangle 5">
+            <a:extLst>
+              <a:ext uri="{FF2B5EF4-FFF2-40B4-BE49-F238E27FC236}">
+                <a16:creationId xmlns:a16="http://schemas.microsoft.com/office/drawing/2014/main" id="{240D8D61-9C33-4C33-A762-90B1D9A476CB}"/>
+              </a:ext>
+            </a:extLst>
+          </p:cNvPr>
+          <p:cNvSpPr/>
+          <p:nvPr/>
+        </p:nvSpPr>
+        <p:spPr>
+          <a:xfrm>
+            <a:off x="4440083" y="1039441"/>
+            <a:ext cx="7326060" cy="6042493"/>
+          </a:xfrm>
+          <a:prstGeom prst="rect">
+            <a:avLst/>
+          </a:prstGeom>
+        </p:spPr>
+        <p:txBody>
+          <a:bodyPr vert="horz" lIns="91440" tIns="45720" rIns="91440" bIns="45720" rtlCol="0" anchor="t">
+            <a:normAutofit/>
+          </a:bodyPr>
+          <a:lstStyle/>
+          <a:p>
+            <a:pPr marL="342900" indent="-342900">
+              <a:lnSpc>
+                <a:spcPct val="90000"/>
+              </a:lnSpc>
+              <a:spcBef>
+                <a:spcPct val="0"/>
+              </a:spcBef>
+              <a:spcAft>
+                <a:spcPts val="600"/>
+              </a:spcAft>
+              <a:buFont typeface="Arial" panose="020B0604020202020204" pitchFamily="34" charset="0"/>
+              <a:buChar char="•"/>
+            </a:pPr>
+            <a:r>
+              <a:rPr lang="en-US" sz="2400" dirty="0">
+                <a:ln w="0"/>
+                <a:solidFill>
+                  <a:srgbClr val="000000"/>
+                </a:solidFill>
+                <a:effectLst>
+                  <a:outerShdw blurRad="38100" dist="19050" dir="2700000" algn="tl" rotWithShape="0">
+                    <a:schemeClr val="dk1">
+                      <a:alpha val="40000"/>
+                    </a:schemeClr>
+                  </a:outerShdw>
+                </a:effectLst>
+              </a:rPr>
+              <a:t>Balance Summary </a:t>
+            </a:r>
+          </a:p>
+          <a:p>
+            <a:pPr marL="342900" indent="-342900">
+              <a:lnSpc>
+                <a:spcPct val="90000"/>
+              </a:lnSpc>
+              <a:spcBef>
+                <a:spcPct val="0"/>
+              </a:spcBef>
+              <a:spcAft>
+                <a:spcPts val="600"/>
+              </a:spcAft>
+              <a:buFont typeface="Arial" panose="020B0604020202020204" pitchFamily="34" charset="0"/>
+              <a:buChar char="•"/>
+            </a:pPr>
+            <a:endParaRPr lang="en-US" sz="2400" dirty="0">
+              <a:ln w="0"/>
+              <a:solidFill>
+                <a:srgbClr val="000000"/>
+              </a:solidFill>
+              <a:effectLst>
+                <a:outerShdw blurRad="38100" dist="19050" dir="2700000" algn="tl" rotWithShape="0">
+                  <a:schemeClr val="dk1">
+                    <a:alpha val="40000"/>
+                  </a:schemeClr>
+                </a:outerShdw>
+              </a:effectLst>
+            </a:endParaRPr>
+          </a:p>
+          <a:p>
+            <a:pPr marL="342900" indent="-342900">
+              <a:lnSpc>
+                <a:spcPct val="90000"/>
+              </a:lnSpc>
+              <a:spcBef>
+                <a:spcPct val="0"/>
+              </a:spcBef>
+              <a:spcAft>
+                <a:spcPts val="600"/>
+              </a:spcAft>
+              <a:buFont typeface="Arial" panose="020B0604020202020204" pitchFamily="34" charset="0"/>
+              <a:buChar char="•"/>
+            </a:pPr>
+            <a:endParaRPr lang="en-US" sz="2400" dirty="0">
+              <a:ln w="0"/>
+              <a:solidFill>
+                <a:srgbClr val="000000"/>
+              </a:solidFill>
+              <a:effectLst>
+                <a:outerShdw blurRad="38100" dist="19050" dir="2700000" algn="tl" rotWithShape="0">
+                  <a:schemeClr val="dk1">
+                    <a:alpha val="40000"/>
+                  </a:schemeClr>
+                </a:outerShdw>
+              </a:effectLst>
+            </a:endParaRPr>
+          </a:p>
+          <a:p>
+            <a:pPr>
+              <a:lnSpc>
+                <a:spcPct val="90000"/>
+              </a:lnSpc>
+              <a:spcBef>
+                <a:spcPct val="0"/>
+              </a:spcBef>
+              <a:spcAft>
+                <a:spcPts val="600"/>
+              </a:spcAft>
+            </a:pPr>
+            <a:endParaRPr lang="en-US" sz="2400" dirty="0">
+              <a:ln w="0"/>
+              <a:solidFill>
+                <a:srgbClr val="000000"/>
+              </a:solidFill>
+              <a:effectLst>
+                <a:outerShdw blurRad="38100" dist="19050" dir="2700000" algn="tl" rotWithShape="0">
+                  <a:schemeClr val="dk1">
+                    <a:alpha val="40000"/>
+                  </a:schemeClr>
+                </a:outerShdw>
+              </a:effectLst>
+            </a:endParaRPr>
+          </a:p>
+          <a:p>
+            <a:pPr marL="342900" indent="-342900">
+              <a:lnSpc>
+                <a:spcPct val="90000"/>
+              </a:lnSpc>
+              <a:spcBef>
+                <a:spcPct val="0"/>
+              </a:spcBef>
+              <a:spcAft>
+                <a:spcPts val="600"/>
+              </a:spcAft>
+              <a:buFont typeface="Arial" panose="020B0604020202020204" pitchFamily="34" charset="0"/>
+              <a:buChar char="•"/>
+            </a:pPr>
+            <a:r>
+              <a:rPr lang="en-US" sz="2400" dirty="0">
+                <a:ln w="0"/>
+                <a:solidFill>
+                  <a:srgbClr val="000000"/>
+                </a:solidFill>
+                <a:effectLst>
+                  <a:outerShdw blurRad="38100" dist="19050" dir="2700000" algn="tl" rotWithShape="0">
+                    <a:schemeClr val="dk1">
+                      <a:alpha val="40000"/>
+                    </a:schemeClr>
+                  </a:outerShdw>
+                </a:effectLst>
+              </a:rPr>
+              <a:t>Different Goal Steps  ---  Motivational Tiers</a:t>
+            </a:r>
+          </a:p>
+          <a:p>
+            <a:pPr>
+              <a:lnSpc>
+                <a:spcPct val="90000"/>
+              </a:lnSpc>
+              <a:spcBef>
+                <a:spcPct val="0"/>
+              </a:spcBef>
+              <a:spcAft>
+                <a:spcPts val="600"/>
+              </a:spcAft>
+            </a:pPr>
+            <a:endParaRPr lang="en-US" sz="2400" dirty="0">
+              <a:ln w="0"/>
+              <a:solidFill>
+                <a:srgbClr val="000000"/>
+              </a:solidFill>
+              <a:effectLst>
+                <a:outerShdw blurRad="38100" dist="19050" dir="2700000" algn="tl" rotWithShape="0">
+                  <a:schemeClr val="dk1">
+                    <a:alpha val="40000"/>
+                  </a:schemeClr>
+                </a:outerShdw>
+              </a:effectLst>
+            </a:endParaRPr>
+          </a:p>
+          <a:p>
+            <a:pPr marL="342900" indent="-342900">
+              <a:lnSpc>
+                <a:spcPct val="90000"/>
+              </a:lnSpc>
+              <a:spcBef>
+                <a:spcPct val="0"/>
+              </a:spcBef>
+              <a:spcAft>
+                <a:spcPts val="600"/>
+              </a:spcAft>
+              <a:buFont typeface="Arial" panose="020B0604020202020204" pitchFamily="34" charset="0"/>
+              <a:buChar char="•"/>
+            </a:pPr>
+            <a:endParaRPr lang="en-US" sz="2400" dirty="0">
+              <a:ln w="0"/>
+              <a:solidFill>
+                <a:srgbClr val="000000"/>
+              </a:solidFill>
+              <a:effectLst>
+                <a:outerShdw blurRad="38100" dist="19050" dir="2700000" algn="tl" rotWithShape="0">
+                  <a:schemeClr val="dk1">
+                    <a:alpha val="40000"/>
+                  </a:schemeClr>
+                </a:outerShdw>
+              </a:effectLst>
+            </a:endParaRPr>
+          </a:p>
+          <a:p>
+            <a:pPr marL="342900" indent="-342900">
+              <a:lnSpc>
+                <a:spcPct val="90000"/>
+              </a:lnSpc>
+              <a:spcBef>
+                <a:spcPct val="0"/>
+              </a:spcBef>
+              <a:spcAft>
+                <a:spcPts val="600"/>
+              </a:spcAft>
+              <a:buFont typeface="Arial" panose="020B0604020202020204" pitchFamily="34" charset="0"/>
+              <a:buChar char="•"/>
+            </a:pPr>
+            <a:endParaRPr lang="en-US" sz="2400" dirty="0">
+              <a:ln w="0"/>
+              <a:solidFill>
+                <a:srgbClr val="000000"/>
+              </a:solidFill>
+              <a:effectLst>
+                <a:outerShdw blurRad="38100" dist="19050" dir="2700000" algn="tl" rotWithShape="0">
+                  <a:schemeClr val="dk1">
+                    <a:alpha val="40000"/>
+                  </a:schemeClr>
+                </a:outerShdw>
+              </a:effectLst>
+            </a:endParaRPr>
+          </a:p>
+          <a:p>
+            <a:pPr marL="342900" indent="-342900">
+              <a:lnSpc>
+                <a:spcPct val="90000"/>
+              </a:lnSpc>
+              <a:spcBef>
+                <a:spcPct val="0"/>
+              </a:spcBef>
+              <a:spcAft>
+                <a:spcPts val="600"/>
+              </a:spcAft>
+              <a:buFont typeface="Arial" panose="020B0604020202020204" pitchFamily="34" charset="0"/>
+              <a:buChar char="•"/>
+            </a:pPr>
+            <a:endParaRPr lang="en-US" sz="2400" dirty="0">
+              <a:ln w="0"/>
+              <a:solidFill>
+                <a:srgbClr val="000000"/>
+              </a:solidFill>
+              <a:effectLst>
+                <a:outerShdw blurRad="38100" dist="19050" dir="2700000" algn="tl" rotWithShape="0">
+                  <a:schemeClr val="dk1">
+                    <a:alpha val="40000"/>
+                  </a:schemeClr>
+                </a:outerShdw>
+              </a:effectLst>
+            </a:endParaRPr>
+          </a:p>
+          <a:p>
+            <a:pPr marL="342900" indent="-342900">
+              <a:lnSpc>
+                <a:spcPct val="90000"/>
+              </a:lnSpc>
+              <a:spcBef>
+                <a:spcPct val="0"/>
+              </a:spcBef>
+              <a:spcAft>
+                <a:spcPts val="600"/>
+              </a:spcAft>
+              <a:buFont typeface="Arial" panose="020B0604020202020204" pitchFamily="34" charset="0"/>
+              <a:buChar char="•"/>
+            </a:pPr>
+            <a:endParaRPr lang="en-US" sz="2400" dirty="0">
+              <a:ln w="0"/>
+              <a:solidFill>
+                <a:srgbClr val="000000"/>
+              </a:solidFill>
+              <a:effectLst>
+                <a:outerShdw blurRad="38100" dist="19050" dir="2700000" algn="tl" rotWithShape="0">
+                  <a:schemeClr val="dk1">
+                    <a:alpha val="40000"/>
+                  </a:schemeClr>
+                </a:outerShdw>
+              </a:effectLst>
+            </a:endParaRPr>
+          </a:p>
+          <a:p>
+            <a:pPr marL="342900" indent="-342900">
+              <a:lnSpc>
+                <a:spcPct val="90000"/>
+              </a:lnSpc>
+              <a:spcBef>
+                <a:spcPct val="0"/>
+              </a:spcBef>
+              <a:spcAft>
+                <a:spcPts val="600"/>
+              </a:spcAft>
+              <a:buFont typeface="Arial" panose="020B0604020202020204" pitchFamily="34" charset="0"/>
+              <a:buChar char="•"/>
+            </a:pPr>
+            <a:endParaRPr lang="en-US" sz="2400" dirty="0">
+              <a:ln w="0"/>
+              <a:solidFill>
+                <a:srgbClr val="000000"/>
+              </a:solidFill>
+              <a:effectLst>
+                <a:outerShdw blurRad="38100" dist="19050" dir="2700000" algn="tl" rotWithShape="0">
+                  <a:schemeClr val="dk1">
+                    <a:alpha val="40000"/>
+                  </a:schemeClr>
+                </a:outerShdw>
+              </a:effectLst>
+            </a:endParaRPr>
+          </a:p>
+          <a:p>
+            <a:pPr marL="342900" indent="-342900">
+              <a:lnSpc>
+                <a:spcPct val="90000"/>
+              </a:lnSpc>
+              <a:spcBef>
+                <a:spcPct val="0"/>
+              </a:spcBef>
+              <a:spcAft>
+                <a:spcPts val="600"/>
+              </a:spcAft>
+              <a:buFont typeface="Arial" panose="020B0604020202020204" pitchFamily="34" charset="0"/>
+              <a:buChar char="•"/>
+            </a:pPr>
+            <a:r>
+              <a:rPr lang="en-US" sz="2400" dirty="0">
+                <a:ln w="0"/>
+                <a:solidFill>
+                  <a:srgbClr val="000000"/>
+                </a:solidFill>
+                <a:effectLst>
+                  <a:outerShdw blurRad="38100" dist="19050" dir="2700000" algn="tl" rotWithShape="0">
+                    <a:schemeClr val="dk1">
+                      <a:alpha val="40000"/>
+                    </a:schemeClr>
+                  </a:outerShdw>
+                </a:effectLst>
+              </a:rPr>
+              <a:t>One More payment until you are </a:t>
+            </a:r>
+            <a:r>
+              <a:rPr lang="en-US" sz="2400" dirty="0">
+                <a:ln w="0"/>
+                <a:solidFill>
+                  <a:srgbClr val="FF0000"/>
+                </a:solidFill>
+                <a:effectLst>
+                  <a:outerShdw blurRad="38100" dist="19050" dir="2700000" algn="tl" rotWithShape="0">
+                    <a:schemeClr val="dk1">
+                      <a:alpha val="40000"/>
+                    </a:schemeClr>
+                  </a:outerShdw>
+                </a:effectLst>
+              </a:rPr>
+              <a:t>25%</a:t>
+            </a:r>
+            <a:r>
+              <a:rPr lang="en-US" sz="2400" dirty="0">
+                <a:ln w="0"/>
+                <a:solidFill>
+                  <a:srgbClr val="000000"/>
+                </a:solidFill>
+                <a:effectLst>
+                  <a:outerShdw blurRad="38100" dist="19050" dir="2700000" algn="tl" rotWithShape="0">
+                    <a:schemeClr val="dk1">
+                      <a:alpha val="40000"/>
+                    </a:schemeClr>
+                  </a:outerShdw>
+                </a:effectLst>
+              </a:rPr>
+              <a:t>, </a:t>
+            </a:r>
+            <a:r>
+              <a:rPr lang="en-US" sz="2400" dirty="0">
+                <a:ln w="0"/>
+                <a:solidFill>
+                  <a:srgbClr val="FF0000"/>
+                </a:solidFill>
+                <a:effectLst>
+                  <a:outerShdw blurRad="38100" dist="19050" dir="2700000" algn="tl" rotWithShape="0">
+                    <a:schemeClr val="dk1">
+                      <a:alpha val="40000"/>
+                    </a:schemeClr>
+                  </a:outerShdw>
+                </a:effectLst>
+              </a:rPr>
+              <a:t>50%</a:t>
+            </a:r>
+            <a:r>
+              <a:rPr lang="en-US" sz="2400" dirty="0">
+                <a:ln w="0"/>
+                <a:solidFill>
+                  <a:srgbClr val="000000"/>
+                </a:solidFill>
+                <a:effectLst>
+                  <a:outerShdw blurRad="38100" dist="19050" dir="2700000" algn="tl" rotWithShape="0">
+                    <a:schemeClr val="dk1">
+                      <a:alpha val="40000"/>
+                    </a:schemeClr>
+                  </a:outerShdw>
+                </a:effectLst>
+              </a:rPr>
+              <a:t>, </a:t>
+            </a:r>
+            <a:r>
+              <a:rPr lang="en-US" sz="2400" dirty="0">
+                <a:ln w="0"/>
+                <a:solidFill>
+                  <a:srgbClr val="FF0000"/>
+                </a:solidFill>
+                <a:effectLst>
+                  <a:outerShdw blurRad="38100" dist="19050" dir="2700000" algn="tl" rotWithShape="0">
+                    <a:schemeClr val="dk1">
+                      <a:alpha val="40000"/>
+                    </a:schemeClr>
+                  </a:outerShdw>
+                </a:effectLst>
+              </a:rPr>
+              <a:t>75%</a:t>
+            </a:r>
+          </a:p>
+          <a:p>
+            <a:pPr>
+              <a:lnSpc>
+                <a:spcPct val="90000"/>
+              </a:lnSpc>
+              <a:spcBef>
+                <a:spcPct val="0"/>
+              </a:spcBef>
+              <a:spcAft>
+                <a:spcPts val="600"/>
+              </a:spcAft>
+            </a:pPr>
+            <a:r>
+              <a:rPr lang="en-US" sz="2400" dirty="0">
+                <a:ln w="0"/>
+                <a:solidFill>
+                  <a:srgbClr val="000000"/>
+                </a:solidFill>
+                <a:effectLst>
+                  <a:outerShdw blurRad="38100" dist="19050" dir="2700000" algn="tl" rotWithShape="0">
+                    <a:schemeClr val="dk1">
+                      <a:alpha val="40000"/>
+                    </a:schemeClr>
+                  </a:outerShdw>
+                </a:effectLst>
+              </a:rPr>
+              <a:t>     of your goal</a:t>
+            </a:r>
+          </a:p>
+          <a:p>
+            <a:pPr>
+              <a:lnSpc>
+                <a:spcPct val="90000"/>
+              </a:lnSpc>
+              <a:spcBef>
+                <a:spcPct val="0"/>
+              </a:spcBef>
+              <a:spcAft>
+                <a:spcPts val="600"/>
+              </a:spcAft>
+            </a:pPr>
+            <a:endParaRPr lang="en-US" sz="2400" dirty="0">
+              <a:ln w="0"/>
+              <a:solidFill>
+                <a:srgbClr val="000000"/>
+              </a:solidFill>
+              <a:effectLst>
+                <a:outerShdw blurRad="38100" dist="19050" dir="2700000" algn="tl" rotWithShape="0">
+                  <a:schemeClr val="dk1">
+                    <a:alpha val="40000"/>
+                  </a:schemeClr>
+                </a:outerShdw>
+              </a:effectLst>
+            </a:endParaRPr>
+          </a:p>
+          <a:p>
+            <a:pPr>
+              <a:lnSpc>
+                <a:spcPct val="90000"/>
+              </a:lnSpc>
+              <a:spcBef>
+                <a:spcPct val="0"/>
+              </a:spcBef>
+              <a:spcAft>
+                <a:spcPts val="600"/>
+              </a:spcAft>
+            </a:pPr>
+            <a:endParaRPr lang="en-US" sz="2400" dirty="0">
+              <a:ln w="0"/>
+              <a:solidFill>
+                <a:srgbClr val="000000"/>
+              </a:solidFill>
+              <a:effectLst>
+                <a:outerShdw blurRad="38100" dist="19050" dir="2700000" algn="tl" rotWithShape="0">
+                  <a:schemeClr val="dk1">
+                    <a:alpha val="40000"/>
+                  </a:schemeClr>
+                </a:outerShdw>
+              </a:effectLst>
+            </a:endParaRPr>
+          </a:p>
+          <a:p>
+            <a:pPr marL="342900" indent="-342900">
+              <a:lnSpc>
+                <a:spcPct val="90000"/>
+              </a:lnSpc>
+              <a:spcBef>
+                <a:spcPct val="0"/>
+              </a:spcBef>
+              <a:spcAft>
+                <a:spcPts val="600"/>
+              </a:spcAft>
+              <a:buFont typeface="Arial" panose="020B0604020202020204" pitchFamily="34" charset="0"/>
+              <a:buChar char="•"/>
+            </a:pPr>
+            <a:endParaRPr lang="en-US" sz="2400" dirty="0">
+              <a:ln w="0"/>
+              <a:solidFill>
+                <a:srgbClr val="000000"/>
+              </a:solidFill>
+              <a:effectLst>
+                <a:outerShdw blurRad="38100" dist="19050" dir="2700000" algn="tl" rotWithShape="0">
+                  <a:schemeClr val="dk1">
+                    <a:alpha val="40000"/>
+                  </a:schemeClr>
+                </a:outerShdw>
+              </a:effectLst>
+            </a:endParaRPr>
+          </a:p>
+          <a:p>
+            <a:pPr>
+              <a:lnSpc>
+                <a:spcPct val="90000"/>
+              </a:lnSpc>
+              <a:spcBef>
+                <a:spcPct val="0"/>
+              </a:spcBef>
+              <a:spcAft>
+                <a:spcPts val="600"/>
+              </a:spcAft>
+            </a:pPr>
+            <a:endParaRPr lang="en-US" sz="4400" b="0" cap="none" spc="0" dirty="0">
+              <a:ln w="0"/>
+              <a:solidFill>
+                <a:srgbClr val="000000"/>
+              </a:solidFill>
+              <a:effectLst>
+                <a:outerShdw blurRad="38100" dist="19050" dir="2700000" algn="tl" rotWithShape="0">
+                  <a:schemeClr val="dk1">
+                    <a:alpha val="40000"/>
+                  </a:schemeClr>
+                </a:outerShdw>
+              </a:effectLst>
+              <a:latin typeface="+mj-lt"/>
+              <a:ea typeface="+mj-ea"/>
+              <a:cs typeface="+mj-cs"/>
+            </a:endParaRPr>
+          </a:p>
+          <a:p>
+            <a:pPr>
+              <a:lnSpc>
+                <a:spcPct val="90000"/>
+              </a:lnSpc>
+              <a:spcBef>
+                <a:spcPct val="0"/>
+              </a:spcBef>
+              <a:spcAft>
+                <a:spcPts val="600"/>
+              </a:spcAft>
+            </a:pPr>
+            <a:endParaRPr lang="en-US" sz="4400" dirty="0">
+              <a:ln w="0"/>
+              <a:solidFill>
+                <a:srgbClr val="000000"/>
+              </a:solidFill>
+              <a:effectLst>
+                <a:outerShdw blurRad="38100" dist="19050" dir="2700000" algn="tl" rotWithShape="0">
+                  <a:schemeClr val="dk1">
+                    <a:alpha val="40000"/>
+                  </a:schemeClr>
+                </a:outerShdw>
+              </a:effectLst>
+              <a:latin typeface="+mj-lt"/>
+              <a:ea typeface="+mj-ea"/>
+              <a:cs typeface="+mj-cs"/>
+            </a:endParaRPr>
+          </a:p>
+          <a:p>
+            <a:pPr>
+              <a:lnSpc>
+                <a:spcPct val="90000"/>
+              </a:lnSpc>
+              <a:spcBef>
+                <a:spcPct val="0"/>
+              </a:spcBef>
+              <a:spcAft>
+                <a:spcPts val="600"/>
+              </a:spcAft>
+            </a:pPr>
+            <a:endParaRPr lang="en-US" sz="4400" b="0" cap="none" spc="0" dirty="0">
+              <a:ln w="0"/>
+              <a:solidFill>
+                <a:srgbClr val="000000"/>
+              </a:solidFill>
+              <a:effectLst>
+                <a:outerShdw blurRad="38100" dist="19050" dir="2700000" algn="tl" rotWithShape="0">
+                  <a:schemeClr val="dk1">
+                    <a:alpha val="40000"/>
+                  </a:schemeClr>
+                </a:outerShdw>
+              </a:effectLst>
+              <a:latin typeface="+mj-lt"/>
+              <a:ea typeface="+mj-ea"/>
+              <a:cs typeface="+mj-cs"/>
+            </a:endParaRPr>
+          </a:p>
+        </p:txBody>
+      </p:sp>
     </p:spTree>
     <p:extLst>
       <p:ext uri="{BB962C8B-B14F-4D97-AF65-F5344CB8AC3E}">
@@ -5633,10 +7128,2380 @@
           <a:chExt cx="0" cy="0"/>
         </a:xfrm>
       </p:grpSpPr>
+      <p:pic>
+        <p:nvPicPr>
+          <p:cNvPr id="5" name="Picture 4">
+            <a:extLst>
+              <a:ext uri="{FF2B5EF4-FFF2-40B4-BE49-F238E27FC236}">
+                <a16:creationId xmlns:a16="http://schemas.microsoft.com/office/drawing/2014/main" id="{04AEEED3-2570-4B00-9A78-7D97DF270627}"/>
+              </a:ext>
+            </a:extLst>
+          </p:cNvPr>
+          <p:cNvPicPr>
+            <a:picLocks noChangeAspect="1"/>
+          </p:cNvPicPr>
+          <p:nvPr/>
+        </p:nvPicPr>
+        <p:blipFill>
+          <a:blip r:embed="rId3">
+            <a:extLst>
+              <a:ext uri="{28A0092B-C50C-407E-A947-70E740481C1C}">
+                <a14:useLocalDpi xmlns:a14="http://schemas.microsoft.com/office/drawing/2010/main" val="0"/>
+              </a:ext>
+            </a:extLst>
+          </a:blip>
+          <a:stretch>
+            <a:fillRect/>
+          </a:stretch>
+        </p:blipFill>
+        <p:spPr>
+          <a:xfrm>
+            <a:off x="4088889" y="0"/>
+            <a:ext cx="8103111" cy="6858000"/>
+          </a:xfrm>
+          <a:prstGeom prst="rect">
+            <a:avLst/>
+          </a:prstGeom>
+        </p:spPr>
+      </p:pic>
+      <p:pic>
+        <p:nvPicPr>
+          <p:cNvPr id="7" name="Picture 6">
+            <a:extLst>
+              <a:ext uri="{FF2B5EF4-FFF2-40B4-BE49-F238E27FC236}">
+                <a16:creationId xmlns:a16="http://schemas.microsoft.com/office/drawing/2014/main" id="{A6A79083-8C69-42FF-8F03-3AA794A00F5D}"/>
+              </a:ext>
+            </a:extLst>
+          </p:cNvPr>
+          <p:cNvPicPr>
+            <a:picLocks noChangeAspect="1"/>
+          </p:cNvPicPr>
+          <p:nvPr/>
+        </p:nvPicPr>
+        <p:blipFill>
+          <a:blip r:embed="rId4">
+            <a:extLst>
+              <a:ext uri="{28A0092B-C50C-407E-A947-70E740481C1C}">
+                <a14:useLocalDpi xmlns:a14="http://schemas.microsoft.com/office/drawing/2010/main" val="0"/>
+              </a:ext>
+            </a:extLst>
+          </a:blip>
+          <a:stretch>
+            <a:fillRect/>
+          </a:stretch>
+        </p:blipFill>
+        <p:spPr>
+          <a:xfrm>
+            <a:off x="0" y="-1"/>
+            <a:ext cx="4088889" cy="6857999"/>
+          </a:xfrm>
+          <a:prstGeom prst="rect">
+            <a:avLst/>
+          </a:prstGeom>
+        </p:spPr>
+      </p:pic>
+      <p:sp>
+        <p:nvSpPr>
+          <p:cNvPr id="2" name="Rectangle 1">
+            <a:extLst>
+              <a:ext uri="{FF2B5EF4-FFF2-40B4-BE49-F238E27FC236}">
+                <a16:creationId xmlns:a16="http://schemas.microsoft.com/office/drawing/2014/main" id="{74C58203-793B-4E6D-938A-334F35970113}"/>
+              </a:ext>
+            </a:extLst>
+          </p:cNvPr>
+          <p:cNvSpPr/>
+          <p:nvPr/>
+        </p:nvSpPr>
+        <p:spPr>
+          <a:xfrm>
+            <a:off x="4438284" y="384355"/>
+            <a:ext cx="3539367" cy="341632"/>
+          </a:xfrm>
+          <a:prstGeom prst="rect">
+            <a:avLst/>
+          </a:prstGeom>
+        </p:spPr>
+        <p:txBody>
+          <a:bodyPr wrap="none">
+            <a:spAutoFit/>
+          </a:bodyPr>
+          <a:lstStyle/>
+          <a:p>
+            <a:pPr>
+              <a:lnSpc>
+                <a:spcPct val="90000"/>
+              </a:lnSpc>
+              <a:spcBef>
+                <a:spcPct val="0"/>
+              </a:spcBef>
+              <a:spcAft>
+                <a:spcPts val="600"/>
+              </a:spcAft>
+            </a:pPr>
+            <a:r>
+              <a:rPr lang="en-US" dirty="0">
+                <a:solidFill>
+                  <a:schemeClr val="bg1"/>
+                </a:solidFill>
+              </a:rPr>
+              <a:t>Motivational Visual Representation:</a:t>
+            </a:r>
+          </a:p>
+        </p:txBody>
+      </p:sp>
+      <p:sp>
+        <p:nvSpPr>
+          <p:cNvPr id="6" name="Rectangle 5">
+            <a:extLst>
+              <a:ext uri="{FF2B5EF4-FFF2-40B4-BE49-F238E27FC236}">
+                <a16:creationId xmlns:a16="http://schemas.microsoft.com/office/drawing/2014/main" id="{240D8D61-9C33-4C33-A762-90B1D9A476CB}"/>
+              </a:ext>
+            </a:extLst>
+          </p:cNvPr>
+          <p:cNvSpPr/>
+          <p:nvPr/>
+        </p:nvSpPr>
+        <p:spPr>
+          <a:xfrm>
+            <a:off x="4475789" y="555171"/>
+            <a:ext cx="7326060" cy="6042493"/>
+          </a:xfrm>
+          <a:prstGeom prst="rect">
+            <a:avLst/>
+          </a:prstGeom>
+        </p:spPr>
+        <p:txBody>
+          <a:bodyPr vert="horz" lIns="91440" tIns="45720" rIns="91440" bIns="45720" rtlCol="0" anchor="t">
+            <a:normAutofit/>
+          </a:bodyPr>
+          <a:lstStyle/>
+          <a:p>
+            <a:pPr>
+              <a:lnSpc>
+                <a:spcPct val="90000"/>
+              </a:lnSpc>
+              <a:spcBef>
+                <a:spcPct val="0"/>
+              </a:spcBef>
+              <a:spcAft>
+                <a:spcPts val="600"/>
+              </a:spcAft>
+            </a:pPr>
+            <a:endParaRPr lang="en-US" sz="2400" dirty="0">
+              <a:ln w="0"/>
+              <a:solidFill>
+                <a:srgbClr val="000000"/>
+              </a:solidFill>
+              <a:effectLst>
+                <a:outerShdw blurRad="38100" dist="19050" dir="2700000" algn="tl" rotWithShape="0">
+                  <a:schemeClr val="dk1">
+                    <a:alpha val="40000"/>
+                  </a:schemeClr>
+                </a:outerShdw>
+              </a:effectLst>
+            </a:endParaRPr>
+          </a:p>
+          <a:p>
+            <a:pPr marL="342900" indent="-342900">
+              <a:lnSpc>
+                <a:spcPct val="90000"/>
+              </a:lnSpc>
+              <a:spcBef>
+                <a:spcPct val="0"/>
+              </a:spcBef>
+              <a:spcAft>
+                <a:spcPts val="600"/>
+              </a:spcAft>
+              <a:buFont typeface="Arial" panose="020B0604020202020204" pitchFamily="34" charset="0"/>
+              <a:buChar char="•"/>
+            </a:pPr>
+            <a:r>
+              <a:rPr lang="en-US" sz="2400" dirty="0">
+                <a:ln w="0"/>
+                <a:solidFill>
+                  <a:srgbClr val="000000"/>
+                </a:solidFill>
+                <a:effectLst>
+                  <a:outerShdw blurRad="38100" dist="19050" dir="2700000" algn="tl" rotWithShape="0">
+                    <a:schemeClr val="dk1">
+                      <a:alpha val="40000"/>
+                    </a:schemeClr>
+                  </a:outerShdw>
+                </a:effectLst>
+              </a:rPr>
+              <a:t>See how your Credit Score has risen</a:t>
+            </a:r>
+          </a:p>
+          <a:p>
+            <a:pPr marL="342900" indent="-342900">
+              <a:lnSpc>
+                <a:spcPct val="90000"/>
+              </a:lnSpc>
+              <a:spcBef>
+                <a:spcPct val="0"/>
+              </a:spcBef>
+              <a:spcAft>
+                <a:spcPts val="600"/>
+              </a:spcAft>
+              <a:buFont typeface="Arial" panose="020B0604020202020204" pitchFamily="34" charset="0"/>
+              <a:buChar char="•"/>
+            </a:pPr>
+            <a:endParaRPr lang="en-US" sz="2400" dirty="0">
+              <a:ln w="0"/>
+              <a:solidFill>
+                <a:srgbClr val="000000"/>
+              </a:solidFill>
+              <a:effectLst>
+                <a:outerShdw blurRad="38100" dist="19050" dir="2700000" algn="tl" rotWithShape="0">
+                  <a:schemeClr val="dk1">
+                    <a:alpha val="40000"/>
+                  </a:schemeClr>
+                </a:outerShdw>
+              </a:effectLst>
+            </a:endParaRPr>
+          </a:p>
+          <a:p>
+            <a:pPr marL="342900" indent="-342900">
+              <a:lnSpc>
+                <a:spcPct val="90000"/>
+              </a:lnSpc>
+              <a:spcBef>
+                <a:spcPct val="0"/>
+              </a:spcBef>
+              <a:spcAft>
+                <a:spcPts val="600"/>
+              </a:spcAft>
+              <a:buFont typeface="Arial" panose="020B0604020202020204" pitchFamily="34" charset="0"/>
+              <a:buChar char="•"/>
+            </a:pPr>
+            <a:endParaRPr lang="en-US" sz="2400" dirty="0">
+              <a:ln w="0"/>
+              <a:solidFill>
+                <a:srgbClr val="000000"/>
+              </a:solidFill>
+              <a:effectLst>
+                <a:outerShdw blurRad="38100" dist="19050" dir="2700000" algn="tl" rotWithShape="0">
+                  <a:schemeClr val="dk1">
+                    <a:alpha val="40000"/>
+                  </a:schemeClr>
+                </a:outerShdw>
+              </a:effectLst>
+            </a:endParaRPr>
+          </a:p>
+          <a:p>
+            <a:pPr marL="342900" indent="-342900">
+              <a:lnSpc>
+                <a:spcPct val="90000"/>
+              </a:lnSpc>
+              <a:spcBef>
+                <a:spcPct val="0"/>
+              </a:spcBef>
+              <a:spcAft>
+                <a:spcPts val="600"/>
+              </a:spcAft>
+              <a:buFont typeface="Arial" panose="020B0604020202020204" pitchFamily="34" charset="0"/>
+              <a:buChar char="•"/>
+            </a:pPr>
+            <a:endParaRPr lang="en-US" sz="2400" dirty="0">
+              <a:ln w="0"/>
+              <a:solidFill>
+                <a:srgbClr val="000000"/>
+              </a:solidFill>
+              <a:effectLst>
+                <a:outerShdw blurRad="38100" dist="19050" dir="2700000" algn="tl" rotWithShape="0">
+                  <a:schemeClr val="dk1">
+                    <a:alpha val="40000"/>
+                  </a:schemeClr>
+                </a:outerShdw>
+              </a:effectLst>
+            </a:endParaRPr>
+          </a:p>
+          <a:p>
+            <a:pPr marL="342900" indent="-342900">
+              <a:lnSpc>
+                <a:spcPct val="90000"/>
+              </a:lnSpc>
+              <a:spcBef>
+                <a:spcPct val="0"/>
+              </a:spcBef>
+              <a:spcAft>
+                <a:spcPts val="600"/>
+              </a:spcAft>
+              <a:buFont typeface="Arial" panose="020B0604020202020204" pitchFamily="34" charset="0"/>
+              <a:buChar char="•"/>
+            </a:pPr>
+            <a:endParaRPr lang="en-US" sz="2400" dirty="0">
+              <a:ln w="0"/>
+              <a:solidFill>
+                <a:srgbClr val="000000"/>
+              </a:solidFill>
+              <a:effectLst>
+                <a:outerShdw blurRad="38100" dist="19050" dir="2700000" algn="tl" rotWithShape="0">
+                  <a:schemeClr val="dk1">
+                    <a:alpha val="40000"/>
+                  </a:schemeClr>
+                </a:outerShdw>
+              </a:effectLst>
+            </a:endParaRPr>
+          </a:p>
+          <a:p>
+            <a:pPr marL="342900" indent="-342900">
+              <a:lnSpc>
+                <a:spcPct val="90000"/>
+              </a:lnSpc>
+              <a:spcBef>
+                <a:spcPct val="0"/>
+              </a:spcBef>
+              <a:spcAft>
+                <a:spcPts val="600"/>
+              </a:spcAft>
+              <a:buFont typeface="Arial" panose="020B0604020202020204" pitchFamily="34" charset="0"/>
+              <a:buChar char="•"/>
+            </a:pPr>
+            <a:endParaRPr lang="en-US" sz="2400" dirty="0">
+              <a:ln w="0"/>
+              <a:solidFill>
+                <a:srgbClr val="000000"/>
+              </a:solidFill>
+              <a:effectLst>
+                <a:outerShdw blurRad="38100" dist="19050" dir="2700000" algn="tl" rotWithShape="0">
+                  <a:schemeClr val="dk1">
+                    <a:alpha val="40000"/>
+                  </a:schemeClr>
+                </a:outerShdw>
+              </a:effectLst>
+            </a:endParaRPr>
+          </a:p>
+          <a:p>
+            <a:pPr marL="342900" indent="-342900">
+              <a:lnSpc>
+                <a:spcPct val="90000"/>
+              </a:lnSpc>
+              <a:spcBef>
+                <a:spcPct val="0"/>
+              </a:spcBef>
+              <a:spcAft>
+                <a:spcPts val="600"/>
+              </a:spcAft>
+              <a:buFont typeface="Arial" panose="020B0604020202020204" pitchFamily="34" charset="0"/>
+              <a:buChar char="•"/>
+            </a:pPr>
+            <a:endParaRPr lang="en-US" sz="2400" dirty="0">
+              <a:ln w="0"/>
+              <a:solidFill>
+                <a:srgbClr val="000000"/>
+              </a:solidFill>
+              <a:effectLst>
+                <a:outerShdw blurRad="38100" dist="19050" dir="2700000" algn="tl" rotWithShape="0">
+                  <a:schemeClr val="dk1">
+                    <a:alpha val="40000"/>
+                  </a:schemeClr>
+                </a:outerShdw>
+              </a:effectLst>
+            </a:endParaRPr>
+          </a:p>
+          <a:p>
+            <a:pPr>
+              <a:lnSpc>
+                <a:spcPct val="90000"/>
+              </a:lnSpc>
+              <a:spcBef>
+                <a:spcPct val="0"/>
+              </a:spcBef>
+              <a:spcAft>
+                <a:spcPts val="600"/>
+              </a:spcAft>
+            </a:pPr>
+            <a:endParaRPr lang="en-US" sz="2400" dirty="0">
+              <a:ln w="0"/>
+              <a:solidFill>
+                <a:srgbClr val="000000"/>
+              </a:solidFill>
+              <a:effectLst>
+                <a:outerShdw blurRad="38100" dist="19050" dir="2700000" algn="tl" rotWithShape="0">
+                  <a:schemeClr val="dk1">
+                    <a:alpha val="40000"/>
+                  </a:schemeClr>
+                </a:outerShdw>
+              </a:effectLst>
+            </a:endParaRPr>
+          </a:p>
+          <a:p>
+            <a:pPr marL="342900" indent="-342900">
+              <a:lnSpc>
+                <a:spcPct val="90000"/>
+              </a:lnSpc>
+              <a:spcBef>
+                <a:spcPct val="0"/>
+              </a:spcBef>
+              <a:spcAft>
+                <a:spcPts val="600"/>
+              </a:spcAft>
+              <a:buFont typeface="Arial" panose="020B0604020202020204" pitchFamily="34" charset="0"/>
+              <a:buChar char="•"/>
+            </a:pPr>
+            <a:r>
+              <a:rPr lang="en-US" sz="2400" dirty="0">
+                <a:ln w="0"/>
+                <a:solidFill>
+                  <a:srgbClr val="000000"/>
+                </a:solidFill>
+                <a:effectLst>
+                  <a:outerShdw blurRad="38100" dist="19050" dir="2700000" algn="tl" rotWithShape="0">
+                    <a:schemeClr val="dk1">
+                      <a:alpha val="40000"/>
+                    </a:schemeClr>
+                  </a:outerShdw>
+                </a:effectLst>
+              </a:rPr>
+              <a:t>Color for levels of accomplishment:</a:t>
+            </a:r>
+          </a:p>
+          <a:p>
+            <a:pPr marL="342900" indent="-342900">
+              <a:lnSpc>
+                <a:spcPct val="90000"/>
+              </a:lnSpc>
+              <a:spcBef>
+                <a:spcPct val="0"/>
+              </a:spcBef>
+              <a:spcAft>
+                <a:spcPts val="600"/>
+              </a:spcAft>
+              <a:buFont typeface="Arial" panose="020B0604020202020204" pitchFamily="34" charset="0"/>
+              <a:buChar char="•"/>
+            </a:pPr>
+            <a:endParaRPr lang="en-US" sz="2400" dirty="0">
+              <a:ln w="0"/>
+              <a:solidFill>
+                <a:srgbClr val="000000"/>
+              </a:solidFill>
+              <a:effectLst>
+                <a:outerShdw blurRad="38100" dist="19050" dir="2700000" algn="tl" rotWithShape="0">
+                  <a:schemeClr val="dk1">
+                    <a:alpha val="40000"/>
+                  </a:schemeClr>
+                </a:outerShdw>
+              </a:effectLst>
+            </a:endParaRPr>
+          </a:p>
+          <a:p>
+            <a:pPr marL="342900" indent="-342900">
+              <a:lnSpc>
+                <a:spcPct val="90000"/>
+              </a:lnSpc>
+              <a:spcBef>
+                <a:spcPct val="0"/>
+              </a:spcBef>
+              <a:spcAft>
+                <a:spcPts val="600"/>
+              </a:spcAft>
+              <a:buFont typeface="Arial" panose="020B0604020202020204" pitchFamily="34" charset="0"/>
+              <a:buChar char="•"/>
+            </a:pPr>
+            <a:endParaRPr lang="en-US" sz="2400" dirty="0">
+              <a:ln w="0"/>
+              <a:solidFill>
+                <a:srgbClr val="000000"/>
+              </a:solidFill>
+              <a:effectLst>
+                <a:outerShdw blurRad="38100" dist="19050" dir="2700000" algn="tl" rotWithShape="0">
+                  <a:schemeClr val="dk1">
+                    <a:alpha val="40000"/>
+                  </a:schemeClr>
+                </a:outerShdw>
+              </a:effectLst>
+            </a:endParaRPr>
+          </a:p>
+          <a:p>
+            <a:pPr>
+              <a:lnSpc>
+                <a:spcPct val="90000"/>
+              </a:lnSpc>
+              <a:spcBef>
+                <a:spcPct val="0"/>
+              </a:spcBef>
+              <a:spcAft>
+                <a:spcPts val="600"/>
+              </a:spcAft>
+            </a:pPr>
+            <a:endParaRPr lang="en-US" sz="4400" b="0" cap="none" spc="0" dirty="0">
+              <a:ln w="0"/>
+              <a:solidFill>
+                <a:srgbClr val="000000"/>
+              </a:solidFill>
+              <a:effectLst>
+                <a:outerShdw blurRad="38100" dist="19050" dir="2700000" algn="tl" rotWithShape="0">
+                  <a:schemeClr val="dk1">
+                    <a:alpha val="40000"/>
+                  </a:schemeClr>
+                </a:outerShdw>
+              </a:effectLst>
+              <a:latin typeface="+mj-lt"/>
+              <a:ea typeface="+mj-ea"/>
+              <a:cs typeface="+mj-cs"/>
+            </a:endParaRPr>
+          </a:p>
+          <a:p>
+            <a:pPr>
+              <a:lnSpc>
+                <a:spcPct val="90000"/>
+              </a:lnSpc>
+              <a:spcBef>
+                <a:spcPct val="0"/>
+              </a:spcBef>
+              <a:spcAft>
+                <a:spcPts val="600"/>
+              </a:spcAft>
+            </a:pPr>
+            <a:endParaRPr lang="en-US" sz="4400" dirty="0">
+              <a:ln w="0"/>
+              <a:solidFill>
+                <a:srgbClr val="000000"/>
+              </a:solidFill>
+              <a:effectLst>
+                <a:outerShdw blurRad="38100" dist="19050" dir="2700000" algn="tl" rotWithShape="0">
+                  <a:schemeClr val="dk1">
+                    <a:alpha val="40000"/>
+                  </a:schemeClr>
+                </a:outerShdw>
+              </a:effectLst>
+              <a:latin typeface="+mj-lt"/>
+              <a:ea typeface="+mj-ea"/>
+              <a:cs typeface="+mj-cs"/>
+            </a:endParaRPr>
+          </a:p>
+          <a:p>
+            <a:pPr>
+              <a:lnSpc>
+                <a:spcPct val="90000"/>
+              </a:lnSpc>
+              <a:spcBef>
+                <a:spcPct val="0"/>
+              </a:spcBef>
+              <a:spcAft>
+                <a:spcPts val="600"/>
+              </a:spcAft>
+            </a:pPr>
+            <a:endParaRPr lang="en-US" sz="4400" b="0" cap="none" spc="0" dirty="0">
+              <a:ln w="0"/>
+              <a:solidFill>
+                <a:srgbClr val="000000"/>
+              </a:solidFill>
+              <a:effectLst>
+                <a:outerShdw blurRad="38100" dist="19050" dir="2700000" algn="tl" rotWithShape="0">
+                  <a:schemeClr val="dk1">
+                    <a:alpha val="40000"/>
+                  </a:schemeClr>
+                </a:outerShdw>
+              </a:effectLst>
+              <a:latin typeface="+mj-lt"/>
+              <a:ea typeface="+mj-ea"/>
+              <a:cs typeface="+mj-cs"/>
+            </a:endParaRPr>
+          </a:p>
+        </p:txBody>
+      </p:sp>
+      <p:grpSp>
+        <p:nvGrpSpPr>
+          <p:cNvPr id="18" name="Group 17">
+            <a:extLst>
+              <a:ext uri="{FF2B5EF4-FFF2-40B4-BE49-F238E27FC236}">
+                <a16:creationId xmlns:a16="http://schemas.microsoft.com/office/drawing/2014/main" id="{67125E3B-0E68-4639-B484-2C6575076BC0}"/>
+              </a:ext>
+            </a:extLst>
+          </p:cNvPr>
+          <p:cNvGrpSpPr/>
+          <p:nvPr/>
+        </p:nvGrpSpPr>
+        <p:grpSpPr>
+          <a:xfrm>
+            <a:off x="9244849" y="4613037"/>
+            <a:ext cx="3160079" cy="1571287"/>
+            <a:chOff x="9031921" y="4847219"/>
+            <a:chExt cx="2730365" cy="1230754"/>
+          </a:xfrm>
+        </p:grpSpPr>
+        <p:pic>
+          <p:nvPicPr>
+            <p:cNvPr id="15" name="Picture 14">
+              <a:extLst>
+                <a:ext uri="{FF2B5EF4-FFF2-40B4-BE49-F238E27FC236}">
+                  <a16:creationId xmlns:a16="http://schemas.microsoft.com/office/drawing/2014/main" id="{B1E63AB9-2A21-4B5E-BBE7-56F0F12C8D43}"/>
+                </a:ext>
+              </a:extLst>
+            </p:cNvPr>
+            <p:cNvPicPr>
+              <a:picLocks noChangeAspect="1"/>
+            </p:cNvPicPr>
+            <p:nvPr/>
+          </p:nvPicPr>
+          <p:blipFill>
+            <a:blip r:embed="rId5">
+              <a:duotone>
+                <a:prstClr val="black"/>
+                <a:schemeClr val="accent2">
+                  <a:tint val="45000"/>
+                  <a:satMod val="400000"/>
+                </a:schemeClr>
+              </a:duotone>
+              <a:extLst>
+                <a:ext uri="{28A0092B-C50C-407E-A947-70E740481C1C}">
+                  <a14:useLocalDpi xmlns:a14="http://schemas.microsoft.com/office/drawing/2010/main" val="0"/>
+                </a:ext>
+              </a:extLst>
+            </a:blip>
+            <a:stretch>
+              <a:fillRect/>
+            </a:stretch>
+          </p:blipFill>
+          <p:spPr>
+            <a:xfrm>
+              <a:off x="9031921" y="5343569"/>
+              <a:ext cx="980646" cy="734404"/>
+            </a:xfrm>
+            <a:prstGeom prst="rect">
+              <a:avLst/>
+            </a:prstGeom>
+          </p:spPr>
+        </p:pic>
+        <p:pic>
+          <p:nvPicPr>
+            <p:cNvPr id="16" name="Picture 15">
+              <a:extLst>
+                <a:ext uri="{FF2B5EF4-FFF2-40B4-BE49-F238E27FC236}">
+                  <a16:creationId xmlns:a16="http://schemas.microsoft.com/office/drawing/2014/main" id="{2918AF46-617D-47AB-B45F-E799D16086B3}"/>
+                </a:ext>
+              </a:extLst>
+            </p:cNvPr>
+            <p:cNvPicPr>
+              <a:picLocks noChangeAspect="1"/>
+            </p:cNvPicPr>
+            <p:nvPr/>
+          </p:nvPicPr>
+          <p:blipFill>
+            <a:blip r:embed="rId6">
+              <a:extLst>
+                <a:ext uri="{BEBA8EAE-BF5A-486C-A8C5-ECC9F3942E4B}">
+                  <a14:imgProps xmlns:a14="http://schemas.microsoft.com/office/drawing/2010/main">
+                    <a14:imgLayer r:embed="rId7">
+                      <a14:imgEffect>
+                        <a14:saturation sat="0"/>
+                      </a14:imgEffect>
+                    </a14:imgLayer>
+                  </a14:imgProps>
+                </a:ext>
+                <a:ext uri="{28A0092B-C50C-407E-A947-70E740481C1C}">
+                  <a14:useLocalDpi xmlns:a14="http://schemas.microsoft.com/office/drawing/2010/main" val="0"/>
+                </a:ext>
+              </a:extLst>
+            </a:blip>
+            <a:stretch>
+              <a:fillRect/>
+            </a:stretch>
+          </p:blipFill>
+          <p:spPr>
+            <a:xfrm>
+              <a:off x="9459791" y="5076871"/>
+              <a:ext cx="1336766" cy="1001102"/>
+            </a:xfrm>
+            <a:prstGeom prst="rect">
+              <a:avLst/>
+            </a:prstGeom>
+          </p:spPr>
+        </p:pic>
+        <p:pic>
+          <p:nvPicPr>
+            <p:cNvPr id="17" name="Picture 16">
+              <a:extLst>
+                <a:ext uri="{FF2B5EF4-FFF2-40B4-BE49-F238E27FC236}">
+                  <a16:creationId xmlns:a16="http://schemas.microsoft.com/office/drawing/2014/main" id="{0DFB8D21-CE12-412B-B582-F107E2415120}"/>
+                </a:ext>
+              </a:extLst>
+            </p:cNvPr>
+            <p:cNvPicPr>
+              <a:picLocks noChangeAspect="1"/>
+            </p:cNvPicPr>
+            <p:nvPr/>
+          </p:nvPicPr>
+          <p:blipFill>
+            <a:blip r:embed="rId5">
+              <a:extLst>
+                <a:ext uri="{28A0092B-C50C-407E-A947-70E740481C1C}">
+                  <a14:useLocalDpi xmlns:a14="http://schemas.microsoft.com/office/drawing/2010/main" val="0"/>
+                </a:ext>
+              </a:extLst>
+            </a:blip>
+            <a:stretch>
+              <a:fillRect/>
+            </a:stretch>
+          </p:blipFill>
+          <p:spPr>
+            <a:xfrm>
+              <a:off x="10118868" y="4847219"/>
+              <a:ext cx="1643418" cy="1230754"/>
+            </a:xfrm>
+            <a:prstGeom prst="rect">
+              <a:avLst/>
+            </a:prstGeom>
+          </p:spPr>
+        </p:pic>
+      </p:grpSp>
+      <p:pic>
+        <p:nvPicPr>
+          <p:cNvPr id="22" name="Picture 21">
+            <a:extLst>
+              <a:ext uri="{FF2B5EF4-FFF2-40B4-BE49-F238E27FC236}">
+                <a16:creationId xmlns:a16="http://schemas.microsoft.com/office/drawing/2014/main" id="{FE1B5FB4-482F-4AA7-B9A2-25B472A1F41E}"/>
+              </a:ext>
+            </a:extLst>
+          </p:cNvPr>
+          <p:cNvPicPr>
+            <a:picLocks noChangeAspect="1"/>
+          </p:cNvPicPr>
+          <p:nvPr/>
+        </p:nvPicPr>
+        <p:blipFill>
+          <a:blip r:embed="rId8">
+            <a:extLst>
+              <a:ext uri="{28A0092B-C50C-407E-A947-70E740481C1C}">
+                <a14:useLocalDpi xmlns:a14="http://schemas.microsoft.com/office/drawing/2010/main" val="0"/>
+              </a:ext>
+            </a:extLst>
+          </a:blip>
+          <a:stretch>
+            <a:fillRect/>
+          </a:stretch>
+        </p:blipFill>
+        <p:spPr>
+          <a:xfrm>
+            <a:off x="9366425" y="1790737"/>
+            <a:ext cx="2340443" cy="1411924"/>
+          </a:xfrm>
+          <a:prstGeom prst="rect">
+            <a:avLst/>
+          </a:prstGeom>
+        </p:spPr>
+      </p:pic>
+      <p:pic>
+        <p:nvPicPr>
+          <p:cNvPr id="24" name="Picture 23">
+            <a:extLst>
+              <a:ext uri="{FF2B5EF4-FFF2-40B4-BE49-F238E27FC236}">
+                <a16:creationId xmlns:a16="http://schemas.microsoft.com/office/drawing/2014/main" id="{B731E94F-3DE9-4AB7-8FB6-E2616E45404F}"/>
+              </a:ext>
+            </a:extLst>
+          </p:cNvPr>
+          <p:cNvPicPr>
+            <a:picLocks noChangeAspect="1"/>
+          </p:cNvPicPr>
+          <p:nvPr/>
+        </p:nvPicPr>
+        <p:blipFill>
+          <a:blip r:embed="rId9">
+            <a:extLst>
+              <a:ext uri="{28A0092B-C50C-407E-A947-70E740481C1C}">
+                <a14:useLocalDpi xmlns:a14="http://schemas.microsoft.com/office/drawing/2010/main" val="0"/>
+              </a:ext>
+            </a:extLst>
+          </a:blip>
+          <a:stretch>
+            <a:fillRect/>
+          </a:stretch>
+        </p:blipFill>
+        <p:spPr>
+          <a:xfrm>
+            <a:off x="4230274" y="1790737"/>
+            <a:ext cx="2211558" cy="1334171"/>
+          </a:xfrm>
+          <a:prstGeom prst="rect">
+            <a:avLst/>
+          </a:prstGeom>
+        </p:spPr>
+      </p:pic>
+      <p:pic>
+        <p:nvPicPr>
+          <p:cNvPr id="26" name="Picture 25">
+            <a:extLst>
+              <a:ext uri="{FF2B5EF4-FFF2-40B4-BE49-F238E27FC236}">
+                <a16:creationId xmlns:a16="http://schemas.microsoft.com/office/drawing/2014/main" id="{4113E306-DBF2-49B7-BFEA-C6B664A40891}"/>
+              </a:ext>
+            </a:extLst>
+          </p:cNvPr>
+          <p:cNvPicPr>
+            <a:picLocks noChangeAspect="1"/>
+          </p:cNvPicPr>
+          <p:nvPr/>
+        </p:nvPicPr>
+        <p:blipFill>
+          <a:blip r:embed="rId10">
+            <a:extLst>
+              <a:ext uri="{28A0092B-C50C-407E-A947-70E740481C1C}">
+                <a14:useLocalDpi xmlns:a14="http://schemas.microsoft.com/office/drawing/2010/main" val="0"/>
+              </a:ext>
+            </a:extLst>
+          </a:blip>
+          <a:stretch>
+            <a:fillRect/>
+          </a:stretch>
+        </p:blipFill>
+        <p:spPr>
+          <a:xfrm>
+            <a:off x="6730946" y="1751860"/>
+            <a:ext cx="2340441" cy="1411923"/>
+          </a:xfrm>
+          <a:prstGeom prst="rect">
+            <a:avLst/>
+          </a:prstGeom>
+        </p:spPr>
+      </p:pic>
     </p:spTree>
     <p:extLst>
       <p:ext uri="{BB962C8B-B14F-4D97-AF65-F5344CB8AC3E}">
-        <p14:creationId xmlns:p14="http://schemas.microsoft.com/office/powerpoint/2010/main" val="1590461893"/>
+        <p14:creationId xmlns:p14="http://schemas.microsoft.com/office/powerpoint/2010/main" val="2761532609"/>
+      </p:ext>
+    </p:extLst>
+  </p:cSld>
+  <p:clrMapOvr>
+    <a:masterClrMapping/>
+  </p:clrMapOvr>
+</p:sld>
+</file>
+
+<file path=ppt/slides/slide7.xml><?xml version="1.0" encoding="utf-8"?>
+<p:sld xmlns:a="http://schemas.openxmlformats.org/drawingml/2006/main" xmlns:r="http://schemas.openxmlformats.org/officeDocument/2006/relationships" xmlns:p="http://schemas.openxmlformats.org/presentationml/2006/main">
+  <p:cSld>
+    <p:spTree>
+      <p:nvGrpSpPr>
+        <p:cNvPr id="1" name=""/>
+        <p:cNvGrpSpPr/>
+        <p:nvPr/>
+      </p:nvGrpSpPr>
+      <p:grpSpPr>
+        <a:xfrm>
+          <a:off x="0" y="0"/>
+          <a:ext cx="0" cy="0"/>
+          <a:chOff x="0" y="0"/>
+          <a:chExt cx="0" cy="0"/>
+        </a:xfrm>
+      </p:grpSpPr>
+      <p:pic>
+        <p:nvPicPr>
+          <p:cNvPr id="5" name="Picture 4">
+            <a:extLst>
+              <a:ext uri="{FF2B5EF4-FFF2-40B4-BE49-F238E27FC236}">
+                <a16:creationId xmlns:a16="http://schemas.microsoft.com/office/drawing/2014/main" id="{04AEEED3-2570-4B00-9A78-7D97DF270627}"/>
+              </a:ext>
+            </a:extLst>
+          </p:cNvPr>
+          <p:cNvPicPr>
+            <a:picLocks noChangeAspect="1"/>
+          </p:cNvPicPr>
+          <p:nvPr/>
+        </p:nvPicPr>
+        <p:blipFill>
+          <a:blip r:embed="rId3">
+            <a:extLst>
+              <a:ext uri="{28A0092B-C50C-407E-A947-70E740481C1C}">
+                <a14:useLocalDpi xmlns:a14="http://schemas.microsoft.com/office/drawing/2010/main" val="0"/>
+              </a:ext>
+            </a:extLst>
+          </a:blip>
+          <a:stretch>
+            <a:fillRect/>
+          </a:stretch>
+        </p:blipFill>
+        <p:spPr>
+          <a:xfrm>
+            <a:off x="4088889" y="0"/>
+            <a:ext cx="8103111" cy="6858000"/>
+          </a:xfrm>
+          <a:prstGeom prst="rect">
+            <a:avLst/>
+          </a:prstGeom>
+        </p:spPr>
+      </p:pic>
+      <p:pic>
+        <p:nvPicPr>
+          <p:cNvPr id="7" name="Picture 6">
+            <a:extLst>
+              <a:ext uri="{FF2B5EF4-FFF2-40B4-BE49-F238E27FC236}">
+                <a16:creationId xmlns:a16="http://schemas.microsoft.com/office/drawing/2014/main" id="{A6A79083-8C69-42FF-8F03-3AA794A00F5D}"/>
+              </a:ext>
+            </a:extLst>
+          </p:cNvPr>
+          <p:cNvPicPr>
+            <a:picLocks noChangeAspect="1"/>
+          </p:cNvPicPr>
+          <p:nvPr/>
+        </p:nvPicPr>
+        <p:blipFill>
+          <a:blip r:embed="rId4">
+            <a:extLst>
+              <a:ext uri="{28A0092B-C50C-407E-A947-70E740481C1C}">
+                <a14:useLocalDpi xmlns:a14="http://schemas.microsoft.com/office/drawing/2010/main" val="0"/>
+              </a:ext>
+            </a:extLst>
+          </a:blip>
+          <a:stretch>
+            <a:fillRect/>
+          </a:stretch>
+        </p:blipFill>
+        <p:spPr>
+          <a:xfrm>
+            <a:off x="0" y="-1"/>
+            <a:ext cx="4088889" cy="6857999"/>
+          </a:xfrm>
+          <a:prstGeom prst="rect">
+            <a:avLst/>
+          </a:prstGeom>
+        </p:spPr>
+      </p:pic>
+      <p:sp>
+        <p:nvSpPr>
+          <p:cNvPr id="2" name="Rectangle 1">
+            <a:extLst>
+              <a:ext uri="{FF2B5EF4-FFF2-40B4-BE49-F238E27FC236}">
+                <a16:creationId xmlns:a16="http://schemas.microsoft.com/office/drawing/2014/main" id="{74C58203-793B-4E6D-938A-334F35970113}"/>
+              </a:ext>
+            </a:extLst>
+          </p:cNvPr>
+          <p:cNvSpPr/>
+          <p:nvPr/>
+        </p:nvSpPr>
+        <p:spPr>
+          <a:xfrm>
+            <a:off x="4438284" y="384355"/>
+            <a:ext cx="3539367" cy="341632"/>
+          </a:xfrm>
+          <a:prstGeom prst="rect">
+            <a:avLst/>
+          </a:prstGeom>
+        </p:spPr>
+        <p:txBody>
+          <a:bodyPr wrap="none">
+            <a:spAutoFit/>
+          </a:bodyPr>
+          <a:lstStyle/>
+          <a:p>
+            <a:pPr>
+              <a:lnSpc>
+                <a:spcPct val="90000"/>
+              </a:lnSpc>
+              <a:spcBef>
+                <a:spcPct val="0"/>
+              </a:spcBef>
+              <a:spcAft>
+                <a:spcPts val="600"/>
+              </a:spcAft>
+            </a:pPr>
+            <a:r>
+              <a:rPr lang="en-US" dirty="0">
+                <a:solidFill>
+                  <a:schemeClr val="bg1"/>
+                </a:solidFill>
+              </a:rPr>
+              <a:t>Motivational Visual Representation:</a:t>
+            </a:r>
+          </a:p>
+        </p:txBody>
+      </p:sp>
+      <p:sp>
+        <p:nvSpPr>
+          <p:cNvPr id="6" name="Rectangle 5">
+            <a:extLst>
+              <a:ext uri="{FF2B5EF4-FFF2-40B4-BE49-F238E27FC236}">
+                <a16:creationId xmlns:a16="http://schemas.microsoft.com/office/drawing/2014/main" id="{240D8D61-9C33-4C33-A762-90B1D9A476CB}"/>
+              </a:ext>
+            </a:extLst>
+          </p:cNvPr>
+          <p:cNvSpPr/>
+          <p:nvPr/>
+        </p:nvSpPr>
+        <p:spPr>
+          <a:xfrm>
+            <a:off x="4475789" y="555171"/>
+            <a:ext cx="7326060" cy="6042493"/>
+          </a:xfrm>
+          <a:prstGeom prst="rect">
+            <a:avLst/>
+          </a:prstGeom>
+        </p:spPr>
+        <p:txBody>
+          <a:bodyPr vert="horz" lIns="91440" tIns="45720" rIns="91440" bIns="45720" rtlCol="0" anchor="t">
+            <a:normAutofit/>
+          </a:bodyPr>
+          <a:lstStyle/>
+          <a:p>
+            <a:pPr>
+              <a:lnSpc>
+                <a:spcPct val="90000"/>
+              </a:lnSpc>
+              <a:spcBef>
+                <a:spcPct val="0"/>
+              </a:spcBef>
+              <a:spcAft>
+                <a:spcPts val="600"/>
+              </a:spcAft>
+            </a:pPr>
+            <a:endParaRPr lang="en-US" sz="2400" dirty="0">
+              <a:ln w="0"/>
+              <a:solidFill>
+                <a:srgbClr val="000000"/>
+              </a:solidFill>
+              <a:effectLst>
+                <a:outerShdw blurRad="38100" dist="19050" dir="2700000" algn="tl" rotWithShape="0">
+                  <a:schemeClr val="dk1">
+                    <a:alpha val="40000"/>
+                  </a:schemeClr>
+                </a:outerShdw>
+              </a:effectLst>
+            </a:endParaRPr>
+          </a:p>
+          <a:p>
+            <a:pPr marL="342900" indent="-342900">
+              <a:lnSpc>
+                <a:spcPct val="90000"/>
+              </a:lnSpc>
+              <a:spcBef>
+                <a:spcPct val="0"/>
+              </a:spcBef>
+              <a:spcAft>
+                <a:spcPts val="600"/>
+              </a:spcAft>
+              <a:buFont typeface="Arial" panose="020B0604020202020204" pitchFamily="34" charset="0"/>
+              <a:buChar char="•"/>
+            </a:pPr>
+            <a:r>
+              <a:rPr lang="en-US" sz="2400" dirty="0">
+                <a:ln w="0"/>
+                <a:solidFill>
+                  <a:srgbClr val="000000"/>
+                </a:solidFill>
+                <a:effectLst>
+                  <a:outerShdw blurRad="38100" dist="19050" dir="2700000" algn="tl" rotWithShape="0">
+                    <a:schemeClr val="dk1">
+                      <a:alpha val="40000"/>
+                    </a:schemeClr>
+                  </a:outerShdw>
+                </a:effectLst>
+              </a:rPr>
+              <a:t>See how your Credit Score has risen</a:t>
+            </a:r>
+          </a:p>
+          <a:p>
+            <a:pPr marL="342900" indent="-342900">
+              <a:lnSpc>
+                <a:spcPct val="90000"/>
+              </a:lnSpc>
+              <a:spcBef>
+                <a:spcPct val="0"/>
+              </a:spcBef>
+              <a:spcAft>
+                <a:spcPts val="600"/>
+              </a:spcAft>
+              <a:buFont typeface="Arial" panose="020B0604020202020204" pitchFamily="34" charset="0"/>
+              <a:buChar char="•"/>
+            </a:pPr>
+            <a:endParaRPr lang="en-US" sz="2400" dirty="0">
+              <a:ln w="0"/>
+              <a:solidFill>
+                <a:srgbClr val="000000"/>
+              </a:solidFill>
+              <a:effectLst>
+                <a:outerShdw blurRad="38100" dist="19050" dir="2700000" algn="tl" rotWithShape="0">
+                  <a:schemeClr val="dk1">
+                    <a:alpha val="40000"/>
+                  </a:schemeClr>
+                </a:outerShdw>
+              </a:effectLst>
+            </a:endParaRPr>
+          </a:p>
+          <a:p>
+            <a:pPr marL="342900" indent="-342900">
+              <a:lnSpc>
+                <a:spcPct val="90000"/>
+              </a:lnSpc>
+              <a:spcBef>
+                <a:spcPct val="0"/>
+              </a:spcBef>
+              <a:spcAft>
+                <a:spcPts val="600"/>
+              </a:spcAft>
+              <a:buFont typeface="Arial" panose="020B0604020202020204" pitchFamily="34" charset="0"/>
+              <a:buChar char="•"/>
+            </a:pPr>
+            <a:endParaRPr lang="en-US" sz="2400" dirty="0">
+              <a:ln w="0"/>
+              <a:solidFill>
+                <a:srgbClr val="000000"/>
+              </a:solidFill>
+              <a:effectLst>
+                <a:outerShdw blurRad="38100" dist="19050" dir="2700000" algn="tl" rotWithShape="0">
+                  <a:schemeClr val="dk1">
+                    <a:alpha val="40000"/>
+                  </a:schemeClr>
+                </a:outerShdw>
+              </a:effectLst>
+            </a:endParaRPr>
+          </a:p>
+          <a:p>
+            <a:pPr marL="342900" indent="-342900">
+              <a:lnSpc>
+                <a:spcPct val="90000"/>
+              </a:lnSpc>
+              <a:spcBef>
+                <a:spcPct val="0"/>
+              </a:spcBef>
+              <a:spcAft>
+                <a:spcPts val="600"/>
+              </a:spcAft>
+              <a:buFont typeface="Arial" panose="020B0604020202020204" pitchFamily="34" charset="0"/>
+              <a:buChar char="•"/>
+            </a:pPr>
+            <a:endParaRPr lang="en-US" sz="2400" dirty="0">
+              <a:ln w="0"/>
+              <a:solidFill>
+                <a:srgbClr val="000000"/>
+              </a:solidFill>
+              <a:effectLst>
+                <a:outerShdw blurRad="38100" dist="19050" dir="2700000" algn="tl" rotWithShape="0">
+                  <a:schemeClr val="dk1">
+                    <a:alpha val="40000"/>
+                  </a:schemeClr>
+                </a:outerShdw>
+              </a:effectLst>
+            </a:endParaRPr>
+          </a:p>
+          <a:p>
+            <a:pPr marL="342900" indent="-342900">
+              <a:lnSpc>
+                <a:spcPct val="90000"/>
+              </a:lnSpc>
+              <a:spcBef>
+                <a:spcPct val="0"/>
+              </a:spcBef>
+              <a:spcAft>
+                <a:spcPts val="600"/>
+              </a:spcAft>
+              <a:buFont typeface="Arial" panose="020B0604020202020204" pitchFamily="34" charset="0"/>
+              <a:buChar char="•"/>
+            </a:pPr>
+            <a:endParaRPr lang="en-US" sz="2400" dirty="0">
+              <a:ln w="0"/>
+              <a:solidFill>
+                <a:srgbClr val="000000"/>
+              </a:solidFill>
+              <a:effectLst>
+                <a:outerShdw blurRad="38100" dist="19050" dir="2700000" algn="tl" rotWithShape="0">
+                  <a:schemeClr val="dk1">
+                    <a:alpha val="40000"/>
+                  </a:schemeClr>
+                </a:outerShdw>
+              </a:effectLst>
+            </a:endParaRPr>
+          </a:p>
+          <a:p>
+            <a:pPr marL="342900" indent="-342900">
+              <a:lnSpc>
+                <a:spcPct val="90000"/>
+              </a:lnSpc>
+              <a:spcBef>
+                <a:spcPct val="0"/>
+              </a:spcBef>
+              <a:spcAft>
+                <a:spcPts val="600"/>
+              </a:spcAft>
+              <a:buFont typeface="Arial" panose="020B0604020202020204" pitchFamily="34" charset="0"/>
+              <a:buChar char="•"/>
+            </a:pPr>
+            <a:endParaRPr lang="en-US" sz="2400" dirty="0">
+              <a:ln w="0"/>
+              <a:solidFill>
+                <a:srgbClr val="000000"/>
+              </a:solidFill>
+              <a:effectLst>
+                <a:outerShdw blurRad="38100" dist="19050" dir="2700000" algn="tl" rotWithShape="0">
+                  <a:schemeClr val="dk1">
+                    <a:alpha val="40000"/>
+                  </a:schemeClr>
+                </a:outerShdw>
+              </a:effectLst>
+            </a:endParaRPr>
+          </a:p>
+          <a:p>
+            <a:pPr marL="342900" indent="-342900">
+              <a:lnSpc>
+                <a:spcPct val="90000"/>
+              </a:lnSpc>
+              <a:spcBef>
+                <a:spcPct val="0"/>
+              </a:spcBef>
+              <a:spcAft>
+                <a:spcPts val="600"/>
+              </a:spcAft>
+              <a:buFont typeface="Arial" panose="020B0604020202020204" pitchFamily="34" charset="0"/>
+              <a:buChar char="•"/>
+            </a:pPr>
+            <a:endParaRPr lang="en-US" sz="2400" dirty="0">
+              <a:ln w="0"/>
+              <a:solidFill>
+                <a:srgbClr val="000000"/>
+              </a:solidFill>
+              <a:effectLst>
+                <a:outerShdw blurRad="38100" dist="19050" dir="2700000" algn="tl" rotWithShape="0">
+                  <a:schemeClr val="dk1">
+                    <a:alpha val="40000"/>
+                  </a:schemeClr>
+                </a:outerShdw>
+              </a:effectLst>
+            </a:endParaRPr>
+          </a:p>
+          <a:p>
+            <a:pPr>
+              <a:lnSpc>
+                <a:spcPct val="90000"/>
+              </a:lnSpc>
+              <a:spcBef>
+                <a:spcPct val="0"/>
+              </a:spcBef>
+              <a:spcAft>
+                <a:spcPts val="600"/>
+              </a:spcAft>
+            </a:pPr>
+            <a:endParaRPr lang="en-US" sz="2400" dirty="0">
+              <a:ln w="0"/>
+              <a:solidFill>
+                <a:srgbClr val="000000"/>
+              </a:solidFill>
+              <a:effectLst>
+                <a:outerShdw blurRad="38100" dist="19050" dir="2700000" algn="tl" rotWithShape="0">
+                  <a:schemeClr val="dk1">
+                    <a:alpha val="40000"/>
+                  </a:schemeClr>
+                </a:outerShdw>
+              </a:effectLst>
+            </a:endParaRPr>
+          </a:p>
+          <a:p>
+            <a:pPr marL="342900" indent="-342900">
+              <a:lnSpc>
+                <a:spcPct val="90000"/>
+              </a:lnSpc>
+              <a:spcBef>
+                <a:spcPct val="0"/>
+              </a:spcBef>
+              <a:spcAft>
+                <a:spcPts val="600"/>
+              </a:spcAft>
+              <a:buFont typeface="Arial" panose="020B0604020202020204" pitchFamily="34" charset="0"/>
+              <a:buChar char="•"/>
+            </a:pPr>
+            <a:r>
+              <a:rPr lang="en-US" sz="2400" dirty="0">
+                <a:ln w="0"/>
+                <a:solidFill>
+                  <a:srgbClr val="000000"/>
+                </a:solidFill>
+                <a:effectLst>
+                  <a:outerShdw blurRad="38100" dist="19050" dir="2700000" algn="tl" rotWithShape="0">
+                    <a:schemeClr val="dk1">
+                      <a:alpha val="40000"/>
+                    </a:schemeClr>
+                  </a:outerShdw>
+                </a:effectLst>
+              </a:rPr>
+              <a:t>Color for levels of accomplishment:</a:t>
+            </a:r>
+          </a:p>
+          <a:p>
+            <a:pPr marL="342900" indent="-342900">
+              <a:lnSpc>
+                <a:spcPct val="90000"/>
+              </a:lnSpc>
+              <a:spcBef>
+                <a:spcPct val="0"/>
+              </a:spcBef>
+              <a:spcAft>
+                <a:spcPts val="600"/>
+              </a:spcAft>
+              <a:buFont typeface="Arial" panose="020B0604020202020204" pitchFamily="34" charset="0"/>
+              <a:buChar char="•"/>
+            </a:pPr>
+            <a:endParaRPr lang="en-US" sz="2400" dirty="0">
+              <a:ln w="0"/>
+              <a:solidFill>
+                <a:srgbClr val="000000"/>
+              </a:solidFill>
+              <a:effectLst>
+                <a:outerShdw blurRad="38100" dist="19050" dir="2700000" algn="tl" rotWithShape="0">
+                  <a:schemeClr val="dk1">
+                    <a:alpha val="40000"/>
+                  </a:schemeClr>
+                </a:outerShdw>
+              </a:effectLst>
+            </a:endParaRPr>
+          </a:p>
+          <a:p>
+            <a:pPr marL="342900" indent="-342900">
+              <a:lnSpc>
+                <a:spcPct val="90000"/>
+              </a:lnSpc>
+              <a:spcBef>
+                <a:spcPct val="0"/>
+              </a:spcBef>
+              <a:spcAft>
+                <a:spcPts val="600"/>
+              </a:spcAft>
+              <a:buFont typeface="Arial" panose="020B0604020202020204" pitchFamily="34" charset="0"/>
+              <a:buChar char="•"/>
+            </a:pPr>
+            <a:endParaRPr lang="en-US" sz="2400" dirty="0">
+              <a:ln w="0"/>
+              <a:solidFill>
+                <a:srgbClr val="000000"/>
+              </a:solidFill>
+              <a:effectLst>
+                <a:outerShdw blurRad="38100" dist="19050" dir="2700000" algn="tl" rotWithShape="0">
+                  <a:schemeClr val="dk1">
+                    <a:alpha val="40000"/>
+                  </a:schemeClr>
+                </a:outerShdw>
+              </a:effectLst>
+            </a:endParaRPr>
+          </a:p>
+          <a:p>
+            <a:pPr>
+              <a:lnSpc>
+                <a:spcPct val="90000"/>
+              </a:lnSpc>
+              <a:spcBef>
+                <a:spcPct val="0"/>
+              </a:spcBef>
+              <a:spcAft>
+                <a:spcPts val="600"/>
+              </a:spcAft>
+            </a:pPr>
+            <a:endParaRPr lang="en-US" sz="4400" b="0" cap="none" spc="0" dirty="0">
+              <a:ln w="0"/>
+              <a:solidFill>
+                <a:srgbClr val="000000"/>
+              </a:solidFill>
+              <a:effectLst>
+                <a:outerShdw blurRad="38100" dist="19050" dir="2700000" algn="tl" rotWithShape="0">
+                  <a:schemeClr val="dk1">
+                    <a:alpha val="40000"/>
+                  </a:schemeClr>
+                </a:outerShdw>
+              </a:effectLst>
+              <a:latin typeface="+mj-lt"/>
+              <a:ea typeface="+mj-ea"/>
+              <a:cs typeface="+mj-cs"/>
+            </a:endParaRPr>
+          </a:p>
+          <a:p>
+            <a:pPr>
+              <a:lnSpc>
+                <a:spcPct val="90000"/>
+              </a:lnSpc>
+              <a:spcBef>
+                <a:spcPct val="0"/>
+              </a:spcBef>
+              <a:spcAft>
+                <a:spcPts val="600"/>
+              </a:spcAft>
+            </a:pPr>
+            <a:endParaRPr lang="en-US" sz="4400" dirty="0">
+              <a:ln w="0"/>
+              <a:solidFill>
+                <a:srgbClr val="000000"/>
+              </a:solidFill>
+              <a:effectLst>
+                <a:outerShdw blurRad="38100" dist="19050" dir="2700000" algn="tl" rotWithShape="0">
+                  <a:schemeClr val="dk1">
+                    <a:alpha val="40000"/>
+                  </a:schemeClr>
+                </a:outerShdw>
+              </a:effectLst>
+              <a:latin typeface="+mj-lt"/>
+              <a:ea typeface="+mj-ea"/>
+              <a:cs typeface="+mj-cs"/>
+            </a:endParaRPr>
+          </a:p>
+          <a:p>
+            <a:pPr>
+              <a:lnSpc>
+                <a:spcPct val="90000"/>
+              </a:lnSpc>
+              <a:spcBef>
+                <a:spcPct val="0"/>
+              </a:spcBef>
+              <a:spcAft>
+                <a:spcPts val="600"/>
+              </a:spcAft>
+            </a:pPr>
+            <a:endParaRPr lang="en-US" sz="4400" b="0" cap="none" spc="0" dirty="0">
+              <a:ln w="0"/>
+              <a:solidFill>
+                <a:srgbClr val="000000"/>
+              </a:solidFill>
+              <a:effectLst>
+                <a:outerShdw blurRad="38100" dist="19050" dir="2700000" algn="tl" rotWithShape="0">
+                  <a:schemeClr val="dk1">
+                    <a:alpha val="40000"/>
+                  </a:schemeClr>
+                </a:outerShdw>
+              </a:effectLst>
+              <a:latin typeface="+mj-lt"/>
+              <a:ea typeface="+mj-ea"/>
+              <a:cs typeface="+mj-cs"/>
+            </a:endParaRPr>
+          </a:p>
+        </p:txBody>
+      </p:sp>
+      <p:grpSp>
+        <p:nvGrpSpPr>
+          <p:cNvPr id="18" name="Group 17">
+            <a:extLst>
+              <a:ext uri="{FF2B5EF4-FFF2-40B4-BE49-F238E27FC236}">
+                <a16:creationId xmlns:a16="http://schemas.microsoft.com/office/drawing/2014/main" id="{67125E3B-0E68-4639-B484-2C6575076BC0}"/>
+              </a:ext>
+            </a:extLst>
+          </p:cNvPr>
+          <p:cNvGrpSpPr/>
+          <p:nvPr/>
+        </p:nvGrpSpPr>
+        <p:grpSpPr>
+          <a:xfrm>
+            <a:off x="9244849" y="4613037"/>
+            <a:ext cx="3160079" cy="1571287"/>
+            <a:chOff x="9031921" y="4847219"/>
+            <a:chExt cx="2730365" cy="1230754"/>
+          </a:xfrm>
+        </p:grpSpPr>
+        <p:pic>
+          <p:nvPicPr>
+            <p:cNvPr id="15" name="Picture 14">
+              <a:extLst>
+                <a:ext uri="{FF2B5EF4-FFF2-40B4-BE49-F238E27FC236}">
+                  <a16:creationId xmlns:a16="http://schemas.microsoft.com/office/drawing/2014/main" id="{B1E63AB9-2A21-4B5E-BBE7-56F0F12C8D43}"/>
+                </a:ext>
+              </a:extLst>
+            </p:cNvPr>
+            <p:cNvPicPr>
+              <a:picLocks noChangeAspect="1"/>
+            </p:cNvPicPr>
+            <p:nvPr/>
+          </p:nvPicPr>
+          <p:blipFill>
+            <a:blip r:embed="rId5">
+              <a:duotone>
+                <a:prstClr val="black"/>
+                <a:schemeClr val="accent2">
+                  <a:tint val="45000"/>
+                  <a:satMod val="400000"/>
+                </a:schemeClr>
+              </a:duotone>
+              <a:extLst>
+                <a:ext uri="{28A0092B-C50C-407E-A947-70E740481C1C}">
+                  <a14:useLocalDpi xmlns:a14="http://schemas.microsoft.com/office/drawing/2010/main" val="0"/>
+                </a:ext>
+              </a:extLst>
+            </a:blip>
+            <a:stretch>
+              <a:fillRect/>
+            </a:stretch>
+          </p:blipFill>
+          <p:spPr>
+            <a:xfrm>
+              <a:off x="9031921" y="5343569"/>
+              <a:ext cx="980646" cy="734404"/>
+            </a:xfrm>
+            <a:prstGeom prst="rect">
+              <a:avLst/>
+            </a:prstGeom>
+          </p:spPr>
+        </p:pic>
+        <p:pic>
+          <p:nvPicPr>
+            <p:cNvPr id="16" name="Picture 15">
+              <a:extLst>
+                <a:ext uri="{FF2B5EF4-FFF2-40B4-BE49-F238E27FC236}">
+                  <a16:creationId xmlns:a16="http://schemas.microsoft.com/office/drawing/2014/main" id="{2918AF46-617D-47AB-B45F-E799D16086B3}"/>
+                </a:ext>
+              </a:extLst>
+            </p:cNvPr>
+            <p:cNvPicPr>
+              <a:picLocks noChangeAspect="1"/>
+            </p:cNvPicPr>
+            <p:nvPr/>
+          </p:nvPicPr>
+          <p:blipFill>
+            <a:blip r:embed="rId6">
+              <a:extLst>
+                <a:ext uri="{BEBA8EAE-BF5A-486C-A8C5-ECC9F3942E4B}">
+                  <a14:imgProps xmlns:a14="http://schemas.microsoft.com/office/drawing/2010/main">
+                    <a14:imgLayer r:embed="rId7">
+                      <a14:imgEffect>
+                        <a14:saturation sat="0"/>
+                      </a14:imgEffect>
+                    </a14:imgLayer>
+                  </a14:imgProps>
+                </a:ext>
+                <a:ext uri="{28A0092B-C50C-407E-A947-70E740481C1C}">
+                  <a14:useLocalDpi xmlns:a14="http://schemas.microsoft.com/office/drawing/2010/main" val="0"/>
+                </a:ext>
+              </a:extLst>
+            </a:blip>
+            <a:stretch>
+              <a:fillRect/>
+            </a:stretch>
+          </p:blipFill>
+          <p:spPr>
+            <a:xfrm>
+              <a:off x="9459791" y="5076871"/>
+              <a:ext cx="1336766" cy="1001102"/>
+            </a:xfrm>
+            <a:prstGeom prst="rect">
+              <a:avLst/>
+            </a:prstGeom>
+          </p:spPr>
+        </p:pic>
+        <p:pic>
+          <p:nvPicPr>
+            <p:cNvPr id="17" name="Picture 16">
+              <a:extLst>
+                <a:ext uri="{FF2B5EF4-FFF2-40B4-BE49-F238E27FC236}">
+                  <a16:creationId xmlns:a16="http://schemas.microsoft.com/office/drawing/2014/main" id="{0DFB8D21-CE12-412B-B582-F107E2415120}"/>
+                </a:ext>
+              </a:extLst>
+            </p:cNvPr>
+            <p:cNvPicPr>
+              <a:picLocks noChangeAspect="1"/>
+            </p:cNvPicPr>
+            <p:nvPr/>
+          </p:nvPicPr>
+          <p:blipFill>
+            <a:blip r:embed="rId5">
+              <a:extLst>
+                <a:ext uri="{28A0092B-C50C-407E-A947-70E740481C1C}">
+                  <a14:useLocalDpi xmlns:a14="http://schemas.microsoft.com/office/drawing/2010/main" val="0"/>
+                </a:ext>
+              </a:extLst>
+            </a:blip>
+            <a:stretch>
+              <a:fillRect/>
+            </a:stretch>
+          </p:blipFill>
+          <p:spPr>
+            <a:xfrm>
+              <a:off x="10118868" y="4847219"/>
+              <a:ext cx="1643418" cy="1230754"/>
+            </a:xfrm>
+            <a:prstGeom prst="rect">
+              <a:avLst/>
+            </a:prstGeom>
+          </p:spPr>
+        </p:pic>
+      </p:grpSp>
+    </p:spTree>
+    <p:extLst>
+      <p:ext uri="{BB962C8B-B14F-4D97-AF65-F5344CB8AC3E}">
+        <p14:creationId xmlns:p14="http://schemas.microsoft.com/office/powerpoint/2010/main" val="2504818058"/>
+      </p:ext>
+    </p:extLst>
+  </p:cSld>
+  <p:clrMapOvr>
+    <a:masterClrMapping/>
+  </p:clrMapOvr>
+</p:sld>
+</file>
+
+<file path=ppt/slides/slide8.xml><?xml version="1.0" encoding="utf-8"?>
+<p:sld xmlns:a="http://schemas.openxmlformats.org/drawingml/2006/main" xmlns:r="http://schemas.openxmlformats.org/officeDocument/2006/relationships" xmlns:p="http://schemas.openxmlformats.org/presentationml/2006/main">
+  <p:cSld>
+    <p:spTree>
+      <p:nvGrpSpPr>
+        <p:cNvPr id="1" name=""/>
+        <p:cNvGrpSpPr/>
+        <p:nvPr/>
+      </p:nvGrpSpPr>
+      <p:grpSpPr>
+        <a:xfrm>
+          <a:off x="0" y="0"/>
+          <a:ext cx="0" cy="0"/>
+          <a:chOff x="0" y="0"/>
+          <a:chExt cx="0" cy="0"/>
+        </a:xfrm>
+      </p:grpSpPr>
+      <p:pic>
+        <p:nvPicPr>
+          <p:cNvPr id="5" name="Picture 4">
+            <a:extLst>
+              <a:ext uri="{FF2B5EF4-FFF2-40B4-BE49-F238E27FC236}">
+                <a16:creationId xmlns:a16="http://schemas.microsoft.com/office/drawing/2014/main" id="{04AEEED3-2570-4B00-9A78-7D97DF270627}"/>
+              </a:ext>
+            </a:extLst>
+          </p:cNvPr>
+          <p:cNvPicPr>
+            <a:picLocks noChangeAspect="1"/>
+          </p:cNvPicPr>
+          <p:nvPr/>
+        </p:nvPicPr>
+        <p:blipFill>
+          <a:blip r:embed="rId3">
+            <a:extLst>
+              <a:ext uri="{28A0092B-C50C-407E-A947-70E740481C1C}">
+                <a14:useLocalDpi xmlns:a14="http://schemas.microsoft.com/office/drawing/2010/main" val="0"/>
+              </a:ext>
+            </a:extLst>
+          </a:blip>
+          <a:stretch>
+            <a:fillRect/>
+          </a:stretch>
+        </p:blipFill>
+        <p:spPr>
+          <a:xfrm>
+            <a:off x="4088889" y="0"/>
+            <a:ext cx="8103111" cy="6858000"/>
+          </a:xfrm>
+          <a:prstGeom prst="rect">
+            <a:avLst/>
+          </a:prstGeom>
+        </p:spPr>
+      </p:pic>
+      <p:pic>
+        <p:nvPicPr>
+          <p:cNvPr id="7" name="Picture 6">
+            <a:extLst>
+              <a:ext uri="{FF2B5EF4-FFF2-40B4-BE49-F238E27FC236}">
+                <a16:creationId xmlns:a16="http://schemas.microsoft.com/office/drawing/2014/main" id="{A6A79083-8C69-42FF-8F03-3AA794A00F5D}"/>
+              </a:ext>
+            </a:extLst>
+          </p:cNvPr>
+          <p:cNvPicPr>
+            <a:picLocks noChangeAspect="1"/>
+          </p:cNvPicPr>
+          <p:nvPr/>
+        </p:nvPicPr>
+        <p:blipFill>
+          <a:blip r:embed="rId4">
+            <a:extLst>
+              <a:ext uri="{28A0092B-C50C-407E-A947-70E740481C1C}">
+                <a14:useLocalDpi xmlns:a14="http://schemas.microsoft.com/office/drawing/2010/main" val="0"/>
+              </a:ext>
+            </a:extLst>
+          </a:blip>
+          <a:stretch>
+            <a:fillRect/>
+          </a:stretch>
+        </p:blipFill>
+        <p:spPr>
+          <a:xfrm>
+            <a:off x="0" y="-1"/>
+            <a:ext cx="4088889" cy="6857999"/>
+          </a:xfrm>
+          <a:prstGeom prst="rect">
+            <a:avLst/>
+          </a:prstGeom>
+        </p:spPr>
+      </p:pic>
+      <p:sp>
+        <p:nvSpPr>
+          <p:cNvPr id="2" name="Rectangle 1">
+            <a:extLst>
+              <a:ext uri="{FF2B5EF4-FFF2-40B4-BE49-F238E27FC236}">
+                <a16:creationId xmlns:a16="http://schemas.microsoft.com/office/drawing/2014/main" id="{74C58203-793B-4E6D-938A-334F35970113}"/>
+              </a:ext>
+            </a:extLst>
+          </p:cNvPr>
+          <p:cNvSpPr/>
+          <p:nvPr/>
+        </p:nvSpPr>
+        <p:spPr>
+          <a:xfrm>
+            <a:off x="4438284" y="384355"/>
+            <a:ext cx="3539367" cy="341632"/>
+          </a:xfrm>
+          <a:prstGeom prst="rect">
+            <a:avLst/>
+          </a:prstGeom>
+        </p:spPr>
+        <p:txBody>
+          <a:bodyPr wrap="none">
+            <a:spAutoFit/>
+          </a:bodyPr>
+          <a:lstStyle/>
+          <a:p>
+            <a:pPr>
+              <a:lnSpc>
+                <a:spcPct val="90000"/>
+              </a:lnSpc>
+              <a:spcBef>
+                <a:spcPct val="0"/>
+              </a:spcBef>
+              <a:spcAft>
+                <a:spcPts val="600"/>
+              </a:spcAft>
+            </a:pPr>
+            <a:r>
+              <a:rPr lang="en-US" dirty="0">
+                <a:solidFill>
+                  <a:schemeClr val="bg1"/>
+                </a:solidFill>
+              </a:rPr>
+              <a:t>Motivational Visual Representation:</a:t>
+            </a:r>
+          </a:p>
+        </p:txBody>
+      </p:sp>
+      <p:sp>
+        <p:nvSpPr>
+          <p:cNvPr id="6" name="Rectangle 5">
+            <a:extLst>
+              <a:ext uri="{FF2B5EF4-FFF2-40B4-BE49-F238E27FC236}">
+                <a16:creationId xmlns:a16="http://schemas.microsoft.com/office/drawing/2014/main" id="{240D8D61-9C33-4C33-A762-90B1D9A476CB}"/>
+              </a:ext>
+            </a:extLst>
+          </p:cNvPr>
+          <p:cNvSpPr/>
+          <p:nvPr/>
+        </p:nvSpPr>
+        <p:spPr>
+          <a:xfrm>
+            <a:off x="4475789" y="555171"/>
+            <a:ext cx="7326060" cy="6042493"/>
+          </a:xfrm>
+          <a:prstGeom prst="rect">
+            <a:avLst/>
+          </a:prstGeom>
+        </p:spPr>
+        <p:txBody>
+          <a:bodyPr vert="horz" lIns="91440" tIns="45720" rIns="91440" bIns="45720" rtlCol="0" anchor="t">
+            <a:normAutofit/>
+          </a:bodyPr>
+          <a:lstStyle/>
+          <a:p>
+            <a:pPr>
+              <a:lnSpc>
+                <a:spcPct val="90000"/>
+              </a:lnSpc>
+              <a:spcBef>
+                <a:spcPct val="0"/>
+              </a:spcBef>
+              <a:spcAft>
+                <a:spcPts val="600"/>
+              </a:spcAft>
+            </a:pPr>
+            <a:endParaRPr lang="en-US" sz="2400" dirty="0">
+              <a:ln w="0"/>
+              <a:solidFill>
+                <a:srgbClr val="000000"/>
+              </a:solidFill>
+              <a:effectLst>
+                <a:outerShdw blurRad="38100" dist="19050" dir="2700000" algn="tl" rotWithShape="0">
+                  <a:schemeClr val="dk1">
+                    <a:alpha val="40000"/>
+                  </a:schemeClr>
+                </a:outerShdw>
+              </a:effectLst>
+            </a:endParaRPr>
+          </a:p>
+          <a:p>
+            <a:pPr marL="342900" indent="-342900">
+              <a:lnSpc>
+                <a:spcPct val="90000"/>
+              </a:lnSpc>
+              <a:spcBef>
+                <a:spcPct val="0"/>
+              </a:spcBef>
+              <a:spcAft>
+                <a:spcPts val="600"/>
+              </a:spcAft>
+              <a:buFont typeface="Arial" panose="020B0604020202020204" pitchFamily="34" charset="0"/>
+              <a:buChar char="•"/>
+            </a:pPr>
+            <a:r>
+              <a:rPr lang="en-US" sz="2400" dirty="0">
+                <a:ln w="0"/>
+                <a:solidFill>
+                  <a:srgbClr val="000000"/>
+                </a:solidFill>
+                <a:effectLst>
+                  <a:outerShdw blurRad="38100" dist="19050" dir="2700000" algn="tl" rotWithShape="0">
+                    <a:schemeClr val="dk1">
+                      <a:alpha val="40000"/>
+                    </a:schemeClr>
+                  </a:outerShdw>
+                </a:effectLst>
+              </a:rPr>
+              <a:t>Missed Payment ?</a:t>
+            </a:r>
+          </a:p>
+          <a:p>
+            <a:pPr marL="342900" indent="-342900">
+              <a:lnSpc>
+                <a:spcPct val="90000"/>
+              </a:lnSpc>
+              <a:spcBef>
+                <a:spcPct val="0"/>
+              </a:spcBef>
+              <a:spcAft>
+                <a:spcPts val="600"/>
+              </a:spcAft>
+              <a:buFont typeface="Arial" panose="020B0604020202020204" pitchFamily="34" charset="0"/>
+              <a:buChar char="•"/>
+            </a:pPr>
+            <a:endParaRPr lang="en-US" sz="2400" dirty="0">
+              <a:ln w="0"/>
+              <a:solidFill>
+                <a:srgbClr val="000000"/>
+              </a:solidFill>
+              <a:effectLst>
+                <a:outerShdw blurRad="38100" dist="19050" dir="2700000" algn="tl" rotWithShape="0">
+                  <a:schemeClr val="dk1">
+                    <a:alpha val="40000"/>
+                  </a:schemeClr>
+                </a:outerShdw>
+              </a:effectLst>
+            </a:endParaRPr>
+          </a:p>
+          <a:p>
+            <a:pPr>
+              <a:lnSpc>
+                <a:spcPct val="90000"/>
+              </a:lnSpc>
+              <a:spcBef>
+                <a:spcPct val="0"/>
+              </a:spcBef>
+              <a:spcAft>
+                <a:spcPts val="600"/>
+              </a:spcAft>
+            </a:pPr>
+            <a:r>
+              <a:rPr lang="en-US" sz="2400" dirty="0">
+                <a:ln w="0"/>
+                <a:solidFill>
+                  <a:srgbClr val="000000"/>
+                </a:solidFill>
+                <a:effectLst>
+                  <a:outerShdw blurRad="38100" dist="19050" dir="2700000" algn="tl" rotWithShape="0">
+                    <a:schemeClr val="dk1">
+                      <a:alpha val="40000"/>
+                    </a:schemeClr>
+                  </a:outerShdw>
+                </a:effectLst>
+              </a:rPr>
+              <a:t>	Get back on track!</a:t>
+            </a:r>
+          </a:p>
+          <a:p>
+            <a:pPr>
+              <a:lnSpc>
+                <a:spcPct val="90000"/>
+              </a:lnSpc>
+              <a:spcBef>
+                <a:spcPct val="0"/>
+              </a:spcBef>
+              <a:spcAft>
+                <a:spcPts val="600"/>
+              </a:spcAft>
+            </a:pPr>
+            <a:r>
+              <a:rPr lang="en-US" sz="2400" dirty="0">
+                <a:ln w="0"/>
+                <a:solidFill>
+                  <a:srgbClr val="000000"/>
+                </a:solidFill>
+                <a:effectLst>
+                  <a:outerShdw blurRad="38100" dist="19050" dir="2700000" algn="tl" rotWithShape="0">
+                    <a:schemeClr val="dk1">
+                      <a:alpha val="40000"/>
+                    </a:schemeClr>
+                  </a:outerShdw>
+                </a:effectLst>
+              </a:rPr>
+              <a:t>	Do you want to talk to someone?</a:t>
+            </a:r>
+          </a:p>
+          <a:p>
+            <a:pPr marL="342900" indent="-342900">
+              <a:lnSpc>
+                <a:spcPct val="90000"/>
+              </a:lnSpc>
+              <a:spcBef>
+                <a:spcPct val="0"/>
+              </a:spcBef>
+              <a:spcAft>
+                <a:spcPts val="600"/>
+              </a:spcAft>
+              <a:buFont typeface="Arial" panose="020B0604020202020204" pitchFamily="34" charset="0"/>
+              <a:buChar char="•"/>
+            </a:pPr>
+            <a:endParaRPr lang="en-US" sz="2400" dirty="0">
+              <a:ln w="0"/>
+              <a:solidFill>
+                <a:srgbClr val="000000"/>
+              </a:solidFill>
+              <a:effectLst>
+                <a:outerShdw blurRad="38100" dist="19050" dir="2700000" algn="tl" rotWithShape="0">
+                  <a:schemeClr val="dk1">
+                    <a:alpha val="40000"/>
+                  </a:schemeClr>
+                </a:outerShdw>
+              </a:effectLst>
+            </a:endParaRPr>
+          </a:p>
+          <a:p>
+            <a:pPr marL="342900" indent="-342900">
+              <a:lnSpc>
+                <a:spcPct val="90000"/>
+              </a:lnSpc>
+              <a:spcBef>
+                <a:spcPct val="0"/>
+              </a:spcBef>
+              <a:spcAft>
+                <a:spcPts val="600"/>
+              </a:spcAft>
+              <a:buFont typeface="Arial" panose="020B0604020202020204" pitchFamily="34" charset="0"/>
+              <a:buChar char="•"/>
+            </a:pPr>
+            <a:endParaRPr lang="en-US" sz="2400" dirty="0">
+              <a:ln w="0"/>
+              <a:solidFill>
+                <a:srgbClr val="000000"/>
+              </a:solidFill>
+              <a:effectLst>
+                <a:outerShdw blurRad="38100" dist="19050" dir="2700000" algn="tl" rotWithShape="0">
+                  <a:schemeClr val="dk1">
+                    <a:alpha val="40000"/>
+                  </a:schemeClr>
+                </a:outerShdw>
+              </a:effectLst>
+            </a:endParaRPr>
+          </a:p>
+          <a:p>
+            <a:pPr>
+              <a:lnSpc>
+                <a:spcPct val="90000"/>
+              </a:lnSpc>
+              <a:spcBef>
+                <a:spcPct val="0"/>
+              </a:spcBef>
+              <a:spcAft>
+                <a:spcPts val="600"/>
+              </a:spcAft>
+            </a:pPr>
+            <a:endParaRPr lang="en-US" sz="2400" dirty="0">
+              <a:ln w="0"/>
+              <a:solidFill>
+                <a:srgbClr val="000000"/>
+              </a:solidFill>
+              <a:effectLst>
+                <a:outerShdw blurRad="38100" dist="19050" dir="2700000" algn="tl" rotWithShape="0">
+                  <a:schemeClr val="dk1">
+                    <a:alpha val="40000"/>
+                  </a:schemeClr>
+                </a:outerShdw>
+              </a:effectLst>
+            </a:endParaRPr>
+          </a:p>
+          <a:p>
+            <a:pPr>
+              <a:lnSpc>
+                <a:spcPct val="90000"/>
+              </a:lnSpc>
+              <a:spcBef>
+                <a:spcPct val="0"/>
+              </a:spcBef>
+              <a:spcAft>
+                <a:spcPts val="600"/>
+              </a:spcAft>
+            </a:pPr>
+            <a:endParaRPr lang="en-US" sz="2400" dirty="0">
+              <a:ln w="0"/>
+              <a:solidFill>
+                <a:srgbClr val="000000"/>
+              </a:solidFill>
+              <a:effectLst>
+                <a:outerShdw blurRad="38100" dist="19050" dir="2700000" algn="tl" rotWithShape="0">
+                  <a:schemeClr val="dk1">
+                    <a:alpha val="40000"/>
+                  </a:schemeClr>
+                </a:outerShdw>
+              </a:effectLst>
+            </a:endParaRPr>
+          </a:p>
+          <a:p>
+            <a:pPr>
+              <a:lnSpc>
+                <a:spcPct val="90000"/>
+              </a:lnSpc>
+              <a:spcBef>
+                <a:spcPct val="0"/>
+              </a:spcBef>
+              <a:spcAft>
+                <a:spcPts val="600"/>
+              </a:spcAft>
+            </a:pPr>
+            <a:r>
+              <a:rPr lang="en-US" sz="2400" dirty="0">
+                <a:ln w="0"/>
+                <a:solidFill>
+                  <a:srgbClr val="000000"/>
+                </a:solidFill>
+                <a:effectLst>
+                  <a:outerShdw blurRad="38100" dist="19050" dir="2700000" algn="tl" rotWithShape="0">
+                    <a:schemeClr val="dk1">
+                      <a:alpha val="40000"/>
+                    </a:schemeClr>
+                  </a:outerShdw>
+                </a:effectLst>
+              </a:rPr>
+              <a:t>*** All about motivation ***</a:t>
+            </a:r>
+          </a:p>
+          <a:p>
+            <a:pPr marL="342900" indent="-342900">
+              <a:lnSpc>
+                <a:spcPct val="90000"/>
+              </a:lnSpc>
+              <a:spcBef>
+                <a:spcPct val="0"/>
+              </a:spcBef>
+              <a:spcAft>
+                <a:spcPts val="600"/>
+              </a:spcAft>
+              <a:buFont typeface="Arial" panose="020B0604020202020204" pitchFamily="34" charset="0"/>
+              <a:buChar char="•"/>
+            </a:pPr>
+            <a:endParaRPr lang="en-US" sz="2400" dirty="0">
+              <a:ln w="0"/>
+              <a:solidFill>
+                <a:srgbClr val="000000"/>
+              </a:solidFill>
+              <a:effectLst>
+                <a:outerShdw blurRad="38100" dist="19050" dir="2700000" algn="tl" rotWithShape="0">
+                  <a:schemeClr val="dk1">
+                    <a:alpha val="40000"/>
+                  </a:schemeClr>
+                </a:outerShdw>
+              </a:effectLst>
+            </a:endParaRPr>
+          </a:p>
+          <a:p>
+            <a:pPr marL="342900" indent="-342900">
+              <a:lnSpc>
+                <a:spcPct val="90000"/>
+              </a:lnSpc>
+              <a:spcBef>
+                <a:spcPct val="0"/>
+              </a:spcBef>
+              <a:spcAft>
+                <a:spcPts val="600"/>
+              </a:spcAft>
+              <a:buFont typeface="Arial" panose="020B0604020202020204" pitchFamily="34" charset="0"/>
+              <a:buChar char="•"/>
+            </a:pPr>
+            <a:endParaRPr lang="en-US" sz="2400" dirty="0">
+              <a:ln w="0"/>
+              <a:solidFill>
+                <a:srgbClr val="000000"/>
+              </a:solidFill>
+              <a:effectLst>
+                <a:outerShdw blurRad="38100" dist="19050" dir="2700000" algn="tl" rotWithShape="0">
+                  <a:schemeClr val="dk1">
+                    <a:alpha val="40000"/>
+                  </a:schemeClr>
+                </a:outerShdw>
+              </a:effectLst>
+            </a:endParaRPr>
+          </a:p>
+          <a:p>
+            <a:pPr>
+              <a:lnSpc>
+                <a:spcPct val="90000"/>
+              </a:lnSpc>
+              <a:spcBef>
+                <a:spcPct val="0"/>
+              </a:spcBef>
+              <a:spcAft>
+                <a:spcPts val="600"/>
+              </a:spcAft>
+            </a:pPr>
+            <a:endParaRPr lang="en-US" sz="4400" b="0" cap="none" spc="0" dirty="0">
+              <a:ln w="0"/>
+              <a:solidFill>
+                <a:srgbClr val="000000"/>
+              </a:solidFill>
+              <a:effectLst>
+                <a:outerShdw blurRad="38100" dist="19050" dir="2700000" algn="tl" rotWithShape="0">
+                  <a:schemeClr val="dk1">
+                    <a:alpha val="40000"/>
+                  </a:schemeClr>
+                </a:outerShdw>
+              </a:effectLst>
+              <a:latin typeface="+mj-lt"/>
+              <a:ea typeface="+mj-ea"/>
+              <a:cs typeface="+mj-cs"/>
+            </a:endParaRPr>
+          </a:p>
+          <a:p>
+            <a:pPr>
+              <a:lnSpc>
+                <a:spcPct val="90000"/>
+              </a:lnSpc>
+              <a:spcBef>
+                <a:spcPct val="0"/>
+              </a:spcBef>
+              <a:spcAft>
+                <a:spcPts val="600"/>
+              </a:spcAft>
+            </a:pPr>
+            <a:endParaRPr lang="en-US" sz="4400" dirty="0">
+              <a:ln w="0"/>
+              <a:solidFill>
+                <a:srgbClr val="000000"/>
+              </a:solidFill>
+              <a:effectLst>
+                <a:outerShdw blurRad="38100" dist="19050" dir="2700000" algn="tl" rotWithShape="0">
+                  <a:schemeClr val="dk1">
+                    <a:alpha val="40000"/>
+                  </a:schemeClr>
+                </a:outerShdw>
+              </a:effectLst>
+              <a:latin typeface="+mj-lt"/>
+              <a:ea typeface="+mj-ea"/>
+              <a:cs typeface="+mj-cs"/>
+            </a:endParaRPr>
+          </a:p>
+          <a:p>
+            <a:pPr>
+              <a:lnSpc>
+                <a:spcPct val="90000"/>
+              </a:lnSpc>
+              <a:spcBef>
+                <a:spcPct val="0"/>
+              </a:spcBef>
+              <a:spcAft>
+                <a:spcPts val="600"/>
+              </a:spcAft>
+            </a:pPr>
+            <a:endParaRPr lang="en-US" sz="4400" b="0" cap="none" spc="0" dirty="0">
+              <a:ln w="0"/>
+              <a:solidFill>
+                <a:srgbClr val="000000"/>
+              </a:solidFill>
+              <a:effectLst>
+                <a:outerShdw blurRad="38100" dist="19050" dir="2700000" algn="tl" rotWithShape="0">
+                  <a:schemeClr val="dk1">
+                    <a:alpha val="40000"/>
+                  </a:schemeClr>
+                </a:outerShdw>
+              </a:effectLst>
+              <a:latin typeface="+mj-lt"/>
+              <a:ea typeface="+mj-ea"/>
+              <a:cs typeface="+mj-cs"/>
+            </a:endParaRPr>
+          </a:p>
+        </p:txBody>
+      </p:sp>
+      <p:pic>
+        <p:nvPicPr>
+          <p:cNvPr id="4" name="Picture 3">
+            <a:extLst>
+              <a:ext uri="{FF2B5EF4-FFF2-40B4-BE49-F238E27FC236}">
+                <a16:creationId xmlns:a16="http://schemas.microsoft.com/office/drawing/2014/main" id="{CF76A925-89DC-45CA-819D-48280B325BF9}"/>
+              </a:ext>
+            </a:extLst>
+          </p:cNvPr>
+          <p:cNvPicPr>
+            <a:picLocks noChangeAspect="1"/>
+          </p:cNvPicPr>
+          <p:nvPr/>
+        </p:nvPicPr>
+        <p:blipFill>
+          <a:blip r:embed="rId5">
+            <a:extLst>
+              <a:ext uri="{28A0092B-C50C-407E-A947-70E740481C1C}">
+                <a14:useLocalDpi xmlns:a14="http://schemas.microsoft.com/office/drawing/2010/main" val="0"/>
+              </a:ext>
+            </a:extLst>
+          </a:blip>
+          <a:stretch>
+            <a:fillRect/>
+          </a:stretch>
+        </p:blipFill>
+        <p:spPr>
+          <a:xfrm>
+            <a:off x="8658599" y="3828537"/>
+            <a:ext cx="3143250" cy="1457325"/>
+          </a:xfrm>
+          <a:prstGeom prst="rect">
+            <a:avLst/>
+          </a:prstGeom>
+        </p:spPr>
+      </p:pic>
+      <p:pic>
+        <p:nvPicPr>
+          <p:cNvPr id="13" name="Picture 12">
+            <a:extLst>
+              <a:ext uri="{FF2B5EF4-FFF2-40B4-BE49-F238E27FC236}">
+                <a16:creationId xmlns:a16="http://schemas.microsoft.com/office/drawing/2014/main" id="{54A5EAFE-1356-4B5F-A0AB-68A190F7EFE8}"/>
+              </a:ext>
+            </a:extLst>
+          </p:cNvPr>
+          <p:cNvPicPr>
+            <a:picLocks noChangeAspect="1"/>
+          </p:cNvPicPr>
+          <p:nvPr/>
+        </p:nvPicPr>
+        <p:blipFill>
+          <a:blip r:embed="rId6">
+            <a:extLst>
+              <a:ext uri="{28A0092B-C50C-407E-A947-70E740481C1C}">
+                <a14:useLocalDpi xmlns:a14="http://schemas.microsoft.com/office/drawing/2010/main" val="0"/>
+              </a:ext>
+              <a:ext uri="{837473B0-CC2E-450A-ABE3-18F120FF3D39}">
+                <a1611:picAttrSrcUrl xmlns:a1611="http://schemas.microsoft.com/office/drawing/2016/11/main" r:id="rId7"/>
+              </a:ext>
+            </a:extLst>
+          </a:blip>
+          <a:stretch>
+            <a:fillRect/>
+          </a:stretch>
+        </p:blipFill>
+        <p:spPr>
+          <a:xfrm>
+            <a:off x="9807146" y="1227437"/>
+            <a:ext cx="1802027" cy="1802027"/>
+          </a:xfrm>
+          <a:prstGeom prst="rect">
+            <a:avLst/>
+          </a:prstGeom>
+        </p:spPr>
+      </p:pic>
+    </p:spTree>
+    <p:extLst>
+      <p:ext uri="{BB962C8B-B14F-4D97-AF65-F5344CB8AC3E}">
+        <p14:creationId xmlns:p14="http://schemas.microsoft.com/office/powerpoint/2010/main" val="3031495734"/>
+      </p:ext>
+    </p:extLst>
+  </p:cSld>
+  <p:clrMapOvr>
+    <a:masterClrMapping/>
+  </p:clrMapOvr>
+</p:sld>
+</file>
+
+<file path=ppt/slides/slide9.xml><?xml version="1.0" encoding="utf-8"?>
+<p:sld xmlns:a="http://schemas.openxmlformats.org/drawingml/2006/main" xmlns:r="http://schemas.openxmlformats.org/officeDocument/2006/relationships" xmlns:p="http://schemas.openxmlformats.org/presentationml/2006/main">
+  <p:cSld>
+    <p:spTree>
+      <p:nvGrpSpPr>
+        <p:cNvPr id="1" name=""/>
+        <p:cNvGrpSpPr/>
+        <p:nvPr/>
+      </p:nvGrpSpPr>
+      <p:grpSpPr>
+        <a:xfrm>
+          <a:off x="0" y="0"/>
+          <a:ext cx="0" cy="0"/>
+          <a:chOff x="0" y="0"/>
+          <a:chExt cx="0" cy="0"/>
+        </a:xfrm>
+      </p:grpSpPr>
+      <p:pic>
+        <p:nvPicPr>
+          <p:cNvPr id="6" name="Picture 5">
+            <a:extLst>
+              <a:ext uri="{FF2B5EF4-FFF2-40B4-BE49-F238E27FC236}">
+                <a16:creationId xmlns:a16="http://schemas.microsoft.com/office/drawing/2014/main" id="{B24A1D86-3BD6-49FA-AE46-AE5AF265A530}"/>
+              </a:ext>
+            </a:extLst>
+          </p:cNvPr>
+          <p:cNvPicPr>
+            <a:picLocks noChangeAspect="1"/>
+          </p:cNvPicPr>
+          <p:nvPr/>
+        </p:nvPicPr>
+        <p:blipFill>
+          <a:blip r:embed="rId2">
+            <a:extLst>
+              <a:ext uri="{28A0092B-C50C-407E-A947-70E740481C1C}">
+                <a14:useLocalDpi xmlns:a14="http://schemas.microsoft.com/office/drawing/2010/main" val="0"/>
+              </a:ext>
+              <a:ext uri="{837473B0-CC2E-450A-ABE3-18F120FF3D39}">
+                <a1611:picAttrSrcUrl xmlns:a1611="http://schemas.microsoft.com/office/drawing/2016/11/main" r:id="rId3"/>
+              </a:ext>
+            </a:extLst>
+          </a:blip>
+          <a:stretch>
+            <a:fillRect/>
+          </a:stretch>
+        </p:blipFill>
+        <p:spPr>
+          <a:xfrm>
+            <a:off x="3810000" y="1143000"/>
+            <a:ext cx="4572000" cy="4572000"/>
+          </a:xfrm>
+          <a:prstGeom prst="rect">
+            <a:avLst/>
+          </a:prstGeom>
+        </p:spPr>
+      </p:pic>
+      <p:sp>
+        <p:nvSpPr>
+          <p:cNvPr id="7" name="TextBox 6">
+            <a:extLst>
+              <a:ext uri="{FF2B5EF4-FFF2-40B4-BE49-F238E27FC236}">
+                <a16:creationId xmlns:a16="http://schemas.microsoft.com/office/drawing/2014/main" id="{85D6EC47-A015-4537-8666-8CF5A5F5B9AD}"/>
+              </a:ext>
+            </a:extLst>
+          </p:cNvPr>
+          <p:cNvSpPr txBox="1"/>
+          <p:nvPr/>
+        </p:nvSpPr>
+        <p:spPr>
+          <a:xfrm>
+            <a:off x="3810000" y="5715000"/>
+            <a:ext cx="4572000" cy="230832"/>
+          </a:xfrm>
+          <a:prstGeom prst="rect">
+            <a:avLst/>
+          </a:prstGeom>
+          <a:noFill/>
+        </p:spPr>
+        <p:txBody>
+          <a:bodyPr wrap="square" rtlCol="0">
+            <a:spAutoFit/>
+          </a:bodyPr>
+          <a:lstStyle/>
+          <a:p>
+            <a:r>
+              <a:rPr lang="en-US" sz="900">
+                <a:hlinkClick r:id="rId3" tooltip="http://commons.wikimedia.org/wiki/File:Internet-talk-error.svg"/>
+              </a:rPr>
+              <a:t>This Photo</a:t>
+            </a:r>
+            <a:r>
+              <a:rPr lang="en-US" sz="900"/>
+              <a:t> by Unknown Author is licensed under </a:t>
+            </a:r>
+            <a:r>
+              <a:rPr lang="en-US" sz="900">
+                <a:hlinkClick r:id="rId4" tooltip="https://creativecommons.org/licenses/by-sa/3.0/"/>
+              </a:rPr>
+              <a:t>CC BY-SA</a:t>
+            </a:r>
+            <a:endParaRPr lang="en-US" sz="900"/>
+          </a:p>
+        </p:txBody>
+      </p:sp>
+    </p:spTree>
+    <p:extLst>
+      <p:ext uri="{BB962C8B-B14F-4D97-AF65-F5344CB8AC3E}">
+        <p14:creationId xmlns:p14="http://schemas.microsoft.com/office/powerpoint/2010/main" val="4017597103"/>
       </p:ext>
     </p:extLst>
   </p:cSld>

--- a/Aprien_Group _6.pptx
+++ b/Aprien_Group _6.pptx
@@ -5,19 +5,20 @@
     <p:sldMasterId id="2147483648" r:id="rId1"/>
   </p:sldMasterIdLst>
   <p:notesMasterIdLst>
-    <p:notesMasterId r:id="rId12"/>
+    <p:notesMasterId r:id="rId13"/>
   </p:notesMasterIdLst>
   <p:sldIdLst>
     <p:sldId id="256" r:id="rId2"/>
     <p:sldId id="257" r:id="rId3"/>
     <p:sldId id="259" r:id="rId4"/>
     <p:sldId id="260" r:id="rId5"/>
-    <p:sldId id="261" r:id="rId6"/>
-    <p:sldId id="263" r:id="rId7"/>
-    <p:sldId id="264" r:id="rId8"/>
-    <p:sldId id="265" r:id="rId9"/>
-    <p:sldId id="262" r:id="rId10"/>
-    <p:sldId id="258" r:id="rId11"/>
+    <p:sldId id="267" r:id="rId6"/>
+    <p:sldId id="268" r:id="rId7"/>
+    <p:sldId id="269" r:id="rId8"/>
+    <p:sldId id="270" r:id="rId9"/>
+    <p:sldId id="266" r:id="rId10"/>
+    <p:sldId id="262" r:id="rId11"/>
+    <p:sldId id="258" r:id="rId12"/>
   </p:sldIdLst>
   <p:sldSz cx="12192000" cy="6858000"/>
   <p:notesSz cx="6858000" cy="9144000"/>
@@ -717,7 +718,7 @@
           <a:p>
             <a:fld id="{E460D524-EB5F-4E33-A65E-4B797E20057D}" type="slidenum">
               <a:rPr lang="en-US" smtClean="0"/>
-              <a:t>5</a:t>
+              <a:t>9</a:t>
             </a:fld>
             <a:endParaRPr lang="en-US"/>
           </a:p>
@@ -726,259 +727,7 @@
     </p:spTree>
     <p:extLst>
       <p:ext uri="{BB962C8B-B14F-4D97-AF65-F5344CB8AC3E}">
-        <p14:creationId xmlns:p14="http://schemas.microsoft.com/office/powerpoint/2010/main" val="319129174"/>
-      </p:ext>
-    </p:extLst>
-  </p:cSld>
-  <p:clrMapOvr>
-    <a:masterClrMapping/>
-  </p:clrMapOvr>
-</p:notes>
-</file>
-
-<file path=ppt/notesSlides/notesSlide4.xml><?xml version="1.0" encoding="utf-8"?>
-<p:notes xmlns:a="http://schemas.openxmlformats.org/drawingml/2006/main" xmlns:r="http://schemas.openxmlformats.org/officeDocument/2006/relationships" xmlns:p="http://schemas.openxmlformats.org/presentationml/2006/main">
-  <p:cSld>
-    <p:spTree>
-      <p:nvGrpSpPr>
-        <p:cNvPr id="1" name=""/>
-        <p:cNvGrpSpPr/>
-        <p:nvPr/>
-      </p:nvGrpSpPr>
-      <p:grpSpPr>
-        <a:xfrm>
-          <a:off x="0" y="0"/>
-          <a:ext cx="0" cy="0"/>
-          <a:chOff x="0" y="0"/>
-          <a:chExt cx="0" cy="0"/>
-        </a:xfrm>
-      </p:grpSpPr>
-      <p:sp>
-        <p:nvSpPr>
-          <p:cNvPr id="2" name="Slide Image Placeholder 1"/>
-          <p:cNvSpPr>
-            <a:spLocks noGrp="1" noRot="1" noChangeAspect="1"/>
-          </p:cNvSpPr>
-          <p:nvPr>
-            <p:ph type="sldImg"/>
-          </p:nvPr>
-        </p:nvSpPr>
-        <p:spPr/>
-      </p:sp>
-      <p:sp>
-        <p:nvSpPr>
-          <p:cNvPr id="3" name="Notes Placeholder 2"/>
-          <p:cNvSpPr>
-            <a:spLocks noGrp="1"/>
-          </p:cNvSpPr>
-          <p:nvPr>
-            <p:ph type="body" idx="1"/>
-          </p:nvPr>
-        </p:nvSpPr>
-        <p:spPr/>
-        <p:txBody>
-          <a:bodyPr/>
-          <a:lstStyle/>
-          <a:p>
-            <a:endParaRPr lang="en-US" dirty="0"/>
-          </a:p>
-        </p:txBody>
-      </p:sp>
-      <p:sp>
-        <p:nvSpPr>
-          <p:cNvPr id="4" name="Slide Number Placeholder 3"/>
-          <p:cNvSpPr>
-            <a:spLocks noGrp="1"/>
-          </p:cNvSpPr>
-          <p:nvPr>
-            <p:ph type="sldNum" sz="quarter" idx="5"/>
-          </p:nvPr>
-        </p:nvSpPr>
-        <p:spPr/>
-        <p:txBody>
-          <a:bodyPr/>
-          <a:lstStyle/>
-          <a:p>
-            <a:fld id="{E460D524-EB5F-4E33-A65E-4B797E20057D}" type="slidenum">
-              <a:rPr lang="en-US" smtClean="0"/>
-              <a:t>6</a:t>
-            </a:fld>
-            <a:endParaRPr lang="en-US"/>
-          </a:p>
-        </p:txBody>
-      </p:sp>
-    </p:spTree>
-    <p:extLst>
-      <p:ext uri="{BB962C8B-B14F-4D97-AF65-F5344CB8AC3E}">
-        <p14:creationId xmlns:p14="http://schemas.microsoft.com/office/powerpoint/2010/main" val="1136228187"/>
-      </p:ext>
-    </p:extLst>
-  </p:cSld>
-  <p:clrMapOvr>
-    <a:masterClrMapping/>
-  </p:clrMapOvr>
-</p:notes>
-</file>
-
-<file path=ppt/notesSlides/notesSlide5.xml><?xml version="1.0" encoding="utf-8"?>
-<p:notes xmlns:a="http://schemas.openxmlformats.org/drawingml/2006/main" xmlns:r="http://schemas.openxmlformats.org/officeDocument/2006/relationships" xmlns:p="http://schemas.openxmlformats.org/presentationml/2006/main">
-  <p:cSld>
-    <p:spTree>
-      <p:nvGrpSpPr>
-        <p:cNvPr id="1" name=""/>
-        <p:cNvGrpSpPr/>
-        <p:nvPr/>
-      </p:nvGrpSpPr>
-      <p:grpSpPr>
-        <a:xfrm>
-          <a:off x="0" y="0"/>
-          <a:ext cx="0" cy="0"/>
-          <a:chOff x="0" y="0"/>
-          <a:chExt cx="0" cy="0"/>
-        </a:xfrm>
-      </p:grpSpPr>
-      <p:sp>
-        <p:nvSpPr>
-          <p:cNvPr id="2" name="Slide Image Placeholder 1"/>
-          <p:cNvSpPr>
-            <a:spLocks noGrp="1" noRot="1" noChangeAspect="1"/>
-          </p:cNvSpPr>
-          <p:nvPr>
-            <p:ph type="sldImg"/>
-          </p:nvPr>
-        </p:nvSpPr>
-        <p:spPr/>
-      </p:sp>
-      <p:sp>
-        <p:nvSpPr>
-          <p:cNvPr id="3" name="Notes Placeholder 2"/>
-          <p:cNvSpPr>
-            <a:spLocks noGrp="1"/>
-          </p:cNvSpPr>
-          <p:nvPr>
-            <p:ph type="body" idx="1"/>
-          </p:nvPr>
-        </p:nvSpPr>
-        <p:spPr/>
-        <p:txBody>
-          <a:bodyPr/>
-          <a:lstStyle/>
-          <a:p>
-            <a:endParaRPr lang="en-US" dirty="0"/>
-          </a:p>
-        </p:txBody>
-      </p:sp>
-      <p:sp>
-        <p:nvSpPr>
-          <p:cNvPr id="4" name="Slide Number Placeholder 3"/>
-          <p:cNvSpPr>
-            <a:spLocks noGrp="1"/>
-          </p:cNvSpPr>
-          <p:nvPr>
-            <p:ph type="sldNum" sz="quarter" idx="5"/>
-          </p:nvPr>
-        </p:nvSpPr>
-        <p:spPr/>
-        <p:txBody>
-          <a:bodyPr/>
-          <a:lstStyle/>
-          <a:p>
-            <a:fld id="{E460D524-EB5F-4E33-A65E-4B797E20057D}" type="slidenum">
-              <a:rPr lang="en-US" smtClean="0"/>
-              <a:t>7</a:t>
-            </a:fld>
-            <a:endParaRPr lang="en-US"/>
-          </a:p>
-        </p:txBody>
-      </p:sp>
-    </p:spTree>
-    <p:extLst>
-      <p:ext uri="{BB962C8B-B14F-4D97-AF65-F5344CB8AC3E}">
-        <p14:creationId xmlns:p14="http://schemas.microsoft.com/office/powerpoint/2010/main" val="2415984033"/>
-      </p:ext>
-    </p:extLst>
-  </p:cSld>
-  <p:clrMapOvr>
-    <a:masterClrMapping/>
-  </p:clrMapOvr>
-</p:notes>
-</file>
-
-<file path=ppt/notesSlides/notesSlide6.xml><?xml version="1.0" encoding="utf-8"?>
-<p:notes xmlns:a="http://schemas.openxmlformats.org/drawingml/2006/main" xmlns:r="http://schemas.openxmlformats.org/officeDocument/2006/relationships" xmlns:p="http://schemas.openxmlformats.org/presentationml/2006/main">
-  <p:cSld>
-    <p:spTree>
-      <p:nvGrpSpPr>
-        <p:cNvPr id="1" name=""/>
-        <p:cNvGrpSpPr/>
-        <p:nvPr/>
-      </p:nvGrpSpPr>
-      <p:grpSpPr>
-        <a:xfrm>
-          <a:off x="0" y="0"/>
-          <a:ext cx="0" cy="0"/>
-          <a:chOff x="0" y="0"/>
-          <a:chExt cx="0" cy="0"/>
-        </a:xfrm>
-      </p:grpSpPr>
-      <p:sp>
-        <p:nvSpPr>
-          <p:cNvPr id="2" name="Slide Image Placeholder 1"/>
-          <p:cNvSpPr>
-            <a:spLocks noGrp="1" noRot="1" noChangeAspect="1"/>
-          </p:cNvSpPr>
-          <p:nvPr>
-            <p:ph type="sldImg"/>
-          </p:nvPr>
-        </p:nvSpPr>
-        <p:spPr/>
-      </p:sp>
-      <p:sp>
-        <p:nvSpPr>
-          <p:cNvPr id="3" name="Notes Placeholder 2"/>
-          <p:cNvSpPr>
-            <a:spLocks noGrp="1"/>
-          </p:cNvSpPr>
-          <p:nvPr>
-            <p:ph type="body" idx="1"/>
-          </p:nvPr>
-        </p:nvSpPr>
-        <p:spPr/>
-        <p:txBody>
-          <a:bodyPr/>
-          <a:lstStyle/>
-          <a:p>
-            <a:endParaRPr lang="en-US" dirty="0"/>
-          </a:p>
-        </p:txBody>
-      </p:sp>
-      <p:sp>
-        <p:nvSpPr>
-          <p:cNvPr id="4" name="Slide Number Placeholder 3"/>
-          <p:cNvSpPr>
-            <a:spLocks noGrp="1"/>
-          </p:cNvSpPr>
-          <p:nvPr>
-            <p:ph type="sldNum" sz="quarter" idx="5"/>
-          </p:nvPr>
-        </p:nvSpPr>
-        <p:spPr/>
-        <p:txBody>
-          <a:bodyPr/>
-          <a:lstStyle/>
-          <a:p>
-            <a:fld id="{E460D524-EB5F-4E33-A65E-4B797E20057D}" type="slidenum">
-              <a:rPr lang="en-US" smtClean="0"/>
-              <a:t>8</a:t>
-            </a:fld>
-            <a:endParaRPr lang="en-US"/>
-          </a:p>
-        </p:txBody>
-      </p:sp>
-    </p:spTree>
-    <p:extLst>
-      <p:ext uri="{BB962C8B-B14F-4D97-AF65-F5344CB8AC3E}">
-        <p14:creationId xmlns:p14="http://schemas.microsoft.com/office/powerpoint/2010/main" val="1546986407"/>
+        <p14:creationId xmlns:p14="http://schemas.microsoft.com/office/powerpoint/2010/main" val="274359845"/>
       </p:ext>
     </p:extLst>
   </p:cSld>
@@ -5066,7 +4815,7 @@
     </p:spTree>
     <p:extLst>
       <p:ext uri="{BB962C8B-B14F-4D97-AF65-F5344CB8AC3E}">
-        <p14:creationId xmlns:p14="http://schemas.microsoft.com/office/powerpoint/2010/main" val="1590461893"/>
+        <p14:creationId xmlns:p14="http://schemas.microsoft.com/office/powerpoint/2010/main" val="4017597103"/>
       </p:ext>
     </p:extLst>
   </p:cSld>
@@ -5076,7 +4825,7 @@
 </p:sld>
 </file>
 
-<file path=ppt/slides/slide2.xml><?xml version="1.0" encoding="utf-8"?>
+<file path=ppt/slides/slide11.xml><?xml version="1.0" encoding="utf-8"?>
 <p:sld xmlns:a="http://schemas.openxmlformats.org/drawingml/2006/main" xmlns:r="http://schemas.openxmlformats.org/officeDocument/2006/relationships" xmlns:p="http://schemas.openxmlformats.org/presentationml/2006/main">
   <p:cSld>
     <p:spTree>
@@ -5093,12 +4842,50 @@
           <a:chExt cx="0" cy="0"/>
         </a:xfrm>
       </p:grpSpPr>
+    </p:spTree>
+    <p:extLst>
+      <p:ext uri="{BB962C8B-B14F-4D97-AF65-F5344CB8AC3E}">
+        <p14:creationId xmlns:p14="http://schemas.microsoft.com/office/powerpoint/2010/main" val="1590461893"/>
+      </p:ext>
+    </p:extLst>
+  </p:cSld>
+  <p:clrMapOvr>
+    <a:masterClrMapping/>
+  </p:clrMapOvr>
+</p:sld>
+</file>
+
+<file path=ppt/slides/slide2.xml><?xml version="1.0" encoding="utf-8"?>
+<p:sld xmlns:a="http://schemas.openxmlformats.org/drawingml/2006/main" xmlns:r="http://schemas.openxmlformats.org/officeDocument/2006/relationships" xmlns:p="http://schemas.openxmlformats.org/presentationml/2006/main">
+  <p:cSld>
+    <p:bg>
+      <p:bgPr>
+        <a:solidFill>
+          <a:schemeClr val="bg1"/>
+        </a:solidFill>
+        <a:effectLst/>
+      </p:bgPr>
+    </p:bg>
+    <p:spTree>
+      <p:nvGrpSpPr>
+        <p:cNvPr id="1" name=""/>
+        <p:cNvGrpSpPr/>
+        <p:nvPr/>
+      </p:nvGrpSpPr>
+      <p:grpSpPr>
+        <a:xfrm>
+          <a:off x="0" y="0"/>
+          <a:ext cx="0" cy="0"/>
+          <a:chOff x="0" y="0"/>
+          <a:chExt cx="0" cy="0"/>
+        </a:xfrm>
+      </p:grpSpPr>
       <p:pic>
         <p:nvPicPr>
-          <p:cNvPr id="5" name="Picture 4">
-            <a:extLst>
-              <a:ext uri="{FF2B5EF4-FFF2-40B4-BE49-F238E27FC236}">
-                <a16:creationId xmlns:a16="http://schemas.microsoft.com/office/drawing/2014/main" id="{04AEEED3-2570-4B00-9A78-7D97DF270627}"/>
+          <p:cNvPr id="10" name="Picture 9">
+            <a:extLst>
+              <a:ext uri="{FF2B5EF4-FFF2-40B4-BE49-F238E27FC236}">
+                <a16:creationId xmlns:a16="http://schemas.microsoft.com/office/drawing/2014/main" id="{16CB8602-4DBD-4521-B850-07F17FEB6790}"/>
               </a:ext>
             </a:extLst>
           </p:cNvPr>
@@ -5107,7 +4894,7 @@
           </p:cNvPicPr>
           <p:nvPr/>
         </p:nvPicPr>
-        <p:blipFill>
+        <p:blipFill rotWithShape="1">
           <a:blip r:embed="rId2">
             <a:extLst>
               <a:ext uri="{28A0092B-C50C-407E-A947-70E740481C1C}">
@@ -5115,14 +4902,13 @@
               </a:ext>
             </a:extLst>
           </a:blip>
-          <a:stretch>
-            <a:fillRect/>
-          </a:stretch>
+          <a:srcRect l="5629" r="4152" b="-2"/>
+          <a:stretch/>
         </p:blipFill>
         <p:spPr>
           <a:xfrm>
-            <a:off x="4088889" y="0"/>
-            <a:ext cx="8103111" cy="6858000"/>
+            <a:off x="-11909" y="10"/>
+            <a:ext cx="6324601" cy="6857990"/>
           </a:xfrm>
           <a:prstGeom prst="rect">
             <a:avLst/>
@@ -5131,17 +4917,26 @@
       </p:pic>
       <p:pic>
         <p:nvPicPr>
-          <p:cNvPr id="7" name="Picture 6">
-            <a:extLst>
-              <a:ext uri="{FF2B5EF4-FFF2-40B4-BE49-F238E27FC236}">
-                <a16:creationId xmlns:a16="http://schemas.microsoft.com/office/drawing/2014/main" id="{A6A79083-8C69-42FF-8F03-3AA794A00F5D}"/>
+          <p:cNvPr id="15" name="Picture 14">
+            <a:extLst>
+              <a:ext uri="{FF2B5EF4-FFF2-40B4-BE49-F238E27FC236}">
+                <a16:creationId xmlns:a16="http://schemas.microsoft.com/office/drawing/2014/main" id="{19AE98B8-B73A-4724-B639-017087F9239F}"/>
+              </a:ext>
+              <a:ext uri="{C183D7F6-B498-43B3-948B-1728B52AA6E4}">
+                <adec:decorative xmlns:adec="http://schemas.microsoft.com/office/drawing/2017/decorative" val="1"/>
               </a:ext>
             </a:extLst>
           </p:cNvPr>
           <p:cNvPicPr>
-            <a:picLocks noChangeAspect="1"/>
+            <a:picLocks noGrp="1" noRot="1" noChangeAspect="1" noMove="1" noResize="1" noEditPoints="1" noAdjustHandles="1" noChangeArrowheads="1" noChangeShapeType="1" noCrop="1"/>
           </p:cNvPicPr>
-          <p:nvPr/>
+          <p:nvPr>
+            <p:extLst>
+              <p:ext uri="{386F3935-93C4-4BCD-93E2-E3B085C9AB24}">
+                <p16:designElem xmlns:p16="http://schemas.microsoft.com/office/powerpoint/2015/main" val="1"/>
+              </p:ext>
+            </p:extLst>
+          </p:nvPr>
         </p:nvPicPr>
         <p:blipFill>
           <a:blip r:embed="rId3">
@@ -5157,8 +4952,8 @@
         </p:blipFill>
         <p:spPr>
           <a:xfrm>
-            <a:off x="0" y="-1"/>
-            <a:ext cx="4088889" cy="6857999"/>
+            <a:off x="0" y="0"/>
+            <a:ext cx="12192000" cy="6858000"/>
           </a:xfrm>
           <a:prstGeom prst="rect">
             <a:avLst/>
@@ -5179,20 +4974,20 @@
         </p:nvSpPr>
         <p:spPr>
           <a:xfrm>
-            <a:off x="4440083" y="1487310"/>
-            <a:ext cx="7326060" cy="6042493"/>
+            <a:off x="6707778" y="4676908"/>
+            <a:ext cx="4869179" cy="3047946"/>
           </a:xfrm>
           <a:prstGeom prst="rect">
             <a:avLst/>
           </a:prstGeom>
         </p:spPr>
         <p:txBody>
-          <a:bodyPr vert="horz" lIns="91440" tIns="45720" rIns="91440" bIns="45720" rtlCol="0" anchor="t">
-            <a:normAutofit/>
+          <a:bodyPr vert="horz" lIns="91440" tIns="45720" rIns="91440" bIns="45720" rtlCol="0" anchor="b">
+            <a:noAutofit/>
           </a:bodyPr>
           <a:lstStyle/>
           <a:p>
-            <a:pPr>
+            <a:pPr indent="-228600">
               <a:lnSpc>
                 <a:spcPct val="90000"/>
               </a:lnSpc>
@@ -5202,9 +4997,14 @@
               <a:spcAft>
                 <a:spcPts val="600"/>
               </a:spcAft>
+              <a:buFont typeface="Arial" panose="020B0604020202020204" pitchFamily="34" charset="0"/>
+              <a:buChar char="•"/>
             </a:pPr>
             <a:r>
               <a:rPr lang="en-US" sz="2400" i="1" u="sng" dirty="0" err="1">
+                <a:solidFill>
+                  <a:srgbClr val="000000"/>
+                </a:solidFill>
                 <a:effectLst>
                   <a:outerShdw blurRad="38100" dist="38100" dir="2700000" algn="tl">
                     <a:srgbClr val="000000">
@@ -5217,6 +5017,9 @@
             </a:r>
             <a:r>
               <a:rPr lang="en-US" sz="2400" i="1" u="sng" dirty="0">
+                <a:solidFill>
+                  <a:srgbClr val="000000"/>
+                </a:solidFill>
                 <a:effectLst>
                   <a:outerShdw blurRad="38100" dist="38100" dir="2700000" algn="tl">
                     <a:srgbClr val="000000">
@@ -5229,7 +5032,7 @@
             </a:r>
           </a:p>
           <a:p>
-            <a:pPr>
+            <a:pPr indent="-228600">
               <a:lnSpc>
                 <a:spcPct val="90000"/>
               </a:lnSpc>
@@ -5239,6 +5042,8 @@
               <a:spcAft>
                 <a:spcPts val="600"/>
               </a:spcAft>
+              <a:buFont typeface="Arial" panose="020B0604020202020204" pitchFamily="34" charset="0"/>
+              <a:buChar char="•"/>
             </a:pPr>
             <a:endParaRPr lang="en-US" sz="2400" b="0" cap="none" spc="0" dirty="0">
               <a:ln w="0"/>
@@ -5252,9 +5057,6 @@
                   </a:schemeClr>
                 </a:outerShdw>
               </a:effectLst>
-              <a:latin typeface="+mj-lt"/>
-              <a:ea typeface="+mj-ea"/>
-              <a:cs typeface="+mj-cs"/>
             </a:endParaRPr>
           </a:p>
           <a:p>
@@ -5270,116 +5072,60 @@
               </a:spcAft>
             </a:pPr>
             <a:r>
-              <a:rPr lang="en-US" sz="2400" dirty="0"/>
-              <a:t>How can </a:t>
-            </a:r>
-            <a:r>
-              <a:rPr lang="en-US" sz="2400" dirty="0" err="1"/>
-              <a:t>Apprisen</a:t>
-            </a:r>
-            <a:r>
-              <a:rPr lang="en-US" sz="2400" dirty="0"/>
-              <a:t> help Debt Management Program participants successfully graduate from the program at a </a:t>
-            </a:r>
-            <a:r>
               <a:rPr lang="en-US" sz="2400" dirty="0">
                 <a:solidFill>
-                  <a:schemeClr val="bg1"/>
+                  <a:srgbClr val="000000"/>
                 </a:solidFill>
               </a:rPr>
-              <a:t>higher rate</a:t>
-            </a:r>
-            <a:r>
-              <a:rPr lang="en-US" sz="2400" dirty="0"/>
-              <a:t>? </a:t>
-            </a:r>
-            <a:r>
-              <a:rPr lang="en-US" sz="2400" dirty="0" err="1"/>
+              <a:t>How can </a:t>
+            </a:r>
+            <a:r>
+              <a:rPr lang="en-US" sz="2400" dirty="0" err="1">
+                <a:solidFill>
+                  <a:srgbClr val="000000"/>
+                </a:solidFill>
+              </a:rPr>
               <a:t>Apprisen</a:t>
-            </a:r>
-            <a:r>
-              <a:rPr lang="en-US" sz="2400" dirty="0"/>
-              <a:t> would like an app that allows the </a:t>
-            </a:r>
-            <a:r>
-              <a:rPr lang="en-US" sz="2400" dirty="0" err="1"/>
-              <a:t>cllients</a:t>
-            </a:r>
-            <a:r>
-              <a:rPr lang="en-US" sz="2400" dirty="0"/>
-              <a:t> to find the </a:t>
             </a:r>
             <a:r>
               <a:rPr lang="en-US" sz="2400" dirty="0">
                 <a:solidFill>
-                  <a:schemeClr val="bg1"/>
+                  <a:srgbClr val="000000"/>
                 </a:solidFill>
               </a:rPr>
-              <a:t>information</a:t>
-            </a:r>
-            <a:r>
-              <a:rPr lang="en-US" sz="2400" dirty="0"/>
-              <a:t> about their program, track their </a:t>
+              <a:t> help Debt Management Program participants successfully graduate from the program at a higher rate? </a:t>
+            </a:r>
+            <a:r>
+              <a:rPr lang="en-US" sz="2400" dirty="0" err="1">
+                <a:solidFill>
+                  <a:srgbClr val="000000"/>
+                </a:solidFill>
+              </a:rPr>
+              <a:t>Apprisen</a:t>
             </a:r>
             <a:r>
               <a:rPr lang="en-US" sz="2400" dirty="0">
                 <a:solidFill>
-                  <a:schemeClr val="bg1"/>
+                  <a:srgbClr val="000000"/>
                 </a:solidFill>
               </a:rPr>
-              <a:t>progress </a:t>
-            </a:r>
-            <a:r>
-              <a:rPr lang="en-US" sz="2400" dirty="0"/>
-              <a:t>with a </a:t>
+              <a:t> would like an app that allows the </a:t>
+            </a:r>
+            <a:r>
+              <a:rPr lang="en-US" sz="2400" dirty="0" err="1">
+                <a:solidFill>
+                  <a:srgbClr val="000000"/>
+                </a:solidFill>
+              </a:rPr>
+              <a:t>cllients</a:t>
             </a:r>
             <a:r>
               <a:rPr lang="en-US" sz="2400" dirty="0">
                 <a:solidFill>
-                  <a:schemeClr val="bg1"/>
+                  <a:srgbClr val="000000"/>
                 </a:solidFill>
               </a:rPr>
-              <a:t>motivational visual representation</a:t>
-            </a:r>
-            <a:r>
-              <a:rPr lang="en-US" sz="2400" dirty="0"/>
-              <a:t>, and access tools/resources cultivated exclusively for them. Additional features would include the ability to </a:t>
-            </a:r>
-            <a:r>
-              <a:rPr lang="en-US" sz="2400" dirty="0">
-                <a:solidFill>
-                  <a:schemeClr val="bg1"/>
-                </a:solidFill>
-              </a:rPr>
-              <a:t>communicate through the app</a:t>
-            </a:r>
-            <a:r>
-              <a:rPr lang="en-US" sz="2400" dirty="0"/>
-              <a:t>, send </a:t>
-            </a:r>
-            <a:r>
-              <a:rPr lang="en-US" sz="2400" dirty="0">
-                <a:solidFill>
-                  <a:schemeClr val="bg1"/>
-                </a:solidFill>
-              </a:rPr>
-              <a:t>push notifications</a:t>
-            </a:r>
-            <a:r>
-              <a:rPr lang="en-US" sz="2400" dirty="0"/>
-              <a:t>, and encourage the participants with </a:t>
-            </a:r>
-            <a:r>
-              <a:rPr lang="en-US" sz="2400" dirty="0">
-                <a:solidFill>
-                  <a:schemeClr val="bg1"/>
-                </a:solidFill>
-              </a:rPr>
-              <a:t>motivation tools</a:t>
-            </a:r>
-            <a:r>
-              <a:rPr lang="en-US" sz="2400" dirty="0"/>
-              <a:t>.</a:t>
+              <a:t> to find the information about their program, track their progress with a motivational visual representation, and access tools/resources cultivated exclusively for them. Additional features would include the ability to communicate through the app, send push notifications, and encourage the participants with motivation tools.</a:t>
             </a:r>
             <a:endParaRPr lang="en-US" sz="2400" dirty="0">
               <a:ln w="0"/>
@@ -5393,9 +5139,2167 @@
                   </a:schemeClr>
                 </a:outerShdw>
               </a:effectLst>
-              <a:latin typeface="+mj-lt"/>
-              <a:ea typeface="+mj-ea"/>
-              <a:cs typeface="+mj-cs"/>
+            </a:endParaRPr>
+          </a:p>
+          <a:p>
+            <a:pPr indent="-228600">
+              <a:lnSpc>
+                <a:spcPct val="90000"/>
+              </a:lnSpc>
+              <a:spcBef>
+                <a:spcPct val="0"/>
+              </a:spcBef>
+              <a:spcAft>
+                <a:spcPts val="600"/>
+              </a:spcAft>
+              <a:buFont typeface="Arial" panose="020B0604020202020204" pitchFamily="34" charset="0"/>
+              <a:buChar char="•"/>
+            </a:pPr>
+            <a:endParaRPr lang="en-US" sz="2400" b="0" cap="none" spc="0" dirty="0">
+              <a:ln w="0"/>
+              <a:solidFill>
+                <a:srgbClr val="000000"/>
+              </a:solidFill>
+              <a:effectLst>
+                <a:outerShdw blurRad="38100" dist="19050" dir="2700000" algn="tl" rotWithShape="0">
+                  <a:schemeClr val="dk1">
+                    <a:alpha val="40000"/>
+                  </a:schemeClr>
+                </a:outerShdw>
+              </a:effectLst>
+            </a:endParaRPr>
+          </a:p>
+          <a:p>
+            <a:pPr indent="-228600">
+              <a:lnSpc>
+                <a:spcPct val="90000"/>
+              </a:lnSpc>
+              <a:spcBef>
+                <a:spcPct val="0"/>
+              </a:spcBef>
+              <a:spcAft>
+                <a:spcPts val="600"/>
+              </a:spcAft>
+              <a:buFont typeface="Arial" panose="020B0604020202020204" pitchFamily="34" charset="0"/>
+              <a:buChar char="•"/>
+            </a:pPr>
+            <a:endParaRPr lang="en-US" sz="2400" dirty="0">
+              <a:ln w="0"/>
+              <a:solidFill>
+                <a:srgbClr val="000000"/>
+              </a:solidFill>
+              <a:effectLst>
+                <a:outerShdw blurRad="38100" dist="19050" dir="2700000" algn="tl" rotWithShape="0">
+                  <a:schemeClr val="dk1">
+                    <a:alpha val="40000"/>
+                  </a:schemeClr>
+                </a:outerShdw>
+              </a:effectLst>
+            </a:endParaRPr>
+          </a:p>
+          <a:p>
+            <a:pPr indent="-228600">
+              <a:lnSpc>
+                <a:spcPct val="90000"/>
+              </a:lnSpc>
+              <a:spcBef>
+                <a:spcPct val="0"/>
+              </a:spcBef>
+              <a:spcAft>
+                <a:spcPts val="600"/>
+              </a:spcAft>
+              <a:buFont typeface="Arial" panose="020B0604020202020204" pitchFamily="34" charset="0"/>
+              <a:buChar char="•"/>
+            </a:pPr>
+            <a:endParaRPr lang="en-US" sz="2400" b="0" cap="none" spc="0" dirty="0">
+              <a:ln w="0"/>
+              <a:solidFill>
+                <a:srgbClr val="000000"/>
+              </a:solidFill>
+              <a:effectLst>
+                <a:outerShdw blurRad="38100" dist="19050" dir="2700000" algn="tl" rotWithShape="0">
+                  <a:schemeClr val="dk1">
+                    <a:alpha val="40000"/>
+                  </a:schemeClr>
+                </a:outerShdw>
+              </a:effectLst>
+            </a:endParaRPr>
+          </a:p>
+        </p:txBody>
+      </p:sp>
+    </p:spTree>
+    <p:extLst>
+      <p:ext uri="{BB962C8B-B14F-4D97-AF65-F5344CB8AC3E}">
+        <p14:creationId xmlns:p14="http://schemas.microsoft.com/office/powerpoint/2010/main" val="3735016405"/>
+      </p:ext>
+    </p:extLst>
+  </p:cSld>
+  <p:clrMapOvr>
+    <a:masterClrMapping/>
+  </p:clrMapOvr>
+</p:sld>
+</file>
+
+<file path=ppt/slides/slide3.xml><?xml version="1.0" encoding="utf-8"?>
+<p:sld xmlns:a="http://schemas.openxmlformats.org/drawingml/2006/main" xmlns:r="http://schemas.openxmlformats.org/officeDocument/2006/relationships" xmlns:p="http://schemas.openxmlformats.org/presentationml/2006/main">
+  <p:cSld>
+    <p:bg>
+      <p:bgPr>
+        <a:solidFill>
+          <a:schemeClr val="bg1"/>
+        </a:solidFill>
+        <a:effectLst/>
+      </p:bgPr>
+    </p:bg>
+    <p:spTree>
+      <p:nvGrpSpPr>
+        <p:cNvPr id="1" name=""/>
+        <p:cNvGrpSpPr/>
+        <p:nvPr/>
+      </p:nvGrpSpPr>
+      <p:grpSpPr>
+        <a:xfrm>
+          <a:off x="0" y="0"/>
+          <a:ext cx="0" cy="0"/>
+          <a:chOff x="0" y="0"/>
+          <a:chExt cx="0" cy="0"/>
+        </a:xfrm>
+      </p:grpSpPr>
+      <p:pic>
+        <p:nvPicPr>
+          <p:cNvPr id="9" name="Picture 8">
+            <a:extLst>
+              <a:ext uri="{FF2B5EF4-FFF2-40B4-BE49-F238E27FC236}">
+                <a16:creationId xmlns:a16="http://schemas.microsoft.com/office/drawing/2014/main" id="{E65EB595-2B90-43FD-BF9B-11827C73CDF0}"/>
+              </a:ext>
+            </a:extLst>
+          </p:cNvPr>
+          <p:cNvPicPr>
+            <a:picLocks noChangeAspect="1"/>
+          </p:cNvPicPr>
+          <p:nvPr/>
+        </p:nvPicPr>
+        <p:blipFill rotWithShape="1">
+          <a:blip r:embed="rId3">
+            <a:extLst>
+              <a:ext uri="{28A0092B-C50C-407E-A947-70E740481C1C}">
+                <a14:useLocalDpi xmlns:a14="http://schemas.microsoft.com/office/drawing/2010/main" val="0"/>
+              </a:ext>
+            </a:extLst>
+          </a:blip>
+          <a:srcRect l="5629" r="4152" b="-2"/>
+          <a:stretch/>
+        </p:blipFill>
+        <p:spPr>
+          <a:xfrm>
+            <a:off x="-11909" y="10"/>
+            <a:ext cx="6324601" cy="6857990"/>
+          </a:xfrm>
+          <a:prstGeom prst="rect">
+            <a:avLst/>
+          </a:prstGeom>
+        </p:spPr>
+      </p:pic>
+      <p:pic>
+        <p:nvPicPr>
+          <p:cNvPr id="14" name="Picture 13">
+            <a:extLst>
+              <a:ext uri="{FF2B5EF4-FFF2-40B4-BE49-F238E27FC236}">
+                <a16:creationId xmlns:a16="http://schemas.microsoft.com/office/drawing/2014/main" id="{19AE98B8-B73A-4724-B639-017087F9239F}"/>
+              </a:ext>
+              <a:ext uri="{C183D7F6-B498-43B3-948B-1728B52AA6E4}">
+                <adec:decorative xmlns:adec="http://schemas.microsoft.com/office/drawing/2017/decorative" val="1"/>
+              </a:ext>
+            </a:extLst>
+          </p:cNvPr>
+          <p:cNvPicPr>
+            <a:picLocks noGrp="1" noRot="1" noChangeAspect="1" noMove="1" noResize="1" noEditPoints="1" noAdjustHandles="1" noChangeArrowheads="1" noChangeShapeType="1" noCrop="1"/>
+          </p:cNvPicPr>
+          <p:nvPr>
+            <p:extLst>
+              <p:ext uri="{386F3935-93C4-4BCD-93E2-E3B085C9AB24}">
+                <p16:designElem xmlns:p16="http://schemas.microsoft.com/office/powerpoint/2015/main" val="1"/>
+              </p:ext>
+            </p:extLst>
+          </p:nvPr>
+        </p:nvPicPr>
+        <p:blipFill>
+          <a:blip r:embed="rId4">
+            <a:extLst>
+              <a:ext uri="{28A0092B-C50C-407E-A947-70E740481C1C}">
+                <a14:useLocalDpi xmlns:a14="http://schemas.microsoft.com/office/drawing/2010/main" val="0"/>
+              </a:ext>
+            </a:extLst>
+          </a:blip>
+          <a:stretch>
+            <a:fillRect/>
+          </a:stretch>
+        </p:blipFill>
+        <p:spPr>
+          <a:xfrm>
+            <a:off x="0" y="0"/>
+            <a:ext cx="12192000" cy="6858000"/>
+          </a:xfrm>
+          <a:prstGeom prst="rect">
+            <a:avLst/>
+          </a:prstGeom>
+        </p:spPr>
+      </p:pic>
+      <p:sp>
+        <p:nvSpPr>
+          <p:cNvPr id="4" name="Rectangle 3">
+            <a:extLst>
+              <a:ext uri="{FF2B5EF4-FFF2-40B4-BE49-F238E27FC236}">
+                <a16:creationId xmlns:a16="http://schemas.microsoft.com/office/drawing/2014/main" id="{956CEB81-8908-4189-A4BD-6B6723FCD998}"/>
+              </a:ext>
+            </a:extLst>
+          </p:cNvPr>
+          <p:cNvSpPr/>
+          <p:nvPr/>
+        </p:nvSpPr>
+        <p:spPr>
+          <a:xfrm>
+            <a:off x="6751320" y="511428"/>
+            <a:ext cx="4869179" cy="1325563"/>
+          </a:xfrm>
+          <a:prstGeom prst="rect">
+            <a:avLst/>
+          </a:prstGeom>
+        </p:spPr>
+        <p:txBody>
+          <a:bodyPr vert="horz" lIns="91440" tIns="45720" rIns="91440" bIns="45720" rtlCol="0" anchor="ctr">
+            <a:normAutofit/>
+          </a:bodyPr>
+          <a:lstStyle/>
+          <a:p>
+            <a:pPr>
+              <a:lnSpc>
+                <a:spcPct val="90000"/>
+              </a:lnSpc>
+              <a:spcBef>
+                <a:spcPct val="0"/>
+              </a:spcBef>
+              <a:spcAft>
+                <a:spcPts val="600"/>
+              </a:spcAft>
+            </a:pPr>
+            <a:r>
+              <a:rPr lang="en-US" sz="4400" b="0" cap="none" spc="0" dirty="0">
+                <a:ln w="0"/>
+                <a:solidFill>
+                  <a:srgbClr val="000000"/>
+                </a:solidFill>
+                <a:effectLst>
+                  <a:outerShdw blurRad="38100" dist="19050" dir="2700000" algn="tl" rotWithShape="0">
+                    <a:schemeClr val="dk1">
+                      <a:alpha val="40000"/>
+                    </a:schemeClr>
+                  </a:outerShdw>
+                </a:effectLst>
+                <a:latin typeface="+mj-lt"/>
+                <a:ea typeface="+mj-ea"/>
+                <a:cs typeface="+mj-cs"/>
+              </a:rPr>
+              <a:t>OUR GOAL</a:t>
+            </a:r>
+          </a:p>
+        </p:txBody>
+      </p:sp>
+      <p:sp>
+        <p:nvSpPr>
+          <p:cNvPr id="8" name="Rectangle 7">
+            <a:extLst>
+              <a:ext uri="{FF2B5EF4-FFF2-40B4-BE49-F238E27FC236}">
+                <a16:creationId xmlns:a16="http://schemas.microsoft.com/office/drawing/2014/main" id="{1E8CDBF1-535F-41A6-92A8-C645EABAA9F2}"/>
+              </a:ext>
+            </a:extLst>
+          </p:cNvPr>
+          <p:cNvSpPr/>
+          <p:nvPr/>
+        </p:nvSpPr>
+        <p:spPr>
+          <a:xfrm>
+            <a:off x="6312693" y="5845455"/>
+            <a:ext cx="5598092" cy="3047946"/>
+          </a:xfrm>
+          <a:prstGeom prst="rect">
+            <a:avLst/>
+          </a:prstGeom>
+        </p:spPr>
+        <p:txBody>
+          <a:bodyPr vert="horz" lIns="91440" tIns="45720" rIns="91440" bIns="45720" rtlCol="0" anchor="b">
+            <a:noAutofit/>
+          </a:bodyPr>
+          <a:lstStyle/>
+          <a:p>
+            <a:pPr indent="-228600">
+              <a:lnSpc>
+                <a:spcPct val="90000"/>
+              </a:lnSpc>
+              <a:spcBef>
+                <a:spcPct val="0"/>
+              </a:spcBef>
+              <a:spcAft>
+                <a:spcPts val="600"/>
+              </a:spcAft>
+              <a:buFont typeface="Arial" panose="020B0604020202020204" pitchFamily="34" charset="0"/>
+              <a:buChar char="•"/>
+            </a:pPr>
+            <a:endParaRPr lang="en-US" sz="2400" u="sng" dirty="0">
+              <a:ln w="0"/>
+              <a:solidFill>
+                <a:srgbClr val="000000"/>
+              </a:solidFill>
+              <a:effectLst>
+                <a:outerShdw blurRad="38100" dist="38100" dir="2700000" algn="tl">
+                  <a:srgbClr val="000000">
+                    <a:alpha val="43137"/>
+                  </a:srgbClr>
+                </a:outerShdw>
+              </a:effectLst>
+            </a:endParaRPr>
+          </a:p>
+          <a:p>
+            <a:pPr>
+              <a:lnSpc>
+                <a:spcPct val="90000"/>
+              </a:lnSpc>
+              <a:spcBef>
+                <a:spcPct val="0"/>
+              </a:spcBef>
+              <a:spcAft>
+                <a:spcPts val="600"/>
+              </a:spcAft>
+            </a:pPr>
+            <a:r>
+              <a:rPr lang="en-US" sz="2400" dirty="0">
+                <a:ln w="0"/>
+                <a:solidFill>
+                  <a:srgbClr val="000000"/>
+                </a:solidFill>
+                <a:effectLst>
+                  <a:outerShdw blurRad="38100" dist="19050" dir="2700000" algn="tl" rotWithShape="0">
+                    <a:schemeClr val="dk1">
+                      <a:alpha val="40000"/>
+                    </a:schemeClr>
+                  </a:outerShdw>
+                </a:effectLst>
+              </a:rPr>
+              <a:t>	</a:t>
+            </a:r>
+          </a:p>
+          <a:p>
+            <a:pPr indent="-228600">
+              <a:lnSpc>
+                <a:spcPct val="90000"/>
+              </a:lnSpc>
+              <a:spcBef>
+                <a:spcPct val="0"/>
+              </a:spcBef>
+              <a:spcAft>
+                <a:spcPts val="600"/>
+              </a:spcAft>
+              <a:buFont typeface="Arial" panose="020B0604020202020204" pitchFamily="34" charset="0"/>
+              <a:buChar char="•"/>
+            </a:pPr>
+            <a:endParaRPr lang="en-US" sz="2400" dirty="0">
+              <a:ln w="0"/>
+              <a:solidFill>
+                <a:srgbClr val="000000"/>
+              </a:solidFill>
+              <a:effectLst>
+                <a:outerShdw blurRad="38100" dist="19050" dir="2700000" algn="tl" rotWithShape="0">
+                  <a:schemeClr val="dk1">
+                    <a:alpha val="40000"/>
+                  </a:schemeClr>
+                </a:outerShdw>
+              </a:effectLst>
+            </a:endParaRPr>
+          </a:p>
+          <a:p>
+            <a:pPr indent="-228600">
+              <a:lnSpc>
+                <a:spcPct val="90000"/>
+              </a:lnSpc>
+              <a:spcBef>
+                <a:spcPct val="0"/>
+              </a:spcBef>
+              <a:spcAft>
+                <a:spcPts val="600"/>
+              </a:spcAft>
+              <a:buFont typeface="Arial" panose="020B0604020202020204" pitchFamily="34" charset="0"/>
+              <a:buChar char="•"/>
+            </a:pPr>
+            <a:endParaRPr lang="en-US" sz="2400" dirty="0">
+              <a:ln w="0"/>
+              <a:solidFill>
+                <a:srgbClr val="000000"/>
+              </a:solidFill>
+              <a:effectLst>
+                <a:outerShdw blurRad="38100" dist="19050" dir="2700000" algn="tl" rotWithShape="0">
+                  <a:schemeClr val="dk1">
+                    <a:alpha val="40000"/>
+                  </a:schemeClr>
+                </a:outerShdw>
+              </a:effectLst>
+            </a:endParaRPr>
+          </a:p>
+          <a:p>
+            <a:pPr indent="-228600">
+              <a:lnSpc>
+                <a:spcPct val="90000"/>
+              </a:lnSpc>
+              <a:spcBef>
+                <a:spcPct val="0"/>
+              </a:spcBef>
+              <a:spcAft>
+                <a:spcPts val="600"/>
+              </a:spcAft>
+              <a:buFont typeface="Arial" panose="020B0604020202020204" pitchFamily="34" charset="0"/>
+              <a:buChar char="•"/>
+            </a:pPr>
+            <a:endParaRPr lang="en-US" sz="2400" dirty="0">
+              <a:ln w="0"/>
+              <a:solidFill>
+                <a:srgbClr val="000000"/>
+              </a:solidFill>
+              <a:effectLst>
+                <a:outerShdw blurRad="38100" dist="19050" dir="2700000" algn="tl" rotWithShape="0">
+                  <a:schemeClr val="dk1">
+                    <a:alpha val="40000"/>
+                  </a:schemeClr>
+                </a:outerShdw>
+              </a:effectLst>
+            </a:endParaRPr>
+          </a:p>
+          <a:p>
+            <a:pPr>
+              <a:lnSpc>
+                <a:spcPct val="90000"/>
+              </a:lnSpc>
+              <a:spcBef>
+                <a:spcPct val="0"/>
+              </a:spcBef>
+              <a:spcAft>
+                <a:spcPts val="600"/>
+              </a:spcAft>
+            </a:pPr>
+            <a:r>
+              <a:rPr lang="en-US" sz="2400" dirty="0">
+                <a:ln w="0"/>
+                <a:solidFill>
+                  <a:srgbClr val="000000"/>
+                </a:solidFill>
+                <a:effectLst>
+                  <a:outerShdw blurRad="38100" dist="19050" dir="2700000" algn="tl" rotWithShape="0">
+                    <a:schemeClr val="dk1">
+                      <a:alpha val="40000"/>
+                    </a:schemeClr>
+                  </a:outerShdw>
+                </a:effectLst>
+              </a:rPr>
+              <a:t>Create an app that satisfies our Nonprofit Organization needs, by including features such as:</a:t>
+            </a:r>
+          </a:p>
+          <a:p>
+            <a:pPr marL="342900" indent="-228600">
+              <a:lnSpc>
+                <a:spcPct val="90000"/>
+              </a:lnSpc>
+              <a:spcBef>
+                <a:spcPct val="0"/>
+              </a:spcBef>
+              <a:spcAft>
+                <a:spcPts val="600"/>
+              </a:spcAft>
+              <a:buFont typeface="Arial" panose="020B0604020202020204" pitchFamily="34" charset="0"/>
+              <a:buChar char="•"/>
+            </a:pPr>
+            <a:r>
+              <a:rPr lang="en-US" sz="2400" dirty="0">
+                <a:ln w="0"/>
+                <a:solidFill>
+                  <a:srgbClr val="000000"/>
+                </a:solidFill>
+                <a:effectLst>
+                  <a:outerShdw blurRad="38100" dist="19050" dir="2700000" algn="tl" rotWithShape="0">
+                    <a:schemeClr val="dk1">
+                      <a:alpha val="40000"/>
+                    </a:schemeClr>
+                  </a:outerShdw>
+                </a:effectLst>
+              </a:rPr>
+              <a:t>Debt Tracker(Balance,  Payment, Interest Rate, Estimate time to </a:t>
+            </a:r>
+            <a:r>
+              <a:rPr lang="en-US" sz="2400" dirty="0" err="1">
+                <a:ln w="0"/>
+                <a:solidFill>
+                  <a:srgbClr val="000000"/>
+                </a:solidFill>
+                <a:effectLst>
+                  <a:outerShdw blurRad="38100" dist="19050" dir="2700000" algn="tl" rotWithShape="0">
+                    <a:schemeClr val="dk1">
+                      <a:alpha val="40000"/>
+                    </a:schemeClr>
+                  </a:outerShdw>
+                </a:effectLst>
+              </a:rPr>
+              <a:t>completition</a:t>
+            </a:r>
+            <a:r>
+              <a:rPr lang="en-US" sz="2400" dirty="0">
+                <a:ln w="0"/>
+                <a:solidFill>
+                  <a:srgbClr val="000000"/>
+                </a:solidFill>
+                <a:effectLst>
+                  <a:outerShdw blurRad="38100" dist="19050" dir="2700000" algn="tl" rotWithShape="0">
+                    <a:schemeClr val="dk1">
+                      <a:alpha val="40000"/>
+                    </a:schemeClr>
+                  </a:outerShdw>
+                </a:effectLst>
+              </a:rPr>
+              <a:t>)</a:t>
+            </a:r>
+          </a:p>
+          <a:p>
+            <a:pPr marL="342900" indent="-228600">
+              <a:lnSpc>
+                <a:spcPct val="90000"/>
+              </a:lnSpc>
+              <a:spcBef>
+                <a:spcPct val="0"/>
+              </a:spcBef>
+              <a:spcAft>
+                <a:spcPts val="600"/>
+              </a:spcAft>
+              <a:buFont typeface="Arial" panose="020B0604020202020204" pitchFamily="34" charset="0"/>
+              <a:buChar char="•"/>
+            </a:pPr>
+            <a:r>
+              <a:rPr lang="en-US" sz="2400" dirty="0">
+                <a:ln w="0"/>
+                <a:solidFill>
+                  <a:srgbClr val="000000"/>
+                </a:solidFill>
+                <a:effectLst>
+                  <a:outerShdw blurRad="38100" dist="19050" dir="2700000" algn="tl" rotWithShape="0">
+                    <a:schemeClr val="dk1">
+                      <a:alpha val="40000"/>
+                    </a:schemeClr>
+                  </a:outerShdw>
+                </a:effectLst>
+              </a:rPr>
+              <a:t>Budget (Income)</a:t>
+            </a:r>
+          </a:p>
+          <a:p>
+            <a:pPr marL="342900" indent="-228600">
+              <a:lnSpc>
+                <a:spcPct val="90000"/>
+              </a:lnSpc>
+              <a:spcBef>
+                <a:spcPct val="0"/>
+              </a:spcBef>
+              <a:spcAft>
+                <a:spcPts val="600"/>
+              </a:spcAft>
+              <a:buFont typeface="Arial" panose="020B0604020202020204" pitchFamily="34" charset="0"/>
+              <a:buChar char="•"/>
+            </a:pPr>
+            <a:r>
+              <a:rPr lang="en-US" sz="2400" dirty="0">
+                <a:ln w="0"/>
+                <a:solidFill>
+                  <a:srgbClr val="000000"/>
+                </a:solidFill>
+                <a:effectLst>
+                  <a:outerShdw blurRad="38100" dist="19050" dir="2700000" algn="tl" rotWithShape="0">
+                    <a:schemeClr val="dk1">
+                      <a:alpha val="40000"/>
+                    </a:schemeClr>
+                  </a:outerShdw>
+                </a:effectLst>
+              </a:rPr>
+              <a:t>Payment Reminders (Push/Email/Text/Phones)</a:t>
+            </a:r>
+          </a:p>
+          <a:p>
+            <a:pPr marL="342900" indent="-228600">
+              <a:lnSpc>
+                <a:spcPct val="90000"/>
+              </a:lnSpc>
+              <a:spcBef>
+                <a:spcPct val="0"/>
+              </a:spcBef>
+              <a:spcAft>
+                <a:spcPts val="600"/>
+              </a:spcAft>
+              <a:buFont typeface="Arial" panose="020B0604020202020204" pitchFamily="34" charset="0"/>
+              <a:buChar char="•"/>
+            </a:pPr>
+            <a:r>
+              <a:rPr lang="en-US" sz="2400" dirty="0">
+                <a:ln w="0"/>
+                <a:solidFill>
+                  <a:srgbClr val="000000"/>
+                </a:solidFill>
+                <a:effectLst>
+                  <a:outerShdw blurRad="38100" dist="19050" dir="2700000" algn="tl" rotWithShape="0">
+                    <a:schemeClr val="dk1">
+                      <a:alpha val="40000"/>
+                    </a:schemeClr>
+                  </a:outerShdw>
+                </a:effectLst>
+              </a:rPr>
+              <a:t>Nest egg tracker(Savings Account)</a:t>
+            </a:r>
+          </a:p>
+          <a:p>
+            <a:pPr marL="342900" indent="-228600">
+              <a:lnSpc>
+                <a:spcPct val="90000"/>
+              </a:lnSpc>
+              <a:spcBef>
+                <a:spcPct val="0"/>
+              </a:spcBef>
+              <a:spcAft>
+                <a:spcPts val="600"/>
+              </a:spcAft>
+              <a:buFont typeface="Arial" panose="020B0604020202020204" pitchFamily="34" charset="0"/>
+              <a:buChar char="•"/>
+            </a:pPr>
+            <a:r>
+              <a:rPr lang="en-US" sz="2400" dirty="0">
+                <a:ln w="0"/>
+                <a:solidFill>
+                  <a:srgbClr val="000000"/>
+                </a:solidFill>
+                <a:effectLst>
+                  <a:outerShdw blurRad="38100" dist="19050" dir="2700000" algn="tl" rotWithShape="0">
+                    <a:schemeClr val="dk1">
+                      <a:alpha val="40000"/>
+                    </a:schemeClr>
+                  </a:outerShdw>
+                </a:effectLst>
+              </a:rPr>
+              <a:t>Appointment Scheduling</a:t>
+            </a:r>
+          </a:p>
+          <a:p>
+            <a:pPr marL="342900" indent="-228600">
+              <a:lnSpc>
+                <a:spcPct val="90000"/>
+              </a:lnSpc>
+              <a:spcBef>
+                <a:spcPct val="0"/>
+              </a:spcBef>
+              <a:spcAft>
+                <a:spcPts val="600"/>
+              </a:spcAft>
+              <a:buFont typeface="Arial" panose="020B0604020202020204" pitchFamily="34" charset="0"/>
+              <a:buChar char="•"/>
+            </a:pPr>
+            <a:r>
+              <a:rPr lang="en-US" sz="2400" dirty="0">
+                <a:ln w="0"/>
+                <a:solidFill>
+                  <a:srgbClr val="000000"/>
+                </a:solidFill>
+                <a:effectLst>
+                  <a:outerShdw blurRad="38100" dist="19050" dir="2700000" algn="tl" rotWithShape="0">
+                    <a:schemeClr val="dk1">
+                      <a:alpha val="40000"/>
+                    </a:schemeClr>
+                  </a:outerShdw>
+                </a:effectLst>
+              </a:rPr>
+              <a:t>Find nearby locations</a:t>
+            </a:r>
+          </a:p>
+          <a:p>
+            <a:pPr marL="342900" indent="-228600">
+              <a:lnSpc>
+                <a:spcPct val="90000"/>
+              </a:lnSpc>
+              <a:spcBef>
+                <a:spcPct val="0"/>
+              </a:spcBef>
+              <a:spcAft>
+                <a:spcPts val="600"/>
+              </a:spcAft>
+              <a:buFont typeface="Arial" panose="020B0604020202020204" pitchFamily="34" charset="0"/>
+              <a:buChar char="•"/>
+            </a:pPr>
+            <a:endParaRPr lang="en-US" sz="2400" dirty="0">
+              <a:ln w="0"/>
+              <a:solidFill>
+                <a:srgbClr val="000000"/>
+              </a:solidFill>
+              <a:effectLst>
+                <a:outerShdw blurRad="38100" dist="19050" dir="2700000" algn="tl" rotWithShape="0">
+                  <a:schemeClr val="dk1">
+                    <a:alpha val="40000"/>
+                  </a:schemeClr>
+                </a:outerShdw>
+              </a:effectLst>
+            </a:endParaRPr>
+          </a:p>
+          <a:p>
+            <a:pPr marL="342900" indent="-228600">
+              <a:lnSpc>
+                <a:spcPct val="90000"/>
+              </a:lnSpc>
+              <a:spcBef>
+                <a:spcPct val="0"/>
+              </a:spcBef>
+              <a:spcAft>
+                <a:spcPts val="600"/>
+              </a:spcAft>
+              <a:buFont typeface="Arial" panose="020B0604020202020204" pitchFamily="34" charset="0"/>
+              <a:buChar char="•"/>
+            </a:pPr>
+            <a:endParaRPr lang="en-US" sz="2400" dirty="0">
+              <a:ln w="0"/>
+              <a:solidFill>
+                <a:srgbClr val="000000"/>
+              </a:solidFill>
+              <a:effectLst>
+                <a:outerShdw blurRad="38100" dist="19050" dir="2700000" algn="tl" rotWithShape="0">
+                  <a:schemeClr val="dk1">
+                    <a:alpha val="40000"/>
+                  </a:schemeClr>
+                </a:outerShdw>
+              </a:effectLst>
+            </a:endParaRPr>
+          </a:p>
+          <a:p>
+            <a:pPr marL="342900" indent="-228600">
+              <a:lnSpc>
+                <a:spcPct val="90000"/>
+              </a:lnSpc>
+              <a:spcBef>
+                <a:spcPct val="0"/>
+              </a:spcBef>
+              <a:spcAft>
+                <a:spcPts val="600"/>
+              </a:spcAft>
+              <a:buFont typeface="Arial" panose="020B0604020202020204" pitchFamily="34" charset="0"/>
+              <a:buChar char="•"/>
+            </a:pPr>
+            <a:endParaRPr lang="en-US" sz="2400" dirty="0">
+              <a:ln w="0"/>
+              <a:solidFill>
+                <a:srgbClr val="000000"/>
+              </a:solidFill>
+              <a:effectLst>
+                <a:outerShdw blurRad="38100" dist="19050" dir="2700000" algn="tl" rotWithShape="0">
+                  <a:schemeClr val="dk1">
+                    <a:alpha val="40000"/>
+                  </a:schemeClr>
+                </a:outerShdw>
+              </a:effectLst>
+            </a:endParaRPr>
+          </a:p>
+          <a:p>
+            <a:pPr indent="-228600">
+              <a:lnSpc>
+                <a:spcPct val="90000"/>
+              </a:lnSpc>
+              <a:spcBef>
+                <a:spcPct val="0"/>
+              </a:spcBef>
+              <a:spcAft>
+                <a:spcPts val="600"/>
+              </a:spcAft>
+              <a:buFont typeface="Arial" panose="020B0604020202020204" pitchFamily="34" charset="0"/>
+              <a:buChar char="•"/>
+            </a:pPr>
+            <a:endParaRPr lang="en-US" sz="2400" b="0" cap="none" spc="0" dirty="0">
+              <a:ln w="0"/>
+              <a:solidFill>
+                <a:srgbClr val="000000"/>
+              </a:solidFill>
+              <a:effectLst>
+                <a:outerShdw blurRad="38100" dist="19050" dir="2700000" algn="tl" rotWithShape="0">
+                  <a:schemeClr val="dk1">
+                    <a:alpha val="40000"/>
+                  </a:schemeClr>
+                </a:outerShdw>
+              </a:effectLst>
+            </a:endParaRPr>
+          </a:p>
+          <a:p>
+            <a:pPr indent="-228600">
+              <a:lnSpc>
+                <a:spcPct val="90000"/>
+              </a:lnSpc>
+              <a:spcBef>
+                <a:spcPct val="0"/>
+              </a:spcBef>
+              <a:spcAft>
+                <a:spcPts val="600"/>
+              </a:spcAft>
+              <a:buFont typeface="Arial" panose="020B0604020202020204" pitchFamily="34" charset="0"/>
+              <a:buChar char="•"/>
+            </a:pPr>
+            <a:endParaRPr lang="en-US" sz="2400" dirty="0">
+              <a:ln w="0"/>
+              <a:solidFill>
+                <a:srgbClr val="000000"/>
+              </a:solidFill>
+              <a:effectLst>
+                <a:outerShdw blurRad="38100" dist="19050" dir="2700000" algn="tl" rotWithShape="0">
+                  <a:schemeClr val="dk1">
+                    <a:alpha val="40000"/>
+                  </a:schemeClr>
+                </a:outerShdw>
+              </a:effectLst>
+            </a:endParaRPr>
+          </a:p>
+          <a:p>
+            <a:pPr indent="-228600">
+              <a:lnSpc>
+                <a:spcPct val="90000"/>
+              </a:lnSpc>
+              <a:spcBef>
+                <a:spcPct val="0"/>
+              </a:spcBef>
+              <a:spcAft>
+                <a:spcPts val="600"/>
+              </a:spcAft>
+              <a:buFont typeface="Arial" panose="020B0604020202020204" pitchFamily="34" charset="0"/>
+              <a:buChar char="•"/>
+            </a:pPr>
+            <a:endParaRPr lang="en-US" sz="2400" b="0" cap="none" spc="0" dirty="0">
+              <a:ln w="0"/>
+              <a:solidFill>
+                <a:srgbClr val="000000"/>
+              </a:solidFill>
+              <a:effectLst>
+                <a:outerShdw blurRad="38100" dist="19050" dir="2700000" algn="tl" rotWithShape="0">
+                  <a:schemeClr val="dk1">
+                    <a:alpha val="40000"/>
+                  </a:schemeClr>
+                </a:outerShdw>
+              </a:effectLst>
+            </a:endParaRPr>
+          </a:p>
+        </p:txBody>
+      </p:sp>
+    </p:spTree>
+    <p:extLst>
+      <p:ext uri="{BB962C8B-B14F-4D97-AF65-F5344CB8AC3E}">
+        <p14:creationId xmlns:p14="http://schemas.microsoft.com/office/powerpoint/2010/main" val="3323031506"/>
+      </p:ext>
+    </p:extLst>
+  </p:cSld>
+  <p:clrMapOvr>
+    <a:masterClrMapping/>
+  </p:clrMapOvr>
+</p:sld>
+</file>
+
+<file path=ppt/slides/slide4.xml><?xml version="1.0" encoding="utf-8"?>
+<p:sld xmlns:a="http://schemas.openxmlformats.org/drawingml/2006/main" xmlns:r="http://schemas.openxmlformats.org/officeDocument/2006/relationships" xmlns:p="http://schemas.openxmlformats.org/presentationml/2006/main">
+  <p:cSld>
+    <p:bg>
+      <p:bgPr>
+        <a:solidFill>
+          <a:schemeClr val="bg1"/>
+        </a:solidFill>
+        <a:effectLst/>
+      </p:bgPr>
+    </p:bg>
+    <p:spTree>
+      <p:nvGrpSpPr>
+        <p:cNvPr id="1" name=""/>
+        <p:cNvGrpSpPr/>
+        <p:nvPr/>
+      </p:nvGrpSpPr>
+      <p:grpSpPr>
+        <a:xfrm>
+          <a:off x="0" y="0"/>
+          <a:ext cx="0" cy="0"/>
+          <a:chOff x="0" y="0"/>
+          <a:chExt cx="0" cy="0"/>
+        </a:xfrm>
+      </p:grpSpPr>
+      <p:pic>
+        <p:nvPicPr>
+          <p:cNvPr id="6" name="Picture 5">
+            <a:extLst>
+              <a:ext uri="{FF2B5EF4-FFF2-40B4-BE49-F238E27FC236}">
+                <a16:creationId xmlns:a16="http://schemas.microsoft.com/office/drawing/2014/main" id="{047F9DAC-3EAF-40FF-AD0A-E83211859F24}"/>
+              </a:ext>
+            </a:extLst>
+          </p:cNvPr>
+          <p:cNvPicPr>
+            <a:picLocks noChangeAspect="1"/>
+          </p:cNvPicPr>
+          <p:nvPr/>
+        </p:nvPicPr>
+        <p:blipFill rotWithShape="1">
+          <a:blip r:embed="rId2">
+            <a:extLst>
+              <a:ext uri="{28A0092B-C50C-407E-A947-70E740481C1C}">
+                <a14:useLocalDpi xmlns:a14="http://schemas.microsoft.com/office/drawing/2010/main" val="0"/>
+              </a:ext>
+            </a:extLst>
+          </a:blip>
+          <a:srcRect l="5629" r="4152" b="-2"/>
+          <a:stretch/>
+        </p:blipFill>
+        <p:spPr>
+          <a:xfrm>
+            <a:off x="-11909" y="10"/>
+            <a:ext cx="6324601" cy="6857990"/>
+          </a:xfrm>
+          <a:prstGeom prst="rect">
+            <a:avLst/>
+          </a:prstGeom>
+        </p:spPr>
+      </p:pic>
+      <p:pic>
+        <p:nvPicPr>
+          <p:cNvPr id="17" name="Picture 10">
+            <a:extLst>
+              <a:ext uri="{FF2B5EF4-FFF2-40B4-BE49-F238E27FC236}">
+                <a16:creationId xmlns:a16="http://schemas.microsoft.com/office/drawing/2014/main" id="{19AE98B8-B73A-4724-B639-017087F9239F}"/>
+              </a:ext>
+              <a:ext uri="{C183D7F6-B498-43B3-948B-1728B52AA6E4}">
+                <adec:decorative xmlns:adec="http://schemas.microsoft.com/office/drawing/2017/decorative" val="1"/>
+              </a:ext>
+            </a:extLst>
+          </p:cNvPr>
+          <p:cNvPicPr>
+            <a:picLocks noGrp="1" noRot="1" noChangeAspect="1" noMove="1" noResize="1" noEditPoints="1" noAdjustHandles="1" noChangeArrowheads="1" noChangeShapeType="1" noCrop="1"/>
+          </p:cNvPicPr>
+          <p:nvPr>
+            <p:extLst>
+              <p:ext uri="{386F3935-93C4-4BCD-93E2-E3B085C9AB24}">
+                <p16:designElem xmlns:p16="http://schemas.microsoft.com/office/powerpoint/2015/main" val="1"/>
+              </p:ext>
+            </p:extLst>
+          </p:nvPr>
+        </p:nvPicPr>
+        <p:blipFill>
+          <a:blip r:embed="rId3">
+            <a:extLst>
+              <a:ext uri="{28A0092B-C50C-407E-A947-70E740481C1C}">
+                <a14:useLocalDpi xmlns:a14="http://schemas.microsoft.com/office/drawing/2010/main" val="0"/>
+              </a:ext>
+            </a:extLst>
+          </a:blip>
+          <a:stretch>
+            <a:fillRect/>
+          </a:stretch>
+        </p:blipFill>
+        <p:spPr>
+          <a:xfrm>
+            <a:off x="0" y="0"/>
+            <a:ext cx="12192000" cy="6858000"/>
+          </a:xfrm>
+          <a:prstGeom prst="rect">
+            <a:avLst/>
+          </a:prstGeom>
+        </p:spPr>
+      </p:pic>
+      <p:sp>
+        <p:nvSpPr>
+          <p:cNvPr id="4" name="Rectangle 3">
+            <a:extLst>
+              <a:ext uri="{FF2B5EF4-FFF2-40B4-BE49-F238E27FC236}">
+                <a16:creationId xmlns:a16="http://schemas.microsoft.com/office/drawing/2014/main" id="{EA166BA9-897B-4FB9-90A0-4A2EC6862345}"/>
+              </a:ext>
+            </a:extLst>
+          </p:cNvPr>
+          <p:cNvSpPr/>
+          <p:nvPr/>
+        </p:nvSpPr>
+        <p:spPr>
+          <a:xfrm>
+            <a:off x="6707778" y="2888342"/>
+            <a:ext cx="4869179" cy="1295025"/>
+          </a:xfrm>
+          <a:prstGeom prst="rect">
+            <a:avLst/>
+          </a:prstGeom>
+        </p:spPr>
+        <p:txBody>
+          <a:bodyPr vert="horz" lIns="91440" tIns="45720" rIns="91440" bIns="45720" rtlCol="0" anchor="b">
+            <a:normAutofit fontScale="92500" lnSpcReduction="20000"/>
+          </a:bodyPr>
+          <a:lstStyle/>
+          <a:p>
+            <a:pPr>
+              <a:lnSpc>
+                <a:spcPct val="90000"/>
+              </a:lnSpc>
+              <a:spcBef>
+                <a:spcPct val="0"/>
+              </a:spcBef>
+              <a:spcAft>
+                <a:spcPts val="600"/>
+              </a:spcAft>
+            </a:pPr>
+            <a:r>
+              <a:rPr lang="en-US" i="1" dirty="0">
+                <a:solidFill>
+                  <a:srgbClr val="000000"/>
+                </a:solidFill>
+              </a:rPr>
+              <a:t> </a:t>
+            </a:r>
+            <a:endParaRPr lang="en-US" b="0" cap="none" spc="0" dirty="0">
+              <a:ln w="0"/>
+              <a:solidFill>
+                <a:srgbClr val="000000"/>
+              </a:solidFill>
+              <a:effectLst>
+                <a:outerShdw blurRad="38100" dist="19050" dir="2700000" algn="tl" rotWithShape="0">
+                  <a:schemeClr val="dk1">
+                    <a:alpha val="40000"/>
+                  </a:schemeClr>
+                </a:outerShdw>
+              </a:effectLst>
+            </a:endParaRPr>
+          </a:p>
+          <a:p>
+            <a:pPr>
+              <a:lnSpc>
+                <a:spcPct val="90000"/>
+              </a:lnSpc>
+              <a:spcBef>
+                <a:spcPct val="0"/>
+              </a:spcBef>
+              <a:spcAft>
+                <a:spcPts val="600"/>
+              </a:spcAft>
+            </a:pPr>
+            <a:r>
+              <a:rPr lang="en-US" sz="2800" dirty="0">
+                <a:ln w="0"/>
+                <a:solidFill>
+                  <a:srgbClr val="000000"/>
+                </a:solidFill>
+                <a:effectLst>
+                  <a:outerShdw blurRad="38100" dist="19050" dir="2700000" algn="tl" rotWithShape="0">
+                    <a:schemeClr val="dk1">
+                      <a:alpha val="40000"/>
+                    </a:schemeClr>
+                  </a:outerShdw>
+                </a:effectLst>
+              </a:rPr>
+              <a:t>HOW DOES OUR PROPOSED SOLUTION RESPOND TO THE CHALLENGE STATEMENT?</a:t>
+            </a:r>
+          </a:p>
+          <a:p>
+            <a:pPr indent="-228600">
+              <a:lnSpc>
+                <a:spcPct val="90000"/>
+              </a:lnSpc>
+              <a:spcBef>
+                <a:spcPct val="0"/>
+              </a:spcBef>
+              <a:spcAft>
+                <a:spcPts val="600"/>
+              </a:spcAft>
+              <a:buFont typeface="Arial" panose="020B0604020202020204" pitchFamily="34" charset="0"/>
+              <a:buChar char="•"/>
+            </a:pPr>
+            <a:endParaRPr lang="en-US" b="0" cap="none" spc="0" dirty="0">
+              <a:ln w="0"/>
+              <a:solidFill>
+                <a:srgbClr val="000000"/>
+              </a:solidFill>
+              <a:effectLst>
+                <a:outerShdw blurRad="38100" dist="19050" dir="2700000" algn="tl" rotWithShape="0">
+                  <a:schemeClr val="dk1">
+                    <a:alpha val="40000"/>
+                  </a:schemeClr>
+                </a:outerShdw>
+              </a:effectLst>
+            </a:endParaRPr>
+          </a:p>
+        </p:txBody>
+      </p:sp>
+    </p:spTree>
+    <p:extLst>
+      <p:ext uri="{BB962C8B-B14F-4D97-AF65-F5344CB8AC3E}">
+        <p14:creationId xmlns:p14="http://schemas.microsoft.com/office/powerpoint/2010/main" val="2254807662"/>
+      </p:ext>
+    </p:extLst>
+  </p:cSld>
+  <p:clrMapOvr>
+    <a:masterClrMapping/>
+  </p:clrMapOvr>
+</p:sld>
+</file>
+
+<file path=ppt/slides/slide5.xml><?xml version="1.0" encoding="utf-8"?>
+<p:sld xmlns:a="http://schemas.openxmlformats.org/drawingml/2006/main" xmlns:r="http://schemas.openxmlformats.org/officeDocument/2006/relationships" xmlns:p="http://schemas.openxmlformats.org/presentationml/2006/main">
+  <p:cSld>
+    <p:bg>
+      <p:bgPr>
+        <a:solidFill>
+          <a:schemeClr val="bg1"/>
+        </a:solidFill>
+        <a:effectLst/>
+      </p:bgPr>
+    </p:bg>
+    <p:spTree>
+      <p:nvGrpSpPr>
+        <p:cNvPr id="1" name=""/>
+        <p:cNvGrpSpPr/>
+        <p:nvPr/>
+      </p:nvGrpSpPr>
+      <p:grpSpPr>
+        <a:xfrm>
+          <a:off x="0" y="0"/>
+          <a:ext cx="0" cy="0"/>
+          <a:chOff x="0" y="0"/>
+          <a:chExt cx="0" cy="0"/>
+        </a:xfrm>
+      </p:grpSpPr>
+      <p:pic>
+        <p:nvPicPr>
+          <p:cNvPr id="6" name="Picture 5">
+            <a:extLst>
+              <a:ext uri="{FF2B5EF4-FFF2-40B4-BE49-F238E27FC236}">
+                <a16:creationId xmlns:a16="http://schemas.microsoft.com/office/drawing/2014/main" id="{047F9DAC-3EAF-40FF-AD0A-E83211859F24}"/>
+              </a:ext>
+            </a:extLst>
+          </p:cNvPr>
+          <p:cNvPicPr>
+            <a:picLocks noChangeAspect="1"/>
+          </p:cNvPicPr>
+          <p:nvPr/>
+        </p:nvPicPr>
+        <p:blipFill rotWithShape="1">
+          <a:blip r:embed="rId2">
+            <a:extLst>
+              <a:ext uri="{28A0092B-C50C-407E-A947-70E740481C1C}">
+                <a14:useLocalDpi xmlns:a14="http://schemas.microsoft.com/office/drawing/2010/main" val="0"/>
+              </a:ext>
+            </a:extLst>
+          </a:blip>
+          <a:srcRect l="5629" r="4152" b="-2"/>
+          <a:stretch/>
+        </p:blipFill>
+        <p:spPr>
+          <a:xfrm>
+            <a:off x="-11909" y="10"/>
+            <a:ext cx="6324601" cy="6857990"/>
+          </a:xfrm>
+          <a:prstGeom prst="rect">
+            <a:avLst/>
+          </a:prstGeom>
+        </p:spPr>
+      </p:pic>
+      <p:pic>
+        <p:nvPicPr>
+          <p:cNvPr id="17" name="Picture 10">
+            <a:extLst>
+              <a:ext uri="{FF2B5EF4-FFF2-40B4-BE49-F238E27FC236}">
+                <a16:creationId xmlns:a16="http://schemas.microsoft.com/office/drawing/2014/main" id="{19AE98B8-B73A-4724-B639-017087F9239F}"/>
+              </a:ext>
+              <a:ext uri="{C183D7F6-B498-43B3-948B-1728B52AA6E4}">
+                <adec:decorative xmlns:adec="http://schemas.microsoft.com/office/drawing/2017/decorative" val="1"/>
+              </a:ext>
+            </a:extLst>
+          </p:cNvPr>
+          <p:cNvPicPr>
+            <a:picLocks noGrp="1" noRot="1" noChangeAspect="1" noMove="1" noResize="1" noEditPoints="1" noAdjustHandles="1" noChangeArrowheads="1" noChangeShapeType="1" noCrop="1"/>
+          </p:cNvPicPr>
+          <p:nvPr>
+            <p:extLst>
+              <p:ext uri="{386F3935-93C4-4BCD-93E2-E3B085C9AB24}">
+                <p16:designElem xmlns:p16="http://schemas.microsoft.com/office/powerpoint/2015/main" val="1"/>
+              </p:ext>
+            </p:extLst>
+          </p:nvPr>
+        </p:nvPicPr>
+        <p:blipFill>
+          <a:blip r:embed="rId3">
+            <a:extLst>
+              <a:ext uri="{28A0092B-C50C-407E-A947-70E740481C1C}">
+                <a14:useLocalDpi xmlns:a14="http://schemas.microsoft.com/office/drawing/2010/main" val="0"/>
+              </a:ext>
+            </a:extLst>
+          </a:blip>
+          <a:stretch>
+            <a:fillRect/>
+          </a:stretch>
+        </p:blipFill>
+        <p:spPr>
+          <a:xfrm>
+            <a:off x="0" y="0"/>
+            <a:ext cx="12192000" cy="6858000"/>
+          </a:xfrm>
+          <a:prstGeom prst="rect">
+            <a:avLst/>
+          </a:prstGeom>
+        </p:spPr>
+      </p:pic>
+      <p:sp>
+        <p:nvSpPr>
+          <p:cNvPr id="4" name="Rectangle 3">
+            <a:extLst>
+              <a:ext uri="{FF2B5EF4-FFF2-40B4-BE49-F238E27FC236}">
+                <a16:creationId xmlns:a16="http://schemas.microsoft.com/office/drawing/2014/main" id="{EA166BA9-897B-4FB9-90A0-4A2EC6862345}"/>
+              </a:ext>
+            </a:extLst>
+          </p:cNvPr>
+          <p:cNvSpPr/>
+          <p:nvPr/>
+        </p:nvSpPr>
+        <p:spPr>
+          <a:xfrm>
+            <a:off x="6324601" y="5834742"/>
+            <a:ext cx="5591627" cy="1295025"/>
+          </a:xfrm>
+          <a:prstGeom prst="rect">
+            <a:avLst/>
+          </a:prstGeom>
+        </p:spPr>
+        <p:txBody>
+          <a:bodyPr vert="horz" lIns="91440" tIns="45720" rIns="91440" bIns="45720" rtlCol="0" anchor="b">
+            <a:noAutofit/>
+          </a:bodyPr>
+          <a:lstStyle/>
+          <a:p>
+            <a:pPr marL="342900" indent="-342900">
+              <a:lnSpc>
+                <a:spcPct val="90000"/>
+              </a:lnSpc>
+              <a:spcBef>
+                <a:spcPct val="0"/>
+              </a:spcBef>
+              <a:spcAft>
+                <a:spcPts val="600"/>
+              </a:spcAft>
+              <a:buFont typeface="Arial" panose="020B0604020202020204" pitchFamily="34" charset="0"/>
+              <a:buChar char="•"/>
+            </a:pPr>
+            <a:r>
+              <a:rPr lang="en-US" sz="2800" dirty="0">
+                <a:ln w="0"/>
+                <a:solidFill>
+                  <a:srgbClr val="000000"/>
+                </a:solidFill>
+                <a:effectLst>
+                  <a:outerShdw blurRad="38100" dist="19050" dir="2700000" algn="tl" rotWithShape="0">
+                    <a:schemeClr val="dk1">
+                      <a:alpha val="40000"/>
+                    </a:schemeClr>
+                  </a:outerShdw>
+                </a:effectLst>
+              </a:rPr>
+              <a:t>Balance Summary </a:t>
+            </a:r>
+          </a:p>
+          <a:p>
+            <a:pPr marL="342900" indent="-342900">
+              <a:lnSpc>
+                <a:spcPct val="90000"/>
+              </a:lnSpc>
+              <a:spcBef>
+                <a:spcPct val="0"/>
+              </a:spcBef>
+              <a:spcAft>
+                <a:spcPts val="600"/>
+              </a:spcAft>
+              <a:buFont typeface="Arial" panose="020B0604020202020204" pitchFamily="34" charset="0"/>
+              <a:buChar char="•"/>
+            </a:pPr>
+            <a:endParaRPr lang="en-US" sz="2800" dirty="0">
+              <a:ln w="0"/>
+              <a:solidFill>
+                <a:srgbClr val="000000"/>
+              </a:solidFill>
+              <a:effectLst>
+                <a:outerShdw blurRad="38100" dist="19050" dir="2700000" algn="tl" rotWithShape="0">
+                  <a:schemeClr val="dk1">
+                    <a:alpha val="40000"/>
+                  </a:schemeClr>
+                </a:outerShdw>
+              </a:effectLst>
+            </a:endParaRPr>
+          </a:p>
+          <a:p>
+            <a:pPr marL="342900" indent="-342900">
+              <a:lnSpc>
+                <a:spcPct val="90000"/>
+              </a:lnSpc>
+              <a:spcBef>
+                <a:spcPct val="0"/>
+              </a:spcBef>
+              <a:spcAft>
+                <a:spcPts val="600"/>
+              </a:spcAft>
+              <a:buFont typeface="Arial" panose="020B0604020202020204" pitchFamily="34" charset="0"/>
+              <a:buChar char="•"/>
+            </a:pPr>
+            <a:endParaRPr lang="en-US" sz="2800" dirty="0">
+              <a:ln w="0"/>
+              <a:solidFill>
+                <a:srgbClr val="000000"/>
+              </a:solidFill>
+              <a:effectLst>
+                <a:outerShdw blurRad="38100" dist="19050" dir="2700000" algn="tl" rotWithShape="0">
+                  <a:schemeClr val="dk1">
+                    <a:alpha val="40000"/>
+                  </a:schemeClr>
+                </a:outerShdw>
+              </a:effectLst>
+            </a:endParaRPr>
+          </a:p>
+          <a:p>
+            <a:pPr marL="342900" indent="-342900">
+              <a:lnSpc>
+                <a:spcPct val="90000"/>
+              </a:lnSpc>
+              <a:spcBef>
+                <a:spcPct val="0"/>
+              </a:spcBef>
+              <a:spcAft>
+                <a:spcPts val="600"/>
+              </a:spcAft>
+              <a:buFont typeface="Arial" panose="020B0604020202020204" pitchFamily="34" charset="0"/>
+              <a:buChar char="•"/>
+            </a:pPr>
+            <a:endParaRPr lang="en-US" sz="2800" dirty="0">
+              <a:ln w="0"/>
+              <a:solidFill>
+                <a:srgbClr val="000000"/>
+              </a:solidFill>
+              <a:effectLst>
+                <a:outerShdw blurRad="38100" dist="19050" dir="2700000" algn="tl" rotWithShape="0">
+                  <a:schemeClr val="dk1">
+                    <a:alpha val="40000"/>
+                  </a:schemeClr>
+                </a:outerShdw>
+              </a:effectLst>
+            </a:endParaRPr>
+          </a:p>
+          <a:p>
+            <a:pPr marL="342900" indent="-342900">
+              <a:lnSpc>
+                <a:spcPct val="90000"/>
+              </a:lnSpc>
+              <a:spcBef>
+                <a:spcPct val="0"/>
+              </a:spcBef>
+              <a:spcAft>
+                <a:spcPts val="600"/>
+              </a:spcAft>
+              <a:buFont typeface="Arial" panose="020B0604020202020204" pitchFamily="34" charset="0"/>
+              <a:buChar char="•"/>
+            </a:pPr>
+            <a:endParaRPr lang="en-US" sz="2800" dirty="0">
+              <a:ln w="0"/>
+              <a:solidFill>
+                <a:srgbClr val="000000"/>
+              </a:solidFill>
+              <a:effectLst>
+                <a:outerShdw blurRad="38100" dist="19050" dir="2700000" algn="tl" rotWithShape="0">
+                  <a:schemeClr val="dk1">
+                    <a:alpha val="40000"/>
+                  </a:schemeClr>
+                </a:outerShdw>
+              </a:effectLst>
+            </a:endParaRPr>
+          </a:p>
+          <a:p>
+            <a:pPr marL="342900" indent="-342900">
+              <a:lnSpc>
+                <a:spcPct val="90000"/>
+              </a:lnSpc>
+              <a:spcBef>
+                <a:spcPct val="0"/>
+              </a:spcBef>
+              <a:spcAft>
+                <a:spcPts val="600"/>
+              </a:spcAft>
+              <a:buFont typeface="Arial" panose="020B0604020202020204" pitchFamily="34" charset="0"/>
+              <a:buChar char="•"/>
+            </a:pPr>
+            <a:endParaRPr lang="en-US" sz="2800" dirty="0">
+              <a:ln w="0"/>
+              <a:solidFill>
+                <a:srgbClr val="000000"/>
+              </a:solidFill>
+              <a:effectLst>
+                <a:outerShdw blurRad="38100" dist="19050" dir="2700000" algn="tl" rotWithShape="0">
+                  <a:schemeClr val="dk1">
+                    <a:alpha val="40000"/>
+                  </a:schemeClr>
+                </a:outerShdw>
+              </a:effectLst>
+            </a:endParaRPr>
+          </a:p>
+          <a:p>
+            <a:pPr>
+              <a:lnSpc>
+                <a:spcPct val="90000"/>
+              </a:lnSpc>
+              <a:spcBef>
+                <a:spcPct val="0"/>
+              </a:spcBef>
+              <a:spcAft>
+                <a:spcPts val="600"/>
+              </a:spcAft>
+            </a:pPr>
+            <a:endParaRPr lang="en-US" sz="2800" dirty="0">
+              <a:ln w="0"/>
+              <a:solidFill>
+                <a:srgbClr val="000000"/>
+              </a:solidFill>
+              <a:effectLst>
+                <a:outerShdw blurRad="38100" dist="19050" dir="2700000" algn="tl" rotWithShape="0">
+                  <a:schemeClr val="dk1">
+                    <a:alpha val="40000"/>
+                  </a:schemeClr>
+                </a:outerShdw>
+              </a:effectLst>
+            </a:endParaRPr>
+          </a:p>
+          <a:p>
+            <a:pPr marL="342900" indent="-342900">
+              <a:lnSpc>
+                <a:spcPct val="90000"/>
+              </a:lnSpc>
+              <a:spcBef>
+                <a:spcPct val="0"/>
+              </a:spcBef>
+              <a:spcAft>
+                <a:spcPts val="600"/>
+              </a:spcAft>
+              <a:buFont typeface="Arial" panose="020B0604020202020204" pitchFamily="34" charset="0"/>
+              <a:buChar char="•"/>
+            </a:pPr>
+            <a:r>
+              <a:rPr lang="en-US" sz="2800" dirty="0">
+                <a:ln w="0"/>
+                <a:solidFill>
+                  <a:srgbClr val="000000"/>
+                </a:solidFill>
+                <a:effectLst>
+                  <a:outerShdw blurRad="38100" dist="19050" dir="2700000" algn="tl" rotWithShape="0">
+                    <a:schemeClr val="dk1">
+                      <a:alpha val="40000"/>
+                    </a:schemeClr>
+                  </a:outerShdw>
+                </a:effectLst>
+              </a:rPr>
+              <a:t>Different Goal Steps  ---  Motivational Tiers</a:t>
+            </a:r>
+          </a:p>
+          <a:p>
+            <a:pPr>
+              <a:lnSpc>
+                <a:spcPct val="90000"/>
+              </a:lnSpc>
+              <a:spcBef>
+                <a:spcPct val="0"/>
+              </a:spcBef>
+              <a:spcAft>
+                <a:spcPts val="600"/>
+              </a:spcAft>
+            </a:pPr>
+            <a:endParaRPr lang="en-US" sz="2800" dirty="0">
+              <a:ln w="0"/>
+              <a:solidFill>
+                <a:srgbClr val="000000"/>
+              </a:solidFill>
+              <a:effectLst>
+                <a:outerShdw blurRad="38100" dist="19050" dir="2700000" algn="tl" rotWithShape="0">
+                  <a:schemeClr val="dk1">
+                    <a:alpha val="40000"/>
+                  </a:schemeClr>
+                </a:outerShdw>
+              </a:effectLst>
+            </a:endParaRPr>
+          </a:p>
+          <a:p>
+            <a:pPr>
+              <a:lnSpc>
+                <a:spcPct val="90000"/>
+              </a:lnSpc>
+              <a:spcBef>
+                <a:spcPct val="0"/>
+              </a:spcBef>
+              <a:spcAft>
+                <a:spcPts val="600"/>
+              </a:spcAft>
+            </a:pPr>
+            <a:endParaRPr lang="en-US" sz="2800" dirty="0">
+              <a:ln w="0"/>
+              <a:solidFill>
+                <a:srgbClr val="000000"/>
+              </a:solidFill>
+              <a:effectLst>
+                <a:outerShdw blurRad="38100" dist="19050" dir="2700000" algn="tl" rotWithShape="0">
+                  <a:schemeClr val="dk1">
+                    <a:alpha val="40000"/>
+                  </a:schemeClr>
+                </a:outerShdw>
+              </a:effectLst>
+            </a:endParaRPr>
+          </a:p>
+          <a:p>
+            <a:pPr marL="342900" indent="-342900">
+              <a:lnSpc>
+                <a:spcPct val="90000"/>
+              </a:lnSpc>
+              <a:spcBef>
+                <a:spcPct val="0"/>
+              </a:spcBef>
+              <a:spcAft>
+                <a:spcPts val="600"/>
+              </a:spcAft>
+              <a:buFont typeface="Arial" panose="020B0604020202020204" pitchFamily="34" charset="0"/>
+              <a:buChar char="•"/>
+            </a:pPr>
+            <a:r>
+              <a:rPr lang="en-US" sz="2800" dirty="0">
+                <a:ln w="0"/>
+                <a:solidFill>
+                  <a:srgbClr val="000000"/>
+                </a:solidFill>
+                <a:effectLst>
+                  <a:outerShdw blurRad="38100" dist="19050" dir="2700000" algn="tl" rotWithShape="0">
+                    <a:schemeClr val="dk1">
+                      <a:alpha val="40000"/>
+                    </a:schemeClr>
+                  </a:outerShdw>
+                </a:effectLst>
+              </a:rPr>
+              <a:t>One More payment until you are </a:t>
+            </a:r>
+            <a:r>
+              <a:rPr lang="en-US" sz="2800" dirty="0">
+                <a:ln w="0"/>
+                <a:solidFill>
+                  <a:srgbClr val="FF0000"/>
+                </a:solidFill>
+                <a:effectLst>
+                  <a:outerShdw blurRad="38100" dist="19050" dir="2700000" algn="tl" rotWithShape="0">
+                    <a:schemeClr val="dk1">
+                      <a:alpha val="40000"/>
+                    </a:schemeClr>
+                  </a:outerShdw>
+                </a:effectLst>
+              </a:rPr>
+              <a:t>25%</a:t>
+            </a:r>
+            <a:r>
+              <a:rPr lang="en-US" sz="2800" dirty="0">
+                <a:ln w="0"/>
+                <a:solidFill>
+                  <a:srgbClr val="000000"/>
+                </a:solidFill>
+                <a:effectLst>
+                  <a:outerShdw blurRad="38100" dist="19050" dir="2700000" algn="tl" rotWithShape="0">
+                    <a:schemeClr val="dk1">
+                      <a:alpha val="40000"/>
+                    </a:schemeClr>
+                  </a:outerShdw>
+                </a:effectLst>
+              </a:rPr>
+              <a:t>, </a:t>
+            </a:r>
+            <a:r>
+              <a:rPr lang="en-US" sz="2800" dirty="0">
+                <a:ln w="0"/>
+                <a:solidFill>
+                  <a:srgbClr val="FF0000"/>
+                </a:solidFill>
+                <a:effectLst>
+                  <a:outerShdw blurRad="38100" dist="19050" dir="2700000" algn="tl" rotWithShape="0">
+                    <a:schemeClr val="dk1">
+                      <a:alpha val="40000"/>
+                    </a:schemeClr>
+                  </a:outerShdw>
+                </a:effectLst>
+              </a:rPr>
+              <a:t>50%</a:t>
+            </a:r>
+            <a:r>
+              <a:rPr lang="en-US" sz="2800" dirty="0">
+                <a:ln w="0"/>
+                <a:solidFill>
+                  <a:srgbClr val="000000"/>
+                </a:solidFill>
+                <a:effectLst>
+                  <a:outerShdw blurRad="38100" dist="19050" dir="2700000" algn="tl" rotWithShape="0">
+                    <a:schemeClr val="dk1">
+                      <a:alpha val="40000"/>
+                    </a:schemeClr>
+                  </a:outerShdw>
+                </a:effectLst>
+              </a:rPr>
+              <a:t>, </a:t>
+            </a:r>
+            <a:r>
+              <a:rPr lang="en-US" sz="2800" dirty="0">
+                <a:ln w="0"/>
+                <a:solidFill>
+                  <a:srgbClr val="FF0000"/>
+                </a:solidFill>
+                <a:effectLst>
+                  <a:outerShdw blurRad="38100" dist="19050" dir="2700000" algn="tl" rotWithShape="0">
+                    <a:schemeClr val="dk1">
+                      <a:alpha val="40000"/>
+                    </a:schemeClr>
+                  </a:outerShdw>
+                </a:effectLst>
+              </a:rPr>
+              <a:t>75%</a:t>
+            </a:r>
+          </a:p>
+          <a:p>
+            <a:pPr>
+              <a:lnSpc>
+                <a:spcPct val="90000"/>
+              </a:lnSpc>
+              <a:spcBef>
+                <a:spcPct val="0"/>
+              </a:spcBef>
+              <a:spcAft>
+                <a:spcPts val="600"/>
+              </a:spcAft>
+            </a:pPr>
+            <a:r>
+              <a:rPr lang="en-US" sz="2800" dirty="0">
+                <a:ln w="0"/>
+                <a:solidFill>
+                  <a:srgbClr val="000000"/>
+                </a:solidFill>
+                <a:effectLst>
+                  <a:outerShdw blurRad="38100" dist="19050" dir="2700000" algn="tl" rotWithShape="0">
+                    <a:schemeClr val="dk1">
+                      <a:alpha val="40000"/>
+                    </a:schemeClr>
+                  </a:outerShdw>
+                </a:effectLst>
+              </a:rPr>
+              <a:t>     of your goal</a:t>
+            </a:r>
+          </a:p>
+          <a:p>
+            <a:pPr indent="-228600">
+              <a:lnSpc>
+                <a:spcPct val="90000"/>
+              </a:lnSpc>
+              <a:spcBef>
+                <a:spcPct val="0"/>
+              </a:spcBef>
+              <a:spcAft>
+                <a:spcPts val="600"/>
+              </a:spcAft>
+              <a:buFont typeface="Arial" panose="020B0604020202020204" pitchFamily="34" charset="0"/>
+              <a:buChar char="•"/>
+            </a:pPr>
+            <a:endParaRPr lang="en-US" sz="2800" b="0" cap="none" spc="0" dirty="0">
+              <a:ln w="0"/>
+              <a:solidFill>
+                <a:srgbClr val="000000"/>
+              </a:solidFill>
+              <a:effectLst>
+                <a:outerShdw blurRad="38100" dist="19050" dir="2700000" algn="tl" rotWithShape="0">
+                  <a:schemeClr val="dk1">
+                    <a:alpha val="40000"/>
+                  </a:schemeClr>
+                </a:outerShdw>
+              </a:effectLst>
+            </a:endParaRPr>
+          </a:p>
+        </p:txBody>
+      </p:sp>
+    </p:spTree>
+    <p:extLst>
+      <p:ext uri="{BB962C8B-B14F-4D97-AF65-F5344CB8AC3E}">
+        <p14:creationId xmlns:p14="http://schemas.microsoft.com/office/powerpoint/2010/main" val="2242032321"/>
+      </p:ext>
+    </p:extLst>
+  </p:cSld>
+  <p:clrMapOvr>
+    <a:masterClrMapping/>
+  </p:clrMapOvr>
+</p:sld>
+</file>
+
+<file path=ppt/slides/slide6.xml><?xml version="1.0" encoding="utf-8"?>
+<p:sld xmlns:a="http://schemas.openxmlformats.org/drawingml/2006/main" xmlns:r="http://schemas.openxmlformats.org/officeDocument/2006/relationships" xmlns:p="http://schemas.openxmlformats.org/presentationml/2006/main">
+  <p:cSld>
+    <p:bg>
+      <p:bgPr>
+        <a:solidFill>
+          <a:schemeClr val="bg1"/>
+        </a:solidFill>
+        <a:effectLst/>
+      </p:bgPr>
+    </p:bg>
+    <p:spTree>
+      <p:nvGrpSpPr>
+        <p:cNvPr id="1" name=""/>
+        <p:cNvGrpSpPr/>
+        <p:nvPr/>
+      </p:nvGrpSpPr>
+      <p:grpSpPr>
+        <a:xfrm>
+          <a:off x="0" y="0"/>
+          <a:ext cx="0" cy="0"/>
+          <a:chOff x="0" y="0"/>
+          <a:chExt cx="0" cy="0"/>
+        </a:xfrm>
+      </p:grpSpPr>
+      <p:pic>
+        <p:nvPicPr>
+          <p:cNvPr id="6" name="Picture 5">
+            <a:extLst>
+              <a:ext uri="{FF2B5EF4-FFF2-40B4-BE49-F238E27FC236}">
+                <a16:creationId xmlns:a16="http://schemas.microsoft.com/office/drawing/2014/main" id="{047F9DAC-3EAF-40FF-AD0A-E83211859F24}"/>
+              </a:ext>
+            </a:extLst>
+          </p:cNvPr>
+          <p:cNvPicPr>
+            <a:picLocks noChangeAspect="1"/>
+          </p:cNvPicPr>
+          <p:nvPr/>
+        </p:nvPicPr>
+        <p:blipFill rotWithShape="1">
+          <a:blip r:embed="rId2">
+            <a:extLst>
+              <a:ext uri="{28A0092B-C50C-407E-A947-70E740481C1C}">
+                <a14:useLocalDpi xmlns:a14="http://schemas.microsoft.com/office/drawing/2010/main" val="0"/>
+              </a:ext>
+            </a:extLst>
+          </a:blip>
+          <a:srcRect l="5629" r="4152" b="-2"/>
+          <a:stretch/>
+        </p:blipFill>
+        <p:spPr>
+          <a:xfrm>
+            <a:off x="-11909" y="10"/>
+            <a:ext cx="6324601" cy="6857990"/>
+          </a:xfrm>
+          <a:prstGeom prst="rect">
+            <a:avLst/>
+          </a:prstGeom>
+        </p:spPr>
+      </p:pic>
+      <p:pic>
+        <p:nvPicPr>
+          <p:cNvPr id="17" name="Picture 10">
+            <a:extLst>
+              <a:ext uri="{FF2B5EF4-FFF2-40B4-BE49-F238E27FC236}">
+                <a16:creationId xmlns:a16="http://schemas.microsoft.com/office/drawing/2014/main" id="{19AE98B8-B73A-4724-B639-017087F9239F}"/>
+              </a:ext>
+              <a:ext uri="{C183D7F6-B498-43B3-948B-1728B52AA6E4}">
+                <adec:decorative xmlns:adec="http://schemas.microsoft.com/office/drawing/2017/decorative" val="1"/>
+              </a:ext>
+            </a:extLst>
+          </p:cNvPr>
+          <p:cNvPicPr>
+            <a:picLocks noGrp="1" noRot="1" noChangeAspect="1" noMove="1" noResize="1" noEditPoints="1" noAdjustHandles="1" noChangeArrowheads="1" noChangeShapeType="1" noCrop="1"/>
+          </p:cNvPicPr>
+          <p:nvPr>
+            <p:extLst>
+              <p:ext uri="{386F3935-93C4-4BCD-93E2-E3B085C9AB24}">
+                <p16:designElem xmlns:p16="http://schemas.microsoft.com/office/powerpoint/2015/main" val="1"/>
+              </p:ext>
+            </p:extLst>
+          </p:nvPr>
+        </p:nvPicPr>
+        <p:blipFill>
+          <a:blip r:embed="rId3">
+            <a:extLst>
+              <a:ext uri="{28A0092B-C50C-407E-A947-70E740481C1C}">
+                <a14:useLocalDpi xmlns:a14="http://schemas.microsoft.com/office/drawing/2010/main" val="0"/>
+              </a:ext>
+            </a:extLst>
+          </a:blip>
+          <a:stretch>
+            <a:fillRect/>
+          </a:stretch>
+        </p:blipFill>
+        <p:spPr>
+          <a:xfrm>
+            <a:off x="0" y="0"/>
+            <a:ext cx="12192000" cy="6858000"/>
+          </a:xfrm>
+          <a:prstGeom prst="rect">
+            <a:avLst/>
+          </a:prstGeom>
+        </p:spPr>
+      </p:pic>
+      <p:sp>
+        <p:nvSpPr>
+          <p:cNvPr id="5" name="Rectangle 4">
+            <a:extLst>
+              <a:ext uri="{FF2B5EF4-FFF2-40B4-BE49-F238E27FC236}">
+                <a16:creationId xmlns:a16="http://schemas.microsoft.com/office/drawing/2014/main" id="{C6E65D7F-B657-43C1-B827-009CB4A64D7B}"/>
+              </a:ext>
+            </a:extLst>
+          </p:cNvPr>
+          <p:cNvSpPr/>
+          <p:nvPr/>
+        </p:nvSpPr>
+        <p:spPr>
+          <a:xfrm>
+            <a:off x="6311670" y="815507"/>
+            <a:ext cx="7326060" cy="6042493"/>
+          </a:xfrm>
+          <a:prstGeom prst="rect">
+            <a:avLst/>
+          </a:prstGeom>
+        </p:spPr>
+        <p:txBody>
+          <a:bodyPr vert="horz" lIns="91440" tIns="45720" rIns="91440" bIns="45720" rtlCol="0" anchor="t">
+            <a:normAutofit/>
+          </a:bodyPr>
+          <a:lstStyle/>
+          <a:p>
+            <a:pPr>
+              <a:lnSpc>
+                <a:spcPct val="90000"/>
+              </a:lnSpc>
+              <a:spcBef>
+                <a:spcPct val="0"/>
+              </a:spcBef>
+              <a:spcAft>
+                <a:spcPts val="600"/>
+              </a:spcAft>
+            </a:pPr>
+            <a:endParaRPr lang="en-US" sz="2400" dirty="0">
+              <a:ln w="0"/>
+              <a:solidFill>
+                <a:srgbClr val="000000"/>
+              </a:solidFill>
+              <a:effectLst>
+                <a:outerShdw blurRad="38100" dist="19050" dir="2700000" algn="tl" rotWithShape="0">
+                  <a:schemeClr val="dk1">
+                    <a:alpha val="40000"/>
+                  </a:schemeClr>
+                </a:outerShdw>
+              </a:effectLst>
+            </a:endParaRPr>
+          </a:p>
+          <a:p>
+            <a:pPr marL="342900" indent="-342900">
+              <a:lnSpc>
+                <a:spcPct val="90000"/>
+              </a:lnSpc>
+              <a:spcBef>
+                <a:spcPct val="0"/>
+              </a:spcBef>
+              <a:spcAft>
+                <a:spcPts val="600"/>
+              </a:spcAft>
+              <a:buFont typeface="Arial" panose="020B0604020202020204" pitchFamily="34" charset="0"/>
+              <a:buChar char="•"/>
+            </a:pPr>
+            <a:r>
+              <a:rPr lang="en-US" sz="2400" dirty="0">
+                <a:ln w="0"/>
+                <a:solidFill>
+                  <a:srgbClr val="000000"/>
+                </a:solidFill>
+                <a:effectLst>
+                  <a:outerShdw blurRad="38100" dist="19050" dir="2700000" algn="tl" rotWithShape="0">
+                    <a:schemeClr val="dk1">
+                      <a:alpha val="40000"/>
+                    </a:schemeClr>
+                  </a:outerShdw>
+                </a:effectLst>
+              </a:rPr>
+              <a:t>See how your Credit Score has risen</a:t>
+            </a:r>
+          </a:p>
+          <a:p>
+            <a:pPr marL="342900" indent="-342900">
+              <a:lnSpc>
+                <a:spcPct val="90000"/>
+              </a:lnSpc>
+              <a:spcBef>
+                <a:spcPct val="0"/>
+              </a:spcBef>
+              <a:spcAft>
+                <a:spcPts val="600"/>
+              </a:spcAft>
+              <a:buFont typeface="Arial" panose="020B0604020202020204" pitchFamily="34" charset="0"/>
+              <a:buChar char="•"/>
+            </a:pPr>
+            <a:endParaRPr lang="en-US" sz="2400" dirty="0">
+              <a:ln w="0"/>
+              <a:solidFill>
+                <a:srgbClr val="000000"/>
+              </a:solidFill>
+              <a:effectLst>
+                <a:outerShdw blurRad="38100" dist="19050" dir="2700000" algn="tl" rotWithShape="0">
+                  <a:schemeClr val="dk1">
+                    <a:alpha val="40000"/>
+                  </a:schemeClr>
+                </a:outerShdw>
+              </a:effectLst>
+            </a:endParaRPr>
+          </a:p>
+          <a:p>
+            <a:pPr marL="342900" indent="-342900">
+              <a:lnSpc>
+                <a:spcPct val="90000"/>
+              </a:lnSpc>
+              <a:spcBef>
+                <a:spcPct val="0"/>
+              </a:spcBef>
+              <a:spcAft>
+                <a:spcPts val="600"/>
+              </a:spcAft>
+              <a:buFont typeface="Arial" panose="020B0604020202020204" pitchFamily="34" charset="0"/>
+              <a:buChar char="•"/>
+            </a:pPr>
+            <a:endParaRPr lang="en-US" sz="2400" dirty="0">
+              <a:ln w="0"/>
+              <a:solidFill>
+                <a:srgbClr val="000000"/>
+              </a:solidFill>
+              <a:effectLst>
+                <a:outerShdw blurRad="38100" dist="19050" dir="2700000" algn="tl" rotWithShape="0">
+                  <a:schemeClr val="dk1">
+                    <a:alpha val="40000"/>
+                  </a:schemeClr>
+                </a:outerShdw>
+              </a:effectLst>
+            </a:endParaRPr>
+          </a:p>
+          <a:p>
+            <a:pPr marL="342900" indent="-342900">
+              <a:lnSpc>
+                <a:spcPct val="90000"/>
+              </a:lnSpc>
+              <a:spcBef>
+                <a:spcPct val="0"/>
+              </a:spcBef>
+              <a:spcAft>
+                <a:spcPts val="600"/>
+              </a:spcAft>
+              <a:buFont typeface="Arial" panose="020B0604020202020204" pitchFamily="34" charset="0"/>
+              <a:buChar char="•"/>
+            </a:pPr>
+            <a:endParaRPr lang="en-US" sz="2400" dirty="0">
+              <a:ln w="0"/>
+              <a:solidFill>
+                <a:srgbClr val="000000"/>
+              </a:solidFill>
+              <a:effectLst>
+                <a:outerShdw blurRad="38100" dist="19050" dir="2700000" algn="tl" rotWithShape="0">
+                  <a:schemeClr val="dk1">
+                    <a:alpha val="40000"/>
+                  </a:schemeClr>
+                </a:outerShdw>
+              </a:effectLst>
+            </a:endParaRPr>
+          </a:p>
+          <a:p>
+            <a:pPr marL="342900" indent="-342900">
+              <a:lnSpc>
+                <a:spcPct val="90000"/>
+              </a:lnSpc>
+              <a:spcBef>
+                <a:spcPct val="0"/>
+              </a:spcBef>
+              <a:spcAft>
+                <a:spcPts val="600"/>
+              </a:spcAft>
+              <a:buFont typeface="Arial" panose="020B0604020202020204" pitchFamily="34" charset="0"/>
+              <a:buChar char="•"/>
+            </a:pPr>
+            <a:endParaRPr lang="en-US" sz="2400" dirty="0">
+              <a:ln w="0"/>
+              <a:solidFill>
+                <a:srgbClr val="000000"/>
+              </a:solidFill>
+              <a:effectLst>
+                <a:outerShdw blurRad="38100" dist="19050" dir="2700000" algn="tl" rotWithShape="0">
+                  <a:schemeClr val="dk1">
+                    <a:alpha val="40000"/>
+                  </a:schemeClr>
+                </a:outerShdw>
+              </a:effectLst>
+            </a:endParaRPr>
+          </a:p>
+          <a:p>
+            <a:pPr marL="342900" indent="-342900">
+              <a:lnSpc>
+                <a:spcPct val="90000"/>
+              </a:lnSpc>
+              <a:spcBef>
+                <a:spcPct val="0"/>
+              </a:spcBef>
+              <a:spcAft>
+                <a:spcPts val="600"/>
+              </a:spcAft>
+              <a:buFont typeface="Arial" panose="020B0604020202020204" pitchFamily="34" charset="0"/>
+              <a:buChar char="•"/>
+            </a:pPr>
+            <a:endParaRPr lang="en-US" sz="2400" dirty="0">
+              <a:ln w="0"/>
+              <a:solidFill>
+                <a:srgbClr val="000000"/>
+              </a:solidFill>
+              <a:effectLst>
+                <a:outerShdw blurRad="38100" dist="19050" dir="2700000" algn="tl" rotWithShape="0">
+                  <a:schemeClr val="dk1">
+                    <a:alpha val="40000"/>
+                  </a:schemeClr>
+                </a:outerShdw>
+              </a:effectLst>
+            </a:endParaRPr>
+          </a:p>
+          <a:p>
+            <a:pPr marL="342900" indent="-342900">
+              <a:lnSpc>
+                <a:spcPct val="90000"/>
+              </a:lnSpc>
+              <a:spcBef>
+                <a:spcPct val="0"/>
+              </a:spcBef>
+              <a:spcAft>
+                <a:spcPts val="600"/>
+              </a:spcAft>
+              <a:buFont typeface="Arial" panose="020B0604020202020204" pitchFamily="34" charset="0"/>
+              <a:buChar char="•"/>
+            </a:pPr>
+            <a:endParaRPr lang="en-US" sz="2400" dirty="0">
+              <a:ln w="0"/>
+              <a:solidFill>
+                <a:srgbClr val="000000"/>
+              </a:solidFill>
+              <a:effectLst>
+                <a:outerShdw blurRad="38100" dist="19050" dir="2700000" algn="tl" rotWithShape="0">
+                  <a:schemeClr val="dk1">
+                    <a:alpha val="40000"/>
+                  </a:schemeClr>
+                </a:outerShdw>
+              </a:effectLst>
+            </a:endParaRPr>
+          </a:p>
+          <a:p>
+            <a:pPr>
+              <a:lnSpc>
+                <a:spcPct val="90000"/>
+              </a:lnSpc>
+              <a:spcBef>
+                <a:spcPct val="0"/>
+              </a:spcBef>
+              <a:spcAft>
+                <a:spcPts val="600"/>
+              </a:spcAft>
+            </a:pPr>
+            <a:endParaRPr lang="en-US" sz="2400" dirty="0">
+              <a:ln w="0"/>
+              <a:solidFill>
+                <a:srgbClr val="000000"/>
+              </a:solidFill>
+              <a:effectLst>
+                <a:outerShdw blurRad="38100" dist="19050" dir="2700000" algn="tl" rotWithShape="0">
+                  <a:schemeClr val="dk1">
+                    <a:alpha val="40000"/>
+                  </a:schemeClr>
+                </a:outerShdw>
+              </a:effectLst>
+            </a:endParaRPr>
+          </a:p>
+          <a:p>
+            <a:pPr marL="342900" indent="-342900">
+              <a:lnSpc>
+                <a:spcPct val="90000"/>
+              </a:lnSpc>
+              <a:spcBef>
+                <a:spcPct val="0"/>
+              </a:spcBef>
+              <a:spcAft>
+                <a:spcPts val="600"/>
+              </a:spcAft>
+              <a:buFont typeface="Arial" panose="020B0604020202020204" pitchFamily="34" charset="0"/>
+              <a:buChar char="•"/>
+            </a:pPr>
+            <a:r>
+              <a:rPr lang="en-US" sz="2400" dirty="0">
+                <a:ln w="0"/>
+                <a:solidFill>
+                  <a:srgbClr val="000000"/>
+                </a:solidFill>
+                <a:effectLst>
+                  <a:outerShdw blurRad="38100" dist="19050" dir="2700000" algn="tl" rotWithShape="0">
+                    <a:schemeClr val="dk1">
+                      <a:alpha val="40000"/>
+                    </a:schemeClr>
+                  </a:outerShdw>
+                </a:effectLst>
+              </a:rPr>
+              <a:t>Color for levels of accomplishment:</a:t>
+            </a:r>
+          </a:p>
+          <a:p>
+            <a:pPr marL="342900" indent="-342900">
+              <a:lnSpc>
+                <a:spcPct val="90000"/>
+              </a:lnSpc>
+              <a:spcBef>
+                <a:spcPct val="0"/>
+              </a:spcBef>
+              <a:spcAft>
+                <a:spcPts val="600"/>
+              </a:spcAft>
+              <a:buFont typeface="Arial" panose="020B0604020202020204" pitchFamily="34" charset="0"/>
+              <a:buChar char="•"/>
+            </a:pPr>
+            <a:endParaRPr lang="en-US" sz="2400" dirty="0">
+              <a:ln w="0"/>
+              <a:solidFill>
+                <a:srgbClr val="000000"/>
+              </a:solidFill>
+              <a:effectLst>
+                <a:outerShdw blurRad="38100" dist="19050" dir="2700000" algn="tl" rotWithShape="0">
+                  <a:schemeClr val="dk1">
+                    <a:alpha val="40000"/>
+                  </a:schemeClr>
+                </a:outerShdw>
+              </a:effectLst>
+            </a:endParaRPr>
+          </a:p>
+          <a:p>
+            <a:pPr marL="342900" indent="-342900">
+              <a:lnSpc>
+                <a:spcPct val="90000"/>
+              </a:lnSpc>
+              <a:spcBef>
+                <a:spcPct val="0"/>
+              </a:spcBef>
+              <a:spcAft>
+                <a:spcPts val="600"/>
+              </a:spcAft>
+              <a:buFont typeface="Arial" panose="020B0604020202020204" pitchFamily="34" charset="0"/>
+              <a:buChar char="•"/>
+            </a:pPr>
+            <a:endParaRPr lang="en-US" sz="2400" dirty="0">
+              <a:ln w="0"/>
+              <a:solidFill>
+                <a:srgbClr val="000000"/>
+              </a:solidFill>
+              <a:effectLst>
+                <a:outerShdw blurRad="38100" dist="19050" dir="2700000" algn="tl" rotWithShape="0">
+                  <a:schemeClr val="dk1">
+                    <a:alpha val="40000"/>
+                  </a:schemeClr>
+                </a:outerShdw>
+              </a:effectLst>
             </a:endParaRPr>
           </a:p>
           <a:p>
@@ -5487,2227 +7391,12 @@
           </a:p>
         </p:txBody>
       </p:sp>
-    </p:spTree>
-    <p:extLst>
-      <p:ext uri="{BB962C8B-B14F-4D97-AF65-F5344CB8AC3E}">
-        <p14:creationId xmlns:p14="http://schemas.microsoft.com/office/powerpoint/2010/main" val="3735016405"/>
-      </p:ext>
-    </p:extLst>
-  </p:cSld>
-  <p:clrMapOvr>
-    <a:masterClrMapping/>
-  </p:clrMapOvr>
-</p:sld>
-</file>
-
-<file path=ppt/slides/slide3.xml><?xml version="1.0" encoding="utf-8"?>
-<p:sld xmlns:a="http://schemas.openxmlformats.org/drawingml/2006/main" xmlns:r="http://schemas.openxmlformats.org/officeDocument/2006/relationships" xmlns:p="http://schemas.openxmlformats.org/presentationml/2006/main">
-  <p:cSld>
-    <p:spTree>
-      <p:nvGrpSpPr>
-        <p:cNvPr id="1" name=""/>
-        <p:cNvGrpSpPr/>
-        <p:nvPr/>
-      </p:nvGrpSpPr>
-      <p:grpSpPr>
-        <a:xfrm>
-          <a:off x="0" y="0"/>
-          <a:ext cx="0" cy="0"/>
-          <a:chOff x="0" y="0"/>
-          <a:chExt cx="0" cy="0"/>
-        </a:xfrm>
-      </p:grpSpPr>
-      <p:pic>
-        <p:nvPicPr>
-          <p:cNvPr id="5" name="Picture 4">
-            <a:extLst>
-              <a:ext uri="{FF2B5EF4-FFF2-40B4-BE49-F238E27FC236}">
-                <a16:creationId xmlns:a16="http://schemas.microsoft.com/office/drawing/2014/main" id="{04AEEED3-2570-4B00-9A78-7D97DF270627}"/>
-              </a:ext>
-            </a:extLst>
-          </p:cNvPr>
-          <p:cNvPicPr>
-            <a:picLocks noChangeAspect="1"/>
-          </p:cNvPicPr>
-          <p:nvPr/>
-        </p:nvPicPr>
-        <p:blipFill>
-          <a:blip r:embed="rId3">
-            <a:extLst>
-              <a:ext uri="{28A0092B-C50C-407E-A947-70E740481C1C}">
-                <a14:useLocalDpi xmlns:a14="http://schemas.microsoft.com/office/drawing/2010/main" val="0"/>
-              </a:ext>
-            </a:extLst>
-          </a:blip>
-          <a:stretch>
-            <a:fillRect/>
-          </a:stretch>
-        </p:blipFill>
-        <p:spPr>
-          <a:xfrm>
-            <a:off x="4088889" y="0"/>
-            <a:ext cx="8103111" cy="6858000"/>
-          </a:xfrm>
-          <a:prstGeom prst="rect">
-            <a:avLst/>
-          </a:prstGeom>
-        </p:spPr>
-      </p:pic>
-      <p:pic>
-        <p:nvPicPr>
-          <p:cNvPr id="7" name="Picture 6">
-            <a:extLst>
-              <a:ext uri="{FF2B5EF4-FFF2-40B4-BE49-F238E27FC236}">
-                <a16:creationId xmlns:a16="http://schemas.microsoft.com/office/drawing/2014/main" id="{A6A79083-8C69-42FF-8F03-3AA794A00F5D}"/>
-              </a:ext>
-            </a:extLst>
-          </p:cNvPr>
-          <p:cNvPicPr>
-            <a:picLocks noChangeAspect="1"/>
-          </p:cNvPicPr>
-          <p:nvPr/>
-        </p:nvPicPr>
-        <p:blipFill>
-          <a:blip r:embed="rId4">
-            <a:extLst>
-              <a:ext uri="{28A0092B-C50C-407E-A947-70E740481C1C}">
-                <a14:useLocalDpi xmlns:a14="http://schemas.microsoft.com/office/drawing/2010/main" val="0"/>
-              </a:ext>
-            </a:extLst>
-          </a:blip>
-          <a:stretch>
-            <a:fillRect/>
-          </a:stretch>
-        </p:blipFill>
-        <p:spPr>
-          <a:xfrm>
-            <a:off x="0" y="-1"/>
-            <a:ext cx="4088889" cy="6857999"/>
-          </a:xfrm>
-          <a:prstGeom prst="rect">
-            <a:avLst/>
-          </a:prstGeom>
-        </p:spPr>
-      </p:pic>
-      <p:sp>
-        <p:nvSpPr>
-          <p:cNvPr id="8" name="Rectangle 7">
-            <a:extLst>
-              <a:ext uri="{FF2B5EF4-FFF2-40B4-BE49-F238E27FC236}">
-                <a16:creationId xmlns:a16="http://schemas.microsoft.com/office/drawing/2014/main" id="{1E8CDBF1-535F-41A6-92A8-C645EABAA9F2}"/>
-              </a:ext>
-            </a:extLst>
-          </p:cNvPr>
-          <p:cNvSpPr/>
-          <p:nvPr/>
-        </p:nvSpPr>
-        <p:spPr>
-          <a:xfrm>
-            <a:off x="4440083" y="1039441"/>
-            <a:ext cx="7326060" cy="6042493"/>
-          </a:xfrm>
-          <a:prstGeom prst="rect">
-            <a:avLst/>
-          </a:prstGeom>
-        </p:spPr>
-        <p:txBody>
-          <a:bodyPr vert="horz" lIns="91440" tIns="45720" rIns="91440" bIns="45720" rtlCol="0" anchor="t">
-            <a:normAutofit/>
-          </a:bodyPr>
-          <a:lstStyle/>
-          <a:p>
-            <a:pPr>
-              <a:lnSpc>
-                <a:spcPct val="90000"/>
-              </a:lnSpc>
-              <a:spcBef>
-                <a:spcPct val="0"/>
-              </a:spcBef>
-              <a:spcAft>
-                <a:spcPts val="600"/>
-              </a:spcAft>
-            </a:pPr>
-            <a:r>
-              <a:rPr lang="en-US" sz="2400" u="sng" dirty="0">
-                <a:ln w="0"/>
-                <a:solidFill>
-                  <a:srgbClr val="000000"/>
-                </a:solidFill>
-                <a:effectLst>
-                  <a:outerShdw blurRad="38100" dist="38100" dir="2700000" algn="tl">
-                    <a:srgbClr val="000000">
-                      <a:alpha val="43137"/>
-                    </a:srgbClr>
-                  </a:outerShdw>
-                </a:effectLst>
-              </a:rPr>
-              <a:t>Our goal:</a:t>
-            </a:r>
-          </a:p>
-          <a:p>
-            <a:pPr>
-              <a:lnSpc>
-                <a:spcPct val="90000"/>
-              </a:lnSpc>
-              <a:spcBef>
-                <a:spcPct val="0"/>
-              </a:spcBef>
-              <a:spcAft>
-                <a:spcPts val="600"/>
-              </a:spcAft>
-            </a:pPr>
-            <a:r>
-              <a:rPr lang="en-US" sz="2400" dirty="0">
-                <a:ln w="0"/>
-                <a:solidFill>
-                  <a:srgbClr val="000000"/>
-                </a:solidFill>
-                <a:effectLst>
-                  <a:outerShdw blurRad="38100" dist="19050" dir="2700000" algn="tl" rotWithShape="0">
-                    <a:schemeClr val="dk1">
-                      <a:alpha val="40000"/>
-                    </a:schemeClr>
-                  </a:outerShdw>
-                </a:effectLst>
-              </a:rPr>
-              <a:t>	Create an app that satisfies our Nonprofit Organization needs, by including features such as:</a:t>
-            </a:r>
-          </a:p>
-          <a:p>
-            <a:pPr marL="342900" indent="-342900">
-              <a:lnSpc>
-                <a:spcPct val="90000"/>
-              </a:lnSpc>
-              <a:spcBef>
-                <a:spcPct val="0"/>
-              </a:spcBef>
-              <a:spcAft>
-                <a:spcPts val="600"/>
-              </a:spcAft>
-              <a:buFont typeface="Arial" panose="020B0604020202020204" pitchFamily="34" charset="0"/>
-              <a:buChar char="•"/>
-            </a:pPr>
-            <a:r>
-              <a:rPr lang="en-US" sz="2400" dirty="0">
-                <a:ln w="0"/>
-                <a:solidFill>
-                  <a:srgbClr val="000000"/>
-                </a:solidFill>
-                <a:effectLst>
-                  <a:outerShdw blurRad="38100" dist="19050" dir="2700000" algn="tl" rotWithShape="0">
-                    <a:schemeClr val="dk1">
-                      <a:alpha val="40000"/>
-                    </a:schemeClr>
-                  </a:outerShdw>
-                </a:effectLst>
-              </a:rPr>
-              <a:t>Debt Tracker(Balance,  Payment, Interest Rate, Estimate time to </a:t>
-            </a:r>
-            <a:r>
-              <a:rPr lang="en-US" sz="2400" dirty="0" err="1">
-                <a:ln w="0"/>
-                <a:solidFill>
-                  <a:srgbClr val="000000"/>
-                </a:solidFill>
-                <a:effectLst>
-                  <a:outerShdw blurRad="38100" dist="19050" dir="2700000" algn="tl" rotWithShape="0">
-                    <a:schemeClr val="dk1">
-                      <a:alpha val="40000"/>
-                    </a:schemeClr>
-                  </a:outerShdw>
-                </a:effectLst>
-              </a:rPr>
-              <a:t>completition</a:t>
-            </a:r>
-            <a:r>
-              <a:rPr lang="en-US" sz="2400" dirty="0">
-                <a:ln w="0"/>
-                <a:solidFill>
-                  <a:srgbClr val="000000"/>
-                </a:solidFill>
-                <a:effectLst>
-                  <a:outerShdw blurRad="38100" dist="19050" dir="2700000" algn="tl" rotWithShape="0">
-                    <a:schemeClr val="dk1">
-                      <a:alpha val="40000"/>
-                    </a:schemeClr>
-                  </a:outerShdw>
-                </a:effectLst>
-              </a:rPr>
-              <a:t>)</a:t>
-            </a:r>
-          </a:p>
-          <a:p>
-            <a:pPr marL="342900" indent="-342900">
-              <a:lnSpc>
-                <a:spcPct val="90000"/>
-              </a:lnSpc>
-              <a:spcBef>
-                <a:spcPct val="0"/>
-              </a:spcBef>
-              <a:spcAft>
-                <a:spcPts val="600"/>
-              </a:spcAft>
-              <a:buFont typeface="Arial" panose="020B0604020202020204" pitchFamily="34" charset="0"/>
-              <a:buChar char="•"/>
-            </a:pPr>
-            <a:r>
-              <a:rPr lang="en-US" sz="2400" dirty="0">
-                <a:ln w="0"/>
-                <a:solidFill>
-                  <a:srgbClr val="000000"/>
-                </a:solidFill>
-                <a:effectLst>
-                  <a:outerShdw blurRad="38100" dist="19050" dir="2700000" algn="tl" rotWithShape="0">
-                    <a:schemeClr val="dk1">
-                      <a:alpha val="40000"/>
-                    </a:schemeClr>
-                  </a:outerShdw>
-                </a:effectLst>
-              </a:rPr>
-              <a:t>Budget (Income)</a:t>
-            </a:r>
-          </a:p>
-          <a:p>
-            <a:pPr marL="342900" indent="-342900">
-              <a:lnSpc>
-                <a:spcPct val="90000"/>
-              </a:lnSpc>
-              <a:spcBef>
-                <a:spcPct val="0"/>
-              </a:spcBef>
-              <a:spcAft>
-                <a:spcPts val="600"/>
-              </a:spcAft>
-              <a:buFont typeface="Arial" panose="020B0604020202020204" pitchFamily="34" charset="0"/>
-              <a:buChar char="•"/>
-            </a:pPr>
-            <a:r>
-              <a:rPr lang="en-US" sz="2400" dirty="0">
-                <a:ln w="0"/>
-                <a:solidFill>
-                  <a:srgbClr val="000000"/>
-                </a:solidFill>
-                <a:effectLst>
-                  <a:outerShdw blurRad="38100" dist="19050" dir="2700000" algn="tl" rotWithShape="0">
-                    <a:schemeClr val="dk1">
-                      <a:alpha val="40000"/>
-                    </a:schemeClr>
-                  </a:outerShdw>
-                </a:effectLst>
-              </a:rPr>
-              <a:t>Payment Reminders (Push/Email/Text/Phones)</a:t>
-            </a:r>
-          </a:p>
-          <a:p>
-            <a:pPr marL="342900" indent="-342900">
-              <a:lnSpc>
-                <a:spcPct val="90000"/>
-              </a:lnSpc>
-              <a:spcBef>
-                <a:spcPct val="0"/>
-              </a:spcBef>
-              <a:spcAft>
-                <a:spcPts val="600"/>
-              </a:spcAft>
-              <a:buFont typeface="Arial" panose="020B0604020202020204" pitchFamily="34" charset="0"/>
-              <a:buChar char="•"/>
-            </a:pPr>
-            <a:r>
-              <a:rPr lang="en-US" sz="2400" dirty="0">
-                <a:ln w="0"/>
-                <a:solidFill>
-                  <a:srgbClr val="000000"/>
-                </a:solidFill>
-                <a:effectLst>
-                  <a:outerShdw blurRad="38100" dist="19050" dir="2700000" algn="tl" rotWithShape="0">
-                    <a:schemeClr val="dk1">
-                      <a:alpha val="40000"/>
-                    </a:schemeClr>
-                  </a:outerShdw>
-                </a:effectLst>
-              </a:rPr>
-              <a:t>Nest egg tracker(Savings Account)</a:t>
-            </a:r>
-          </a:p>
-          <a:p>
-            <a:pPr marL="342900" indent="-342900">
-              <a:lnSpc>
-                <a:spcPct val="90000"/>
-              </a:lnSpc>
-              <a:spcBef>
-                <a:spcPct val="0"/>
-              </a:spcBef>
-              <a:spcAft>
-                <a:spcPts val="600"/>
-              </a:spcAft>
-              <a:buFont typeface="Arial" panose="020B0604020202020204" pitchFamily="34" charset="0"/>
-              <a:buChar char="•"/>
-            </a:pPr>
-            <a:r>
-              <a:rPr lang="en-US" sz="2400" dirty="0">
-                <a:ln w="0"/>
-                <a:solidFill>
-                  <a:srgbClr val="000000"/>
-                </a:solidFill>
-                <a:effectLst>
-                  <a:outerShdw blurRad="38100" dist="19050" dir="2700000" algn="tl" rotWithShape="0">
-                    <a:schemeClr val="dk1">
-                      <a:alpha val="40000"/>
-                    </a:schemeClr>
-                  </a:outerShdw>
-                </a:effectLst>
-              </a:rPr>
-              <a:t>Appointment Scheduling</a:t>
-            </a:r>
-          </a:p>
-          <a:p>
-            <a:pPr marL="342900" indent="-342900">
-              <a:lnSpc>
-                <a:spcPct val="90000"/>
-              </a:lnSpc>
-              <a:spcBef>
-                <a:spcPct val="0"/>
-              </a:spcBef>
-              <a:spcAft>
-                <a:spcPts val="600"/>
-              </a:spcAft>
-              <a:buFont typeface="Arial" panose="020B0604020202020204" pitchFamily="34" charset="0"/>
-              <a:buChar char="•"/>
-            </a:pPr>
-            <a:r>
-              <a:rPr lang="en-US" sz="2400" dirty="0">
-                <a:ln w="0"/>
-                <a:solidFill>
-                  <a:srgbClr val="000000"/>
-                </a:solidFill>
-                <a:effectLst>
-                  <a:outerShdw blurRad="38100" dist="19050" dir="2700000" algn="tl" rotWithShape="0">
-                    <a:schemeClr val="dk1">
-                      <a:alpha val="40000"/>
-                    </a:schemeClr>
-                  </a:outerShdw>
-                </a:effectLst>
-              </a:rPr>
-              <a:t>Find nearby locations</a:t>
-            </a:r>
-          </a:p>
-          <a:p>
-            <a:pPr marL="342900" indent="-342900">
-              <a:lnSpc>
-                <a:spcPct val="90000"/>
-              </a:lnSpc>
-              <a:spcBef>
-                <a:spcPct val="0"/>
-              </a:spcBef>
-              <a:spcAft>
-                <a:spcPts val="600"/>
-              </a:spcAft>
-              <a:buFont typeface="Arial" panose="020B0604020202020204" pitchFamily="34" charset="0"/>
-              <a:buChar char="•"/>
-            </a:pPr>
-            <a:endParaRPr lang="en-US" sz="2400" dirty="0">
-              <a:ln w="0"/>
-              <a:solidFill>
-                <a:srgbClr val="000000"/>
-              </a:solidFill>
-              <a:effectLst>
-                <a:outerShdw blurRad="38100" dist="19050" dir="2700000" algn="tl" rotWithShape="0">
-                  <a:schemeClr val="dk1">
-                    <a:alpha val="40000"/>
-                  </a:schemeClr>
-                </a:outerShdw>
-              </a:effectLst>
-            </a:endParaRPr>
-          </a:p>
-          <a:p>
-            <a:pPr marL="342900" indent="-342900">
-              <a:lnSpc>
-                <a:spcPct val="90000"/>
-              </a:lnSpc>
-              <a:spcBef>
-                <a:spcPct val="0"/>
-              </a:spcBef>
-              <a:spcAft>
-                <a:spcPts val="600"/>
-              </a:spcAft>
-              <a:buFont typeface="Arial" panose="020B0604020202020204" pitchFamily="34" charset="0"/>
-              <a:buChar char="•"/>
-            </a:pPr>
-            <a:endParaRPr lang="en-US" sz="2400" dirty="0">
-              <a:ln w="0"/>
-              <a:solidFill>
-                <a:srgbClr val="000000"/>
-              </a:solidFill>
-              <a:effectLst>
-                <a:outerShdw blurRad="38100" dist="19050" dir="2700000" algn="tl" rotWithShape="0">
-                  <a:schemeClr val="dk1">
-                    <a:alpha val="40000"/>
-                  </a:schemeClr>
-                </a:outerShdw>
-              </a:effectLst>
-            </a:endParaRPr>
-          </a:p>
-          <a:p>
-            <a:pPr marL="342900" indent="-342900">
-              <a:lnSpc>
-                <a:spcPct val="90000"/>
-              </a:lnSpc>
-              <a:spcBef>
-                <a:spcPct val="0"/>
-              </a:spcBef>
-              <a:spcAft>
-                <a:spcPts val="600"/>
-              </a:spcAft>
-              <a:buFont typeface="Arial" panose="020B0604020202020204" pitchFamily="34" charset="0"/>
-              <a:buChar char="•"/>
-            </a:pPr>
-            <a:endParaRPr lang="en-US" sz="2400" dirty="0">
-              <a:ln w="0"/>
-              <a:solidFill>
-                <a:srgbClr val="000000"/>
-              </a:solidFill>
-              <a:effectLst>
-                <a:outerShdw blurRad="38100" dist="19050" dir="2700000" algn="tl" rotWithShape="0">
-                  <a:schemeClr val="dk1">
-                    <a:alpha val="40000"/>
-                  </a:schemeClr>
-                </a:outerShdw>
-              </a:effectLst>
-            </a:endParaRPr>
-          </a:p>
-          <a:p>
-            <a:pPr>
-              <a:lnSpc>
-                <a:spcPct val="90000"/>
-              </a:lnSpc>
-              <a:spcBef>
-                <a:spcPct val="0"/>
-              </a:spcBef>
-              <a:spcAft>
-                <a:spcPts val="600"/>
-              </a:spcAft>
-            </a:pPr>
-            <a:endParaRPr lang="en-US" sz="4400" b="0" cap="none" spc="0" dirty="0">
-              <a:ln w="0"/>
-              <a:solidFill>
-                <a:srgbClr val="000000"/>
-              </a:solidFill>
-              <a:effectLst>
-                <a:outerShdw blurRad="38100" dist="19050" dir="2700000" algn="tl" rotWithShape="0">
-                  <a:schemeClr val="dk1">
-                    <a:alpha val="40000"/>
-                  </a:schemeClr>
-                </a:outerShdw>
-              </a:effectLst>
-              <a:latin typeface="+mj-lt"/>
-              <a:ea typeface="+mj-ea"/>
-              <a:cs typeface="+mj-cs"/>
-            </a:endParaRPr>
-          </a:p>
-          <a:p>
-            <a:pPr>
-              <a:lnSpc>
-                <a:spcPct val="90000"/>
-              </a:lnSpc>
-              <a:spcBef>
-                <a:spcPct val="0"/>
-              </a:spcBef>
-              <a:spcAft>
-                <a:spcPts val="600"/>
-              </a:spcAft>
-            </a:pPr>
-            <a:endParaRPr lang="en-US" sz="4400" dirty="0">
-              <a:ln w="0"/>
-              <a:solidFill>
-                <a:srgbClr val="000000"/>
-              </a:solidFill>
-              <a:effectLst>
-                <a:outerShdw blurRad="38100" dist="19050" dir="2700000" algn="tl" rotWithShape="0">
-                  <a:schemeClr val="dk1">
-                    <a:alpha val="40000"/>
-                  </a:schemeClr>
-                </a:outerShdw>
-              </a:effectLst>
-              <a:latin typeface="+mj-lt"/>
-              <a:ea typeface="+mj-ea"/>
-              <a:cs typeface="+mj-cs"/>
-            </a:endParaRPr>
-          </a:p>
-          <a:p>
-            <a:pPr>
-              <a:lnSpc>
-                <a:spcPct val="90000"/>
-              </a:lnSpc>
-              <a:spcBef>
-                <a:spcPct val="0"/>
-              </a:spcBef>
-              <a:spcAft>
-                <a:spcPts val="600"/>
-              </a:spcAft>
-            </a:pPr>
-            <a:endParaRPr lang="en-US" sz="4400" b="0" cap="none" spc="0" dirty="0">
-              <a:ln w="0"/>
-              <a:solidFill>
-                <a:srgbClr val="000000"/>
-              </a:solidFill>
-              <a:effectLst>
-                <a:outerShdw blurRad="38100" dist="19050" dir="2700000" algn="tl" rotWithShape="0">
-                  <a:schemeClr val="dk1">
-                    <a:alpha val="40000"/>
-                  </a:schemeClr>
-                </a:outerShdw>
-              </a:effectLst>
-              <a:latin typeface="+mj-lt"/>
-              <a:ea typeface="+mj-ea"/>
-              <a:cs typeface="+mj-cs"/>
-            </a:endParaRPr>
-          </a:p>
-        </p:txBody>
-      </p:sp>
-    </p:spTree>
-    <p:extLst>
-      <p:ext uri="{BB962C8B-B14F-4D97-AF65-F5344CB8AC3E}">
-        <p14:creationId xmlns:p14="http://schemas.microsoft.com/office/powerpoint/2010/main" val="3323031506"/>
-      </p:ext>
-    </p:extLst>
-  </p:cSld>
-  <p:clrMapOvr>
-    <a:masterClrMapping/>
-  </p:clrMapOvr>
-</p:sld>
-</file>
-
-<file path=ppt/slides/slide4.xml><?xml version="1.0" encoding="utf-8"?>
-<p:sld xmlns:a="http://schemas.openxmlformats.org/drawingml/2006/main" xmlns:r="http://schemas.openxmlformats.org/officeDocument/2006/relationships" xmlns:p="http://schemas.openxmlformats.org/presentationml/2006/main">
-  <p:cSld>
-    <p:spTree>
-      <p:nvGrpSpPr>
-        <p:cNvPr id="1" name=""/>
-        <p:cNvGrpSpPr/>
-        <p:nvPr/>
-      </p:nvGrpSpPr>
-      <p:grpSpPr>
-        <a:xfrm>
-          <a:off x="0" y="0"/>
-          <a:ext cx="0" cy="0"/>
-          <a:chOff x="0" y="0"/>
-          <a:chExt cx="0" cy="0"/>
-        </a:xfrm>
-      </p:grpSpPr>
-      <p:pic>
-        <p:nvPicPr>
-          <p:cNvPr id="5" name="Picture 4">
-            <a:extLst>
-              <a:ext uri="{FF2B5EF4-FFF2-40B4-BE49-F238E27FC236}">
-                <a16:creationId xmlns:a16="http://schemas.microsoft.com/office/drawing/2014/main" id="{04AEEED3-2570-4B00-9A78-7D97DF270627}"/>
-              </a:ext>
-            </a:extLst>
-          </p:cNvPr>
-          <p:cNvPicPr>
-            <a:picLocks noChangeAspect="1"/>
-          </p:cNvPicPr>
-          <p:nvPr/>
-        </p:nvPicPr>
-        <p:blipFill>
-          <a:blip r:embed="rId2">
-            <a:extLst>
-              <a:ext uri="{28A0092B-C50C-407E-A947-70E740481C1C}">
-                <a14:useLocalDpi xmlns:a14="http://schemas.microsoft.com/office/drawing/2010/main" val="0"/>
-              </a:ext>
-            </a:extLst>
-          </a:blip>
-          <a:stretch>
-            <a:fillRect/>
-          </a:stretch>
-        </p:blipFill>
-        <p:spPr>
-          <a:xfrm>
-            <a:off x="4088889" y="0"/>
-            <a:ext cx="8103111" cy="6858000"/>
-          </a:xfrm>
-          <a:prstGeom prst="rect">
-            <a:avLst/>
-          </a:prstGeom>
-        </p:spPr>
-      </p:pic>
-      <p:pic>
-        <p:nvPicPr>
-          <p:cNvPr id="7" name="Picture 6">
-            <a:extLst>
-              <a:ext uri="{FF2B5EF4-FFF2-40B4-BE49-F238E27FC236}">
-                <a16:creationId xmlns:a16="http://schemas.microsoft.com/office/drawing/2014/main" id="{A6A79083-8C69-42FF-8F03-3AA794A00F5D}"/>
-              </a:ext>
-            </a:extLst>
-          </p:cNvPr>
-          <p:cNvPicPr>
-            <a:picLocks noChangeAspect="1"/>
-          </p:cNvPicPr>
-          <p:nvPr/>
-        </p:nvPicPr>
-        <p:blipFill>
-          <a:blip r:embed="rId3">
-            <a:extLst>
-              <a:ext uri="{28A0092B-C50C-407E-A947-70E740481C1C}">
-                <a14:useLocalDpi xmlns:a14="http://schemas.microsoft.com/office/drawing/2010/main" val="0"/>
-              </a:ext>
-            </a:extLst>
-          </a:blip>
-          <a:stretch>
-            <a:fillRect/>
-          </a:stretch>
-        </p:blipFill>
-        <p:spPr>
-          <a:xfrm>
-            <a:off x="0" y="-1"/>
-            <a:ext cx="4088889" cy="6857999"/>
-          </a:xfrm>
-          <a:prstGeom prst="rect">
-            <a:avLst/>
-          </a:prstGeom>
-        </p:spPr>
-      </p:pic>
-      <p:sp>
-        <p:nvSpPr>
-          <p:cNvPr id="4" name="Rectangle 3">
-            <a:extLst>
-              <a:ext uri="{FF2B5EF4-FFF2-40B4-BE49-F238E27FC236}">
-                <a16:creationId xmlns:a16="http://schemas.microsoft.com/office/drawing/2014/main" id="{EA166BA9-897B-4FB9-90A0-4A2EC6862345}"/>
-              </a:ext>
-            </a:extLst>
-          </p:cNvPr>
-          <p:cNvSpPr/>
-          <p:nvPr/>
-        </p:nvSpPr>
-        <p:spPr>
-          <a:xfrm>
-            <a:off x="4514748" y="3138828"/>
-            <a:ext cx="7326060" cy="6042493"/>
-          </a:xfrm>
-          <a:prstGeom prst="rect">
-            <a:avLst/>
-          </a:prstGeom>
-        </p:spPr>
-        <p:txBody>
-          <a:bodyPr vert="horz" lIns="91440" tIns="45720" rIns="91440" bIns="45720" rtlCol="0" anchor="t">
-            <a:normAutofit/>
-          </a:bodyPr>
-          <a:lstStyle/>
-          <a:p>
-            <a:pPr>
-              <a:lnSpc>
-                <a:spcPct val="90000"/>
-              </a:lnSpc>
-              <a:spcBef>
-                <a:spcPct val="0"/>
-              </a:spcBef>
-              <a:spcAft>
-                <a:spcPts val="600"/>
-              </a:spcAft>
-            </a:pPr>
-            <a:r>
-              <a:rPr lang="en-US" sz="2000" i="1" u="sng" dirty="0"/>
-              <a:t>How does our proposed solution respond to the challenge statement?</a:t>
-            </a:r>
-          </a:p>
-          <a:p>
-            <a:pPr>
-              <a:lnSpc>
-                <a:spcPct val="90000"/>
-              </a:lnSpc>
-              <a:spcBef>
-                <a:spcPct val="0"/>
-              </a:spcBef>
-              <a:spcAft>
-                <a:spcPts val="600"/>
-              </a:spcAft>
-            </a:pPr>
-            <a:r>
-              <a:rPr lang="en-US" i="1" dirty="0"/>
-              <a:t> </a:t>
-            </a:r>
-            <a:endParaRPr lang="en-US" sz="4400" b="0" cap="none" spc="0" dirty="0">
-              <a:ln w="0"/>
-              <a:solidFill>
-                <a:srgbClr val="000000"/>
-              </a:solidFill>
-              <a:effectLst>
-                <a:outerShdw blurRad="38100" dist="19050" dir="2700000" algn="tl" rotWithShape="0">
-                  <a:schemeClr val="dk1">
-                    <a:alpha val="40000"/>
-                  </a:schemeClr>
-                </a:outerShdw>
-              </a:effectLst>
-              <a:latin typeface="+mj-lt"/>
-              <a:ea typeface="+mj-ea"/>
-              <a:cs typeface="+mj-cs"/>
-            </a:endParaRPr>
-          </a:p>
-          <a:p>
-            <a:pPr>
-              <a:lnSpc>
-                <a:spcPct val="90000"/>
-              </a:lnSpc>
-              <a:spcBef>
-                <a:spcPct val="0"/>
-              </a:spcBef>
-              <a:spcAft>
-                <a:spcPts val="600"/>
-              </a:spcAft>
-            </a:pPr>
-            <a:endParaRPr lang="en-US" sz="2800" dirty="0">
-              <a:ln w="0"/>
-              <a:solidFill>
-                <a:srgbClr val="000000"/>
-              </a:solidFill>
-              <a:effectLst>
-                <a:outerShdw blurRad="38100" dist="19050" dir="2700000" algn="tl" rotWithShape="0">
-                  <a:schemeClr val="dk1">
-                    <a:alpha val="40000"/>
-                  </a:schemeClr>
-                </a:outerShdw>
-              </a:effectLst>
-              <a:latin typeface="+mj-lt"/>
-              <a:ea typeface="+mj-ea"/>
-              <a:cs typeface="+mj-cs"/>
-            </a:endParaRPr>
-          </a:p>
-          <a:p>
-            <a:pPr>
-              <a:lnSpc>
-                <a:spcPct val="90000"/>
-              </a:lnSpc>
-              <a:spcBef>
-                <a:spcPct val="0"/>
-              </a:spcBef>
-              <a:spcAft>
-                <a:spcPts val="600"/>
-              </a:spcAft>
-            </a:pPr>
-            <a:endParaRPr lang="en-US" sz="4400" b="0" cap="none" spc="0" dirty="0">
-              <a:ln w="0"/>
-              <a:solidFill>
-                <a:srgbClr val="000000"/>
-              </a:solidFill>
-              <a:effectLst>
-                <a:outerShdw blurRad="38100" dist="19050" dir="2700000" algn="tl" rotWithShape="0">
-                  <a:schemeClr val="dk1">
-                    <a:alpha val="40000"/>
-                  </a:schemeClr>
-                </a:outerShdw>
-              </a:effectLst>
-              <a:latin typeface="+mj-lt"/>
-              <a:ea typeface="+mj-ea"/>
-              <a:cs typeface="+mj-cs"/>
-            </a:endParaRPr>
-          </a:p>
-        </p:txBody>
-      </p:sp>
-    </p:spTree>
-    <p:extLst>
-      <p:ext uri="{BB962C8B-B14F-4D97-AF65-F5344CB8AC3E}">
-        <p14:creationId xmlns:p14="http://schemas.microsoft.com/office/powerpoint/2010/main" val="2254807662"/>
-      </p:ext>
-    </p:extLst>
-  </p:cSld>
-  <p:clrMapOvr>
-    <a:masterClrMapping/>
-  </p:clrMapOvr>
-</p:sld>
-</file>
-
-<file path=ppt/slides/slide5.xml><?xml version="1.0" encoding="utf-8"?>
-<p:sld xmlns:a="http://schemas.openxmlformats.org/drawingml/2006/main" xmlns:r="http://schemas.openxmlformats.org/officeDocument/2006/relationships" xmlns:p="http://schemas.openxmlformats.org/presentationml/2006/main">
-  <p:cSld>
-    <p:spTree>
-      <p:nvGrpSpPr>
-        <p:cNvPr id="1" name=""/>
-        <p:cNvGrpSpPr/>
-        <p:nvPr/>
-      </p:nvGrpSpPr>
-      <p:grpSpPr>
-        <a:xfrm>
-          <a:off x="0" y="0"/>
-          <a:ext cx="0" cy="0"/>
-          <a:chOff x="0" y="0"/>
-          <a:chExt cx="0" cy="0"/>
-        </a:xfrm>
-      </p:grpSpPr>
-      <p:pic>
-        <p:nvPicPr>
-          <p:cNvPr id="5" name="Picture 4">
-            <a:extLst>
-              <a:ext uri="{FF2B5EF4-FFF2-40B4-BE49-F238E27FC236}">
-                <a16:creationId xmlns:a16="http://schemas.microsoft.com/office/drawing/2014/main" id="{04AEEED3-2570-4B00-9A78-7D97DF270627}"/>
-              </a:ext>
-            </a:extLst>
-          </p:cNvPr>
-          <p:cNvPicPr>
-            <a:picLocks noChangeAspect="1"/>
-          </p:cNvPicPr>
-          <p:nvPr/>
-        </p:nvPicPr>
-        <p:blipFill>
-          <a:blip r:embed="rId3">
-            <a:extLst>
-              <a:ext uri="{28A0092B-C50C-407E-A947-70E740481C1C}">
-                <a14:useLocalDpi xmlns:a14="http://schemas.microsoft.com/office/drawing/2010/main" val="0"/>
-              </a:ext>
-            </a:extLst>
-          </a:blip>
-          <a:stretch>
-            <a:fillRect/>
-          </a:stretch>
-        </p:blipFill>
-        <p:spPr>
-          <a:xfrm>
-            <a:off x="4088889" y="0"/>
-            <a:ext cx="8103111" cy="6858000"/>
-          </a:xfrm>
-          <a:prstGeom prst="rect">
-            <a:avLst/>
-          </a:prstGeom>
-        </p:spPr>
-      </p:pic>
-      <p:pic>
-        <p:nvPicPr>
-          <p:cNvPr id="7" name="Picture 6">
-            <a:extLst>
-              <a:ext uri="{FF2B5EF4-FFF2-40B4-BE49-F238E27FC236}">
-                <a16:creationId xmlns:a16="http://schemas.microsoft.com/office/drawing/2014/main" id="{A6A79083-8C69-42FF-8F03-3AA794A00F5D}"/>
-              </a:ext>
-            </a:extLst>
-          </p:cNvPr>
-          <p:cNvPicPr>
-            <a:picLocks noChangeAspect="1"/>
-          </p:cNvPicPr>
-          <p:nvPr/>
-        </p:nvPicPr>
-        <p:blipFill>
-          <a:blip r:embed="rId4">
-            <a:extLst>
-              <a:ext uri="{28A0092B-C50C-407E-A947-70E740481C1C}">
-                <a14:useLocalDpi xmlns:a14="http://schemas.microsoft.com/office/drawing/2010/main" val="0"/>
-              </a:ext>
-            </a:extLst>
-          </a:blip>
-          <a:stretch>
-            <a:fillRect/>
-          </a:stretch>
-        </p:blipFill>
-        <p:spPr>
-          <a:xfrm>
-            <a:off x="0" y="-1"/>
-            <a:ext cx="4088889" cy="6857999"/>
-          </a:xfrm>
-          <a:prstGeom prst="rect">
-            <a:avLst/>
-          </a:prstGeom>
-        </p:spPr>
-      </p:pic>
-      <p:sp>
-        <p:nvSpPr>
-          <p:cNvPr id="2" name="Rectangle 1">
-            <a:extLst>
-              <a:ext uri="{FF2B5EF4-FFF2-40B4-BE49-F238E27FC236}">
-                <a16:creationId xmlns:a16="http://schemas.microsoft.com/office/drawing/2014/main" id="{74C58203-793B-4E6D-938A-334F35970113}"/>
-              </a:ext>
-            </a:extLst>
-          </p:cNvPr>
-          <p:cNvSpPr/>
-          <p:nvPr/>
-        </p:nvSpPr>
-        <p:spPr>
-          <a:xfrm>
-            <a:off x="4438284" y="384355"/>
-            <a:ext cx="3539367" cy="341632"/>
-          </a:xfrm>
-          <a:prstGeom prst="rect">
-            <a:avLst/>
-          </a:prstGeom>
-        </p:spPr>
-        <p:txBody>
-          <a:bodyPr wrap="none">
-            <a:spAutoFit/>
-          </a:bodyPr>
-          <a:lstStyle/>
-          <a:p>
-            <a:pPr>
-              <a:lnSpc>
-                <a:spcPct val="90000"/>
-              </a:lnSpc>
-              <a:spcBef>
-                <a:spcPct val="0"/>
-              </a:spcBef>
-              <a:spcAft>
-                <a:spcPts val="600"/>
-              </a:spcAft>
-            </a:pPr>
-            <a:r>
-              <a:rPr lang="en-US" dirty="0">
-                <a:solidFill>
-                  <a:schemeClr val="bg1"/>
-                </a:solidFill>
-              </a:rPr>
-              <a:t>Motivational Visual Representation:</a:t>
-            </a:r>
-          </a:p>
-        </p:txBody>
-      </p:sp>
-      <p:sp>
-        <p:nvSpPr>
-          <p:cNvPr id="6" name="Rectangle 5">
-            <a:extLst>
-              <a:ext uri="{FF2B5EF4-FFF2-40B4-BE49-F238E27FC236}">
-                <a16:creationId xmlns:a16="http://schemas.microsoft.com/office/drawing/2014/main" id="{240D8D61-9C33-4C33-A762-90B1D9A476CB}"/>
-              </a:ext>
-            </a:extLst>
-          </p:cNvPr>
-          <p:cNvSpPr/>
-          <p:nvPr/>
-        </p:nvSpPr>
-        <p:spPr>
-          <a:xfrm>
-            <a:off x="4440083" y="1039441"/>
-            <a:ext cx="7326060" cy="6042493"/>
-          </a:xfrm>
-          <a:prstGeom prst="rect">
-            <a:avLst/>
-          </a:prstGeom>
-        </p:spPr>
-        <p:txBody>
-          <a:bodyPr vert="horz" lIns="91440" tIns="45720" rIns="91440" bIns="45720" rtlCol="0" anchor="t">
-            <a:normAutofit/>
-          </a:bodyPr>
-          <a:lstStyle/>
-          <a:p>
-            <a:pPr marL="342900" indent="-342900">
-              <a:lnSpc>
-                <a:spcPct val="90000"/>
-              </a:lnSpc>
-              <a:spcBef>
-                <a:spcPct val="0"/>
-              </a:spcBef>
-              <a:spcAft>
-                <a:spcPts val="600"/>
-              </a:spcAft>
-              <a:buFont typeface="Arial" panose="020B0604020202020204" pitchFamily="34" charset="0"/>
-              <a:buChar char="•"/>
-            </a:pPr>
-            <a:r>
-              <a:rPr lang="en-US" sz="2400" dirty="0">
-                <a:ln w="0"/>
-                <a:solidFill>
-                  <a:srgbClr val="000000"/>
-                </a:solidFill>
-                <a:effectLst>
-                  <a:outerShdw blurRad="38100" dist="19050" dir="2700000" algn="tl" rotWithShape="0">
-                    <a:schemeClr val="dk1">
-                      <a:alpha val="40000"/>
-                    </a:schemeClr>
-                  </a:outerShdw>
-                </a:effectLst>
-              </a:rPr>
-              <a:t>Balance Summary </a:t>
-            </a:r>
-          </a:p>
-          <a:p>
-            <a:pPr marL="342900" indent="-342900">
-              <a:lnSpc>
-                <a:spcPct val="90000"/>
-              </a:lnSpc>
-              <a:spcBef>
-                <a:spcPct val="0"/>
-              </a:spcBef>
-              <a:spcAft>
-                <a:spcPts val="600"/>
-              </a:spcAft>
-              <a:buFont typeface="Arial" panose="020B0604020202020204" pitchFamily="34" charset="0"/>
-              <a:buChar char="•"/>
-            </a:pPr>
-            <a:endParaRPr lang="en-US" sz="2400" dirty="0">
-              <a:ln w="0"/>
-              <a:solidFill>
-                <a:srgbClr val="000000"/>
-              </a:solidFill>
-              <a:effectLst>
-                <a:outerShdw blurRad="38100" dist="19050" dir="2700000" algn="tl" rotWithShape="0">
-                  <a:schemeClr val="dk1">
-                    <a:alpha val="40000"/>
-                  </a:schemeClr>
-                </a:outerShdw>
-              </a:effectLst>
-            </a:endParaRPr>
-          </a:p>
-          <a:p>
-            <a:pPr marL="342900" indent="-342900">
-              <a:lnSpc>
-                <a:spcPct val="90000"/>
-              </a:lnSpc>
-              <a:spcBef>
-                <a:spcPct val="0"/>
-              </a:spcBef>
-              <a:spcAft>
-                <a:spcPts val="600"/>
-              </a:spcAft>
-              <a:buFont typeface="Arial" panose="020B0604020202020204" pitchFamily="34" charset="0"/>
-              <a:buChar char="•"/>
-            </a:pPr>
-            <a:endParaRPr lang="en-US" sz="2400" dirty="0">
-              <a:ln w="0"/>
-              <a:solidFill>
-                <a:srgbClr val="000000"/>
-              </a:solidFill>
-              <a:effectLst>
-                <a:outerShdw blurRad="38100" dist="19050" dir="2700000" algn="tl" rotWithShape="0">
-                  <a:schemeClr val="dk1">
-                    <a:alpha val="40000"/>
-                  </a:schemeClr>
-                </a:outerShdw>
-              </a:effectLst>
-            </a:endParaRPr>
-          </a:p>
-          <a:p>
-            <a:pPr>
-              <a:lnSpc>
-                <a:spcPct val="90000"/>
-              </a:lnSpc>
-              <a:spcBef>
-                <a:spcPct val="0"/>
-              </a:spcBef>
-              <a:spcAft>
-                <a:spcPts val="600"/>
-              </a:spcAft>
-            </a:pPr>
-            <a:endParaRPr lang="en-US" sz="2400" dirty="0">
-              <a:ln w="0"/>
-              <a:solidFill>
-                <a:srgbClr val="000000"/>
-              </a:solidFill>
-              <a:effectLst>
-                <a:outerShdw blurRad="38100" dist="19050" dir="2700000" algn="tl" rotWithShape="0">
-                  <a:schemeClr val="dk1">
-                    <a:alpha val="40000"/>
-                  </a:schemeClr>
-                </a:outerShdw>
-              </a:effectLst>
-            </a:endParaRPr>
-          </a:p>
-          <a:p>
-            <a:pPr marL="342900" indent="-342900">
-              <a:lnSpc>
-                <a:spcPct val="90000"/>
-              </a:lnSpc>
-              <a:spcBef>
-                <a:spcPct val="0"/>
-              </a:spcBef>
-              <a:spcAft>
-                <a:spcPts val="600"/>
-              </a:spcAft>
-              <a:buFont typeface="Arial" panose="020B0604020202020204" pitchFamily="34" charset="0"/>
-              <a:buChar char="•"/>
-            </a:pPr>
-            <a:r>
-              <a:rPr lang="en-US" sz="2400" dirty="0">
-                <a:ln w="0"/>
-                <a:solidFill>
-                  <a:srgbClr val="000000"/>
-                </a:solidFill>
-                <a:effectLst>
-                  <a:outerShdw blurRad="38100" dist="19050" dir="2700000" algn="tl" rotWithShape="0">
-                    <a:schemeClr val="dk1">
-                      <a:alpha val="40000"/>
-                    </a:schemeClr>
-                  </a:outerShdw>
-                </a:effectLst>
-              </a:rPr>
-              <a:t>Different Goal Steps  ---  Motivational Tiers</a:t>
-            </a:r>
-          </a:p>
-          <a:p>
-            <a:pPr>
-              <a:lnSpc>
-                <a:spcPct val="90000"/>
-              </a:lnSpc>
-              <a:spcBef>
-                <a:spcPct val="0"/>
-              </a:spcBef>
-              <a:spcAft>
-                <a:spcPts val="600"/>
-              </a:spcAft>
-            </a:pPr>
-            <a:endParaRPr lang="en-US" sz="2400" dirty="0">
-              <a:ln w="0"/>
-              <a:solidFill>
-                <a:srgbClr val="000000"/>
-              </a:solidFill>
-              <a:effectLst>
-                <a:outerShdw blurRad="38100" dist="19050" dir="2700000" algn="tl" rotWithShape="0">
-                  <a:schemeClr val="dk1">
-                    <a:alpha val="40000"/>
-                  </a:schemeClr>
-                </a:outerShdw>
-              </a:effectLst>
-            </a:endParaRPr>
-          </a:p>
-          <a:p>
-            <a:pPr marL="342900" indent="-342900">
-              <a:lnSpc>
-                <a:spcPct val="90000"/>
-              </a:lnSpc>
-              <a:spcBef>
-                <a:spcPct val="0"/>
-              </a:spcBef>
-              <a:spcAft>
-                <a:spcPts val="600"/>
-              </a:spcAft>
-              <a:buFont typeface="Arial" panose="020B0604020202020204" pitchFamily="34" charset="0"/>
-              <a:buChar char="•"/>
-            </a:pPr>
-            <a:endParaRPr lang="en-US" sz="2400" dirty="0">
-              <a:ln w="0"/>
-              <a:solidFill>
-                <a:srgbClr val="000000"/>
-              </a:solidFill>
-              <a:effectLst>
-                <a:outerShdw blurRad="38100" dist="19050" dir="2700000" algn="tl" rotWithShape="0">
-                  <a:schemeClr val="dk1">
-                    <a:alpha val="40000"/>
-                  </a:schemeClr>
-                </a:outerShdw>
-              </a:effectLst>
-            </a:endParaRPr>
-          </a:p>
-          <a:p>
-            <a:pPr marL="342900" indent="-342900">
-              <a:lnSpc>
-                <a:spcPct val="90000"/>
-              </a:lnSpc>
-              <a:spcBef>
-                <a:spcPct val="0"/>
-              </a:spcBef>
-              <a:spcAft>
-                <a:spcPts val="600"/>
-              </a:spcAft>
-              <a:buFont typeface="Arial" panose="020B0604020202020204" pitchFamily="34" charset="0"/>
-              <a:buChar char="•"/>
-            </a:pPr>
-            <a:endParaRPr lang="en-US" sz="2400" dirty="0">
-              <a:ln w="0"/>
-              <a:solidFill>
-                <a:srgbClr val="000000"/>
-              </a:solidFill>
-              <a:effectLst>
-                <a:outerShdw blurRad="38100" dist="19050" dir="2700000" algn="tl" rotWithShape="0">
-                  <a:schemeClr val="dk1">
-                    <a:alpha val="40000"/>
-                  </a:schemeClr>
-                </a:outerShdw>
-              </a:effectLst>
-            </a:endParaRPr>
-          </a:p>
-          <a:p>
-            <a:pPr marL="342900" indent="-342900">
-              <a:lnSpc>
-                <a:spcPct val="90000"/>
-              </a:lnSpc>
-              <a:spcBef>
-                <a:spcPct val="0"/>
-              </a:spcBef>
-              <a:spcAft>
-                <a:spcPts val="600"/>
-              </a:spcAft>
-              <a:buFont typeface="Arial" panose="020B0604020202020204" pitchFamily="34" charset="0"/>
-              <a:buChar char="•"/>
-            </a:pPr>
-            <a:endParaRPr lang="en-US" sz="2400" dirty="0">
-              <a:ln w="0"/>
-              <a:solidFill>
-                <a:srgbClr val="000000"/>
-              </a:solidFill>
-              <a:effectLst>
-                <a:outerShdw blurRad="38100" dist="19050" dir="2700000" algn="tl" rotWithShape="0">
-                  <a:schemeClr val="dk1">
-                    <a:alpha val="40000"/>
-                  </a:schemeClr>
-                </a:outerShdw>
-              </a:effectLst>
-            </a:endParaRPr>
-          </a:p>
-          <a:p>
-            <a:pPr marL="342900" indent="-342900">
-              <a:lnSpc>
-                <a:spcPct val="90000"/>
-              </a:lnSpc>
-              <a:spcBef>
-                <a:spcPct val="0"/>
-              </a:spcBef>
-              <a:spcAft>
-                <a:spcPts val="600"/>
-              </a:spcAft>
-              <a:buFont typeface="Arial" panose="020B0604020202020204" pitchFamily="34" charset="0"/>
-              <a:buChar char="•"/>
-            </a:pPr>
-            <a:endParaRPr lang="en-US" sz="2400" dirty="0">
-              <a:ln w="0"/>
-              <a:solidFill>
-                <a:srgbClr val="000000"/>
-              </a:solidFill>
-              <a:effectLst>
-                <a:outerShdw blurRad="38100" dist="19050" dir="2700000" algn="tl" rotWithShape="0">
-                  <a:schemeClr val="dk1">
-                    <a:alpha val="40000"/>
-                  </a:schemeClr>
-                </a:outerShdw>
-              </a:effectLst>
-            </a:endParaRPr>
-          </a:p>
-          <a:p>
-            <a:pPr marL="342900" indent="-342900">
-              <a:lnSpc>
-                <a:spcPct val="90000"/>
-              </a:lnSpc>
-              <a:spcBef>
-                <a:spcPct val="0"/>
-              </a:spcBef>
-              <a:spcAft>
-                <a:spcPts val="600"/>
-              </a:spcAft>
-              <a:buFont typeface="Arial" panose="020B0604020202020204" pitchFamily="34" charset="0"/>
-              <a:buChar char="•"/>
-            </a:pPr>
-            <a:endParaRPr lang="en-US" sz="2400" dirty="0">
-              <a:ln w="0"/>
-              <a:solidFill>
-                <a:srgbClr val="000000"/>
-              </a:solidFill>
-              <a:effectLst>
-                <a:outerShdw blurRad="38100" dist="19050" dir="2700000" algn="tl" rotWithShape="0">
-                  <a:schemeClr val="dk1">
-                    <a:alpha val="40000"/>
-                  </a:schemeClr>
-                </a:outerShdw>
-              </a:effectLst>
-            </a:endParaRPr>
-          </a:p>
-          <a:p>
-            <a:pPr marL="342900" indent="-342900">
-              <a:lnSpc>
-                <a:spcPct val="90000"/>
-              </a:lnSpc>
-              <a:spcBef>
-                <a:spcPct val="0"/>
-              </a:spcBef>
-              <a:spcAft>
-                <a:spcPts val="600"/>
-              </a:spcAft>
-              <a:buFont typeface="Arial" panose="020B0604020202020204" pitchFamily="34" charset="0"/>
-              <a:buChar char="•"/>
-            </a:pPr>
-            <a:r>
-              <a:rPr lang="en-US" sz="2400" dirty="0">
-                <a:ln w="0"/>
-                <a:solidFill>
-                  <a:srgbClr val="000000"/>
-                </a:solidFill>
-                <a:effectLst>
-                  <a:outerShdw blurRad="38100" dist="19050" dir="2700000" algn="tl" rotWithShape="0">
-                    <a:schemeClr val="dk1">
-                      <a:alpha val="40000"/>
-                    </a:schemeClr>
-                  </a:outerShdw>
-                </a:effectLst>
-              </a:rPr>
-              <a:t>One More payment until you are </a:t>
-            </a:r>
-            <a:r>
-              <a:rPr lang="en-US" sz="2400" dirty="0">
-                <a:ln w="0"/>
-                <a:solidFill>
-                  <a:srgbClr val="FF0000"/>
-                </a:solidFill>
-                <a:effectLst>
-                  <a:outerShdw blurRad="38100" dist="19050" dir="2700000" algn="tl" rotWithShape="0">
-                    <a:schemeClr val="dk1">
-                      <a:alpha val="40000"/>
-                    </a:schemeClr>
-                  </a:outerShdw>
-                </a:effectLst>
-              </a:rPr>
-              <a:t>25%</a:t>
-            </a:r>
-            <a:r>
-              <a:rPr lang="en-US" sz="2400" dirty="0">
-                <a:ln w="0"/>
-                <a:solidFill>
-                  <a:srgbClr val="000000"/>
-                </a:solidFill>
-                <a:effectLst>
-                  <a:outerShdw blurRad="38100" dist="19050" dir="2700000" algn="tl" rotWithShape="0">
-                    <a:schemeClr val="dk1">
-                      <a:alpha val="40000"/>
-                    </a:schemeClr>
-                  </a:outerShdw>
-                </a:effectLst>
-              </a:rPr>
-              <a:t>, </a:t>
-            </a:r>
-            <a:r>
-              <a:rPr lang="en-US" sz="2400" dirty="0">
-                <a:ln w="0"/>
-                <a:solidFill>
-                  <a:srgbClr val="FF0000"/>
-                </a:solidFill>
-                <a:effectLst>
-                  <a:outerShdw blurRad="38100" dist="19050" dir="2700000" algn="tl" rotWithShape="0">
-                    <a:schemeClr val="dk1">
-                      <a:alpha val="40000"/>
-                    </a:schemeClr>
-                  </a:outerShdw>
-                </a:effectLst>
-              </a:rPr>
-              <a:t>50%</a:t>
-            </a:r>
-            <a:r>
-              <a:rPr lang="en-US" sz="2400" dirty="0">
-                <a:ln w="0"/>
-                <a:solidFill>
-                  <a:srgbClr val="000000"/>
-                </a:solidFill>
-                <a:effectLst>
-                  <a:outerShdw blurRad="38100" dist="19050" dir="2700000" algn="tl" rotWithShape="0">
-                    <a:schemeClr val="dk1">
-                      <a:alpha val="40000"/>
-                    </a:schemeClr>
-                  </a:outerShdw>
-                </a:effectLst>
-              </a:rPr>
-              <a:t>, </a:t>
-            </a:r>
-            <a:r>
-              <a:rPr lang="en-US" sz="2400" dirty="0">
-                <a:ln w="0"/>
-                <a:solidFill>
-                  <a:srgbClr val="FF0000"/>
-                </a:solidFill>
-                <a:effectLst>
-                  <a:outerShdw blurRad="38100" dist="19050" dir="2700000" algn="tl" rotWithShape="0">
-                    <a:schemeClr val="dk1">
-                      <a:alpha val="40000"/>
-                    </a:schemeClr>
-                  </a:outerShdw>
-                </a:effectLst>
-              </a:rPr>
-              <a:t>75%</a:t>
-            </a:r>
-          </a:p>
-          <a:p>
-            <a:pPr>
-              <a:lnSpc>
-                <a:spcPct val="90000"/>
-              </a:lnSpc>
-              <a:spcBef>
-                <a:spcPct val="0"/>
-              </a:spcBef>
-              <a:spcAft>
-                <a:spcPts val="600"/>
-              </a:spcAft>
-            </a:pPr>
-            <a:r>
-              <a:rPr lang="en-US" sz="2400" dirty="0">
-                <a:ln w="0"/>
-                <a:solidFill>
-                  <a:srgbClr val="000000"/>
-                </a:solidFill>
-                <a:effectLst>
-                  <a:outerShdw blurRad="38100" dist="19050" dir="2700000" algn="tl" rotWithShape="0">
-                    <a:schemeClr val="dk1">
-                      <a:alpha val="40000"/>
-                    </a:schemeClr>
-                  </a:outerShdw>
-                </a:effectLst>
-              </a:rPr>
-              <a:t>     of your goal</a:t>
-            </a:r>
-          </a:p>
-          <a:p>
-            <a:pPr>
-              <a:lnSpc>
-                <a:spcPct val="90000"/>
-              </a:lnSpc>
-              <a:spcBef>
-                <a:spcPct val="0"/>
-              </a:spcBef>
-              <a:spcAft>
-                <a:spcPts val="600"/>
-              </a:spcAft>
-            </a:pPr>
-            <a:endParaRPr lang="en-US" sz="2400" dirty="0">
-              <a:ln w="0"/>
-              <a:solidFill>
-                <a:srgbClr val="000000"/>
-              </a:solidFill>
-              <a:effectLst>
-                <a:outerShdw blurRad="38100" dist="19050" dir="2700000" algn="tl" rotWithShape="0">
-                  <a:schemeClr val="dk1">
-                    <a:alpha val="40000"/>
-                  </a:schemeClr>
-                </a:outerShdw>
-              </a:effectLst>
-            </a:endParaRPr>
-          </a:p>
-          <a:p>
-            <a:pPr>
-              <a:lnSpc>
-                <a:spcPct val="90000"/>
-              </a:lnSpc>
-              <a:spcBef>
-                <a:spcPct val="0"/>
-              </a:spcBef>
-              <a:spcAft>
-                <a:spcPts val="600"/>
-              </a:spcAft>
-            </a:pPr>
-            <a:endParaRPr lang="en-US" sz="2400" dirty="0">
-              <a:ln w="0"/>
-              <a:solidFill>
-                <a:srgbClr val="000000"/>
-              </a:solidFill>
-              <a:effectLst>
-                <a:outerShdw blurRad="38100" dist="19050" dir="2700000" algn="tl" rotWithShape="0">
-                  <a:schemeClr val="dk1">
-                    <a:alpha val="40000"/>
-                  </a:schemeClr>
-                </a:outerShdw>
-              </a:effectLst>
-            </a:endParaRPr>
-          </a:p>
-          <a:p>
-            <a:pPr marL="342900" indent="-342900">
-              <a:lnSpc>
-                <a:spcPct val="90000"/>
-              </a:lnSpc>
-              <a:spcBef>
-                <a:spcPct val="0"/>
-              </a:spcBef>
-              <a:spcAft>
-                <a:spcPts val="600"/>
-              </a:spcAft>
-              <a:buFont typeface="Arial" panose="020B0604020202020204" pitchFamily="34" charset="0"/>
-              <a:buChar char="•"/>
-            </a:pPr>
-            <a:endParaRPr lang="en-US" sz="2400" dirty="0">
-              <a:ln w="0"/>
-              <a:solidFill>
-                <a:srgbClr val="000000"/>
-              </a:solidFill>
-              <a:effectLst>
-                <a:outerShdw blurRad="38100" dist="19050" dir="2700000" algn="tl" rotWithShape="0">
-                  <a:schemeClr val="dk1">
-                    <a:alpha val="40000"/>
-                  </a:schemeClr>
-                </a:outerShdw>
-              </a:effectLst>
-            </a:endParaRPr>
-          </a:p>
-          <a:p>
-            <a:pPr>
-              <a:lnSpc>
-                <a:spcPct val="90000"/>
-              </a:lnSpc>
-              <a:spcBef>
-                <a:spcPct val="0"/>
-              </a:spcBef>
-              <a:spcAft>
-                <a:spcPts val="600"/>
-              </a:spcAft>
-            </a:pPr>
-            <a:endParaRPr lang="en-US" sz="4400" b="0" cap="none" spc="0" dirty="0">
-              <a:ln w="0"/>
-              <a:solidFill>
-                <a:srgbClr val="000000"/>
-              </a:solidFill>
-              <a:effectLst>
-                <a:outerShdw blurRad="38100" dist="19050" dir="2700000" algn="tl" rotWithShape="0">
-                  <a:schemeClr val="dk1">
-                    <a:alpha val="40000"/>
-                  </a:schemeClr>
-                </a:outerShdw>
-              </a:effectLst>
-              <a:latin typeface="+mj-lt"/>
-              <a:ea typeface="+mj-ea"/>
-              <a:cs typeface="+mj-cs"/>
-            </a:endParaRPr>
-          </a:p>
-          <a:p>
-            <a:pPr>
-              <a:lnSpc>
-                <a:spcPct val="90000"/>
-              </a:lnSpc>
-              <a:spcBef>
-                <a:spcPct val="0"/>
-              </a:spcBef>
-              <a:spcAft>
-                <a:spcPts val="600"/>
-              </a:spcAft>
-            </a:pPr>
-            <a:endParaRPr lang="en-US" sz="4400" dirty="0">
-              <a:ln w="0"/>
-              <a:solidFill>
-                <a:srgbClr val="000000"/>
-              </a:solidFill>
-              <a:effectLst>
-                <a:outerShdw blurRad="38100" dist="19050" dir="2700000" algn="tl" rotWithShape="0">
-                  <a:schemeClr val="dk1">
-                    <a:alpha val="40000"/>
-                  </a:schemeClr>
-                </a:outerShdw>
-              </a:effectLst>
-              <a:latin typeface="+mj-lt"/>
-              <a:ea typeface="+mj-ea"/>
-              <a:cs typeface="+mj-cs"/>
-            </a:endParaRPr>
-          </a:p>
-          <a:p>
-            <a:pPr>
-              <a:lnSpc>
-                <a:spcPct val="90000"/>
-              </a:lnSpc>
-              <a:spcBef>
-                <a:spcPct val="0"/>
-              </a:spcBef>
-              <a:spcAft>
-                <a:spcPts val="600"/>
-              </a:spcAft>
-            </a:pPr>
-            <a:endParaRPr lang="en-US" sz="4400" b="0" cap="none" spc="0" dirty="0">
-              <a:ln w="0"/>
-              <a:solidFill>
-                <a:srgbClr val="000000"/>
-              </a:solidFill>
-              <a:effectLst>
-                <a:outerShdw blurRad="38100" dist="19050" dir="2700000" algn="tl" rotWithShape="0">
-                  <a:schemeClr val="dk1">
-                    <a:alpha val="40000"/>
-                  </a:schemeClr>
-                </a:outerShdw>
-              </a:effectLst>
-              <a:latin typeface="+mj-lt"/>
-              <a:ea typeface="+mj-ea"/>
-              <a:cs typeface="+mj-cs"/>
-            </a:endParaRPr>
-          </a:p>
-        </p:txBody>
-      </p:sp>
-    </p:spTree>
-    <p:extLst>
-      <p:ext uri="{BB962C8B-B14F-4D97-AF65-F5344CB8AC3E}">
-        <p14:creationId xmlns:p14="http://schemas.microsoft.com/office/powerpoint/2010/main" val="4251520028"/>
-      </p:ext>
-    </p:extLst>
-  </p:cSld>
-  <p:clrMapOvr>
-    <a:masterClrMapping/>
-  </p:clrMapOvr>
-</p:sld>
-</file>
-
-<file path=ppt/slides/slide6.xml><?xml version="1.0" encoding="utf-8"?>
-<p:sld xmlns:a="http://schemas.openxmlformats.org/drawingml/2006/main" xmlns:r="http://schemas.openxmlformats.org/officeDocument/2006/relationships" xmlns:p="http://schemas.openxmlformats.org/presentationml/2006/main">
-  <p:cSld>
-    <p:spTree>
-      <p:nvGrpSpPr>
-        <p:cNvPr id="1" name=""/>
-        <p:cNvGrpSpPr/>
-        <p:nvPr/>
-      </p:nvGrpSpPr>
-      <p:grpSpPr>
-        <a:xfrm>
-          <a:off x="0" y="0"/>
-          <a:ext cx="0" cy="0"/>
-          <a:chOff x="0" y="0"/>
-          <a:chExt cx="0" cy="0"/>
-        </a:xfrm>
-      </p:grpSpPr>
-      <p:pic>
-        <p:nvPicPr>
-          <p:cNvPr id="5" name="Picture 4">
-            <a:extLst>
-              <a:ext uri="{FF2B5EF4-FFF2-40B4-BE49-F238E27FC236}">
-                <a16:creationId xmlns:a16="http://schemas.microsoft.com/office/drawing/2014/main" id="{04AEEED3-2570-4B00-9A78-7D97DF270627}"/>
-              </a:ext>
-            </a:extLst>
-          </p:cNvPr>
-          <p:cNvPicPr>
-            <a:picLocks noChangeAspect="1"/>
-          </p:cNvPicPr>
-          <p:nvPr/>
-        </p:nvPicPr>
-        <p:blipFill>
-          <a:blip r:embed="rId3">
-            <a:extLst>
-              <a:ext uri="{28A0092B-C50C-407E-A947-70E740481C1C}">
-                <a14:useLocalDpi xmlns:a14="http://schemas.microsoft.com/office/drawing/2010/main" val="0"/>
-              </a:ext>
-            </a:extLst>
-          </a:blip>
-          <a:stretch>
-            <a:fillRect/>
-          </a:stretch>
-        </p:blipFill>
-        <p:spPr>
-          <a:xfrm>
-            <a:off x="4088889" y="0"/>
-            <a:ext cx="8103111" cy="6858000"/>
-          </a:xfrm>
-          <a:prstGeom prst="rect">
-            <a:avLst/>
-          </a:prstGeom>
-        </p:spPr>
-      </p:pic>
-      <p:pic>
-        <p:nvPicPr>
-          <p:cNvPr id="7" name="Picture 6">
-            <a:extLst>
-              <a:ext uri="{FF2B5EF4-FFF2-40B4-BE49-F238E27FC236}">
-                <a16:creationId xmlns:a16="http://schemas.microsoft.com/office/drawing/2014/main" id="{A6A79083-8C69-42FF-8F03-3AA794A00F5D}"/>
-              </a:ext>
-            </a:extLst>
-          </p:cNvPr>
-          <p:cNvPicPr>
-            <a:picLocks noChangeAspect="1"/>
-          </p:cNvPicPr>
-          <p:nvPr/>
-        </p:nvPicPr>
-        <p:blipFill>
-          <a:blip r:embed="rId4">
-            <a:extLst>
-              <a:ext uri="{28A0092B-C50C-407E-A947-70E740481C1C}">
-                <a14:useLocalDpi xmlns:a14="http://schemas.microsoft.com/office/drawing/2010/main" val="0"/>
-              </a:ext>
-            </a:extLst>
-          </a:blip>
-          <a:stretch>
-            <a:fillRect/>
-          </a:stretch>
-        </p:blipFill>
-        <p:spPr>
-          <a:xfrm>
-            <a:off x="0" y="-1"/>
-            <a:ext cx="4088889" cy="6857999"/>
-          </a:xfrm>
-          <a:prstGeom prst="rect">
-            <a:avLst/>
-          </a:prstGeom>
-        </p:spPr>
-      </p:pic>
-      <p:sp>
-        <p:nvSpPr>
-          <p:cNvPr id="2" name="Rectangle 1">
-            <a:extLst>
-              <a:ext uri="{FF2B5EF4-FFF2-40B4-BE49-F238E27FC236}">
-                <a16:creationId xmlns:a16="http://schemas.microsoft.com/office/drawing/2014/main" id="{74C58203-793B-4E6D-938A-334F35970113}"/>
-              </a:ext>
-            </a:extLst>
-          </p:cNvPr>
-          <p:cNvSpPr/>
-          <p:nvPr/>
-        </p:nvSpPr>
-        <p:spPr>
-          <a:xfrm>
-            <a:off x="4438284" y="384355"/>
-            <a:ext cx="3539367" cy="341632"/>
-          </a:xfrm>
-          <a:prstGeom prst="rect">
-            <a:avLst/>
-          </a:prstGeom>
-        </p:spPr>
-        <p:txBody>
-          <a:bodyPr wrap="none">
-            <a:spAutoFit/>
-          </a:bodyPr>
-          <a:lstStyle/>
-          <a:p>
-            <a:pPr>
-              <a:lnSpc>
-                <a:spcPct val="90000"/>
-              </a:lnSpc>
-              <a:spcBef>
-                <a:spcPct val="0"/>
-              </a:spcBef>
-              <a:spcAft>
-                <a:spcPts val="600"/>
-              </a:spcAft>
-            </a:pPr>
-            <a:r>
-              <a:rPr lang="en-US" dirty="0">
-                <a:solidFill>
-                  <a:schemeClr val="bg1"/>
-                </a:solidFill>
-              </a:rPr>
-              <a:t>Motivational Visual Representation:</a:t>
-            </a:r>
-          </a:p>
-        </p:txBody>
-      </p:sp>
-      <p:sp>
-        <p:nvSpPr>
-          <p:cNvPr id="6" name="Rectangle 5">
-            <a:extLst>
-              <a:ext uri="{FF2B5EF4-FFF2-40B4-BE49-F238E27FC236}">
-                <a16:creationId xmlns:a16="http://schemas.microsoft.com/office/drawing/2014/main" id="{240D8D61-9C33-4C33-A762-90B1D9A476CB}"/>
-              </a:ext>
-            </a:extLst>
-          </p:cNvPr>
-          <p:cNvSpPr/>
-          <p:nvPr/>
-        </p:nvSpPr>
-        <p:spPr>
-          <a:xfrm>
-            <a:off x="4475789" y="555171"/>
-            <a:ext cx="7326060" cy="6042493"/>
-          </a:xfrm>
-          <a:prstGeom prst="rect">
-            <a:avLst/>
-          </a:prstGeom>
-        </p:spPr>
-        <p:txBody>
-          <a:bodyPr vert="horz" lIns="91440" tIns="45720" rIns="91440" bIns="45720" rtlCol="0" anchor="t">
-            <a:normAutofit/>
-          </a:bodyPr>
-          <a:lstStyle/>
-          <a:p>
-            <a:pPr>
-              <a:lnSpc>
-                <a:spcPct val="90000"/>
-              </a:lnSpc>
-              <a:spcBef>
-                <a:spcPct val="0"/>
-              </a:spcBef>
-              <a:spcAft>
-                <a:spcPts val="600"/>
-              </a:spcAft>
-            </a:pPr>
-            <a:endParaRPr lang="en-US" sz="2400" dirty="0">
-              <a:ln w="0"/>
-              <a:solidFill>
-                <a:srgbClr val="000000"/>
-              </a:solidFill>
-              <a:effectLst>
-                <a:outerShdw blurRad="38100" dist="19050" dir="2700000" algn="tl" rotWithShape="0">
-                  <a:schemeClr val="dk1">
-                    <a:alpha val="40000"/>
-                  </a:schemeClr>
-                </a:outerShdw>
-              </a:effectLst>
-            </a:endParaRPr>
-          </a:p>
-          <a:p>
-            <a:pPr marL="342900" indent="-342900">
-              <a:lnSpc>
-                <a:spcPct val="90000"/>
-              </a:lnSpc>
-              <a:spcBef>
-                <a:spcPct val="0"/>
-              </a:spcBef>
-              <a:spcAft>
-                <a:spcPts val="600"/>
-              </a:spcAft>
-              <a:buFont typeface="Arial" panose="020B0604020202020204" pitchFamily="34" charset="0"/>
-              <a:buChar char="•"/>
-            </a:pPr>
-            <a:r>
-              <a:rPr lang="en-US" sz="2400" dirty="0">
-                <a:ln w="0"/>
-                <a:solidFill>
-                  <a:srgbClr val="000000"/>
-                </a:solidFill>
-                <a:effectLst>
-                  <a:outerShdw blurRad="38100" dist="19050" dir="2700000" algn="tl" rotWithShape="0">
-                    <a:schemeClr val="dk1">
-                      <a:alpha val="40000"/>
-                    </a:schemeClr>
-                  </a:outerShdw>
-                </a:effectLst>
-              </a:rPr>
-              <a:t>See how your Credit Score has risen</a:t>
-            </a:r>
-          </a:p>
-          <a:p>
-            <a:pPr marL="342900" indent="-342900">
-              <a:lnSpc>
-                <a:spcPct val="90000"/>
-              </a:lnSpc>
-              <a:spcBef>
-                <a:spcPct val="0"/>
-              </a:spcBef>
-              <a:spcAft>
-                <a:spcPts val="600"/>
-              </a:spcAft>
-              <a:buFont typeface="Arial" panose="020B0604020202020204" pitchFamily="34" charset="0"/>
-              <a:buChar char="•"/>
-            </a:pPr>
-            <a:endParaRPr lang="en-US" sz="2400" dirty="0">
-              <a:ln w="0"/>
-              <a:solidFill>
-                <a:srgbClr val="000000"/>
-              </a:solidFill>
-              <a:effectLst>
-                <a:outerShdw blurRad="38100" dist="19050" dir="2700000" algn="tl" rotWithShape="0">
-                  <a:schemeClr val="dk1">
-                    <a:alpha val="40000"/>
-                  </a:schemeClr>
-                </a:outerShdw>
-              </a:effectLst>
-            </a:endParaRPr>
-          </a:p>
-          <a:p>
-            <a:pPr marL="342900" indent="-342900">
-              <a:lnSpc>
-                <a:spcPct val="90000"/>
-              </a:lnSpc>
-              <a:spcBef>
-                <a:spcPct val="0"/>
-              </a:spcBef>
-              <a:spcAft>
-                <a:spcPts val="600"/>
-              </a:spcAft>
-              <a:buFont typeface="Arial" panose="020B0604020202020204" pitchFamily="34" charset="0"/>
-              <a:buChar char="•"/>
-            </a:pPr>
-            <a:endParaRPr lang="en-US" sz="2400" dirty="0">
-              <a:ln w="0"/>
-              <a:solidFill>
-                <a:srgbClr val="000000"/>
-              </a:solidFill>
-              <a:effectLst>
-                <a:outerShdw blurRad="38100" dist="19050" dir="2700000" algn="tl" rotWithShape="0">
-                  <a:schemeClr val="dk1">
-                    <a:alpha val="40000"/>
-                  </a:schemeClr>
-                </a:outerShdw>
-              </a:effectLst>
-            </a:endParaRPr>
-          </a:p>
-          <a:p>
-            <a:pPr marL="342900" indent="-342900">
-              <a:lnSpc>
-                <a:spcPct val="90000"/>
-              </a:lnSpc>
-              <a:spcBef>
-                <a:spcPct val="0"/>
-              </a:spcBef>
-              <a:spcAft>
-                <a:spcPts val="600"/>
-              </a:spcAft>
-              <a:buFont typeface="Arial" panose="020B0604020202020204" pitchFamily="34" charset="0"/>
-              <a:buChar char="•"/>
-            </a:pPr>
-            <a:endParaRPr lang="en-US" sz="2400" dirty="0">
-              <a:ln w="0"/>
-              <a:solidFill>
-                <a:srgbClr val="000000"/>
-              </a:solidFill>
-              <a:effectLst>
-                <a:outerShdw blurRad="38100" dist="19050" dir="2700000" algn="tl" rotWithShape="0">
-                  <a:schemeClr val="dk1">
-                    <a:alpha val="40000"/>
-                  </a:schemeClr>
-                </a:outerShdw>
-              </a:effectLst>
-            </a:endParaRPr>
-          </a:p>
-          <a:p>
-            <a:pPr marL="342900" indent="-342900">
-              <a:lnSpc>
-                <a:spcPct val="90000"/>
-              </a:lnSpc>
-              <a:spcBef>
-                <a:spcPct val="0"/>
-              </a:spcBef>
-              <a:spcAft>
-                <a:spcPts val="600"/>
-              </a:spcAft>
-              <a:buFont typeface="Arial" panose="020B0604020202020204" pitchFamily="34" charset="0"/>
-              <a:buChar char="•"/>
-            </a:pPr>
-            <a:endParaRPr lang="en-US" sz="2400" dirty="0">
-              <a:ln w="0"/>
-              <a:solidFill>
-                <a:srgbClr val="000000"/>
-              </a:solidFill>
-              <a:effectLst>
-                <a:outerShdw blurRad="38100" dist="19050" dir="2700000" algn="tl" rotWithShape="0">
-                  <a:schemeClr val="dk1">
-                    <a:alpha val="40000"/>
-                  </a:schemeClr>
-                </a:outerShdw>
-              </a:effectLst>
-            </a:endParaRPr>
-          </a:p>
-          <a:p>
-            <a:pPr marL="342900" indent="-342900">
-              <a:lnSpc>
-                <a:spcPct val="90000"/>
-              </a:lnSpc>
-              <a:spcBef>
-                <a:spcPct val="0"/>
-              </a:spcBef>
-              <a:spcAft>
-                <a:spcPts val="600"/>
-              </a:spcAft>
-              <a:buFont typeface="Arial" panose="020B0604020202020204" pitchFamily="34" charset="0"/>
-              <a:buChar char="•"/>
-            </a:pPr>
-            <a:endParaRPr lang="en-US" sz="2400" dirty="0">
-              <a:ln w="0"/>
-              <a:solidFill>
-                <a:srgbClr val="000000"/>
-              </a:solidFill>
-              <a:effectLst>
-                <a:outerShdw blurRad="38100" dist="19050" dir="2700000" algn="tl" rotWithShape="0">
-                  <a:schemeClr val="dk1">
-                    <a:alpha val="40000"/>
-                  </a:schemeClr>
-                </a:outerShdw>
-              </a:effectLst>
-            </a:endParaRPr>
-          </a:p>
-          <a:p>
-            <a:pPr marL="342900" indent="-342900">
-              <a:lnSpc>
-                <a:spcPct val="90000"/>
-              </a:lnSpc>
-              <a:spcBef>
-                <a:spcPct val="0"/>
-              </a:spcBef>
-              <a:spcAft>
-                <a:spcPts val="600"/>
-              </a:spcAft>
-              <a:buFont typeface="Arial" panose="020B0604020202020204" pitchFamily="34" charset="0"/>
-              <a:buChar char="•"/>
-            </a:pPr>
-            <a:endParaRPr lang="en-US" sz="2400" dirty="0">
-              <a:ln w="0"/>
-              <a:solidFill>
-                <a:srgbClr val="000000"/>
-              </a:solidFill>
-              <a:effectLst>
-                <a:outerShdw blurRad="38100" dist="19050" dir="2700000" algn="tl" rotWithShape="0">
-                  <a:schemeClr val="dk1">
-                    <a:alpha val="40000"/>
-                  </a:schemeClr>
-                </a:outerShdw>
-              </a:effectLst>
-            </a:endParaRPr>
-          </a:p>
-          <a:p>
-            <a:pPr>
-              <a:lnSpc>
-                <a:spcPct val="90000"/>
-              </a:lnSpc>
-              <a:spcBef>
-                <a:spcPct val="0"/>
-              </a:spcBef>
-              <a:spcAft>
-                <a:spcPts val="600"/>
-              </a:spcAft>
-            </a:pPr>
-            <a:endParaRPr lang="en-US" sz="2400" dirty="0">
-              <a:ln w="0"/>
-              <a:solidFill>
-                <a:srgbClr val="000000"/>
-              </a:solidFill>
-              <a:effectLst>
-                <a:outerShdw blurRad="38100" dist="19050" dir="2700000" algn="tl" rotWithShape="0">
-                  <a:schemeClr val="dk1">
-                    <a:alpha val="40000"/>
-                  </a:schemeClr>
-                </a:outerShdw>
-              </a:effectLst>
-            </a:endParaRPr>
-          </a:p>
-          <a:p>
-            <a:pPr marL="342900" indent="-342900">
-              <a:lnSpc>
-                <a:spcPct val="90000"/>
-              </a:lnSpc>
-              <a:spcBef>
-                <a:spcPct val="0"/>
-              </a:spcBef>
-              <a:spcAft>
-                <a:spcPts val="600"/>
-              </a:spcAft>
-              <a:buFont typeface="Arial" panose="020B0604020202020204" pitchFamily="34" charset="0"/>
-              <a:buChar char="•"/>
-            </a:pPr>
-            <a:r>
-              <a:rPr lang="en-US" sz="2400" dirty="0">
-                <a:ln w="0"/>
-                <a:solidFill>
-                  <a:srgbClr val="000000"/>
-                </a:solidFill>
-                <a:effectLst>
-                  <a:outerShdw blurRad="38100" dist="19050" dir="2700000" algn="tl" rotWithShape="0">
-                    <a:schemeClr val="dk1">
-                      <a:alpha val="40000"/>
-                    </a:schemeClr>
-                  </a:outerShdw>
-                </a:effectLst>
-              </a:rPr>
-              <a:t>Color for levels of accomplishment:</a:t>
-            </a:r>
-          </a:p>
-          <a:p>
-            <a:pPr marL="342900" indent="-342900">
-              <a:lnSpc>
-                <a:spcPct val="90000"/>
-              </a:lnSpc>
-              <a:spcBef>
-                <a:spcPct val="0"/>
-              </a:spcBef>
-              <a:spcAft>
-                <a:spcPts val="600"/>
-              </a:spcAft>
-              <a:buFont typeface="Arial" panose="020B0604020202020204" pitchFamily="34" charset="0"/>
-              <a:buChar char="•"/>
-            </a:pPr>
-            <a:endParaRPr lang="en-US" sz="2400" dirty="0">
-              <a:ln w="0"/>
-              <a:solidFill>
-                <a:srgbClr val="000000"/>
-              </a:solidFill>
-              <a:effectLst>
-                <a:outerShdw blurRad="38100" dist="19050" dir="2700000" algn="tl" rotWithShape="0">
-                  <a:schemeClr val="dk1">
-                    <a:alpha val="40000"/>
-                  </a:schemeClr>
-                </a:outerShdw>
-              </a:effectLst>
-            </a:endParaRPr>
-          </a:p>
-          <a:p>
-            <a:pPr marL="342900" indent="-342900">
-              <a:lnSpc>
-                <a:spcPct val="90000"/>
-              </a:lnSpc>
-              <a:spcBef>
-                <a:spcPct val="0"/>
-              </a:spcBef>
-              <a:spcAft>
-                <a:spcPts val="600"/>
-              </a:spcAft>
-              <a:buFont typeface="Arial" panose="020B0604020202020204" pitchFamily="34" charset="0"/>
-              <a:buChar char="•"/>
-            </a:pPr>
-            <a:endParaRPr lang="en-US" sz="2400" dirty="0">
-              <a:ln w="0"/>
-              <a:solidFill>
-                <a:srgbClr val="000000"/>
-              </a:solidFill>
-              <a:effectLst>
-                <a:outerShdw blurRad="38100" dist="19050" dir="2700000" algn="tl" rotWithShape="0">
-                  <a:schemeClr val="dk1">
-                    <a:alpha val="40000"/>
-                  </a:schemeClr>
-                </a:outerShdw>
-              </a:effectLst>
-            </a:endParaRPr>
-          </a:p>
-          <a:p>
-            <a:pPr>
-              <a:lnSpc>
-                <a:spcPct val="90000"/>
-              </a:lnSpc>
-              <a:spcBef>
-                <a:spcPct val="0"/>
-              </a:spcBef>
-              <a:spcAft>
-                <a:spcPts val="600"/>
-              </a:spcAft>
-            </a:pPr>
-            <a:endParaRPr lang="en-US" sz="4400" b="0" cap="none" spc="0" dirty="0">
-              <a:ln w="0"/>
-              <a:solidFill>
-                <a:srgbClr val="000000"/>
-              </a:solidFill>
-              <a:effectLst>
-                <a:outerShdw blurRad="38100" dist="19050" dir="2700000" algn="tl" rotWithShape="0">
-                  <a:schemeClr val="dk1">
-                    <a:alpha val="40000"/>
-                  </a:schemeClr>
-                </a:outerShdw>
-              </a:effectLst>
-              <a:latin typeface="+mj-lt"/>
-              <a:ea typeface="+mj-ea"/>
-              <a:cs typeface="+mj-cs"/>
-            </a:endParaRPr>
-          </a:p>
-          <a:p>
-            <a:pPr>
-              <a:lnSpc>
-                <a:spcPct val="90000"/>
-              </a:lnSpc>
-              <a:spcBef>
-                <a:spcPct val="0"/>
-              </a:spcBef>
-              <a:spcAft>
-                <a:spcPts val="600"/>
-              </a:spcAft>
-            </a:pPr>
-            <a:endParaRPr lang="en-US" sz="4400" dirty="0">
-              <a:ln w="0"/>
-              <a:solidFill>
-                <a:srgbClr val="000000"/>
-              </a:solidFill>
-              <a:effectLst>
-                <a:outerShdw blurRad="38100" dist="19050" dir="2700000" algn="tl" rotWithShape="0">
-                  <a:schemeClr val="dk1">
-                    <a:alpha val="40000"/>
-                  </a:schemeClr>
-                </a:outerShdw>
-              </a:effectLst>
-              <a:latin typeface="+mj-lt"/>
-              <a:ea typeface="+mj-ea"/>
-              <a:cs typeface="+mj-cs"/>
-            </a:endParaRPr>
-          </a:p>
-          <a:p>
-            <a:pPr>
-              <a:lnSpc>
-                <a:spcPct val="90000"/>
-              </a:lnSpc>
-              <a:spcBef>
-                <a:spcPct val="0"/>
-              </a:spcBef>
-              <a:spcAft>
-                <a:spcPts val="600"/>
-              </a:spcAft>
-            </a:pPr>
-            <a:endParaRPr lang="en-US" sz="4400" b="0" cap="none" spc="0" dirty="0">
-              <a:ln w="0"/>
-              <a:solidFill>
-                <a:srgbClr val="000000"/>
-              </a:solidFill>
-              <a:effectLst>
-                <a:outerShdw blurRad="38100" dist="19050" dir="2700000" algn="tl" rotWithShape="0">
-                  <a:schemeClr val="dk1">
-                    <a:alpha val="40000"/>
-                  </a:schemeClr>
-                </a:outerShdw>
-              </a:effectLst>
-              <a:latin typeface="+mj-lt"/>
-              <a:ea typeface="+mj-ea"/>
-              <a:cs typeface="+mj-cs"/>
-            </a:endParaRPr>
-          </a:p>
-        </p:txBody>
-      </p:sp>
       <p:grpSp>
         <p:nvGrpSpPr>
-          <p:cNvPr id="18" name="Group 17">
-            <a:extLst>
-              <a:ext uri="{FF2B5EF4-FFF2-40B4-BE49-F238E27FC236}">
-                <a16:creationId xmlns:a16="http://schemas.microsoft.com/office/drawing/2014/main" id="{67125E3B-0E68-4639-B484-2C6575076BC0}"/>
+          <p:cNvPr id="2" name="Group 1">
+            <a:extLst>
+              <a:ext uri="{FF2B5EF4-FFF2-40B4-BE49-F238E27FC236}">
+                <a16:creationId xmlns:a16="http://schemas.microsoft.com/office/drawing/2014/main" id="{35554CFC-B4D8-4E4D-B5E5-B25B726C23F3}"/>
               </a:ext>
             </a:extLst>
           </p:cNvPr>
@@ -7716,18 +7405,54 @@
         </p:nvGrpSpPr>
         <p:grpSpPr>
           <a:xfrm>
-            <a:off x="9244849" y="4613037"/>
-            <a:ext cx="3160079" cy="1571287"/>
-            <a:chOff x="9031921" y="4847219"/>
-            <a:chExt cx="2730365" cy="1230754"/>
+            <a:off x="6715797" y="2000785"/>
+            <a:ext cx="4576316" cy="1083576"/>
+            <a:chOff x="4335455" y="1737346"/>
+            <a:chExt cx="7476594" cy="1450801"/>
           </a:xfrm>
         </p:grpSpPr>
         <p:pic>
           <p:nvPicPr>
-            <p:cNvPr id="15" name="Picture 14">
+            <p:cNvPr id="7" name="Picture 6">
               <a:extLst>
                 <a:ext uri="{FF2B5EF4-FFF2-40B4-BE49-F238E27FC236}">
-                  <a16:creationId xmlns:a16="http://schemas.microsoft.com/office/drawing/2014/main" id="{B1E63AB9-2A21-4B5E-BBE7-56F0F12C8D43}"/>
+                  <a16:creationId xmlns:a16="http://schemas.microsoft.com/office/drawing/2014/main" id="{B2486A9D-6362-461E-B3B5-587CF15B1180}"/>
+                </a:ext>
+              </a:extLst>
+            </p:cNvPr>
+            <p:cNvPicPr>
+              <a:picLocks noChangeAspect="1"/>
+            </p:cNvPicPr>
+            <p:nvPr/>
+          </p:nvPicPr>
+          <p:blipFill>
+            <a:blip r:embed="rId4">
+              <a:extLst>
+                <a:ext uri="{28A0092B-C50C-407E-A947-70E740481C1C}">
+                  <a14:useLocalDpi xmlns:a14="http://schemas.microsoft.com/office/drawing/2010/main" val="0"/>
+                </a:ext>
+              </a:extLst>
+            </a:blip>
+            <a:stretch>
+              <a:fillRect/>
+            </a:stretch>
+          </p:blipFill>
+          <p:spPr>
+            <a:xfrm>
+              <a:off x="9471606" y="1776223"/>
+              <a:ext cx="2340443" cy="1411924"/>
+            </a:xfrm>
+            <a:prstGeom prst="rect">
+              <a:avLst/>
+            </a:prstGeom>
+          </p:spPr>
+        </p:pic>
+        <p:pic>
+          <p:nvPicPr>
+            <p:cNvPr id="8" name="Picture 7">
+              <a:extLst>
+                <a:ext uri="{FF2B5EF4-FFF2-40B4-BE49-F238E27FC236}">
+                  <a16:creationId xmlns:a16="http://schemas.microsoft.com/office/drawing/2014/main" id="{BFD210F4-212A-416E-B3C0-1AD343143DB0}"/>
                 </a:ext>
               </a:extLst>
             </p:cNvPr>
@@ -7738,6 +7463,99 @@
           </p:nvPicPr>
           <p:blipFill>
             <a:blip r:embed="rId5">
+              <a:extLst>
+                <a:ext uri="{28A0092B-C50C-407E-A947-70E740481C1C}">
+                  <a14:useLocalDpi xmlns:a14="http://schemas.microsoft.com/office/drawing/2010/main" val="0"/>
+                </a:ext>
+              </a:extLst>
+            </a:blip>
+            <a:stretch>
+              <a:fillRect/>
+            </a:stretch>
+          </p:blipFill>
+          <p:spPr>
+            <a:xfrm>
+              <a:off x="4335455" y="1776223"/>
+              <a:ext cx="2211558" cy="1334171"/>
+            </a:xfrm>
+            <a:prstGeom prst="rect">
+              <a:avLst/>
+            </a:prstGeom>
+          </p:spPr>
+        </p:pic>
+        <p:pic>
+          <p:nvPicPr>
+            <p:cNvPr id="9" name="Picture 8">
+              <a:extLst>
+                <a:ext uri="{FF2B5EF4-FFF2-40B4-BE49-F238E27FC236}">
+                  <a16:creationId xmlns:a16="http://schemas.microsoft.com/office/drawing/2014/main" id="{01946460-A15F-4C36-B47A-FF3AAE176063}"/>
+                </a:ext>
+              </a:extLst>
+            </p:cNvPr>
+            <p:cNvPicPr>
+              <a:picLocks noChangeAspect="1"/>
+            </p:cNvPicPr>
+            <p:nvPr/>
+          </p:nvPicPr>
+          <p:blipFill>
+            <a:blip r:embed="rId6">
+              <a:extLst>
+                <a:ext uri="{28A0092B-C50C-407E-A947-70E740481C1C}">
+                  <a14:useLocalDpi xmlns:a14="http://schemas.microsoft.com/office/drawing/2010/main" val="0"/>
+                </a:ext>
+              </a:extLst>
+            </a:blip>
+            <a:stretch>
+              <a:fillRect/>
+            </a:stretch>
+          </p:blipFill>
+          <p:spPr>
+            <a:xfrm>
+              <a:off x="6836127" y="1737346"/>
+              <a:ext cx="2340441" cy="1411923"/>
+            </a:xfrm>
+            <a:prstGeom prst="rect">
+              <a:avLst/>
+            </a:prstGeom>
+          </p:spPr>
+        </p:pic>
+      </p:grpSp>
+      <p:grpSp>
+        <p:nvGrpSpPr>
+          <p:cNvPr id="10" name="Group 9">
+            <a:extLst>
+              <a:ext uri="{FF2B5EF4-FFF2-40B4-BE49-F238E27FC236}">
+                <a16:creationId xmlns:a16="http://schemas.microsoft.com/office/drawing/2014/main" id="{8360B1BB-2A80-4CD4-A8D9-A6EEE8B4A213}"/>
+              </a:ext>
+            </a:extLst>
+          </p:cNvPr>
+          <p:cNvGrpSpPr/>
+          <p:nvPr/>
+        </p:nvGrpSpPr>
+        <p:grpSpPr>
+          <a:xfrm>
+            <a:off x="7578089" y="4903322"/>
+            <a:ext cx="3160079" cy="1571287"/>
+            <a:chOff x="9031921" y="4847219"/>
+            <a:chExt cx="2730365" cy="1230754"/>
+          </a:xfrm>
+        </p:grpSpPr>
+        <p:pic>
+          <p:nvPicPr>
+            <p:cNvPr id="11" name="Picture 10">
+              <a:extLst>
+                <a:ext uri="{FF2B5EF4-FFF2-40B4-BE49-F238E27FC236}">
+                  <a16:creationId xmlns:a16="http://schemas.microsoft.com/office/drawing/2014/main" id="{326D5E93-C6CE-47F9-B1B2-F1442515B2CB}"/>
+                </a:ext>
+              </a:extLst>
+            </p:cNvPr>
+            <p:cNvPicPr>
+              <a:picLocks noChangeAspect="1"/>
+            </p:cNvPicPr>
+            <p:nvPr/>
+          </p:nvPicPr>
+          <p:blipFill>
+            <a:blip r:embed="rId7">
               <a:duotone>
                 <a:prstClr val="black"/>
                 <a:schemeClr val="accent2">
@@ -7767,10 +7585,10 @@
         </p:pic>
         <p:pic>
           <p:nvPicPr>
-            <p:cNvPr id="16" name="Picture 15">
+            <p:cNvPr id="12" name="Picture 11">
               <a:extLst>
                 <a:ext uri="{FF2B5EF4-FFF2-40B4-BE49-F238E27FC236}">
-                  <a16:creationId xmlns:a16="http://schemas.microsoft.com/office/drawing/2014/main" id="{2918AF46-617D-47AB-B45F-E799D16086B3}"/>
+                  <a16:creationId xmlns:a16="http://schemas.microsoft.com/office/drawing/2014/main" id="{0E283013-8F2B-4A4D-956B-0B1039CE3A4E}"/>
                 </a:ext>
               </a:extLst>
             </p:cNvPr>
@@ -7780,11 +7598,11 @@
             <p:nvPr/>
           </p:nvPicPr>
           <p:blipFill>
-            <a:blip r:embed="rId6">
+            <a:blip r:embed="rId8">
               <a:extLst>
                 <a:ext uri="{BEBA8EAE-BF5A-486C-A8C5-ECC9F3942E4B}">
                   <a14:imgProps xmlns:a14="http://schemas.microsoft.com/office/drawing/2010/main">
-                    <a14:imgLayer r:embed="rId7">
+                    <a14:imgLayer r:embed="rId9">
                       <a14:imgEffect>
                         <a14:saturation sat="0"/>
                       </a14:imgEffect>
@@ -7812,10 +7630,10 @@
         </p:pic>
         <p:pic>
           <p:nvPicPr>
-            <p:cNvPr id="17" name="Picture 16">
+            <p:cNvPr id="13" name="Picture 12">
               <a:extLst>
                 <a:ext uri="{FF2B5EF4-FFF2-40B4-BE49-F238E27FC236}">
-                  <a16:creationId xmlns:a16="http://schemas.microsoft.com/office/drawing/2014/main" id="{0DFB8D21-CE12-412B-B582-F107E2415120}"/>
+                  <a16:creationId xmlns:a16="http://schemas.microsoft.com/office/drawing/2014/main" id="{A96926CD-6C09-4212-B6A9-ABB51F20FF63}"/>
                 </a:ext>
               </a:extLst>
             </p:cNvPr>
@@ -7825,7 +7643,7 @@
             <p:nvPr/>
           </p:nvPicPr>
           <p:blipFill>
-            <a:blip r:embed="rId5">
+            <a:blip r:embed="rId7">
               <a:extLst>
                 <a:ext uri="{28A0092B-C50C-407E-A947-70E740481C1C}">
                   <a14:useLocalDpi xmlns:a14="http://schemas.microsoft.com/office/drawing/2010/main" val="0"/>
@@ -7847,118 +7665,10 @@
           </p:spPr>
         </p:pic>
       </p:grpSp>
-      <p:pic>
-        <p:nvPicPr>
-          <p:cNvPr id="22" name="Picture 21">
-            <a:extLst>
-              <a:ext uri="{FF2B5EF4-FFF2-40B4-BE49-F238E27FC236}">
-                <a16:creationId xmlns:a16="http://schemas.microsoft.com/office/drawing/2014/main" id="{FE1B5FB4-482F-4AA7-B9A2-25B472A1F41E}"/>
-              </a:ext>
-            </a:extLst>
-          </p:cNvPr>
-          <p:cNvPicPr>
-            <a:picLocks noChangeAspect="1"/>
-          </p:cNvPicPr>
-          <p:nvPr/>
-        </p:nvPicPr>
-        <p:blipFill>
-          <a:blip r:embed="rId8">
-            <a:extLst>
-              <a:ext uri="{28A0092B-C50C-407E-A947-70E740481C1C}">
-                <a14:useLocalDpi xmlns:a14="http://schemas.microsoft.com/office/drawing/2010/main" val="0"/>
-              </a:ext>
-            </a:extLst>
-          </a:blip>
-          <a:stretch>
-            <a:fillRect/>
-          </a:stretch>
-        </p:blipFill>
-        <p:spPr>
-          <a:xfrm>
-            <a:off x="9366425" y="1790737"/>
-            <a:ext cx="2340443" cy="1411924"/>
-          </a:xfrm>
-          <a:prstGeom prst="rect">
-            <a:avLst/>
-          </a:prstGeom>
-        </p:spPr>
-      </p:pic>
-      <p:pic>
-        <p:nvPicPr>
-          <p:cNvPr id="24" name="Picture 23">
-            <a:extLst>
-              <a:ext uri="{FF2B5EF4-FFF2-40B4-BE49-F238E27FC236}">
-                <a16:creationId xmlns:a16="http://schemas.microsoft.com/office/drawing/2014/main" id="{B731E94F-3DE9-4AB7-8FB6-E2616E45404F}"/>
-              </a:ext>
-            </a:extLst>
-          </p:cNvPr>
-          <p:cNvPicPr>
-            <a:picLocks noChangeAspect="1"/>
-          </p:cNvPicPr>
-          <p:nvPr/>
-        </p:nvPicPr>
-        <p:blipFill>
-          <a:blip r:embed="rId9">
-            <a:extLst>
-              <a:ext uri="{28A0092B-C50C-407E-A947-70E740481C1C}">
-                <a14:useLocalDpi xmlns:a14="http://schemas.microsoft.com/office/drawing/2010/main" val="0"/>
-              </a:ext>
-            </a:extLst>
-          </a:blip>
-          <a:stretch>
-            <a:fillRect/>
-          </a:stretch>
-        </p:blipFill>
-        <p:spPr>
-          <a:xfrm>
-            <a:off x="4230274" y="1790737"/>
-            <a:ext cx="2211558" cy="1334171"/>
-          </a:xfrm>
-          <a:prstGeom prst="rect">
-            <a:avLst/>
-          </a:prstGeom>
-        </p:spPr>
-      </p:pic>
-      <p:pic>
-        <p:nvPicPr>
-          <p:cNvPr id="26" name="Picture 25">
-            <a:extLst>
-              <a:ext uri="{FF2B5EF4-FFF2-40B4-BE49-F238E27FC236}">
-                <a16:creationId xmlns:a16="http://schemas.microsoft.com/office/drawing/2014/main" id="{4113E306-DBF2-49B7-BFEA-C6B664A40891}"/>
-              </a:ext>
-            </a:extLst>
-          </p:cNvPr>
-          <p:cNvPicPr>
-            <a:picLocks noChangeAspect="1"/>
-          </p:cNvPicPr>
-          <p:nvPr/>
-        </p:nvPicPr>
-        <p:blipFill>
-          <a:blip r:embed="rId10">
-            <a:extLst>
-              <a:ext uri="{28A0092B-C50C-407E-A947-70E740481C1C}">
-                <a14:useLocalDpi xmlns:a14="http://schemas.microsoft.com/office/drawing/2010/main" val="0"/>
-              </a:ext>
-            </a:extLst>
-          </a:blip>
-          <a:stretch>
-            <a:fillRect/>
-          </a:stretch>
-        </p:blipFill>
-        <p:spPr>
-          <a:xfrm>
-            <a:off x="6730946" y="1751860"/>
-            <a:ext cx="2340441" cy="1411923"/>
-          </a:xfrm>
-          <a:prstGeom prst="rect">
-            <a:avLst/>
-          </a:prstGeom>
-        </p:spPr>
-      </p:pic>
     </p:spTree>
     <p:extLst>
       <p:ext uri="{BB962C8B-B14F-4D97-AF65-F5344CB8AC3E}">
-        <p14:creationId xmlns:p14="http://schemas.microsoft.com/office/powerpoint/2010/main" val="2761532609"/>
+        <p14:creationId xmlns:p14="http://schemas.microsoft.com/office/powerpoint/2010/main" val="2877466296"/>
       </p:ext>
     </p:extLst>
   </p:cSld>
@@ -7971,6 +7681,14 @@
 <file path=ppt/slides/slide7.xml><?xml version="1.0" encoding="utf-8"?>
 <p:sld xmlns:a="http://schemas.openxmlformats.org/drawingml/2006/main" xmlns:r="http://schemas.openxmlformats.org/officeDocument/2006/relationships" xmlns:p="http://schemas.openxmlformats.org/presentationml/2006/main">
   <p:cSld>
+    <p:bg>
+      <p:bgPr>
+        <a:solidFill>
+          <a:schemeClr val="bg1"/>
+        </a:solidFill>
+        <a:effectLst/>
+      </p:bgPr>
+    </p:bg>
     <p:spTree>
       <p:nvGrpSpPr>
         <p:cNvPr id="1" name=""/>
@@ -7987,10 +7705,10 @@
       </p:grpSpPr>
       <p:pic>
         <p:nvPicPr>
-          <p:cNvPr id="5" name="Picture 4">
-            <a:extLst>
-              <a:ext uri="{FF2B5EF4-FFF2-40B4-BE49-F238E27FC236}">
-                <a16:creationId xmlns:a16="http://schemas.microsoft.com/office/drawing/2014/main" id="{04AEEED3-2570-4B00-9A78-7D97DF270627}"/>
+          <p:cNvPr id="6" name="Picture 5">
+            <a:extLst>
+              <a:ext uri="{FF2B5EF4-FFF2-40B4-BE49-F238E27FC236}">
+                <a16:creationId xmlns:a16="http://schemas.microsoft.com/office/drawing/2014/main" id="{047F9DAC-3EAF-40FF-AD0A-E83211859F24}"/>
               </a:ext>
             </a:extLst>
           </p:cNvPr>
@@ -7999,22 +7717,21 @@
           </p:cNvPicPr>
           <p:nvPr/>
         </p:nvPicPr>
-        <p:blipFill>
-          <a:blip r:embed="rId3">
+        <p:blipFill rotWithShape="1">
+          <a:blip r:embed="rId2">
             <a:extLst>
               <a:ext uri="{28A0092B-C50C-407E-A947-70E740481C1C}">
                 <a14:useLocalDpi xmlns:a14="http://schemas.microsoft.com/office/drawing/2010/main" val="0"/>
               </a:ext>
             </a:extLst>
           </a:blip>
-          <a:stretch>
-            <a:fillRect/>
-          </a:stretch>
+          <a:srcRect l="5629" r="4152" b="-2"/>
+          <a:stretch/>
         </p:blipFill>
         <p:spPr>
           <a:xfrm>
-            <a:off x="4088889" y="0"/>
-            <a:ext cx="8103111" cy="6858000"/>
+            <a:off x="-11909" y="10"/>
+            <a:ext cx="6324601" cy="6857990"/>
           </a:xfrm>
           <a:prstGeom prst="rect">
             <a:avLst/>
@@ -8023,20 +7740,29 @@
       </p:pic>
       <p:pic>
         <p:nvPicPr>
-          <p:cNvPr id="7" name="Picture 6">
-            <a:extLst>
-              <a:ext uri="{FF2B5EF4-FFF2-40B4-BE49-F238E27FC236}">
-                <a16:creationId xmlns:a16="http://schemas.microsoft.com/office/drawing/2014/main" id="{A6A79083-8C69-42FF-8F03-3AA794A00F5D}"/>
+          <p:cNvPr id="17" name="Picture 10">
+            <a:extLst>
+              <a:ext uri="{FF2B5EF4-FFF2-40B4-BE49-F238E27FC236}">
+                <a16:creationId xmlns:a16="http://schemas.microsoft.com/office/drawing/2014/main" id="{19AE98B8-B73A-4724-B639-017087F9239F}"/>
+              </a:ext>
+              <a:ext uri="{C183D7F6-B498-43B3-948B-1728B52AA6E4}">
+                <adec:decorative xmlns:adec="http://schemas.microsoft.com/office/drawing/2017/decorative" val="1"/>
               </a:ext>
             </a:extLst>
           </p:cNvPr>
           <p:cNvPicPr>
-            <a:picLocks noChangeAspect="1"/>
+            <a:picLocks noGrp="1" noRot="1" noChangeAspect="1" noMove="1" noResize="1" noEditPoints="1" noAdjustHandles="1" noChangeArrowheads="1" noChangeShapeType="1" noCrop="1"/>
           </p:cNvPicPr>
-          <p:nvPr/>
+          <p:nvPr>
+            <p:extLst>
+              <p:ext uri="{386F3935-93C4-4BCD-93E2-E3B085C9AB24}">
+                <p16:designElem xmlns:p16="http://schemas.microsoft.com/office/powerpoint/2015/main" val="1"/>
+              </p:ext>
+            </p:extLst>
+          </p:nvPr>
         </p:nvPicPr>
         <p:blipFill>
-          <a:blip r:embed="rId4">
+          <a:blip r:embed="rId3">
             <a:extLst>
               <a:ext uri="{28A0092B-C50C-407E-A947-70E740481C1C}">
                 <a14:useLocalDpi xmlns:a14="http://schemas.microsoft.com/office/drawing/2010/main" val="0"/>
@@ -8049,8 +7775,8 @@
         </p:blipFill>
         <p:spPr>
           <a:xfrm>
-            <a:off x="0" y="-1"/>
-            <a:ext cx="4088889" cy="6857999"/>
+            <a:off x="0" y="0"/>
+            <a:ext cx="12192000" cy="6858000"/>
           </a:xfrm>
           <a:prstGeom prst="rect">
             <a:avLst/>
@@ -8059,10 +7785,10 @@
       </p:pic>
       <p:sp>
         <p:nvSpPr>
-          <p:cNvPr id="2" name="Rectangle 1">
-            <a:extLst>
-              <a:ext uri="{FF2B5EF4-FFF2-40B4-BE49-F238E27FC236}">
-                <a16:creationId xmlns:a16="http://schemas.microsoft.com/office/drawing/2014/main" id="{74C58203-793B-4E6D-938A-334F35970113}"/>
+          <p:cNvPr id="14" name="Rectangle 13">
+            <a:extLst>
+              <a:ext uri="{FF2B5EF4-FFF2-40B4-BE49-F238E27FC236}">
+                <a16:creationId xmlns:a16="http://schemas.microsoft.com/office/drawing/2014/main" id="{B81BBF63-F792-4903-9AA5-6A525F45CC75}"/>
               </a:ext>
             </a:extLst>
           </p:cNvPr>
@@ -8071,16 +7797,16 @@
         </p:nvSpPr>
         <p:spPr>
           <a:xfrm>
-            <a:off x="4438284" y="384355"/>
-            <a:ext cx="3539367" cy="341632"/>
+            <a:off x="6312692" y="773327"/>
+            <a:ext cx="7326060" cy="6042493"/>
           </a:xfrm>
           <a:prstGeom prst="rect">
             <a:avLst/>
           </a:prstGeom>
         </p:spPr>
         <p:txBody>
-          <a:bodyPr wrap="none">
-            <a:spAutoFit/>
+          <a:bodyPr vert="horz" lIns="91440" tIns="45720" rIns="91440" bIns="45720" rtlCol="0" anchor="t">
+            <a:normAutofit/>
           </a:bodyPr>
           <a:lstStyle/>
           <a:p>
@@ -8096,42 +7822,22 @@
               </a:spcAft>
             </a:pPr>
             <a:r>
-              <a:rPr lang="en-US" dirty="0">
+              <a:rPr lang="en-US" sz="2400" dirty="0">
+                <a:ln w="0"/>
                 <a:solidFill>
-                  <a:schemeClr val="bg1"/>
+                  <a:srgbClr val="000000"/>
                 </a:solidFill>
+                <a:effectLst>
+                  <a:outerShdw blurRad="38100" dist="19050" dir="2700000" algn="tl" rotWithShape="0">
+                    <a:schemeClr val="dk1">
+                      <a:alpha val="40000"/>
+                    </a:schemeClr>
+                  </a:outerShdw>
+                </a:effectLst>
               </a:rPr>
-              <a:t>Motivational Visual Representation:</a:t>
-            </a:r>
-          </a:p>
-        </p:txBody>
-      </p:sp>
-      <p:sp>
-        <p:nvSpPr>
-          <p:cNvPr id="6" name="Rectangle 5">
-            <a:extLst>
-              <a:ext uri="{FF2B5EF4-FFF2-40B4-BE49-F238E27FC236}">
-                <a16:creationId xmlns:a16="http://schemas.microsoft.com/office/drawing/2014/main" id="{240D8D61-9C33-4C33-A762-90B1D9A476CB}"/>
-              </a:ext>
-            </a:extLst>
-          </p:cNvPr>
-          <p:cNvSpPr/>
-          <p:nvPr/>
-        </p:nvSpPr>
-        <p:spPr>
-          <a:xfrm>
-            <a:off x="4475789" y="555171"/>
-            <a:ext cx="7326060" cy="6042493"/>
-          </a:xfrm>
-          <a:prstGeom prst="rect">
-            <a:avLst/>
-          </a:prstGeom>
-        </p:spPr>
-        <p:txBody>
-          <a:bodyPr vert="horz" lIns="91440" tIns="45720" rIns="91440" bIns="45720" rtlCol="0" anchor="t">
-            <a:normAutofit/>
-          </a:bodyPr>
-          <a:lstStyle/>
+              <a:t>MOTIVATIONAL VISUAL REPRESENTATION</a:t>
+            </a:r>
+          </a:p>
           <a:p>
             <a:pPr>
               <a:lnSpc>
@@ -8159,6 +7865,32 @@
             </a:endParaRPr>
           </a:p>
           <a:p>
+            <a:pPr>
+              <a:lnSpc>
+                <a:spcPct val="90000"/>
+              </a:lnSpc>
+              <a:spcBef>
+                <a:spcPct val="0"/>
+              </a:spcBef>
+              <a:spcAft>
+                <a:spcPts val="600"/>
+              </a:spcAft>
+            </a:pPr>
+            <a:endParaRPr lang="en-US" sz="2400" dirty="0">
+              <a:ln w="0"/>
+              <a:solidFill>
+                <a:srgbClr val="000000"/>
+              </a:solidFill>
+              <a:effectLst>
+                <a:outerShdw blurRad="38100" dist="19050" dir="2700000" algn="tl" rotWithShape="0">
+                  <a:schemeClr val="dk1">
+                    <a:alpha val="40000"/>
+                  </a:schemeClr>
+                </a:outerShdw>
+              </a:effectLst>
+            </a:endParaRPr>
+          </a:p>
+          <a:p>
             <a:pPr marL="342900" indent="-342900">
               <a:lnSpc>
                 <a:spcPct val="90000"/>
@@ -8186,7 +7918,7 @@
                   </a:outerShdw>
                 </a:effectLst>
               </a:rPr>
-              <a:t>See how your Credit Score has risen</a:t>
+              <a:t>Missed Payment ?</a:t>
             </a:r>
           </a:p>
           <a:p>
@@ -8218,7 +7950,7 @@
             </a:endParaRPr>
           </a:p>
           <a:p>
-            <a:pPr marL="342900" indent="-342900">
+            <a:pPr>
               <a:lnSpc>
                 <a:spcPct val="90000"/>
               </a:lnSpc>
@@ -8228,25 +7960,26 @@
               <a:spcAft>
                 <a:spcPts val="600"/>
               </a:spcAft>
-              <a:buFont typeface="Arial" panose="020B0604020202020204" pitchFamily="34" charset="0"/>
-              <a:buChar char="•"/>
             </a:pPr>
-            <a:endParaRPr lang="en-US" sz="2400" dirty="0">
-              <a:ln w="0"/>
-              <a:solidFill>
-                <a:srgbClr val="000000"/>
-              </a:solidFill>
-              <a:effectLst>
-                <a:outerShdw blurRad="38100" dist="19050" dir="2700000" algn="tl" rotWithShape="0">
-                  <a:schemeClr val="dk1">
-                    <a:alpha val="40000"/>
-                  </a:schemeClr>
-                </a:outerShdw>
-              </a:effectLst>
-            </a:endParaRPr>
-          </a:p>
-          <a:p>
-            <a:pPr marL="342900" indent="-342900">
+            <a:r>
+              <a:rPr lang="en-US" sz="2400" dirty="0">
+                <a:ln w="0"/>
+                <a:solidFill>
+                  <a:srgbClr val="000000"/>
+                </a:solidFill>
+                <a:effectLst>
+                  <a:outerShdw blurRad="38100" dist="19050" dir="2700000" algn="tl" rotWithShape="0">
+                    <a:schemeClr val="dk1">
+                      <a:alpha val="40000"/>
+                    </a:schemeClr>
+                  </a:outerShdw>
+                </a:effectLst>
+              </a:rPr>
+              <a:t>	Get back on track!</a:t>
+            </a:r>
+          </a:p>
+          <a:p>
+            <a:pPr>
               <a:lnSpc>
                 <a:spcPct val="90000"/>
               </a:lnSpc>
@@ -8256,106 +7989,23 @@
               <a:spcAft>
                 <a:spcPts val="600"/>
               </a:spcAft>
-              <a:buFont typeface="Arial" panose="020B0604020202020204" pitchFamily="34" charset="0"/>
-              <a:buChar char="•"/>
             </a:pPr>
-            <a:endParaRPr lang="en-US" sz="2400" dirty="0">
-              <a:ln w="0"/>
-              <a:solidFill>
-                <a:srgbClr val="000000"/>
-              </a:solidFill>
-              <a:effectLst>
-                <a:outerShdw blurRad="38100" dist="19050" dir="2700000" algn="tl" rotWithShape="0">
-                  <a:schemeClr val="dk1">
-                    <a:alpha val="40000"/>
-                  </a:schemeClr>
-                </a:outerShdw>
-              </a:effectLst>
-            </a:endParaRPr>
-          </a:p>
-          <a:p>
-            <a:pPr marL="342900" indent="-342900">
-              <a:lnSpc>
-                <a:spcPct val="90000"/>
-              </a:lnSpc>
-              <a:spcBef>
-                <a:spcPct val="0"/>
-              </a:spcBef>
-              <a:spcAft>
-                <a:spcPts val="600"/>
-              </a:spcAft>
-              <a:buFont typeface="Arial" panose="020B0604020202020204" pitchFamily="34" charset="0"/>
-              <a:buChar char="•"/>
-            </a:pPr>
-            <a:endParaRPr lang="en-US" sz="2400" dirty="0">
-              <a:ln w="0"/>
-              <a:solidFill>
-                <a:srgbClr val="000000"/>
-              </a:solidFill>
-              <a:effectLst>
-                <a:outerShdw blurRad="38100" dist="19050" dir="2700000" algn="tl" rotWithShape="0">
-                  <a:schemeClr val="dk1">
-                    <a:alpha val="40000"/>
-                  </a:schemeClr>
-                </a:outerShdw>
-              </a:effectLst>
-            </a:endParaRPr>
-          </a:p>
-          <a:p>
-            <a:pPr marL="342900" indent="-342900">
-              <a:lnSpc>
-                <a:spcPct val="90000"/>
-              </a:lnSpc>
-              <a:spcBef>
-                <a:spcPct val="0"/>
-              </a:spcBef>
-              <a:spcAft>
-                <a:spcPts val="600"/>
-              </a:spcAft>
-              <a:buFont typeface="Arial" panose="020B0604020202020204" pitchFamily="34" charset="0"/>
-              <a:buChar char="•"/>
-            </a:pPr>
-            <a:endParaRPr lang="en-US" sz="2400" dirty="0">
-              <a:ln w="0"/>
-              <a:solidFill>
-                <a:srgbClr val="000000"/>
-              </a:solidFill>
-              <a:effectLst>
-                <a:outerShdw blurRad="38100" dist="19050" dir="2700000" algn="tl" rotWithShape="0">
-                  <a:schemeClr val="dk1">
-                    <a:alpha val="40000"/>
-                  </a:schemeClr>
-                </a:outerShdw>
-              </a:effectLst>
-            </a:endParaRPr>
-          </a:p>
-          <a:p>
-            <a:pPr marL="342900" indent="-342900">
-              <a:lnSpc>
-                <a:spcPct val="90000"/>
-              </a:lnSpc>
-              <a:spcBef>
-                <a:spcPct val="0"/>
-              </a:spcBef>
-              <a:spcAft>
-                <a:spcPts val="600"/>
-              </a:spcAft>
-              <a:buFont typeface="Arial" panose="020B0604020202020204" pitchFamily="34" charset="0"/>
-              <a:buChar char="•"/>
-            </a:pPr>
-            <a:endParaRPr lang="en-US" sz="2400" dirty="0">
-              <a:ln w="0"/>
-              <a:solidFill>
-                <a:srgbClr val="000000"/>
-              </a:solidFill>
-              <a:effectLst>
-                <a:outerShdw blurRad="38100" dist="19050" dir="2700000" algn="tl" rotWithShape="0">
-                  <a:schemeClr val="dk1">
-                    <a:alpha val="40000"/>
-                  </a:schemeClr>
-                </a:outerShdw>
-              </a:effectLst>
-            </a:endParaRPr>
+            <a:r>
+              <a:rPr lang="en-US" sz="2400" dirty="0">
+                <a:ln w="0"/>
+                <a:solidFill>
+                  <a:srgbClr val="000000"/>
+                </a:solidFill>
+                <a:effectLst>
+                  <a:outerShdw blurRad="38100" dist="19050" dir="2700000" algn="tl" rotWithShape="0">
+                    <a:schemeClr val="dk1">
+                      <a:alpha val="40000"/>
+                    </a:schemeClr>
+                  </a:outerShdw>
+                </a:effectLst>
+              </a:rPr>
+              <a:t>	Do you want to talk to someone?</a:t>
+            </a:r>
           </a:p>
           <a:p>
             <a:pPr>
@@ -8384,7 +8034,7 @@
             </a:endParaRPr>
           </a:p>
           <a:p>
-            <a:pPr marL="342900" indent="-342900">
+            <a:pPr>
               <a:lnSpc>
                 <a:spcPct val="90000"/>
               </a:lnSpc>
@@ -8394,8 +8044,32 @@
               <a:spcAft>
                 <a:spcPts val="600"/>
               </a:spcAft>
-              <a:buFont typeface="Arial" panose="020B0604020202020204" pitchFamily="34" charset="0"/>
-              <a:buChar char="•"/>
+            </a:pPr>
+            <a:endParaRPr lang="en-US" sz="2400" dirty="0">
+              <a:ln w="0"/>
+              <a:solidFill>
+                <a:srgbClr val="000000"/>
+              </a:solidFill>
+              <a:effectLst>
+                <a:outerShdw blurRad="38100" dist="19050" dir="2700000" algn="tl" rotWithShape="0">
+                  <a:schemeClr val="dk1">
+                    <a:alpha val="40000"/>
+                  </a:schemeClr>
+                </a:outerShdw>
+              </a:effectLst>
+            </a:endParaRPr>
+          </a:p>
+          <a:p>
+            <a:pPr>
+              <a:lnSpc>
+                <a:spcPct val="90000"/>
+              </a:lnSpc>
+              <a:spcBef>
+                <a:spcPct val="0"/>
+              </a:spcBef>
+              <a:spcAft>
+                <a:spcPts val="600"/>
+              </a:spcAft>
             </a:pPr>
             <a:r>
               <a:rPr lang="en-US" sz="2400" dirty="0">
@@ -8411,7 +8085,7 @@
                   </a:outerShdw>
                 </a:effectLst>
               </a:rPr>
-              <a:t>Color for levels of accomplishment:</a:t>
+              <a:t>*** All about motivation ***</a:t>
             </a:r>
           </a:p>
           <a:p>
@@ -8559,155 +8233,85 @@
           </a:p>
         </p:txBody>
       </p:sp>
-      <p:grpSp>
-        <p:nvGrpSpPr>
-          <p:cNvPr id="18" name="Group 17">
-            <a:extLst>
-              <a:ext uri="{FF2B5EF4-FFF2-40B4-BE49-F238E27FC236}">
-                <a16:creationId xmlns:a16="http://schemas.microsoft.com/office/drawing/2014/main" id="{67125E3B-0E68-4639-B484-2C6575076BC0}"/>
-              </a:ext>
-            </a:extLst>
-          </p:cNvPr>
-          <p:cNvGrpSpPr/>
+      <p:pic>
+        <p:nvPicPr>
+          <p:cNvPr id="15" name="Picture 14">
+            <a:extLst>
+              <a:ext uri="{FF2B5EF4-FFF2-40B4-BE49-F238E27FC236}">
+                <a16:creationId xmlns:a16="http://schemas.microsoft.com/office/drawing/2014/main" id="{4B9E0CD6-B508-44AF-B138-D61D48186DC9}"/>
+              </a:ext>
+            </a:extLst>
+          </p:cNvPr>
+          <p:cNvPicPr>
+            <a:picLocks noChangeAspect="1"/>
+          </p:cNvPicPr>
           <p:nvPr/>
-        </p:nvGrpSpPr>
-        <p:grpSpPr>
+        </p:nvPicPr>
+        <p:blipFill>
+          <a:blip r:embed="rId4">
+            <a:extLst>
+              <a:ext uri="{28A0092B-C50C-407E-A947-70E740481C1C}">
+                <a14:useLocalDpi xmlns:a14="http://schemas.microsoft.com/office/drawing/2010/main" val="0"/>
+              </a:ext>
+              <a:ext uri="{837473B0-CC2E-450A-ABE3-18F120FF3D39}">
+                <a1611:picAttrSrcUrl xmlns:a1611="http://schemas.microsoft.com/office/drawing/2016/11/main" r:id="rId5"/>
+              </a:ext>
+            </a:extLst>
+          </a:blip>
+          <a:stretch>
+            <a:fillRect/>
+          </a:stretch>
+        </p:blipFill>
+        <p:spPr>
           <a:xfrm>
-            <a:off x="9244849" y="4613037"/>
-            <a:ext cx="3160079" cy="1571287"/>
-            <a:chOff x="9031921" y="4847219"/>
-            <a:chExt cx="2730365" cy="1230754"/>
+            <a:off x="10065737" y="1351202"/>
+            <a:ext cx="1802027" cy="1802027"/>
           </a:xfrm>
-        </p:grpSpPr>
-        <p:pic>
-          <p:nvPicPr>
-            <p:cNvPr id="15" name="Picture 14">
-              <a:extLst>
-                <a:ext uri="{FF2B5EF4-FFF2-40B4-BE49-F238E27FC236}">
-                  <a16:creationId xmlns:a16="http://schemas.microsoft.com/office/drawing/2014/main" id="{B1E63AB9-2A21-4B5E-BBE7-56F0F12C8D43}"/>
-                </a:ext>
-              </a:extLst>
-            </p:cNvPr>
-            <p:cNvPicPr>
-              <a:picLocks noChangeAspect="1"/>
-            </p:cNvPicPr>
-            <p:nvPr/>
-          </p:nvPicPr>
-          <p:blipFill>
-            <a:blip r:embed="rId5">
-              <a:duotone>
-                <a:prstClr val="black"/>
-                <a:schemeClr val="accent2">
-                  <a:tint val="45000"/>
-                  <a:satMod val="400000"/>
-                </a:schemeClr>
-              </a:duotone>
-              <a:extLst>
-                <a:ext uri="{28A0092B-C50C-407E-A947-70E740481C1C}">
-                  <a14:useLocalDpi xmlns:a14="http://schemas.microsoft.com/office/drawing/2010/main" val="0"/>
-                </a:ext>
-              </a:extLst>
-            </a:blip>
-            <a:stretch>
-              <a:fillRect/>
-            </a:stretch>
-          </p:blipFill>
-          <p:spPr>
-            <a:xfrm>
-              <a:off x="9031921" y="5343569"/>
-              <a:ext cx="980646" cy="734404"/>
-            </a:xfrm>
-            <a:prstGeom prst="rect">
-              <a:avLst/>
-            </a:prstGeom>
-          </p:spPr>
-        </p:pic>
-        <p:pic>
-          <p:nvPicPr>
-            <p:cNvPr id="16" name="Picture 15">
-              <a:extLst>
-                <a:ext uri="{FF2B5EF4-FFF2-40B4-BE49-F238E27FC236}">
-                  <a16:creationId xmlns:a16="http://schemas.microsoft.com/office/drawing/2014/main" id="{2918AF46-617D-47AB-B45F-E799D16086B3}"/>
-                </a:ext>
-              </a:extLst>
-            </p:cNvPr>
-            <p:cNvPicPr>
-              <a:picLocks noChangeAspect="1"/>
-            </p:cNvPicPr>
-            <p:nvPr/>
-          </p:nvPicPr>
-          <p:blipFill>
-            <a:blip r:embed="rId6">
-              <a:extLst>
-                <a:ext uri="{BEBA8EAE-BF5A-486C-A8C5-ECC9F3942E4B}">
-                  <a14:imgProps xmlns:a14="http://schemas.microsoft.com/office/drawing/2010/main">
-                    <a14:imgLayer r:embed="rId7">
-                      <a14:imgEffect>
-                        <a14:saturation sat="0"/>
-                      </a14:imgEffect>
-                    </a14:imgLayer>
-                  </a14:imgProps>
-                </a:ext>
-                <a:ext uri="{28A0092B-C50C-407E-A947-70E740481C1C}">
-                  <a14:useLocalDpi xmlns:a14="http://schemas.microsoft.com/office/drawing/2010/main" val="0"/>
-                </a:ext>
-              </a:extLst>
-            </a:blip>
-            <a:stretch>
-              <a:fillRect/>
-            </a:stretch>
-          </p:blipFill>
-          <p:spPr>
-            <a:xfrm>
-              <a:off x="9459791" y="5076871"/>
-              <a:ext cx="1336766" cy="1001102"/>
-            </a:xfrm>
-            <a:prstGeom prst="rect">
-              <a:avLst/>
-            </a:prstGeom>
-          </p:spPr>
-        </p:pic>
-        <p:pic>
-          <p:nvPicPr>
-            <p:cNvPr id="17" name="Picture 16">
-              <a:extLst>
-                <a:ext uri="{FF2B5EF4-FFF2-40B4-BE49-F238E27FC236}">
-                  <a16:creationId xmlns:a16="http://schemas.microsoft.com/office/drawing/2014/main" id="{0DFB8D21-CE12-412B-B582-F107E2415120}"/>
-                </a:ext>
-              </a:extLst>
-            </p:cNvPr>
-            <p:cNvPicPr>
-              <a:picLocks noChangeAspect="1"/>
-            </p:cNvPicPr>
-            <p:nvPr/>
-          </p:nvPicPr>
-          <p:blipFill>
-            <a:blip r:embed="rId5">
-              <a:extLst>
-                <a:ext uri="{28A0092B-C50C-407E-A947-70E740481C1C}">
-                  <a14:useLocalDpi xmlns:a14="http://schemas.microsoft.com/office/drawing/2010/main" val="0"/>
-                </a:ext>
-              </a:extLst>
-            </a:blip>
-            <a:stretch>
-              <a:fillRect/>
-            </a:stretch>
-          </p:blipFill>
-          <p:spPr>
-            <a:xfrm>
-              <a:off x="10118868" y="4847219"/>
-              <a:ext cx="1643418" cy="1230754"/>
-            </a:xfrm>
-            <a:prstGeom prst="rect">
-              <a:avLst/>
-            </a:prstGeom>
-          </p:spPr>
-        </p:pic>
-      </p:grpSp>
+          <a:prstGeom prst="rect">
+            <a:avLst/>
+          </a:prstGeom>
+        </p:spPr>
+      </p:pic>
+      <p:pic>
+        <p:nvPicPr>
+          <p:cNvPr id="16" name="Picture 15">
+            <a:extLst>
+              <a:ext uri="{FF2B5EF4-FFF2-40B4-BE49-F238E27FC236}">
+                <a16:creationId xmlns:a16="http://schemas.microsoft.com/office/drawing/2014/main" id="{390E6B56-0AD8-4137-822E-02D23B7FFBF5}"/>
+              </a:ext>
+            </a:extLst>
+          </p:cNvPr>
+          <p:cNvPicPr>
+            <a:picLocks noChangeAspect="1"/>
+          </p:cNvPicPr>
+          <p:nvPr/>
+        </p:nvPicPr>
+        <p:blipFill>
+          <a:blip r:embed="rId6">
+            <a:extLst>
+              <a:ext uri="{28A0092B-C50C-407E-A947-70E740481C1C}">
+                <a14:useLocalDpi xmlns:a14="http://schemas.microsoft.com/office/drawing/2010/main" val="0"/>
+              </a:ext>
+            </a:extLst>
+          </a:blip>
+          <a:stretch>
+            <a:fillRect/>
+          </a:stretch>
+        </p:blipFill>
+        <p:spPr>
+          <a:xfrm>
+            <a:off x="7497456" y="5062251"/>
+            <a:ext cx="3143250" cy="1457325"/>
+          </a:xfrm>
+          <a:prstGeom prst="rect">
+            <a:avLst/>
+          </a:prstGeom>
+        </p:spPr>
+      </p:pic>
     </p:spTree>
     <p:extLst>
       <p:ext uri="{BB962C8B-B14F-4D97-AF65-F5344CB8AC3E}">
-        <p14:creationId xmlns:p14="http://schemas.microsoft.com/office/powerpoint/2010/main" val="2504818058"/>
+        <p14:creationId xmlns:p14="http://schemas.microsoft.com/office/powerpoint/2010/main" val="238858070"/>
       </p:ext>
     </p:extLst>
   </p:cSld>
@@ -8720,6 +8324,14 @@
 <file path=ppt/slides/slide8.xml><?xml version="1.0" encoding="utf-8"?>
 <p:sld xmlns:a="http://schemas.openxmlformats.org/drawingml/2006/main" xmlns:r="http://schemas.openxmlformats.org/officeDocument/2006/relationships" xmlns:p="http://schemas.openxmlformats.org/presentationml/2006/main">
   <p:cSld>
+    <p:bg>
+      <p:bgPr>
+        <a:solidFill>
+          <a:schemeClr val="bg1"/>
+        </a:solidFill>
+        <a:effectLst/>
+      </p:bgPr>
+    </p:bg>
     <p:spTree>
       <p:nvGrpSpPr>
         <p:cNvPr id="1" name=""/>
@@ -8736,10 +8348,10 @@
       </p:grpSpPr>
       <p:pic>
         <p:nvPicPr>
-          <p:cNvPr id="5" name="Picture 4">
-            <a:extLst>
-              <a:ext uri="{FF2B5EF4-FFF2-40B4-BE49-F238E27FC236}">
-                <a16:creationId xmlns:a16="http://schemas.microsoft.com/office/drawing/2014/main" id="{04AEEED3-2570-4B00-9A78-7D97DF270627}"/>
+          <p:cNvPr id="6" name="Picture 5">
+            <a:extLst>
+              <a:ext uri="{FF2B5EF4-FFF2-40B4-BE49-F238E27FC236}">
+                <a16:creationId xmlns:a16="http://schemas.microsoft.com/office/drawing/2014/main" id="{047F9DAC-3EAF-40FF-AD0A-E83211859F24}"/>
               </a:ext>
             </a:extLst>
           </p:cNvPr>
@@ -8748,22 +8360,21 @@
           </p:cNvPicPr>
           <p:nvPr/>
         </p:nvPicPr>
-        <p:blipFill>
-          <a:blip r:embed="rId3">
+        <p:blipFill rotWithShape="1">
+          <a:blip r:embed="rId2">
             <a:extLst>
               <a:ext uri="{28A0092B-C50C-407E-A947-70E740481C1C}">
                 <a14:useLocalDpi xmlns:a14="http://schemas.microsoft.com/office/drawing/2010/main" val="0"/>
               </a:ext>
             </a:extLst>
           </a:blip>
-          <a:stretch>
-            <a:fillRect/>
-          </a:stretch>
+          <a:srcRect l="5629" r="4152" b="-2"/>
+          <a:stretch/>
         </p:blipFill>
         <p:spPr>
           <a:xfrm>
-            <a:off x="4088889" y="0"/>
-            <a:ext cx="8103111" cy="6858000"/>
+            <a:off x="-11909" y="10"/>
+            <a:ext cx="6324601" cy="6857990"/>
           </a:xfrm>
           <a:prstGeom prst="rect">
             <a:avLst/>
@@ -8772,20 +8383,29 @@
       </p:pic>
       <p:pic>
         <p:nvPicPr>
-          <p:cNvPr id="7" name="Picture 6">
-            <a:extLst>
-              <a:ext uri="{FF2B5EF4-FFF2-40B4-BE49-F238E27FC236}">
-                <a16:creationId xmlns:a16="http://schemas.microsoft.com/office/drawing/2014/main" id="{A6A79083-8C69-42FF-8F03-3AA794A00F5D}"/>
+          <p:cNvPr id="17" name="Picture 10">
+            <a:extLst>
+              <a:ext uri="{FF2B5EF4-FFF2-40B4-BE49-F238E27FC236}">
+                <a16:creationId xmlns:a16="http://schemas.microsoft.com/office/drawing/2014/main" id="{19AE98B8-B73A-4724-B639-017087F9239F}"/>
+              </a:ext>
+              <a:ext uri="{C183D7F6-B498-43B3-948B-1728B52AA6E4}">
+                <adec:decorative xmlns:adec="http://schemas.microsoft.com/office/drawing/2017/decorative" val="1"/>
               </a:ext>
             </a:extLst>
           </p:cNvPr>
           <p:cNvPicPr>
-            <a:picLocks noChangeAspect="1"/>
+            <a:picLocks noGrp="1" noRot="1" noChangeAspect="1" noMove="1" noResize="1" noEditPoints="1" noAdjustHandles="1" noChangeArrowheads="1" noChangeShapeType="1" noCrop="1"/>
           </p:cNvPicPr>
-          <p:nvPr/>
+          <p:nvPr>
+            <p:extLst>
+              <p:ext uri="{386F3935-93C4-4BCD-93E2-E3B085C9AB24}">
+                <p16:designElem xmlns:p16="http://schemas.microsoft.com/office/powerpoint/2015/main" val="1"/>
+              </p:ext>
+            </p:extLst>
+          </p:nvPr>
         </p:nvPicPr>
         <p:blipFill>
-          <a:blip r:embed="rId4">
+          <a:blip r:embed="rId3">
             <a:extLst>
               <a:ext uri="{28A0092B-C50C-407E-A947-70E740481C1C}">
                 <a14:useLocalDpi xmlns:a14="http://schemas.microsoft.com/office/drawing/2010/main" val="0"/>
@@ -8798,583 +8418,8 @@
         </p:blipFill>
         <p:spPr>
           <a:xfrm>
-            <a:off x="0" y="-1"/>
-            <a:ext cx="4088889" cy="6857999"/>
-          </a:xfrm>
-          <a:prstGeom prst="rect">
-            <a:avLst/>
-          </a:prstGeom>
-        </p:spPr>
-      </p:pic>
-      <p:sp>
-        <p:nvSpPr>
-          <p:cNvPr id="2" name="Rectangle 1">
-            <a:extLst>
-              <a:ext uri="{FF2B5EF4-FFF2-40B4-BE49-F238E27FC236}">
-                <a16:creationId xmlns:a16="http://schemas.microsoft.com/office/drawing/2014/main" id="{74C58203-793B-4E6D-938A-334F35970113}"/>
-              </a:ext>
-            </a:extLst>
-          </p:cNvPr>
-          <p:cNvSpPr/>
-          <p:nvPr/>
-        </p:nvSpPr>
-        <p:spPr>
-          <a:xfrm>
-            <a:off x="4438284" y="384355"/>
-            <a:ext cx="3539367" cy="341632"/>
-          </a:xfrm>
-          <a:prstGeom prst="rect">
-            <a:avLst/>
-          </a:prstGeom>
-        </p:spPr>
-        <p:txBody>
-          <a:bodyPr wrap="none">
-            <a:spAutoFit/>
-          </a:bodyPr>
-          <a:lstStyle/>
-          <a:p>
-            <a:pPr>
-              <a:lnSpc>
-                <a:spcPct val="90000"/>
-              </a:lnSpc>
-              <a:spcBef>
-                <a:spcPct val="0"/>
-              </a:spcBef>
-              <a:spcAft>
-                <a:spcPts val="600"/>
-              </a:spcAft>
-            </a:pPr>
-            <a:r>
-              <a:rPr lang="en-US" dirty="0">
-                <a:solidFill>
-                  <a:schemeClr val="bg1"/>
-                </a:solidFill>
-              </a:rPr>
-              <a:t>Motivational Visual Representation:</a:t>
-            </a:r>
-          </a:p>
-        </p:txBody>
-      </p:sp>
-      <p:sp>
-        <p:nvSpPr>
-          <p:cNvPr id="6" name="Rectangle 5">
-            <a:extLst>
-              <a:ext uri="{FF2B5EF4-FFF2-40B4-BE49-F238E27FC236}">
-                <a16:creationId xmlns:a16="http://schemas.microsoft.com/office/drawing/2014/main" id="{240D8D61-9C33-4C33-A762-90B1D9A476CB}"/>
-              </a:ext>
-            </a:extLst>
-          </p:cNvPr>
-          <p:cNvSpPr/>
-          <p:nvPr/>
-        </p:nvSpPr>
-        <p:spPr>
-          <a:xfrm>
-            <a:off x="4475789" y="555171"/>
-            <a:ext cx="7326060" cy="6042493"/>
-          </a:xfrm>
-          <a:prstGeom prst="rect">
-            <a:avLst/>
-          </a:prstGeom>
-        </p:spPr>
-        <p:txBody>
-          <a:bodyPr vert="horz" lIns="91440" tIns="45720" rIns="91440" bIns="45720" rtlCol="0" anchor="t">
-            <a:normAutofit/>
-          </a:bodyPr>
-          <a:lstStyle/>
-          <a:p>
-            <a:pPr>
-              <a:lnSpc>
-                <a:spcPct val="90000"/>
-              </a:lnSpc>
-              <a:spcBef>
-                <a:spcPct val="0"/>
-              </a:spcBef>
-              <a:spcAft>
-                <a:spcPts val="600"/>
-              </a:spcAft>
-            </a:pPr>
-            <a:endParaRPr lang="en-US" sz="2400" dirty="0">
-              <a:ln w="0"/>
-              <a:solidFill>
-                <a:srgbClr val="000000"/>
-              </a:solidFill>
-              <a:effectLst>
-                <a:outerShdw blurRad="38100" dist="19050" dir="2700000" algn="tl" rotWithShape="0">
-                  <a:schemeClr val="dk1">
-                    <a:alpha val="40000"/>
-                  </a:schemeClr>
-                </a:outerShdw>
-              </a:effectLst>
-            </a:endParaRPr>
-          </a:p>
-          <a:p>
-            <a:pPr marL="342900" indent="-342900">
-              <a:lnSpc>
-                <a:spcPct val="90000"/>
-              </a:lnSpc>
-              <a:spcBef>
-                <a:spcPct val="0"/>
-              </a:spcBef>
-              <a:spcAft>
-                <a:spcPts val="600"/>
-              </a:spcAft>
-              <a:buFont typeface="Arial" panose="020B0604020202020204" pitchFamily="34" charset="0"/>
-              <a:buChar char="•"/>
-            </a:pPr>
-            <a:r>
-              <a:rPr lang="en-US" sz="2400" dirty="0">
-                <a:ln w="0"/>
-                <a:solidFill>
-                  <a:srgbClr val="000000"/>
-                </a:solidFill>
-                <a:effectLst>
-                  <a:outerShdw blurRad="38100" dist="19050" dir="2700000" algn="tl" rotWithShape="0">
-                    <a:schemeClr val="dk1">
-                      <a:alpha val="40000"/>
-                    </a:schemeClr>
-                  </a:outerShdw>
-                </a:effectLst>
-              </a:rPr>
-              <a:t>Missed Payment ?</a:t>
-            </a:r>
-          </a:p>
-          <a:p>
-            <a:pPr marL="342900" indent="-342900">
-              <a:lnSpc>
-                <a:spcPct val="90000"/>
-              </a:lnSpc>
-              <a:spcBef>
-                <a:spcPct val="0"/>
-              </a:spcBef>
-              <a:spcAft>
-                <a:spcPts val="600"/>
-              </a:spcAft>
-              <a:buFont typeface="Arial" panose="020B0604020202020204" pitchFamily="34" charset="0"/>
-              <a:buChar char="•"/>
-            </a:pPr>
-            <a:endParaRPr lang="en-US" sz="2400" dirty="0">
-              <a:ln w="0"/>
-              <a:solidFill>
-                <a:srgbClr val="000000"/>
-              </a:solidFill>
-              <a:effectLst>
-                <a:outerShdw blurRad="38100" dist="19050" dir="2700000" algn="tl" rotWithShape="0">
-                  <a:schemeClr val="dk1">
-                    <a:alpha val="40000"/>
-                  </a:schemeClr>
-                </a:outerShdw>
-              </a:effectLst>
-            </a:endParaRPr>
-          </a:p>
-          <a:p>
-            <a:pPr>
-              <a:lnSpc>
-                <a:spcPct val="90000"/>
-              </a:lnSpc>
-              <a:spcBef>
-                <a:spcPct val="0"/>
-              </a:spcBef>
-              <a:spcAft>
-                <a:spcPts val="600"/>
-              </a:spcAft>
-            </a:pPr>
-            <a:r>
-              <a:rPr lang="en-US" sz="2400" dirty="0">
-                <a:ln w="0"/>
-                <a:solidFill>
-                  <a:srgbClr val="000000"/>
-                </a:solidFill>
-                <a:effectLst>
-                  <a:outerShdw blurRad="38100" dist="19050" dir="2700000" algn="tl" rotWithShape="0">
-                    <a:schemeClr val="dk1">
-                      <a:alpha val="40000"/>
-                    </a:schemeClr>
-                  </a:outerShdw>
-                </a:effectLst>
-              </a:rPr>
-              <a:t>	Get back on track!</a:t>
-            </a:r>
-          </a:p>
-          <a:p>
-            <a:pPr>
-              <a:lnSpc>
-                <a:spcPct val="90000"/>
-              </a:lnSpc>
-              <a:spcBef>
-                <a:spcPct val="0"/>
-              </a:spcBef>
-              <a:spcAft>
-                <a:spcPts val="600"/>
-              </a:spcAft>
-            </a:pPr>
-            <a:r>
-              <a:rPr lang="en-US" sz="2400" dirty="0">
-                <a:ln w="0"/>
-                <a:solidFill>
-                  <a:srgbClr val="000000"/>
-                </a:solidFill>
-                <a:effectLst>
-                  <a:outerShdw blurRad="38100" dist="19050" dir="2700000" algn="tl" rotWithShape="0">
-                    <a:schemeClr val="dk1">
-                      <a:alpha val="40000"/>
-                    </a:schemeClr>
-                  </a:outerShdw>
-                </a:effectLst>
-              </a:rPr>
-              <a:t>	Do you want to talk to someone?</a:t>
-            </a:r>
-          </a:p>
-          <a:p>
-            <a:pPr marL="342900" indent="-342900">
-              <a:lnSpc>
-                <a:spcPct val="90000"/>
-              </a:lnSpc>
-              <a:spcBef>
-                <a:spcPct val="0"/>
-              </a:spcBef>
-              <a:spcAft>
-                <a:spcPts val="600"/>
-              </a:spcAft>
-              <a:buFont typeface="Arial" panose="020B0604020202020204" pitchFamily="34" charset="0"/>
-              <a:buChar char="•"/>
-            </a:pPr>
-            <a:endParaRPr lang="en-US" sz="2400" dirty="0">
-              <a:ln w="0"/>
-              <a:solidFill>
-                <a:srgbClr val="000000"/>
-              </a:solidFill>
-              <a:effectLst>
-                <a:outerShdw blurRad="38100" dist="19050" dir="2700000" algn="tl" rotWithShape="0">
-                  <a:schemeClr val="dk1">
-                    <a:alpha val="40000"/>
-                  </a:schemeClr>
-                </a:outerShdw>
-              </a:effectLst>
-            </a:endParaRPr>
-          </a:p>
-          <a:p>
-            <a:pPr marL="342900" indent="-342900">
-              <a:lnSpc>
-                <a:spcPct val="90000"/>
-              </a:lnSpc>
-              <a:spcBef>
-                <a:spcPct val="0"/>
-              </a:spcBef>
-              <a:spcAft>
-                <a:spcPts val="600"/>
-              </a:spcAft>
-              <a:buFont typeface="Arial" panose="020B0604020202020204" pitchFamily="34" charset="0"/>
-              <a:buChar char="•"/>
-            </a:pPr>
-            <a:endParaRPr lang="en-US" sz="2400" dirty="0">
-              <a:ln w="0"/>
-              <a:solidFill>
-                <a:srgbClr val="000000"/>
-              </a:solidFill>
-              <a:effectLst>
-                <a:outerShdw blurRad="38100" dist="19050" dir="2700000" algn="tl" rotWithShape="0">
-                  <a:schemeClr val="dk1">
-                    <a:alpha val="40000"/>
-                  </a:schemeClr>
-                </a:outerShdw>
-              </a:effectLst>
-            </a:endParaRPr>
-          </a:p>
-          <a:p>
-            <a:pPr>
-              <a:lnSpc>
-                <a:spcPct val="90000"/>
-              </a:lnSpc>
-              <a:spcBef>
-                <a:spcPct val="0"/>
-              </a:spcBef>
-              <a:spcAft>
-                <a:spcPts val="600"/>
-              </a:spcAft>
-            </a:pPr>
-            <a:endParaRPr lang="en-US" sz="2400" dirty="0">
-              <a:ln w="0"/>
-              <a:solidFill>
-                <a:srgbClr val="000000"/>
-              </a:solidFill>
-              <a:effectLst>
-                <a:outerShdw blurRad="38100" dist="19050" dir="2700000" algn="tl" rotWithShape="0">
-                  <a:schemeClr val="dk1">
-                    <a:alpha val="40000"/>
-                  </a:schemeClr>
-                </a:outerShdw>
-              </a:effectLst>
-            </a:endParaRPr>
-          </a:p>
-          <a:p>
-            <a:pPr>
-              <a:lnSpc>
-                <a:spcPct val="90000"/>
-              </a:lnSpc>
-              <a:spcBef>
-                <a:spcPct val="0"/>
-              </a:spcBef>
-              <a:spcAft>
-                <a:spcPts val="600"/>
-              </a:spcAft>
-            </a:pPr>
-            <a:endParaRPr lang="en-US" sz="2400" dirty="0">
-              <a:ln w="0"/>
-              <a:solidFill>
-                <a:srgbClr val="000000"/>
-              </a:solidFill>
-              <a:effectLst>
-                <a:outerShdw blurRad="38100" dist="19050" dir="2700000" algn="tl" rotWithShape="0">
-                  <a:schemeClr val="dk1">
-                    <a:alpha val="40000"/>
-                  </a:schemeClr>
-                </a:outerShdw>
-              </a:effectLst>
-            </a:endParaRPr>
-          </a:p>
-          <a:p>
-            <a:pPr>
-              <a:lnSpc>
-                <a:spcPct val="90000"/>
-              </a:lnSpc>
-              <a:spcBef>
-                <a:spcPct val="0"/>
-              </a:spcBef>
-              <a:spcAft>
-                <a:spcPts val="600"/>
-              </a:spcAft>
-            </a:pPr>
-            <a:r>
-              <a:rPr lang="en-US" sz="2400" dirty="0">
-                <a:ln w="0"/>
-                <a:solidFill>
-                  <a:srgbClr val="000000"/>
-                </a:solidFill>
-                <a:effectLst>
-                  <a:outerShdw blurRad="38100" dist="19050" dir="2700000" algn="tl" rotWithShape="0">
-                    <a:schemeClr val="dk1">
-                      <a:alpha val="40000"/>
-                    </a:schemeClr>
-                  </a:outerShdw>
-                </a:effectLst>
-              </a:rPr>
-              <a:t>*** All about motivation ***</a:t>
-            </a:r>
-          </a:p>
-          <a:p>
-            <a:pPr marL="342900" indent="-342900">
-              <a:lnSpc>
-                <a:spcPct val="90000"/>
-              </a:lnSpc>
-              <a:spcBef>
-                <a:spcPct val="0"/>
-              </a:spcBef>
-              <a:spcAft>
-                <a:spcPts val="600"/>
-              </a:spcAft>
-              <a:buFont typeface="Arial" panose="020B0604020202020204" pitchFamily="34" charset="0"/>
-              <a:buChar char="•"/>
-            </a:pPr>
-            <a:endParaRPr lang="en-US" sz="2400" dirty="0">
-              <a:ln w="0"/>
-              <a:solidFill>
-                <a:srgbClr val="000000"/>
-              </a:solidFill>
-              <a:effectLst>
-                <a:outerShdw blurRad="38100" dist="19050" dir="2700000" algn="tl" rotWithShape="0">
-                  <a:schemeClr val="dk1">
-                    <a:alpha val="40000"/>
-                  </a:schemeClr>
-                </a:outerShdw>
-              </a:effectLst>
-            </a:endParaRPr>
-          </a:p>
-          <a:p>
-            <a:pPr marL="342900" indent="-342900">
-              <a:lnSpc>
-                <a:spcPct val="90000"/>
-              </a:lnSpc>
-              <a:spcBef>
-                <a:spcPct val="0"/>
-              </a:spcBef>
-              <a:spcAft>
-                <a:spcPts val="600"/>
-              </a:spcAft>
-              <a:buFont typeface="Arial" panose="020B0604020202020204" pitchFamily="34" charset="0"/>
-              <a:buChar char="•"/>
-            </a:pPr>
-            <a:endParaRPr lang="en-US" sz="2400" dirty="0">
-              <a:ln w="0"/>
-              <a:solidFill>
-                <a:srgbClr val="000000"/>
-              </a:solidFill>
-              <a:effectLst>
-                <a:outerShdw blurRad="38100" dist="19050" dir="2700000" algn="tl" rotWithShape="0">
-                  <a:schemeClr val="dk1">
-                    <a:alpha val="40000"/>
-                  </a:schemeClr>
-                </a:outerShdw>
-              </a:effectLst>
-            </a:endParaRPr>
-          </a:p>
-          <a:p>
-            <a:pPr>
-              <a:lnSpc>
-                <a:spcPct val="90000"/>
-              </a:lnSpc>
-              <a:spcBef>
-                <a:spcPct val="0"/>
-              </a:spcBef>
-              <a:spcAft>
-                <a:spcPts val="600"/>
-              </a:spcAft>
-            </a:pPr>
-            <a:endParaRPr lang="en-US" sz="4400" b="0" cap="none" spc="0" dirty="0">
-              <a:ln w="0"/>
-              <a:solidFill>
-                <a:srgbClr val="000000"/>
-              </a:solidFill>
-              <a:effectLst>
-                <a:outerShdw blurRad="38100" dist="19050" dir="2700000" algn="tl" rotWithShape="0">
-                  <a:schemeClr val="dk1">
-                    <a:alpha val="40000"/>
-                  </a:schemeClr>
-                </a:outerShdw>
-              </a:effectLst>
-              <a:latin typeface="+mj-lt"/>
-              <a:ea typeface="+mj-ea"/>
-              <a:cs typeface="+mj-cs"/>
-            </a:endParaRPr>
-          </a:p>
-          <a:p>
-            <a:pPr>
-              <a:lnSpc>
-                <a:spcPct val="90000"/>
-              </a:lnSpc>
-              <a:spcBef>
-                <a:spcPct val="0"/>
-              </a:spcBef>
-              <a:spcAft>
-                <a:spcPts val="600"/>
-              </a:spcAft>
-            </a:pPr>
-            <a:endParaRPr lang="en-US" sz="4400" dirty="0">
-              <a:ln w="0"/>
-              <a:solidFill>
-                <a:srgbClr val="000000"/>
-              </a:solidFill>
-              <a:effectLst>
-                <a:outerShdw blurRad="38100" dist="19050" dir="2700000" algn="tl" rotWithShape="0">
-                  <a:schemeClr val="dk1">
-                    <a:alpha val="40000"/>
-                  </a:schemeClr>
-                </a:outerShdw>
-              </a:effectLst>
-              <a:latin typeface="+mj-lt"/>
-              <a:ea typeface="+mj-ea"/>
-              <a:cs typeface="+mj-cs"/>
-            </a:endParaRPr>
-          </a:p>
-          <a:p>
-            <a:pPr>
-              <a:lnSpc>
-                <a:spcPct val="90000"/>
-              </a:lnSpc>
-              <a:spcBef>
-                <a:spcPct val="0"/>
-              </a:spcBef>
-              <a:spcAft>
-                <a:spcPts val="600"/>
-              </a:spcAft>
-            </a:pPr>
-            <a:endParaRPr lang="en-US" sz="4400" b="0" cap="none" spc="0" dirty="0">
-              <a:ln w="0"/>
-              <a:solidFill>
-                <a:srgbClr val="000000"/>
-              </a:solidFill>
-              <a:effectLst>
-                <a:outerShdw blurRad="38100" dist="19050" dir="2700000" algn="tl" rotWithShape="0">
-                  <a:schemeClr val="dk1">
-                    <a:alpha val="40000"/>
-                  </a:schemeClr>
-                </a:outerShdw>
-              </a:effectLst>
-              <a:latin typeface="+mj-lt"/>
-              <a:ea typeface="+mj-ea"/>
-              <a:cs typeface="+mj-cs"/>
-            </a:endParaRPr>
-          </a:p>
-        </p:txBody>
-      </p:sp>
-      <p:pic>
-        <p:nvPicPr>
-          <p:cNvPr id="4" name="Picture 3">
-            <a:extLst>
-              <a:ext uri="{FF2B5EF4-FFF2-40B4-BE49-F238E27FC236}">
-                <a16:creationId xmlns:a16="http://schemas.microsoft.com/office/drawing/2014/main" id="{CF76A925-89DC-45CA-819D-48280B325BF9}"/>
-              </a:ext>
-            </a:extLst>
-          </p:cNvPr>
-          <p:cNvPicPr>
-            <a:picLocks noChangeAspect="1"/>
-          </p:cNvPicPr>
-          <p:nvPr/>
-        </p:nvPicPr>
-        <p:blipFill>
-          <a:blip r:embed="rId5">
-            <a:extLst>
-              <a:ext uri="{28A0092B-C50C-407E-A947-70E740481C1C}">
-                <a14:useLocalDpi xmlns:a14="http://schemas.microsoft.com/office/drawing/2010/main" val="0"/>
-              </a:ext>
-            </a:extLst>
-          </a:blip>
-          <a:stretch>
-            <a:fillRect/>
-          </a:stretch>
-        </p:blipFill>
-        <p:spPr>
-          <a:xfrm>
-            <a:off x="8658599" y="3828537"/>
-            <a:ext cx="3143250" cy="1457325"/>
-          </a:xfrm>
-          <a:prstGeom prst="rect">
-            <a:avLst/>
-          </a:prstGeom>
-        </p:spPr>
-      </p:pic>
-      <p:pic>
-        <p:nvPicPr>
-          <p:cNvPr id="13" name="Picture 12">
-            <a:extLst>
-              <a:ext uri="{FF2B5EF4-FFF2-40B4-BE49-F238E27FC236}">
-                <a16:creationId xmlns:a16="http://schemas.microsoft.com/office/drawing/2014/main" id="{54A5EAFE-1356-4B5F-A0AB-68A190F7EFE8}"/>
-              </a:ext>
-            </a:extLst>
-          </p:cNvPr>
-          <p:cNvPicPr>
-            <a:picLocks noChangeAspect="1"/>
-          </p:cNvPicPr>
-          <p:nvPr/>
-        </p:nvPicPr>
-        <p:blipFill>
-          <a:blip r:embed="rId6">
-            <a:extLst>
-              <a:ext uri="{28A0092B-C50C-407E-A947-70E740481C1C}">
-                <a14:useLocalDpi xmlns:a14="http://schemas.microsoft.com/office/drawing/2010/main" val="0"/>
-              </a:ext>
-              <a:ext uri="{837473B0-CC2E-450A-ABE3-18F120FF3D39}">
-                <a1611:picAttrSrcUrl xmlns:a1611="http://schemas.microsoft.com/office/drawing/2016/11/main" r:id="rId7"/>
-              </a:ext>
-            </a:extLst>
-          </a:blip>
-          <a:stretch>
-            <a:fillRect/>
-          </a:stretch>
-        </p:blipFill>
-        <p:spPr>
-          <a:xfrm>
-            <a:off x="9807146" y="1227437"/>
-            <a:ext cx="1802027" cy="1802027"/>
+            <a:off x="0" y="0"/>
+            <a:ext cx="12192000" cy="6858000"/>
           </a:xfrm>
           <a:prstGeom prst="rect">
             <a:avLst/>
@@ -9384,7 +8429,7 @@
     </p:spTree>
     <p:extLst>
       <p:ext uri="{BB962C8B-B14F-4D97-AF65-F5344CB8AC3E}">
-        <p14:creationId xmlns:p14="http://schemas.microsoft.com/office/powerpoint/2010/main" val="3031495734"/>
+        <p14:creationId xmlns:p14="http://schemas.microsoft.com/office/powerpoint/2010/main" val="1650858510"/>
       </p:ext>
     </p:extLst>
   </p:cSld>
@@ -9411,97 +8456,263 @@
           <a:chExt cx="0" cy="0"/>
         </a:xfrm>
       </p:grpSpPr>
-      <p:pic>
-        <p:nvPicPr>
-          <p:cNvPr id="6" name="Picture 5">
-            <a:extLst>
-              <a:ext uri="{FF2B5EF4-FFF2-40B4-BE49-F238E27FC236}">
-                <a16:creationId xmlns:a16="http://schemas.microsoft.com/office/drawing/2014/main" id="{B24A1D86-3BD6-49FA-AE46-AE5AF265A530}"/>
-              </a:ext>
-            </a:extLst>
-          </p:cNvPr>
-          <p:cNvPicPr>
-            <a:picLocks noChangeAspect="1"/>
-          </p:cNvPicPr>
+      <p:sp>
+        <p:nvSpPr>
+          <p:cNvPr id="2" name="Rectangle 1">
+            <a:extLst>
+              <a:ext uri="{FF2B5EF4-FFF2-40B4-BE49-F238E27FC236}">
+                <a16:creationId xmlns:a16="http://schemas.microsoft.com/office/drawing/2014/main" id="{74C58203-793B-4E6D-938A-334F35970113}"/>
+              </a:ext>
+            </a:extLst>
+          </p:cNvPr>
+          <p:cNvSpPr/>
           <p:nvPr/>
-        </p:nvPicPr>
-        <p:blipFill>
-          <a:blip r:embed="rId2">
-            <a:extLst>
-              <a:ext uri="{28A0092B-C50C-407E-A947-70E740481C1C}">
-                <a14:useLocalDpi xmlns:a14="http://schemas.microsoft.com/office/drawing/2010/main" val="0"/>
-              </a:ext>
-              <a:ext uri="{837473B0-CC2E-450A-ABE3-18F120FF3D39}">
-                <a1611:picAttrSrcUrl xmlns:a1611="http://schemas.microsoft.com/office/drawing/2016/11/main" r:id="rId3"/>
-              </a:ext>
-            </a:extLst>
-          </a:blip>
-          <a:stretch>
-            <a:fillRect/>
-          </a:stretch>
-        </p:blipFill>
+        </p:nvSpPr>
         <p:spPr>
           <a:xfrm>
-            <a:off x="3810000" y="1143000"/>
-            <a:ext cx="4572000" cy="4572000"/>
+            <a:off x="4438284" y="384355"/>
+            <a:ext cx="2263248" cy="341632"/>
           </a:xfrm>
           <a:prstGeom prst="rect">
             <a:avLst/>
           </a:prstGeom>
         </p:spPr>
-      </p:pic>
+        <p:txBody>
+          <a:bodyPr wrap="none">
+            <a:spAutoFit/>
+          </a:bodyPr>
+          <a:lstStyle/>
+          <a:p>
+            <a:pPr>
+              <a:lnSpc>
+                <a:spcPct val="90000"/>
+              </a:lnSpc>
+              <a:spcBef>
+                <a:spcPct val="0"/>
+              </a:spcBef>
+              <a:spcAft>
+                <a:spcPts val="600"/>
+              </a:spcAft>
+            </a:pPr>
+            <a:r>
+              <a:rPr lang="en-US" dirty="0">
+                <a:solidFill>
+                  <a:schemeClr val="bg1"/>
+                </a:solidFill>
+              </a:rPr>
+              <a:t>Our Coding Approach:</a:t>
+            </a:r>
+          </a:p>
+        </p:txBody>
+      </p:sp>
       <p:sp>
         <p:nvSpPr>
-          <p:cNvPr id="7" name="TextBox 6">
-            <a:extLst>
-              <a:ext uri="{FF2B5EF4-FFF2-40B4-BE49-F238E27FC236}">
-                <a16:creationId xmlns:a16="http://schemas.microsoft.com/office/drawing/2014/main" id="{85D6EC47-A015-4537-8666-8CF5A5F5B9AD}"/>
-              </a:ext>
-            </a:extLst>
-          </p:cNvPr>
-          <p:cNvSpPr txBox="1"/>
+          <p:cNvPr id="6" name="Rectangle 5">
+            <a:extLst>
+              <a:ext uri="{FF2B5EF4-FFF2-40B4-BE49-F238E27FC236}">
+                <a16:creationId xmlns:a16="http://schemas.microsoft.com/office/drawing/2014/main" id="{240D8D61-9C33-4C33-A762-90B1D9A476CB}"/>
+              </a:ext>
+            </a:extLst>
+          </p:cNvPr>
+          <p:cNvSpPr/>
           <p:nvPr/>
         </p:nvSpPr>
         <p:spPr>
           <a:xfrm>
-            <a:off x="3810000" y="5715000"/>
-            <a:ext cx="4572000" cy="230832"/>
+            <a:off x="4475789" y="555171"/>
+            <a:ext cx="7326060" cy="6042493"/>
           </a:xfrm>
           <a:prstGeom prst="rect">
             <a:avLst/>
           </a:prstGeom>
-          <a:noFill/>
         </p:spPr>
         <p:txBody>
-          <a:bodyPr wrap="square" rtlCol="0">
-            <a:spAutoFit/>
+          <a:bodyPr vert="horz" lIns="91440" tIns="45720" rIns="91440" bIns="45720" rtlCol="0" anchor="t">
+            <a:normAutofit/>
           </a:bodyPr>
           <a:lstStyle/>
           <a:p>
-            <a:r>
-              <a:rPr lang="en-US" sz="900">
-                <a:hlinkClick r:id="rId3" tooltip="http://commons.wikimedia.org/wiki/File:Internet-talk-error.svg"/>
-              </a:rPr>
-              <a:t>This Photo</a:t>
-            </a:r>
-            <a:r>
-              <a:rPr lang="en-US" sz="900"/>
-              <a:t> by Unknown Author is licensed under </a:t>
-            </a:r>
-            <a:r>
-              <a:rPr lang="en-US" sz="900">
-                <a:hlinkClick r:id="rId4" tooltip="https://creativecommons.org/licenses/by-sa/3.0/"/>
-              </a:rPr>
-              <a:t>CC BY-SA</a:t>
-            </a:r>
-            <a:endParaRPr lang="en-US" sz="900"/>
+            <a:pPr>
+              <a:lnSpc>
+                <a:spcPct val="90000"/>
+              </a:lnSpc>
+              <a:spcBef>
+                <a:spcPct val="0"/>
+              </a:spcBef>
+              <a:spcAft>
+                <a:spcPts val="600"/>
+              </a:spcAft>
+            </a:pPr>
+            <a:endParaRPr lang="en-US" dirty="0"/>
+          </a:p>
+          <a:p>
+            <a:pPr marL="285750" indent="-285750">
+              <a:lnSpc>
+                <a:spcPct val="90000"/>
+              </a:lnSpc>
+              <a:spcBef>
+                <a:spcPct val="0"/>
+              </a:spcBef>
+              <a:spcAft>
+                <a:spcPts val="600"/>
+              </a:spcAft>
+              <a:buFont typeface="Arial" panose="020B0604020202020204" pitchFamily="34" charset="0"/>
+              <a:buChar char="•"/>
+            </a:pPr>
+            <a:r>
+              <a:rPr lang="en-US" dirty="0"/>
+              <a:t>We used Flutter: </a:t>
+            </a:r>
+          </a:p>
+          <a:p>
+            <a:pPr>
+              <a:lnSpc>
+                <a:spcPct val="90000"/>
+              </a:lnSpc>
+              <a:spcBef>
+                <a:spcPct val="0"/>
+              </a:spcBef>
+              <a:spcAft>
+                <a:spcPts val="600"/>
+              </a:spcAft>
+            </a:pPr>
+            <a:r>
+              <a:rPr lang="en-US" dirty="0"/>
+              <a:t>	Google’s UI toolkit for building beautiful, natively compiled 	applications for mobile, web, and desktop from a single codebase.</a:t>
+            </a:r>
+          </a:p>
+          <a:p>
+            <a:pPr>
+              <a:lnSpc>
+                <a:spcPct val="90000"/>
+              </a:lnSpc>
+              <a:spcBef>
+                <a:spcPct val="0"/>
+              </a:spcBef>
+              <a:spcAft>
+                <a:spcPts val="600"/>
+              </a:spcAft>
+            </a:pPr>
+            <a:endParaRPr lang="en-US" dirty="0"/>
+          </a:p>
+          <a:p>
+            <a:pPr marL="285750" indent="-285750">
+              <a:lnSpc>
+                <a:spcPct val="90000"/>
+              </a:lnSpc>
+              <a:spcBef>
+                <a:spcPct val="0"/>
+              </a:spcBef>
+              <a:spcAft>
+                <a:spcPts val="600"/>
+              </a:spcAft>
+              <a:buFont typeface="Arial" panose="020B0604020202020204" pitchFamily="34" charset="0"/>
+              <a:buChar char="•"/>
+            </a:pPr>
+            <a:r>
+              <a:rPr lang="en-US" dirty="0"/>
+              <a:t>What we developed:</a:t>
+            </a:r>
           </a:p>
         </p:txBody>
       </p:sp>
+      <p:grpSp>
+        <p:nvGrpSpPr>
+          <p:cNvPr id="11" name="Group 10">
+            <a:extLst>
+              <a:ext uri="{FF2B5EF4-FFF2-40B4-BE49-F238E27FC236}">
+                <a16:creationId xmlns:a16="http://schemas.microsoft.com/office/drawing/2014/main" id="{6C671DBA-F549-4514-A15F-1800242AAE9D}"/>
+              </a:ext>
+            </a:extLst>
+          </p:cNvPr>
+          <p:cNvGrpSpPr/>
+          <p:nvPr/>
+        </p:nvGrpSpPr>
+        <p:grpSpPr>
+          <a:xfrm>
+            <a:off x="0" y="0"/>
+            <a:ext cx="4126394" cy="6858000"/>
+            <a:chOff x="-3251" y="0"/>
+            <a:chExt cx="4126394" cy="6858000"/>
+          </a:xfrm>
+        </p:grpSpPr>
+        <p:pic>
+          <p:nvPicPr>
+            <p:cNvPr id="10" name="Picture 9">
+              <a:extLst>
+                <a:ext uri="{FF2B5EF4-FFF2-40B4-BE49-F238E27FC236}">
+                  <a16:creationId xmlns:a16="http://schemas.microsoft.com/office/drawing/2014/main" id="{558B775A-BD8B-43AC-99F5-4B64D517854B}"/>
+                </a:ext>
+              </a:extLst>
+            </p:cNvPr>
+            <p:cNvPicPr>
+              <a:picLocks noChangeAspect="1"/>
+            </p:cNvPicPr>
+            <p:nvPr/>
+          </p:nvPicPr>
+          <p:blipFill>
+            <a:blip r:embed="rId3">
+              <a:extLst>
+                <a:ext uri="{28A0092B-C50C-407E-A947-70E740481C1C}">
+                  <a14:useLocalDpi xmlns:a14="http://schemas.microsoft.com/office/drawing/2010/main" val="0"/>
+                </a:ext>
+              </a:extLst>
+            </a:blip>
+            <a:stretch>
+              <a:fillRect/>
+            </a:stretch>
+          </p:blipFill>
+          <p:spPr>
+            <a:xfrm>
+              <a:off x="0" y="0"/>
+              <a:ext cx="4123143" cy="3674076"/>
+            </a:xfrm>
+            <a:prstGeom prst="rect">
+              <a:avLst/>
+            </a:prstGeom>
+          </p:spPr>
+        </p:pic>
+        <p:pic>
+          <p:nvPicPr>
+            <p:cNvPr id="8" name="Picture 7">
+              <a:extLst>
+                <a:ext uri="{FF2B5EF4-FFF2-40B4-BE49-F238E27FC236}">
+                  <a16:creationId xmlns:a16="http://schemas.microsoft.com/office/drawing/2014/main" id="{EEC6DB6D-8E96-402D-B68E-B2231866E1E8}"/>
+                </a:ext>
+              </a:extLst>
+            </p:cNvPr>
+            <p:cNvPicPr>
+              <a:picLocks noChangeAspect="1"/>
+            </p:cNvPicPr>
+            <p:nvPr/>
+          </p:nvPicPr>
+          <p:blipFill>
+            <a:blip r:embed="rId4">
+              <a:extLst>
+                <a:ext uri="{28A0092B-C50C-407E-A947-70E740481C1C}">
+                  <a14:useLocalDpi xmlns:a14="http://schemas.microsoft.com/office/drawing/2010/main" val="0"/>
+                </a:ext>
+              </a:extLst>
+            </a:blip>
+            <a:stretch>
+              <a:fillRect/>
+            </a:stretch>
+          </p:blipFill>
+          <p:spPr>
+            <a:xfrm>
+              <a:off x="-3251" y="2858000"/>
+              <a:ext cx="4088889" cy="4000000"/>
+            </a:xfrm>
+            <a:prstGeom prst="rect">
+              <a:avLst/>
+            </a:prstGeom>
+          </p:spPr>
+        </p:pic>
+      </p:grpSp>
     </p:spTree>
     <p:extLst>
       <p:ext uri="{BB962C8B-B14F-4D97-AF65-F5344CB8AC3E}">
-        <p14:creationId xmlns:p14="http://schemas.microsoft.com/office/powerpoint/2010/main" val="4017597103"/>
+        <p14:creationId xmlns:p14="http://schemas.microsoft.com/office/powerpoint/2010/main" val="2234181911"/>
       </p:ext>
     </p:extLst>
   </p:cSld>

--- a/Aprien_Group _6.pptx
+++ b/Aprien_Group _6.pptx
@@ -5,20 +5,21 @@
     <p:sldMasterId id="2147483648" r:id="rId1"/>
   </p:sldMasterIdLst>
   <p:notesMasterIdLst>
-    <p:notesMasterId r:id="rId13"/>
+    <p:notesMasterId r:id="rId14"/>
   </p:notesMasterIdLst>
   <p:sldIdLst>
     <p:sldId id="256" r:id="rId2"/>
     <p:sldId id="257" r:id="rId3"/>
     <p:sldId id="259" r:id="rId4"/>
     <p:sldId id="260" r:id="rId5"/>
-    <p:sldId id="267" r:id="rId6"/>
-    <p:sldId id="268" r:id="rId7"/>
-    <p:sldId id="269" r:id="rId8"/>
-    <p:sldId id="270" r:id="rId9"/>
-    <p:sldId id="266" r:id="rId10"/>
+    <p:sldId id="268" r:id="rId6"/>
+    <p:sldId id="269" r:id="rId7"/>
+    <p:sldId id="270" r:id="rId8"/>
+    <p:sldId id="271" r:id="rId9"/>
+    <p:sldId id="272" r:id="rId10"/>
     <p:sldId id="262" r:id="rId11"/>
-    <p:sldId id="258" r:id="rId12"/>
+    <p:sldId id="274" r:id="rId12"/>
+    <p:sldId id="273" r:id="rId13"/>
   </p:sldIdLst>
   <p:sldSz cx="12192000" cy="6858000"/>
   <p:notesSz cx="6858000" cy="9144000"/>
@@ -120,7 +121,7 @@
   <p:extLst>
     <p:ext uri="{EFAFB233-063F-42B5-8137-9DF3F51BA10A}">
       <p15:sldGuideLst xmlns:p15="http://schemas.microsoft.com/office/powerpoint/2012/main">
-        <p15:guide id="1" orient="horz" pos="2160" userDrawn="1">
+        <p15:guide id="1" orient="horz" pos="2136" userDrawn="1">
           <p15:clr>
             <a:srgbClr val="A4A3A4"/>
           </p15:clr>
@@ -718,7 +719,7 @@
           <a:p>
             <a:fld id="{E460D524-EB5F-4E33-A65E-4B797E20057D}" type="slidenum">
               <a:rPr lang="en-US" smtClean="0"/>
-              <a:t>9</a:t>
+              <a:t>11</a:t>
             </a:fld>
             <a:endParaRPr lang="en-US"/>
           </a:p>
@@ -727,7 +728,7 @@
     </p:spTree>
     <p:extLst>
       <p:ext uri="{BB962C8B-B14F-4D97-AF65-F5344CB8AC3E}">
-        <p14:creationId xmlns:p14="http://schemas.microsoft.com/office/powerpoint/2010/main" val="274359845"/>
+        <p14:creationId xmlns:p14="http://schemas.microsoft.com/office/powerpoint/2010/main" val="2350839688"/>
       </p:ext>
     </p:extLst>
   </p:cSld>
@@ -4345,7 +4346,7 @@
                 <a:ea typeface="+mj-ea"/>
                 <a:cs typeface="+mj-cs"/>
               </a:rPr>
-              <a:t>Rory Dune</a:t>
+              <a:t>Rory Dunne</a:t>
             </a:r>
           </a:p>
           <a:p>
@@ -4812,6 +4813,42 @@
           <a:chExt cx="0" cy="0"/>
         </a:xfrm>
       </p:grpSpPr>
+      <p:pic>
+        <p:nvPicPr>
+          <p:cNvPr id="8" name="Picture 7">
+            <a:extLst>
+              <a:ext uri="{FF2B5EF4-FFF2-40B4-BE49-F238E27FC236}">
+                <a16:creationId xmlns:a16="http://schemas.microsoft.com/office/drawing/2014/main" id="{15FBD258-D656-46CD-BF6D-E6C1CE3E8597}"/>
+              </a:ext>
+            </a:extLst>
+          </p:cNvPr>
+          <p:cNvPicPr>
+            <a:picLocks noChangeAspect="1"/>
+          </p:cNvPicPr>
+          <p:nvPr/>
+        </p:nvPicPr>
+        <p:blipFill>
+          <a:blip r:embed="rId2">
+            <a:extLst>
+              <a:ext uri="{28A0092B-C50C-407E-A947-70E740481C1C}">
+                <a14:useLocalDpi xmlns:a14="http://schemas.microsoft.com/office/drawing/2010/main" val="0"/>
+              </a:ext>
+            </a:extLst>
+          </a:blip>
+          <a:stretch>
+            <a:fillRect/>
+          </a:stretch>
+        </p:blipFill>
+        <p:spPr>
+          <a:xfrm>
+            <a:off x="0" y="0"/>
+            <a:ext cx="12192000" cy="6840928"/>
+          </a:xfrm>
+          <a:prstGeom prst="rect">
+            <a:avLst/>
+          </a:prstGeom>
+        </p:spPr>
+      </p:pic>
     </p:spTree>
     <p:extLst>
       <p:ext uri="{BB962C8B-B14F-4D97-AF65-F5344CB8AC3E}">
@@ -4842,10 +4879,281 @@
           <a:chExt cx="0" cy="0"/>
         </a:xfrm>
       </p:grpSpPr>
+      <p:pic>
+        <p:nvPicPr>
+          <p:cNvPr id="5" name="Picture 4">
+            <a:extLst>
+              <a:ext uri="{FF2B5EF4-FFF2-40B4-BE49-F238E27FC236}">
+                <a16:creationId xmlns:a16="http://schemas.microsoft.com/office/drawing/2014/main" id="{D35254B9-3359-416C-A834-7A0A79EF6773}"/>
+              </a:ext>
+            </a:extLst>
+          </p:cNvPr>
+          <p:cNvPicPr>
+            <a:picLocks noChangeAspect="1"/>
+          </p:cNvPicPr>
+          <p:nvPr/>
+        </p:nvPicPr>
+        <p:blipFill>
+          <a:blip r:embed="rId3">
+            <a:extLst>
+              <a:ext uri="{28A0092B-C50C-407E-A947-70E740481C1C}">
+                <a14:useLocalDpi xmlns:a14="http://schemas.microsoft.com/office/drawing/2010/main" val="0"/>
+              </a:ext>
+            </a:extLst>
+          </a:blip>
+          <a:stretch>
+            <a:fillRect/>
+          </a:stretch>
+        </p:blipFill>
+        <p:spPr>
+          <a:xfrm>
+            <a:off x="0" y="0"/>
+            <a:ext cx="4185920" cy="6858000"/>
+          </a:xfrm>
+          <a:prstGeom prst="rect">
+            <a:avLst/>
+          </a:prstGeom>
+        </p:spPr>
+      </p:pic>
+      <p:pic>
+        <p:nvPicPr>
+          <p:cNvPr id="7" name="Picture 6">
+            <a:extLst>
+              <a:ext uri="{FF2B5EF4-FFF2-40B4-BE49-F238E27FC236}">
+                <a16:creationId xmlns:a16="http://schemas.microsoft.com/office/drawing/2014/main" id="{D93148B7-597A-495B-BD38-421792B24660}"/>
+              </a:ext>
+            </a:extLst>
+          </p:cNvPr>
+          <p:cNvPicPr>
+            <a:picLocks noChangeAspect="1"/>
+          </p:cNvPicPr>
+          <p:nvPr/>
+        </p:nvPicPr>
+        <p:blipFill>
+          <a:blip r:embed="rId4">
+            <a:extLst>
+              <a:ext uri="{28A0092B-C50C-407E-A947-70E740481C1C}">
+                <a14:useLocalDpi xmlns:a14="http://schemas.microsoft.com/office/drawing/2010/main" val="0"/>
+              </a:ext>
+            </a:extLst>
+          </a:blip>
+          <a:stretch>
+            <a:fillRect/>
+          </a:stretch>
+        </p:blipFill>
+        <p:spPr>
+          <a:xfrm>
+            <a:off x="4042490" y="-38100"/>
+            <a:ext cx="4212480" cy="6858000"/>
+          </a:xfrm>
+          <a:prstGeom prst="rect">
+            <a:avLst/>
+          </a:prstGeom>
+        </p:spPr>
+      </p:pic>
+      <p:pic>
+        <p:nvPicPr>
+          <p:cNvPr id="9" name="Picture 8">
+            <a:extLst>
+              <a:ext uri="{FF2B5EF4-FFF2-40B4-BE49-F238E27FC236}">
+                <a16:creationId xmlns:a16="http://schemas.microsoft.com/office/drawing/2014/main" id="{E041DAEB-CFDE-4C0C-8A8F-B0107527655B}"/>
+              </a:ext>
+            </a:extLst>
+          </p:cNvPr>
+          <p:cNvPicPr>
+            <a:picLocks noChangeAspect="1"/>
+          </p:cNvPicPr>
+          <p:nvPr/>
+        </p:nvPicPr>
+        <p:blipFill>
+          <a:blip r:embed="rId5">
+            <a:extLst>
+              <a:ext uri="{28A0092B-C50C-407E-A947-70E740481C1C}">
+                <a14:useLocalDpi xmlns:a14="http://schemas.microsoft.com/office/drawing/2010/main" val="0"/>
+              </a:ext>
+            </a:extLst>
+          </a:blip>
+          <a:stretch>
+            <a:fillRect/>
+          </a:stretch>
+        </p:blipFill>
+        <p:spPr>
+          <a:xfrm>
+            <a:off x="8111540" y="-38100"/>
+            <a:ext cx="4080460" cy="6858000"/>
+          </a:xfrm>
+          <a:prstGeom prst="rect">
+            <a:avLst/>
+          </a:prstGeom>
+        </p:spPr>
+      </p:pic>
     </p:spTree>
     <p:extLst>
       <p:ext uri="{BB962C8B-B14F-4D97-AF65-F5344CB8AC3E}">
-        <p14:creationId xmlns:p14="http://schemas.microsoft.com/office/powerpoint/2010/main" val="1590461893"/>
+        <p14:creationId xmlns:p14="http://schemas.microsoft.com/office/powerpoint/2010/main" val="3090850690"/>
+      </p:ext>
+    </p:extLst>
+  </p:cSld>
+  <p:clrMapOvr>
+    <a:masterClrMapping/>
+  </p:clrMapOvr>
+</p:sld>
+</file>
+
+<file path=ppt/slides/slide12.xml><?xml version="1.0" encoding="utf-8"?>
+<p:sld xmlns:a="http://schemas.openxmlformats.org/drawingml/2006/main" xmlns:r="http://schemas.openxmlformats.org/officeDocument/2006/relationships" xmlns:p="http://schemas.openxmlformats.org/presentationml/2006/main">
+  <p:cSld>
+    <p:bg>
+      <p:bgPr>
+        <a:solidFill>
+          <a:schemeClr val="bg1"/>
+        </a:solidFill>
+        <a:effectLst/>
+      </p:bgPr>
+    </p:bg>
+    <p:spTree>
+      <p:nvGrpSpPr>
+        <p:cNvPr id="1" name=""/>
+        <p:cNvGrpSpPr/>
+        <p:nvPr/>
+      </p:nvGrpSpPr>
+      <p:grpSpPr>
+        <a:xfrm>
+          <a:off x="0" y="0"/>
+          <a:ext cx="0" cy="0"/>
+          <a:chOff x="0" y="0"/>
+          <a:chExt cx="0" cy="0"/>
+        </a:xfrm>
+      </p:grpSpPr>
+      <p:pic>
+        <p:nvPicPr>
+          <p:cNvPr id="6" name="Picture 5">
+            <a:extLst>
+              <a:ext uri="{FF2B5EF4-FFF2-40B4-BE49-F238E27FC236}">
+                <a16:creationId xmlns:a16="http://schemas.microsoft.com/office/drawing/2014/main" id="{047F9DAC-3EAF-40FF-AD0A-E83211859F24}"/>
+              </a:ext>
+            </a:extLst>
+          </p:cNvPr>
+          <p:cNvPicPr>
+            <a:picLocks noChangeAspect="1"/>
+          </p:cNvPicPr>
+          <p:nvPr/>
+        </p:nvPicPr>
+        <p:blipFill rotWithShape="1">
+          <a:blip r:embed="rId2">
+            <a:extLst>
+              <a:ext uri="{28A0092B-C50C-407E-A947-70E740481C1C}">
+                <a14:useLocalDpi xmlns:a14="http://schemas.microsoft.com/office/drawing/2010/main" val="0"/>
+              </a:ext>
+            </a:extLst>
+          </a:blip>
+          <a:srcRect l="5629" r="4152" b="-2"/>
+          <a:stretch/>
+        </p:blipFill>
+        <p:spPr>
+          <a:xfrm>
+            <a:off x="-11909" y="10"/>
+            <a:ext cx="6324601" cy="6857990"/>
+          </a:xfrm>
+          <a:prstGeom prst="rect">
+            <a:avLst/>
+          </a:prstGeom>
+        </p:spPr>
+      </p:pic>
+      <p:pic>
+        <p:nvPicPr>
+          <p:cNvPr id="17" name="Picture 10">
+            <a:extLst>
+              <a:ext uri="{FF2B5EF4-FFF2-40B4-BE49-F238E27FC236}">
+                <a16:creationId xmlns:a16="http://schemas.microsoft.com/office/drawing/2014/main" id="{19AE98B8-B73A-4724-B639-017087F9239F}"/>
+              </a:ext>
+              <a:ext uri="{C183D7F6-B498-43B3-948B-1728B52AA6E4}">
+                <adec:decorative xmlns:adec="http://schemas.microsoft.com/office/drawing/2017/decorative" val="1"/>
+              </a:ext>
+            </a:extLst>
+          </p:cNvPr>
+          <p:cNvPicPr>
+            <a:picLocks noGrp="1" noRot="1" noChangeAspect="1" noMove="1" noResize="1" noEditPoints="1" noAdjustHandles="1" noChangeArrowheads="1" noChangeShapeType="1" noCrop="1"/>
+          </p:cNvPicPr>
+          <p:nvPr>
+            <p:extLst>
+              <p:ext uri="{386F3935-93C4-4BCD-93E2-E3B085C9AB24}">
+                <p16:designElem xmlns:p16="http://schemas.microsoft.com/office/powerpoint/2015/main" val="1"/>
+              </p:ext>
+            </p:extLst>
+          </p:nvPr>
+        </p:nvPicPr>
+        <p:blipFill>
+          <a:blip r:embed="rId3">
+            <a:extLst>
+              <a:ext uri="{28A0092B-C50C-407E-A947-70E740481C1C}">
+                <a14:useLocalDpi xmlns:a14="http://schemas.microsoft.com/office/drawing/2010/main" val="0"/>
+              </a:ext>
+            </a:extLst>
+          </a:blip>
+          <a:stretch>
+            <a:fillRect/>
+          </a:stretch>
+        </p:blipFill>
+        <p:spPr>
+          <a:xfrm>
+            <a:off x="0" y="0"/>
+            <a:ext cx="12192000" cy="6858000"/>
+          </a:xfrm>
+          <a:prstGeom prst="rect">
+            <a:avLst/>
+          </a:prstGeom>
+        </p:spPr>
+      </p:pic>
+      <p:sp>
+        <p:nvSpPr>
+          <p:cNvPr id="8" name="Rectangle 7">
+            <a:extLst>
+              <a:ext uri="{FF2B5EF4-FFF2-40B4-BE49-F238E27FC236}">
+                <a16:creationId xmlns:a16="http://schemas.microsoft.com/office/drawing/2014/main" id="{31C2C0C7-C180-4D08-BF7C-A74F42EBC656}"/>
+              </a:ext>
+            </a:extLst>
+          </p:cNvPr>
+          <p:cNvSpPr/>
+          <p:nvPr/>
+        </p:nvSpPr>
+        <p:spPr>
+          <a:xfrm>
+            <a:off x="8078347" y="3390900"/>
+            <a:ext cx="2558552" cy="742820"/>
+          </a:xfrm>
+          <a:prstGeom prst="rect">
+            <a:avLst/>
+          </a:prstGeom>
+        </p:spPr>
+        <p:txBody>
+          <a:bodyPr vert="horz" lIns="91440" tIns="45720" rIns="91440" bIns="45720" rtlCol="0" anchor="t">
+            <a:normAutofit/>
+          </a:bodyPr>
+          <a:lstStyle/>
+          <a:p>
+            <a:pPr>
+              <a:lnSpc>
+                <a:spcPct val="90000"/>
+              </a:lnSpc>
+              <a:spcBef>
+                <a:spcPct val="0"/>
+              </a:spcBef>
+              <a:spcAft>
+                <a:spcPts val="600"/>
+              </a:spcAft>
+            </a:pPr>
+            <a:r>
+              <a:rPr lang="en-US" sz="2800" dirty="0"/>
+              <a:t>OUR VISION</a:t>
+            </a:r>
+          </a:p>
+        </p:txBody>
+      </p:sp>
+    </p:spTree>
+    <p:extLst>
+      <p:ext uri="{BB962C8B-B14F-4D97-AF65-F5344CB8AC3E}">
+        <p14:creationId xmlns:p14="http://schemas.microsoft.com/office/powerpoint/2010/main" val="275078507"/>
       </p:ext>
     </p:extLst>
   </p:cSld>
@@ -4974,7 +5282,7 @@
         </p:nvSpPr>
         <p:spPr>
           <a:xfrm>
-            <a:off x="6707778" y="4676908"/>
+            <a:off x="6817756" y="2688451"/>
             <a:ext cx="4869179" cy="3047946"/>
           </a:xfrm>
           <a:prstGeom prst="rect">
@@ -5093,39 +5401,7 @@
                   <a:srgbClr val="000000"/>
                 </a:solidFill>
               </a:rPr>
-              <a:t> help Debt Management Program participants successfully graduate from the program at a higher rate? </a:t>
-            </a:r>
-            <a:r>
-              <a:rPr lang="en-US" sz="2400" dirty="0" err="1">
-                <a:solidFill>
-                  <a:srgbClr val="000000"/>
-                </a:solidFill>
-              </a:rPr>
-              <a:t>Apprisen</a:t>
-            </a:r>
-            <a:r>
-              <a:rPr lang="en-US" sz="2400" dirty="0">
-                <a:solidFill>
-                  <a:srgbClr val="000000"/>
-                </a:solidFill>
-              </a:rPr>
-              <a:t> would like an app that allows the </a:t>
-            </a:r>
-            <a:r>
-              <a:rPr lang="en-US" sz="2400" dirty="0" err="1">
-                <a:solidFill>
-                  <a:srgbClr val="000000"/>
-                </a:solidFill>
-              </a:rPr>
-              <a:t>cllients</a:t>
-            </a:r>
-            <a:r>
-              <a:rPr lang="en-US" sz="2400" dirty="0">
-                <a:solidFill>
-                  <a:srgbClr val="000000"/>
-                </a:solidFill>
-              </a:rPr>
-              <a:t> to find the information about their program, track their progress with a motivational visual representation, and access tools/resources cultivated exclusively for them. Additional features would include the ability to communicate through the app, send push notifications, and encourage the participants with motivation tools.</a:t>
+              <a:t> help Debt Management Program participants successfully graduate from the program at a higher rate?.</a:t>
             </a:r>
             <a:endParaRPr lang="en-US" sz="2400" dirty="0">
               <a:ln w="0"/>
@@ -6346,600 +6622,6 @@
       </p:pic>
       <p:sp>
         <p:nvSpPr>
-          <p:cNvPr id="4" name="Rectangle 3">
-            <a:extLst>
-              <a:ext uri="{FF2B5EF4-FFF2-40B4-BE49-F238E27FC236}">
-                <a16:creationId xmlns:a16="http://schemas.microsoft.com/office/drawing/2014/main" id="{EA166BA9-897B-4FB9-90A0-4A2EC6862345}"/>
-              </a:ext>
-            </a:extLst>
-          </p:cNvPr>
-          <p:cNvSpPr/>
-          <p:nvPr/>
-        </p:nvSpPr>
-        <p:spPr>
-          <a:xfrm>
-            <a:off x="6324601" y="5834742"/>
-            <a:ext cx="5591627" cy="1295025"/>
-          </a:xfrm>
-          <a:prstGeom prst="rect">
-            <a:avLst/>
-          </a:prstGeom>
-        </p:spPr>
-        <p:txBody>
-          <a:bodyPr vert="horz" lIns="91440" tIns="45720" rIns="91440" bIns="45720" rtlCol="0" anchor="b">
-            <a:noAutofit/>
-          </a:bodyPr>
-          <a:lstStyle/>
-          <a:p>
-            <a:pPr marL="342900" indent="-342900">
-              <a:lnSpc>
-                <a:spcPct val="90000"/>
-              </a:lnSpc>
-              <a:spcBef>
-                <a:spcPct val="0"/>
-              </a:spcBef>
-              <a:spcAft>
-                <a:spcPts val="600"/>
-              </a:spcAft>
-              <a:buFont typeface="Arial" panose="020B0604020202020204" pitchFamily="34" charset="0"/>
-              <a:buChar char="•"/>
-            </a:pPr>
-            <a:r>
-              <a:rPr lang="en-US" sz="2800" dirty="0">
-                <a:ln w="0"/>
-                <a:solidFill>
-                  <a:srgbClr val="000000"/>
-                </a:solidFill>
-                <a:effectLst>
-                  <a:outerShdw blurRad="38100" dist="19050" dir="2700000" algn="tl" rotWithShape="0">
-                    <a:schemeClr val="dk1">
-                      <a:alpha val="40000"/>
-                    </a:schemeClr>
-                  </a:outerShdw>
-                </a:effectLst>
-              </a:rPr>
-              <a:t>Balance Summary </a:t>
-            </a:r>
-          </a:p>
-          <a:p>
-            <a:pPr marL="342900" indent="-342900">
-              <a:lnSpc>
-                <a:spcPct val="90000"/>
-              </a:lnSpc>
-              <a:spcBef>
-                <a:spcPct val="0"/>
-              </a:spcBef>
-              <a:spcAft>
-                <a:spcPts val="600"/>
-              </a:spcAft>
-              <a:buFont typeface="Arial" panose="020B0604020202020204" pitchFamily="34" charset="0"/>
-              <a:buChar char="•"/>
-            </a:pPr>
-            <a:endParaRPr lang="en-US" sz="2800" dirty="0">
-              <a:ln w="0"/>
-              <a:solidFill>
-                <a:srgbClr val="000000"/>
-              </a:solidFill>
-              <a:effectLst>
-                <a:outerShdw blurRad="38100" dist="19050" dir="2700000" algn="tl" rotWithShape="0">
-                  <a:schemeClr val="dk1">
-                    <a:alpha val="40000"/>
-                  </a:schemeClr>
-                </a:outerShdw>
-              </a:effectLst>
-            </a:endParaRPr>
-          </a:p>
-          <a:p>
-            <a:pPr marL="342900" indent="-342900">
-              <a:lnSpc>
-                <a:spcPct val="90000"/>
-              </a:lnSpc>
-              <a:spcBef>
-                <a:spcPct val="0"/>
-              </a:spcBef>
-              <a:spcAft>
-                <a:spcPts val="600"/>
-              </a:spcAft>
-              <a:buFont typeface="Arial" panose="020B0604020202020204" pitchFamily="34" charset="0"/>
-              <a:buChar char="•"/>
-            </a:pPr>
-            <a:endParaRPr lang="en-US" sz="2800" dirty="0">
-              <a:ln w="0"/>
-              <a:solidFill>
-                <a:srgbClr val="000000"/>
-              </a:solidFill>
-              <a:effectLst>
-                <a:outerShdw blurRad="38100" dist="19050" dir="2700000" algn="tl" rotWithShape="0">
-                  <a:schemeClr val="dk1">
-                    <a:alpha val="40000"/>
-                  </a:schemeClr>
-                </a:outerShdw>
-              </a:effectLst>
-            </a:endParaRPr>
-          </a:p>
-          <a:p>
-            <a:pPr marL="342900" indent="-342900">
-              <a:lnSpc>
-                <a:spcPct val="90000"/>
-              </a:lnSpc>
-              <a:spcBef>
-                <a:spcPct val="0"/>
-              </a:spcBef>
-              <a:spcAft>
-                <a:spcPts val="600"/>
-              </a:spcAft>
-              <a:buFont typeface="Arial" panose="020B0604020202020204" pitchFamily="34" charset="0"/>
-              <a:buChar char="•"/>
-            </a:pPr>
-            <a:endParaRPr lang="en-US" sz="2800" dirty="0">
-              <a:ln w="0"/>
-              <a:solidFill>
-                <a:srgbClr val="000000"/>
-              </a:solidFill>
-              <a:effectLst>
-                <a:outerShdw blurRad="38100" dist="19050" dir="2700000" algn="tl" rotWithShape="0">
-                  <a:schemeClr val="dk1">
-                    <a:alpha val="40000"/>
-                  </a:schemeClr>
-                </a:outerShdw>
-              </a:effectLst>
-            </a:endParaRPr>
-          </a:p>
-          <a:p>
-            <a:pPr marL="342900" indent="-342900">
-              <a:lnSpc>
-                <a:spcPct val="90000"/>
-              </a:lnSpc>
-              <a:spcBef>
-                <a:spcPct val="0"/>
-              </a:spcBef>
-              <a:spcAft>
-                <a:spcPts val="600"/>
-              </a:spcAft>
-              <a:buFont typeface="Arial" panose="020B0604020202020204" pitchFamily="34" charset="0"/>
-              <a:buChar char="•"/>
-            </a:pPr>
-            <a:endParaRPr lang="en-US" sz="2800" dirty="0">
-              <a:ln w="0"/>
-              <a:solidFill>
-                <a:srgbClr val="000000"/>
-              </a:solidFill>
-              <a:effectLst>
-                <a:outerShdw blurRad="38100" dist="19050" dir="2700000" algn="tl" rotWithShape="0">
-                  <a:schemeClr val="dk1">
-                    <a:alpha val="40000"/>
-                  </a:schemeClr>
-                </a:outerShdw>
-              </a:effectLst>
-            </a:endParaRPr>
-          </a:p>
-          <a:p>
-            <a:pPr marL="342900" indent="-342900">
-              <a:lnSpc>
-                <a:spcPct val="90000"/>
-              </a:lnSpc>
-              <a:spcBef>
-                <a:spcPct val="0"/>
-              </a:spcBef>
-              <a:spcAft>
-                <a:spcPts val="600"/>
-              </a:spcAft>
-              <a:buFont typeface="Arial" panose="020B0604020202020204" pitchFamily="34" charset="0"/>
-              <a:buChar char="•"/>
-            </a:pPr>
-            <a:endParaRPr lang="en-US" sz="2800" dirty="0">
-              <a:ln w="0"/>
-              <a:solidFill>
-                <a:srgbClr val="000000"/>
-              </a:solidFill>
-              <a:effectLst>
-                <a:outerShdw blurRad="38100" dist="19050" dir="2700000" algn="tl" rotWithShape="0">
-                  <a:schemeClr val="dk1">
-                    <a:alpha val="40000"/>
-                  </a:schemeClr>
-                </a:outerShdw>
-              </a:effectLst>
-            </a:endParaRPr>
-          </a:p>
-          <a:p>
-            <a:pPr>
-              <a:lnSpc>
-                <a:spcPct val="90000"/>
-              </a:lnSpc>
-              <a:spcBef>
-                <a:spcPct val="0"/>
-              </a:spcBef>
-              <a:spcAft>
-                <a:spcPts val="600"/>
-              </a:spcAft>
-            </a:pPr>
-            <a:endParaRPr lang="en-US" sz="2800" dirty="0">
-              <a:ln w="0"/>
-              <a:solidFill>
-                <a:srgbClr val="000000"/>
-              </a:solidFill>
-              <a:effectLst>
-                <a:outerShdw blurRad="38100" dist="19050" dir="2700000" algn="tl" rotWithShape="0">
-                  <a:schemeClr val="dk1">
-                    <a:alpha val="40000"/>
-                  </a:schemeClr>
-                </a:outerShdw>
-              </a:effectLst>
-            </a:endParaRPr>
-          </a:p>
-          <a:p>
-            <a:pPr marL="342900" indent="-342900">
-              <a:lnSpc>
-                <a:spcPct val="90000"/>
-              </a:lnSpc>
-              <a:spcBef>
-                <a:spcPct val="0"/>
-              </a:spcBef>
-              <a:spcAft>
-                <a:spcPts val="600"/>
-              </a:spcAft>
-              <a:buFont typeface="Arial" panose="020B0604020202020204" pitchFamily="34" charset="0"/>
-              <a:buChar char="•"/>
-            </a:pPr>
-            <a:r>
-              <a:rPr lang="en-US" sz="2800" dirty="0">
-                <a:ln w="0"/>
-                <a:solidFill>
-                  <a:srgbClr val="000000"/>
-                </a:solidFill>
-                <a:effectLst>
-                  <a:outerShdw blurRad="38100" dist="19050" dir="2700000" algn="tl" rotWithShape="0">
-                    <a:schemeClr val="dk1">
-                      <a:alpha val="40000"/>
-                    </a:schemeClr>
-                  </a:outerShdw>
-                </a:effectLst>
-              </a:rPr>
-              <a:t>Different Goal Steps  ---  Motivational Tiers</a:t>
-            </a:r>
-          </a:p>
-          <a:p>
-            <a:pPr>
-              <a:lnSpc>
-                <a:spcPct val="90000"/>
-              </a:lnSpc>
-              <a:spcBef>
-                <a:spcPct val="0"/>
-              </a:spcBef>
-              <a:spcAft>
-                <a:spcPts val="600"/>
-              </a:spcAft>
-            </a:pPr>
-            <a:endParaRPr lang="en-US" sz="2800" dirty="0">
-              <a:ln w="0"/>
-              <a:solidFill>
-                <a:srgbClr val="000000"/>
-              </a:solidFill>
-              <a:effectLst>
-                <a:outerShdw blurRad="38100" dist="19050" dir="2700000" algn="tl" rotWithShape="0">
-                  <a:schemeClr val="dk1">
-                    <a:alpha val="40000"/>
-                  </a:schemeClr>
-                </a:outerShdw>
-              </a:effectLst>
-            </a:endParaRPr>
-          </a:p>
-          <a:p>
-            <a:pPr>
-              <a:lnSpc>
-                <a:spcPct val="90000"/>
-              </a:lnSpc>
-              <a:spcBef>
-                <a:spcPct val="0"/>
-              </a:spcBef>
-              <a:spcAft>
-                <a:spcPts val="600"/>
-              </a:spcAft>
-            </a:pPr>
-            <a:endParaRPr lang="en-US" sz="2800" dirty="0">
-              <a:ln w="0"/>
-              <a:solidFill>
-                <a:srgbClr val="000000"/>
-              </a:solidFill>
-              <a:effectLst>
-                <a:outerShdw blurRad="38100" dist="19050" dir="2700000" algn="tl" rotWithShape="0">
-                  <a:schemeClr val="dk1">
-                    <a:alpha val="40000"/>
-                  </a:schemeClr>
-                </a:outerShdw>
-              </a:effectLst>
-            </a:endParaRPr>
-          </a:p>
-          <a:p>
-            <a:pPr marL="342900" indent="-342900">
-              <a:lnSpc>
-                <a:spcPct val="90000"/>
-              </a:lnSpc>
-              <a:spcBef>
-                <a:spcPct val="0"/>
-              </a:spcBef>
-              <a:spcAft>
-                <a:spcPts val="600"/>
-              </a:spcAft>
-              <a:buFont typeface="Arial" panose="020B0604020202020204" pitchFamily="34" charset="0"/>
-              <a:buChar char="•"/>
-            </a:pPr>
-            <a:r>
-              <a:rPr lang="en-US" sz="2800" dirty="0">
-                <a:ln w="0"/>
-                <a:solidFill>
-                  <a:srgbClr val="000000"/>
-                </a:solidFill>
-                <a:effectLst>
-                  <a:outerShdw blurRad="38100" dist="19050" dir="2700000" algn="tl" rotWithShape="0">
-                    <a:schemeClr val="dk1">
-                      <a:alpha val="40000"/>
-                    </a:schemeClr>
-                  </a:outerShdw>
-                </a:effectLst>
-              </a:rPr>
-              <a:t>One More payment until you are </a:t>
-            </a:r>
-            <a:r>
-              <a:rPr lang="en-US" sz="2800" dirty="0">
-                <a:ln w="0"/>
-                <a:solidFill>
-                  <a:srgbClr val="FF0000"/>
-                </a:solidFill>
-                <a:effectLst>
-                  <a:outerShdw blurRad="38100" dist="19050" dir="2700000" algn="tl" rotWithShape="0">
-                    <a:schemeClr val="dk1">
-                      <a:alpha val="40000"/>
-                    </a:schemeClr>
-                  </a:outerShdw>
-                </a:effectLst>
-              </a:rPr>
-              <a:t>25%</a:t>
-            </a:r>
-            <a:r>
-              <a:rPr lang="en-US" sz="2800" dirty="0">
-                <a:ln w="0"/>
-                <a:solidFill>
-                  <a:srgbClr val="000000"/>
-                </a:solidFill>
-                <a:effectLst>
-                  <a:outerShdw blurRad="38100" dist="19050" dir="2700000" algn="tl" rotWithShape="0">
-                    <a:schemeClr val="dk1">
-                      <a:alpha val="40000"/>
-                    </a:schemeClr>
-                  </a:outerShdw>
-                </a:effectLst>
-              </a:rPr>
-              <a:t>, </a:t>
-            </a:r>
-            <a:r>
-              <a:rPr lang="en-US" sz="2800" dirty="0">
-                <a:ln w="0"/>
-                <a:solidFill>
-                  <a:srgbClr val="FF0000"/>
-                </a:solidFill>
-                <a:effectLst>
-                  <a:outerShdw blurRad="38100" dist="19050" dir="2700000" algn="tl" rotWithShape="0">
-                    <a:schemeClr val="dk1">
-                      <a:alpha val="40000"/>
-                    </a:schemeClr>
-                  </a:outerShdw>
-                </a:effectLst>
-              </a:rPr>
-              <a:t>50%</a:t>
-            </a:r>
-            <a:r>
-              <a:rPr lang="en-US" sz="2800" dirty="0">
-                <a:ln w="0"/>
-                <a:solidFill>
-                  <a:srgbClr val="000000"/>
-                </a:solidFill>
-                <a:effectLst>
-                  <a:outerShdw blurRad="38100" dist="19050" dir="2700000" algn="tl" rotWithShape="0">
-                    <a:schemeClr val="dk1">
-                      <a:alpha val="40000"/>
-                    </a:schemeClr>
-                  </a:outerShdw>
-                </a:effectLst>
-              </a:rPr>
-              <a:t>, </a:t>
-            </a:r>
-            <a:r>
-              <a:rPr lang="en-US" sz="2800" dirty="0">
-                <a:ln w="0"/>
-                <a:solidFill>
-                  <a:srgbClr val="FF0000"/>
-                </a:solidFill>
-                <a:effectLst>
-                  <a:outerShdw blurRad="38100" dist="19050" dir="2700000" algn="tl" rotWithShape="0">
-                    <a:schemeClr val="dk1">
-                      <a:alpha val="40000"/>
-                    </a:schemeClr>
-                  </a:outerShdw>
-                </a:effectLst>
-              </a:rPr>
-              <a:t>75%</a:t>
-            </a:r>
-          </a:p>
-          <a:p>
-            <a:pPr>
-              <a:lnSpc>
-                <a:spcPct val="90000"/>
-              </a:lnSpc>
-              <a:spcBef>
-                <a:spcPct val="0"/>
-              </a:spcBef>
-              <a:spcAft>
-                <a:spcPts val="600"/>
-              </a:spcAft>
-            </a:pPr>
-            <a:r>
-              <a:rPr lang="en-US" sz="2800" dirty="0">
-                <a:ln w="0"/>
-                <a:solidFill>
-                  <a:srgbClr val="000000"/>
-                </a:solidFill>
-                <a:effectLst>
-                  <a:outerShdw blurRad="38100" dist="19050" dir="2700000" algn="tl" rotWithShape="0">
-                    <a:schemeClr val="dk1">
-                      <a:alpha val="40000"/>
-                    </a:schemeClr>
-                  </a:outerShdw>
-                </a:effectLst>
-              </a:rPr>
-              <a:t>     of your goal</a:t>
-            </a:r>
-          </a:p>
-          <a:p>
-            <a:pPr indent="-228600">
-              <a:lnSpc>
-                <a:spcPct val="90000"/>
-              </a:lnSpc>
-              <a:spcBef>
-                <a:spcPct val="0"/>
-              </a:spcBef>
-              <a:spcAft>
-                <a:spcPts val="600"/>
-              </a:spcAft>
-              <a:buFont typeface="Arial" panose="020B0604020202020204" pitchFamily="34" charset="0"/>
-              <a:buChar char="•"/>
-            </a:pPr>
-            <a:endParaRPr lang="en-US" sz="2800" b="0" cap="none" spc="0" dirty="0">
-              <a:ln w="0"/>
-              <a:solidFill>
-                <a:srgbClr val="000000"/>
-              </a:solidFill>
-              <a:effectLst>
-                <a:outerShdw blurRad="38100" dist="19050" dir="2700000" algn="tl" rotWithShape="0">
-                  <a:schemeClr val="dk1">
-                    <a:alpha val="40000"/>
-                  </a:schemeClr>
-                </a:outerShdw>
-              </a:effectLst>
-            </a:endParaRPr>
-          </a:p>
-        </p:txBody>
-      </p:sp>
-    </p:spTree>
-    <p:extLst>
-      <p:ext uri="{BB962C8B-B14F-4D97-AF65-F5344CB8AC3E}">
-        <p14:creationId xmlns:p14="http://schemas.microsoft.com/office/powerpoint/2010/main" val="2242032321"/>
-      </p:ext>
-    </p:extLst>
-  </p:cSld>
-  <p:clrMapOvr>
-    <a:masterClrMapping/>
-  </p:clrMapOvr>
-</p:sld>
-</file>
-
-<file path=ppt/slides/slide6.xml><?xml version="1.0" encoding="utf-8"?>
-<p:sld xmlns:a="http://schemas.openxmlformats.org/drawingml/2006/main" xmlns:r="http://schemas.openxmlformats.org/officeDocument/2006/relationships" xmlns:p="http://schemas.openxmlformats.org/presentationml/2006/main">
-  <p:cSld>
-    <p:bg>
-      <p:bgPr>
-        <a:solidFill>
-          <a:schemeClr val="bg1"/>
-        </a:solidFill>
-        <a:effectLst/>
-      </p:bgPr>
-    </p:bg>
-    <p:spTree>
-      <p:nvGrpSpPr>
-        <p:cNvPr id="1" name=""/>
-        <p:cNvGrpSpPr/>
-        <p:nvPr/>
-      </p:nvGrpSpPr>
-      <p:grpSpPr>
-        <a:xfrm>
-          <a:off x="0" y="0"/>
-          <a:ext cx="0" cy="0"/>
-          <a:chOff x="0" y="0"/>
-          <a:chExt cx="0" cy="0"/>
-        </a:xfrm>
-      </p:grpSpPr>
-      <p:pic>
-        <p:nvPicPr>
-          <p:cNvPr id="6" name="Picture 5">
-            <a:extLst>
-              <a:ext uri="{FF2B5EF4-FFF2-40B4-BE49-F238E27FC236}">
-                <a16:creationId xmlns:a16="http://schemas.microsoft.com/office/drawing/2014/main" id="{047F9DAC-3EAF-40FF-AD0A-E83211859F24}"/>
-              </a:ext>
-            </a:extLst>
-          </p:cNvPr>
-          <p:cNvPicPr>
-            <a:picLocks noChangeAspect="1"/>
-          </p:cNvPicPr>
-          <p:nvPr/>
-        </p:nvPicPr>
-        <p:blipFill rotWithShape="1">
-          <a:blip r:embed="rId2">
-            <a:extLst>
-              <a:ext uri="{28A0092B-C50C-407E-A947-70E740481C1C}">
-                <a14:useLocalDpi xmlns:a14="http://schemas.microsoft.com/office/drawing/2010/main" val="0"/>
-              </a:ext>
-            </a:extLst>
-          </a:blip>
-          <a:srcRect l="5629" r="4152" b="-2"/>
-          <a:stretch/>
-        </p:blipFill>
-        <p:spPr>
-          <a:xfrm>
-            <a:off x="-11909" y="10"/>
-            <a:ext cx="6324601" cy="6857990"/>
-          </a:xfrm>
-          <a:prstGeom prst="rect">
-            <a:avLst/>
-          </a:prstGeom>
-        </p:spPr>
-      </p:pic>
-      <p:pic>
-        <p:nvPicPr>
-          <p:cNvPr id="17" name="Picture 10">
-            <a:extLst>
-              <a:ext uri="{FF2B5EF4-FFF2-40B4-BE49-F238E27FC236}">
-                <a16:creationId xmlns:a16="http://schemas.microsoft.com/office/drawing/2014/main" id="{19AE98B8-B73A-4724-B639-017087F9239F}"/>
-              </a:ext>
-              <a:ext uri="{C183D7F6-B498-43B3-948B-1728B52AA6E4}">
-                <adec:decorative xmlns:adec="http://schemas.microsoft.com/office/drawing/2017/decorative" val="1"/>
-              </a:ext>
-            </a:extLst>
-          </p:cNvPr>
-          <p:cNvPicPr>
-            <a:picLocks noGrp="1" noRot="1" noChangeAspect="1" noMove="1" noResize="1" noEditPoints="1" noAdjustHandles="1" noChangeArrowheads="1" noChangeShapeType="1" noCrop="1"/>
-          </p:cNvPicPr>
-          <p:nvPr>
-            <p:extLst>
-              <p:ext uri="{386F3935-93C4-4BCD-93E2-E3B085C9AB24}">
-                <p16:designElem xmlns:p16="http://schemas.microsoft.com/office/powerpoint/2015/main" val="1"/>
-              </p:ext>
-            </p:extLst>
-          </p:nvPr>
-        </p:nvPicPr>
-        <p:blipFill>
-          <a:blip r:embed="rId3">
-            <a:extLst>
-              <a:ext uri="{28A0092B-C50C-407E-A947-70E740481C1C}">
-                <a14:useLocalDpi xmlns:a14="http://schemas.microsoft.com/office/drawing/2010/main" val="0"/>
-              </a:ext>
-            </a:extLst>
-          </a:blip>
-          <a:stretch>
-            <a:fillRect/>
-          </a:stretch>
-        </p:blipFill>
-        <p:spPr>
-          <a:xfrm>
-            <a:off x="0" y="0"/>
-            <a:ext cx="12192000" cy="6858000"/>
-          </a:xfrm>
-          <a:prstGeom prst="rect">
-            <a:avLst/>
-          </a:prstGeom>
-        </p:spPr>
-      </p:pic>
-      <p:sp>
-        <p:nvSpPr>
           <p:cNvPr id="5" name="Rectangle 4">
             <a:extLst>
               <a:ext uri="{FF2B5EF4-FFF2-40B4-BE49-F238E27FC236}">
@@ -6964,6 +6646,37 @@
             <a:normAutofit/>
           </a:bodyPr>
           <a:lstStyle/>
+          <a:p>
+            <a:pPr marL="342900" indent="-342900">
+              <a:lnSpc>
+                <a:spcPct val="90000"/>
+              </a:lnSpc>
+              <a:spcBef>
+                <a:spcPct val="0"/>
+              </a:spcBef>
+              <a:spcAft>
+                <a:spcPts val="600"/>
+              </a:spcAft>
+              <a:buFont typeface="Arial" panose="020B0604020202020204" pitchFamily="34" charset="0"/>
+              <a:buChar char="•"/>
+            </a:pPr>
+            <a:r>
+              <a:rPr lang="en-US" sz="2400" dirty="0">
+                <a:ln w="0"/>
+                <a:solidFill>
+                  <a:srgbClr val="000000"/>
+                </a:solidFill>
+                <a:effectLst>
+                  <a:outerShdw blurRad="38100" dist="19050" dir="2700000" algn="tl" rotWithShape="0">
+                    <a:schemeClr val="dk1">
+                      <a:alpha val="40000"/>
+                    </a:schemeClr>
+                  </a:outerShdw>
+                </a:effectLst>
+              </a:rPr>
+              <a:t>Balance Summary </a:t>
+            </a:r>
+          </a:p>
           <a:p>
             <a:pPr>
               <a:lnSpc>
@@ -7078,7 +6791,7 @@
             </a:endParaRPr>
           </a:p>
           <a:p>
-            <a:pPr marL="342900" indent="-342900">
+            <a:pPr>
               <a:lnSpc>
                 <a:spcPct val="90000"/>
               </a:lnSpc>
@@ -7088,64 +6801,6 @@
               <a:spcAft>
                 <a:spcPts val="600"/>
               </a:spcAft>
-              <a:buFont typeface="Arial" panose="020B0604020202020204" pitchFamily="34" charset="0"/>
-              <a:buChar char="•"/>
-            </a:pPr>
-            <a:endParaRPr lang="en-US" sz="2400" dirty="0">
-              <a:ln w="0"/>
-              <a:solidFill>
-                <a:srgbClr val="000000"/>
-              </a:solidFill>
-              <a:effectLst>
-                <a:outerShdw blurRad="38100" dist="19050" dir="2700000" algn="tl" rotWithShape="0">
-                  <a:schemeClr val="dk1">
-                    <a:alpha val="40000"/>
-                  </a:schemeClr>
-                </a:outerShdw>
-              </a:effectLst>
-            </a:endParaRPr>
-          </a:p>
-          <a:p>
-            <a:pPr marL="342900" indent="-342900">
-              <a:lnSpc>
-                <a:spcPct val="90000"/>
-              </a:lnSpc>
-              <a:spcBef>
-                <a:spcPct val="0"/>
-              </a:spcBef>
-              <a:spcAft>
-                <a:spcPts val="600"/>
-              </a:spcAft>
-              <a:buFont typeface="Arial" panose="020B0604020202020204" pitchFamily="34" charset="0"/>
-              <a:buChar char="•"/>
-            </a:pPr>
-            <a:endParaRPr lang="en-US" sz="2400" dirty="0">
-              <a:ln w="0"/>
-              <a:solidFill>
-                <a:srgbClr val="000000"/>
-              </a:solidFill>
-              <a:effectLst>
-                <a:outerShdw blurRad="38100" dist="19050" dir="2700000" algn="tl" rotWithShape="0">
-                  <a:schemeClr val="dk1">
-                    <a:alpha val="40000"/>
-                  </a:schemeClr>
-                </a:outerShdw>
-              </a:effectLst>
-            </a:endParaRPr>
-          </a:p>
-          <a:p>
-            <a:pPr marL="342900" indent="-342900">
-              <a:lnSpc>
-                <a:spcPct val="90000"/>
-              </a:lnSpc>
-              <a:spcBef>
-                <a:spcPct val="0"/>
-              </a:spcBef>
-              <a:spcAft>
-                <a:spcPts val="600"/>
-              </a:spcAft>
-              <a:buFont typeface="Arial" panose="020B0604020202020204" pitchFamily="34" charset="0"/>
-              <a:buChar char="•"/>
             </a:pPr>
             <a:endParaRPr lang="en-US" sz="2400" dirty="0">
               <a:ln w="0"/>
@@ -7405,7 +7060,7 @@
         </p:nvGrpSpPr>
         <p:grpSpPr>
           <a:xfrm>
-            <a:off x="6715797" y="2000785"/>
+            <a:off x="6730311" y="2464224"/>
             <a:ext cx="4576316" cy="1083576"/>
             <a:chOff x="4335455" y="1737346"/>
             <a:chExt cx="7476594" cy="1450801"/>
@@ -7678,6 +7333,649 @@
 </p:sld>
 </file>
 
+<file path=ppt/slides/slide6.xml><?xml version="1.0" encoding="utf-8"?>
+<p:sld xmlns:a="http://schemas.openxmlformats.org/drawingml/2006/main" xmlns:r="http://schemas.openxmlformats.org/officeDocument/2006/relationships" xmlns:p="http://schemas.openxmlformats.org/presentationml/2006/main">
+  <p:cSld>
+    <p:bg>
+      <p:bgPr>
+        <a:solidFill>
+          <a:schemeClr val="bg1"/>
+        </a:solidFill>
+        <a:effectLst/>
+      </p:bgPr>
+    </p:bg>
+    <p:spTree>
+      <p:nvGrpSpPr>
+        <p:cNvPr id="1" name=""/>
+        <p:cNvGrpSpPr/>
+        <p:nvPr/>
+      </p:nvGrpSpPr>
+      <p:grpSpPr>
+        <a:xfrm>
+          <a:off x="0" y="0"/>
+          <a:ext cx="0" cy="0"/>
+          <a:chOff x="0" y="0"/>
+          <a:chExt cx="0" cy="0"/>
+        </a:xfrm>
+      </p:grpSpPr>
+      <p:pic>
+        <p:nvPicPr>
+          <p:cNvPr id="6" name="Picture 5">
+            <a:extLst>
+              <a:ext uri="{FF2B5EF4-FFF2-40B4-BE49-F238E27FC236}">
+                <a16:creationId xmlns:a16="http://schemas.microsoft.com/office/drawing/2014/main" id="{047F9DAC-3EAF-40FF-AD0A-E83211859F24}"/>
+              </a:ext>
+            </a:extLst>
+          </p:cNvPr>
+          <p:cNvPicPr>
+            <a:picLocks noChangeAspect="1"/>
+          </p:cNvPicPr>
+          <p:nvPr/>
+        </p:nvPicPr>
+        <p:blipFill rotWithShape="1">
+          <a:blip r:embed="rId2">
+            <a:extLst>
+              <a:ext uri="{28A0092B-C50C-407E-A947-70E740481C1C}">
+                <a14:useLocalDpi xmlns:a14="http://schemas.microsoft.com/office/drawing/2010/main" val="0"/>
+              </a:ext>
+            </a:extLst>
+          </a:blip>
+          <a:srcRect l="5629" r="4152" b="-2"/>
+          <a:stretch/>
+        </p:blipFill>
+        <p:spPr>
+          <a:xfrm>
+            <a:off x="-11909" y="10"/>
+            <a:ext cx="6324601" cy="6857990"/>
+          </a:xfrm>
+          <a:prstGeom prst="rect">
+            <a:avLst/>
+          </a:prstGeom>
+        </p:spPr>
+      </p:pic>
+      <p:pic>
+        <p:nvPicPr>
+          <p:cNvPr id="17" name="Picture 10">
+            <a:extLst>
+              <a:ext uri="{FF2B5EF4-FFF2-40B4-BE49-F238E27FC236}">
+                <a16:creationId xmlns:a16="http://schemas.microsoft.com/office/drawing/2014/main" id="{19AE98B8-B73A-4724-B639-017087F9239F}"/>
+              </a:ext>
+              <a:ext uri="{C183D7F6-B498-43B3-948B-1728B52AA6E4}">
+                <adec:decorative xmlns:adec="http://schemas.microsoft.com/office/drawing/2017/decorative" val="1"/>
+              </a:ext>
+            </a:extLst>
+          </p:cNvPr>
+          <p:cNvPicPr>
+            <a:picLocks noGrp="1" noRot="1" noChangeAspect="1" noMove="1" noResize="1" noEditPoints="1" noAdjustHandles="1" noChangeArrowheads="1" noChangeShapeType="1" noCrop="1"/>
+          </p:cNvPicPr>
+          <p:nvPr>
+            <p:extLst>
+              <p:ext uri="{386F3935-93C4-4BCD-93E2-E3B085C9AB24}">
+                <p16:designElem xmlns:p16="http://schemas.microsoft.com/office/powerpoint/2015/main" val="1"/>
+              </p:ext>
+            </p:extLst>
+          </p:nvPr>
+        </p:nvPicPr>
+        <p:blipFill>
+          <a:blip r:embed="rId3">
+            <a:extLst>
+              <a:ext uri="{28A0092B-C50C-407E-A947-70E740481C1C}">
+                <a14:useLocalDpi xmlns:a14="http://schemas.microsoft.com/office/drawing/2010/main" val="0"/>
+              </a:ext>
+            </a:extLst>
+          </a:blip>
+          <a:stretch>
+            <a:fillRect/>
+          </a:stretch>
+        </p:blipFill>
+        <p:spPr>
+          <a:xfrm>
+            <a:off x="0" y="0"/>
+            <a:ext cx="12192000" cy="6858000"/>
+          </a:xfrm>
+          <a:prstGeom prst="rect">
+            <a:avLst/>
+          </a:prstGeom>
+        </p:spPr>
+      </p:pic>
+      <p:sp>
+        <p:nvSpPr>
+          <p:cNvPr id="14" name="Rectangle 13">
+            <a:extLst>
+              <a:ext uri="{FF2B5EF4-FFF2-40B4-BE49-F238E27FC236}">
+                <a16:creationId xmlns:a16="http://schemas.microsoft.com/office/drawing/2014/main" id="{B81BBF63-F792-4903-9AA5-6A525F45CC75}"/>
+              </a:ext>
+            </a:extLst>
+          </p:cNvPr>
+          <p:cNvSpPr/>
+          <p:nvPr/>
+        </p:nvSpPr>
+        <p:spPr>
+          <a:xfrm>
+            <a:off x="6312692" y="773327"/>
+            <a:ext cx="7326060" cy="6042493"/>
+          </a:xfrm>
+          <a:prstGeom prst="rect">
+            <a:avLst/>
+          </a:prstGeom>
+        </p:spPr>
+        <p:txBody>
+          <a:bodyPr vert="horz" lIns="91440" tIns="45720" rIns="91440" bIns="45720" rtlCol="0" anchor="t">
+            <a:normAutofit/>
+          </a:bodyPr>
+          <a:lstStyle/>
+          <a:p>
+            <a:pPr>
+              <a:lnSpc>
+                <a:spcPct val="90000"/>
+              </a:lnSpc>
+              <a:spcBef>
+                <a:spcPct val="0"/>
+              </a:spcBef>
+              <a:spcAft>
+                <a:spcPts val="600"/>
+              </a:spcAft>
+            </a:pPr>
+            <a:r>
+              <a:rPr lang="en-US" sz="2400" dirty="0">
+                <a:ln w="0"/>
+                <a:solidFill>
+                  <a:srgbClr val="000000"/>
+                </a:solidFill>
+                <a:effectLst>
+                  <a:outerShdw blurRad="38100" dist="19050" dir="2700000" algn="tl" rotWithShape="0">
+                    <a:schemeClr val="dk1">
+                      <a:alpha val="40000"/>
+                    </a:schemeClr>
+                  </a:outerShdw>
+                </a:effectLst>
+              </a:rPr>
+              <a:t>MOTIVATIONAL VISUAL REPRESENTATION</a:t>
+            </a:r>
+          </a:p>
+          <a:p>
+            <a:pPr>
+              <a:lnSpc>
+                <a:spcPct val="90000"/>
+              </a:lnSpc>
+              <a:spcBef>
+                <a:spcPct val="0"/>
+              </a:spcBef>
+              <a:spcAft>
+                <a:spcPts val="600"/>
+              </a:spcAft>
+            </a:pPr>
+            <a:endParaRPr lang="en-US" sz="2400" dirty="0">
+              <a:ln w="0"/>
+              <a:solidFill>
+                <a:srgbClr val="000000"/>
+              </a:solidFill>
+              <a:effectLst>
+                <a:outerShdw blurRad="38100" dist="19050" dir="2700000" algn="tl" rotWithShape="0">
+                  <a:schemeClr val="dk1">
+                    <a:alpha val="40000"/>
+                  </a:schemeClr>
+                </a:outerShdw>
+              </a:effectLst>
+            </a:endParaRPr>
+          </a:p>
+          <a:p>
+            <a:pPr>
+              <a:lnSpc>
+                <a:spcPct val="90000"/>
+              </a:lnSpc>
+              <a:spcBef>
+                <a:spcPct val="0"/>
+              </a:spcBef>
+              <a:spcAft>
+                <a:spcPts val="600"/>
+              </a:spcAft>
+            </a:pPr>
+            <a:endParaRPr lang="en-US" sz="2400" dirty="0">
+              <a:ln w="0"/>
+              <a:solidFill>
+                <a:srgbClr val="000000"/>
+              </a:solidFill>
+              <a:effectLst>
+                <a:outerShdw blurRad="38100" dist="19050" dir="2700000" algn="tl" rotWithShape="0">
+                  <a:schemeClr val="dk1">
+                    <a:alpha val="40000"/>
+                  </a:schemeClr>
+                </a:outerShdw>
+              </a:effectLst>
+            </a:endParaRPr>
+          </a:p>
+          <a:p>
+            <a:pPr marL="342900" indent="-342900">
+              <a:lnSpc>
+                <a:spcPct val="90000"/>
+              </a:lnSpc>
+              <a:spcBef>
+                <a:spcPct val="0"/>
+              </a:spcBef>
+              <a:spcAft>
+                <a:spcPts val="600"/>
+              </a:spcAft>
+              <a:buFont typeface="Arial" panose="020B0604020202020204" pitchFamily="34" charset="0"/>
+              <a:buChar char="•"/>
+            </a:pPr>
+            <a:r>
+              <a:rPr lang="en-US" sz="2400" dirty="0">
+                <a:ln w="0"/>
+                <a:solidFill>
+                  <a:srgbClr val="000000"/>
+                </a:solidFill>
+                <a:effectLst>
+                  <a:outerShdw blurRad="38100" dist="19050" dir="2700000" algn="tl" rotWithShape="0">
+                    <a:schemeClr val="dk1">
+                      <a:alpha val="40000"/>
+                    </a:schemeClr>
+                  </a:outerShdw>
+                </a:effectLst>
+              </a:rPr>
+              <a:t>Missed Payment ?</a:t>
+            </a:r>
+          </a:p>
+          <a:p>
+            <a:pPr marL="342900" indent="-342900">
+              <a:lnSpc>
+                <a:spcPct val="90000"/>
+              </a:lnSpc>
+              <a:spcBef>
+                <a:spcPct val="0"/>
+              </a:spcBef>
+              <a:spcAft>
+                <a:spcPts val="600"/>
+              </a:spcAft>
+              <a:buFont typeface="Arial" panose="020B0604020202020204" pitchFamily="34" charset="0"/>
+              <a:buChar char="•"/>
+            </a:pPr>
+            <a:endParaRPr lang="en-US" sz="2400" dirty="0">
+              <a:ln w="0"/>
+              <a:solidFill>
+                <a:srgbClr val="000000"/>
+              </a:solidFill>
+              <a:effectLst>
+                <a:outerShdw blurRad="38100" dist="19050" dir="2700000" algn="tl" rotWithShape="0">
+                  <a:schemeClr val="dk1">
+                    <a:alpha val="40000"/>
+                  </a:schemeClr>
+                </a:outerShdw>
+              </a:effectLst>
+            </a:endParaRPr>
+          </a:p>
+          <a:p>
+            <a:pPr>
+              <a:lnSpc>
+                <a:spcPct val="90000"/>
+              </a:lnSpc>
+              <a:spcBef>
+                <a:spcPct val="0"/>
+              </a:spcBef>
+              <a:spcAft>
+                <a:spcPts val="600"/>
+              </a:spcAft>
+            </a:pPr>
+            <a:r>
+              <a:rPr lang="en-US" sz="2400" dirty="0">
+                <a:ln w="0"/>
+                <a:solidFill>
+                  <a:srgbClr val="000000"/>
+                </a:solidFill>
+                <a:effectLst>
+                  <a:outerShdw blurRad="38100" dist="19050" dir="2700000" algn="tl" rotWithShape="0">
+                    <a:schemeClr val="dk1">
+                      <a:alpha val="40000"/>
+                    </a:schemeClr>
+                  </a:outerShdw>
+                </a:effectLst>
+              </a:rPr>
+              <a:t>	Get back on track!</a:t>
+            </a:r>
+          </a:p>
+          <a:p>
+            <a:pPr>
+              <a:lnSpc>
+                <a:spcPct val="90000"/>
+              </a:lnSpc>
+              <a:spcBef>
+                <a:spcPct val="0"/>
+              </a:spcBef>
+              <a:spcAft>
+                <a:spcPts val="600"/>
+              </a:spcAft>
+            </a:pPr>
+            <a:r>
+              <a:rPr lang="en-US" sz="2400" dirty="0">
+                <a:ln w="0"/>
+                <a:solidFill>
+                  <a:srgbClr val="000000"/>
+                </a:solidFill>
+                <a:effectLst>
+                  <a:outerShdw blurRad="38100" dist="19050" dir="2700000" algn="tl" rotWithShape="0">
+                    <a:schemeClr val="dk1">
+                      <a:alpha val="40000"/>
+                    </a:schemeClr>
+                  </a:outerShdw>
+                </a:effectLst>
+              </a:rPr>
+              <a:t>	Do you want to talk to someone?</a:t>
+            </a:r>
+          </a:p>
+          <a:p>
+            <a:pPr>
+              <a:lnSpc>
+                <a:spcPct val="90000"/>
+              </a:lnSpc>
+              <a:spcBef>
+                <a:spcPct val="0"/>
+              </a:spcBef>
+              <a:spcAft>
+                <a:spcPts val="600"/>
+              </a:spcAft>
+            </a:pPr>
+            <a:endParaRPr lang="en-US" sz="2400" dirty="0">
+              <a:ln w="0"/>
+              <a:solidFill>
+                <a:srgbClr val="000000"/>
+              </a:solidFill>
+              <a:effectLst>
+                <a:outerShdw blurRad="38100" dist="19050" dir="2700000" algn="tl" rotWithShape="0">
+                  <a:schemeClr val="dk1">
+                    <a:alpha val="40000"/>
+                  </a:schemeClr>
+                </a:outerShdw>
+              </a:effectLst>
+            </a:endParaRPr>
+          </a:p>
+          <a:p>
+            <a:pPr>
+              <a:lnSpc>
+                <a:spcPct val="90000"/>
+              </a:lnSpc>
+              <a:spcBef>
+                <a:spcPct val="0"/>
+              </a:spcBef>
+              <a:spcAft>
+                <a:spcPts val="600"/>
+              </a:spcAft>
+            </a:pPr>
+            <a:endParaRPr lang="en-US" sz="2400" dirty="0">
+              <a:ln w="0"/>
+              <a:solidFill>
+                <a:srgbClr val="000000"/>
+              </a:solidFill>
+              <a:effectLst>
+                <a:outerShdw blurRad="38100" dist="19050" dir="2700000" algn="tl" rotWithShape="0">
+                  <a:schemeClr val="dk1">
+                    <a:alpha val="40000"/>
+                  </a:schemeClr>
+                </a:outerShdw>
+              </a:effectLst>
+            </a:endParaRPr>
+          </a:p>
+          <a:p>
+            <a:pPr>
+              <a:lnSpc>
+                <a:spcPct val="90000"/>
+              </a:lnSpc>
+              <a:spcBef>
+                <a:spcPct val="0"/>
+              </a:spcBef>
+              <a:spcAft>
+                <a:spcPts val="600"/>
+              </a:spcAft>
+            </a:pPr>
+            <a:r>
+              <a:rPr lang="en-US" sz="2400" dirty="0">
+                <a:ln w="0"/>
+                <a:solidFill>
+                  <a:srgbClr val="000000"/>
+                </a:solidFill>
+                <a:effectLst>
+                  <a:outerShdw blurRad="38100" dist="19050" dir="2700000" algn="tl" rotWithShape="0">
+                    <a:schemeClr val="dk1">
+                      <a:alpha val="40000"/>
+                    </a:schemeClr>
+                  </a:outerShdw>
+                </a:effectLst>
+              </a:rPr>
+              <a:t>*** All about motivation ***</a:t>
+            </a:r>
+          </a:p>
+          <a:p>
+            <a:pPr marL="342900" indent="-342900">
+              <a:lnSpc>
+                <a:spcPct val="90000"/>
+              </a:lnSpc>
+              <a:spcBef>
+                <a:spcPct val="0"/>
+              </a:spcBef>
+              <a:spcAft>
+                <a:spcPts val="600"/>
+              </a:spcAft>
+              <a:buFont typeface="Arial" panose="020B0604020202020204" pitchFamily="34" charset="0"/>
+              <a:buChar char="•"/>
+            </a:pPr>
+            <a:endParaRPr lang="en-US" sz="2400" dirty="0">
+              <a:ln w="0"/>
+              <a:solidFill>
+                <a:srgbClr val="000000"/>
+              </a:solidFill>
+              <a:effectLst>
+                <a:outerShdw blurRad="38100" dist="19050" dir="2700000" algn="tl" rotWithShape="0">
+                  <a:schemeClr val="dk1">
+                    <a:alpha val="40000"/>
+                  </a:schemeClr>
+                </a:outerShdw>
+              </a:effectLst>
+            </a:endParaRPr>
+          </a:p>
+          <a:p>
+            <a:pPr marL="342900" indent="-342900">
+              <a:lnSpc>
+                <a:spcPct val="90000"/>
+              </a:lnSpc>
+              <a:spcBef>
+                <a:spcPct val="0"/>
+              </a:spcBef>
+              <a:spcAft>
+                <a:spcPts val="600"/>
+              </a:spcAft>
+              <a:buFont typeface="Arial" panose="020B0604020202020204" pitchFamily="34" charset="0"/>
+              <a:buChar char="•"/>
+            </a:pPr>
+            <a:endParaRPr lang="en-US" sz="2400" dirty="0">
+              <a:ln w="0"/>
+              <a:solidFill>
+                <a:srgbClr val="000000"/>
+              </a:solidFill>
+              <a:effectLst>
+                <a:outerShdw blurRad="38100" dist="19050" dir="2700000" algn="tl" rotWithShape="0">
+                  <a:schemeClr val="dk1">
+                    <a:alpha val="40000"/>
+                  </a:schemeClr>
+                </a:outerShdw>
+              </a:effectLst>
+            </a:endParaRPr>
+          </a:p>
+          <a:p>
+            <a:pPr>
+              <a:lnSpc>
+                <a:spcPct val="90000"/>
+              </a:lnSpc>
+              <a:spcBef>
+                <a:spcPct val="0"/>
+              </a:spcBef>
+              <a:spcAft>
+                <a:spcPts val="600"/>
+              </a:spcAft>
+            </a:pPr>
+            <a:endParaRPr lang="en-US" sz="4400" b="0" cap="none" spc="0" dirty="0">
+              <a:ln w="0"/>
+              <a:solidFill>
+                <a:srgbClr val="000000"/>
+              </a:solidFill>
+              <a:effectLst>
+                <a:outerShdw blurRad="38100" dist="19050" dir="2700000" algn="tl" rotWithShape="0">
+                  <a:schemeClr val="dk1">
+                    <a:alpha val="40000"/>
+                  </a:schemeClr>
+                </a:outerShdw>
+              </a:effectLst>
+              <a:latin typeface="+mj-lt"/>
+              <a:ea typeface="+mj-ea"/>
+              <a:cs typeface="+mj-cs"/>
+            </a:endParaRPr>
+          </a:p>
+          <a:p>
+            <a:pPr>
+              <a:lnSpc>
+                <a:spcPct val="90000"/>
+              </a:lnSpc>
+              <a:spcBef>
+                <a:spcPct val="0"/>
+              </a:spcBef>
+              <a:spcAft>
+                <a:spcPts val="600"/>
+              </a:spcAft>
+            </a:pPr>
+            <a:endParaRPr lang="en-US" sz="4400" dirty="0">
+              <a:ln w="0"/>
+              <a:solidFill>
+                <a:srgbClr val="000000"/>
+              </a:solidFill>
+              <a:effectLst>
+                <a:outerShdw blurRad="38100" dist="19050" dir="2700000" algn="tl" rotWithShape="0">
+                  <a:schemeClr val="dk1">
+                    <a:alpha val="40000"/>
+                  </a:schemeClr>
+                </a:outerShdw>
+              </a:effectLst>
+              <a:latin typeface="+mj-lt"/>
+              <a:ea typeface="+mj-ea"/>
+              <a:cs typeface="+mj-cs"/>
+            </a:endParaRPr>
+          </a:p>
+          <a:p>
+            <a:pPr>
+              <a:lnSpc>
+                <a:spcPct val="90000"/>
+              </a:lnSpc>
+              <a:spcBef>
+                <a:spcPct val="0"/>
+              </a:spcBef>
+              <a:spcAft>
+                <a:spcPts val="600"/>
+              </a:spcAft>
+            </a:pPr>
+            <a:endParaRPr lang="en-US" sz="4400" b="0" cap="none" spc="0" dirty="0">
+              <a:ln w="0"/>
+              <a:solidFill>
+                <a:srgbClr val="000000"/>
+              </a:solidFill>
+              <a:effectLst>
+                <a:outerShdw blurRad="38100" dist="19050" dir="2700000" algn="tl" rotWithShape="0">
+                  <a:schemeClr val="dk1">
+                    <a:alpha val="40000"/>
+                  </a:schemeClr>
+                </a:outerShdw>
+              </a:effectLst>
+              <a:latin typeface="+mj-lt"/>
+              <a:ea typeface="+mj-ea"/>
+              <a:cs typeface="+mj-cs"/>
+            </a:endParaRPr>
+          </a:p>
+        </p:txBody>
+      </p:sp>
+      <p:pic>
+        <p:nvPicPr>
+          <p:cNvPr id="15" name="Picture 14">
+            <a:extLst>
+              <a:ext uri="{FF2B5EF4-FFF2-40B4-BE49-F238E27FC236}">
+                <a16:creationId xmlns:a16="http://schemas.microsoft.com/office/drawing/2014/main" id="{4B9E0CD6-B508-44AF-B138-D61D48186DC9}"/>
+              </a:ext>
+            </a:extLst>
+          </p:cNvPr>
+          <p:cNvPicPr>
+            <a:picLocks noChangeAspect="1"/>
+          </p:cNvPicPr>
+          <p:nvPr/>
+        </p:nvPicPr>
+        <p:blipFill>
+          <a:blip r:embed="rId4">
+            <a:extLst>
+              <a:ext uri="{28A0092B-C50C-407E-A947-70E740481C1C}">
+                <a14:useLocalDpi xmlns:a14="http://schemas.microsoft.com/office/drawing/2010/main" val="0"/>
+              </a:ext>
+              <a:ext uri="{837473B0-CC2E-450A-ABE3-18F120FF3D39}">
+                <a1611:picAttrSrcUrl xmlns:a1611="http://schemas.microsoft.com/office/drawing/2016/11/main" r:id="rId5"/>
+              </a:ext>
+            </a:extLst>
+          </a:blip>
+          <a:stretch>
+            <a:fillRect/>
+          </a:stretch>
+        </p:blipFill>
+        <p:spPr>
+          <a:xfrm>
+            <a:off x="10065737" y="1351202"/>
+            <a:ext cx="1802027" cy="1802027"/>
+          </a:xfrm>
+          <a:prstGeom prst="rect">
+            <a:avLst/>
+          </a:prstGeom>
+        </p:spPr>
+      </p:pic>
+      <p:pic>
+        <p:nvPicPr>
+          <p:cNvPr id="16" name="Picture 15">
+            <a:extLst>
+              <a:ext uri="{FF2B5EF4-FFF2-40B4-BE49-F238E27FC236}">
+                <a16:creationId xmlns:a16="http://schemas.microsoft.com/office/drawing/2014/main" id="{390E6B56-0AD8-4137-822E-02D23B7FFBF5}"/>
+              </a:ext>
+            </a:extLst>
+          </p:cNvPr>
+          <p:cNvPicPr>
+            <a:picLocks noChangeAspect="1"/>
+          </p:cNvPicPr>
+          <p:nvPr/>
+        </p:nvPicPr>
+        <p:blipFill>
+          <a:blip r:embed="rId6">
+            <a:extLst>
+              <a:ext uri="{28A0092B-C50C-407E-A947-70E740481C1C}">
+                <a14:useLocalDpi xmlns:a14="http://schemas.microsoft.com/office/drawing/2010/main" val="0"/>
+              </a:ext>
+            </a:extLst>
+          </a:blip>
+          <a:stretch>
+            <a:fillRect/>
+          </a:stretch>
+        </p:blipFill>
+        <p:spPr>
+          <a:xfrm>
+            <a:off x="7497456" y="5062251"/>
+            <a:ext cx="3143250" cy="1457325"/>
+          </a:xfrm>
+          <a:prstGeom prst="rect">
+            <a:avLst/>
+          </a:prstGeom>
+        </p:spPr>
+      </p:pic>
+    </p:spTree>
+    <p:extLst>
+      <p:ext uri="{BB962C8B-B14F-4D97-AF65-F5344CB8AC3E}">
+        <p14:creationId xmlns:p14="http://schemas.microsoft.com/office/powerpoint/2010/main" val="238858070"/>
+      </p:ext>
+    </p:extLst>
+  </p:cSld>
+  <p:clrMapOvr>
+    <a:masterClrMapping/>
+  </p:clrMapOvr>
+</p:sld>
+</file>
+
 <file path=ppt/slides/slide7.xml><?xml version="1.0" encoding="utf-8"?>
 <p:sld xmlns:a="http://schemas.openxmlformats.org/drawingml/2006/main" xmlns:r="http://schemas.openxmlformats.org/officeDocument/2006/relationships" xmlns:p="http://schemas.openxmlformats.org/presentationml/2006/main">
   <p:cSld>
@@ -7785,10 +8083,10 @@
       </p:pic>
       <p:sp>
         <p:nvSpPr>
-          <p:cNvPr id="14" name="Rectangle 13">
-            <a:extLst>
-              <a:ext uri="{FF2B5EF4-FFF2-40B4-BE49-F238E27FC236}">
-                <a16:creationId xmlns:a16="http://schemas.microsoft.com/office/drawing/2014/main" id="{B81BBF63-F792-4903-9AA5-6A525F45CC75}"/>
+          <p:cNvPr id="7" name="Rectangle 6">
+            <a:extLst>
+              <a:ext uri="{FF2B5EF4-FFF2-40B4-BE49-F238E27FC236}">
+                <a16:creationId xmlns:a16="http://schemas.microsoft.com/office/drawing/2014/main" id="{1BD9839E-8C55-40AF-BEDE-BC1B33D803C0}"/>
               </a:ext>
             </a:extLst>
           </p:cNvPr>
@@ -7797,8 +8095,8 @@
         </p:nvSpPr>
         <p:spPr>
           <a:xfrm>
-            <a:off x="6312692" y="773327"/>
-            <a:ext cx="7326060" cy="6042493"/>
+            <a:off x="6312692" y="685800"/>
+            <a:ext cx="5632565" cy="6042493"/>
           </a:xfrm>
           <a:prstGeom prst="rect">
             <a:avLst/>
@@ -7821,77 +8119,10 @@
                 <a:spcPts val="600"/>
               </a:spcAft>
             </a:pPr>
-            <a:r>
-              <a:rPr lang="en-US" sz="2400" dirty="0">
-                <a:ln w="0"/>
-                <a:solidFill>
-                  <a:srgbClr val="000000"/>
-                </a:solidFill>
-                <a:effectLst>
-                  <a:outerShdw blurRad="38100" dist="19050" dir="2700000" algn="tl" rotWithShape="0">
-                    <a:schemeClr val="dk1">
-                      <a:alpha val="40000"/>
-                    </a:schemeClr>
-                  </a:outerShdw>
-                </a:effectLst>
-              </a:rPr>
-              <a:t>MOTIVATIONAL VISUAL REPRESENTATION</a:t>
-            </a:r>
-          </a:p>
-          <a:p>
-            <a:pPr>
-              <a:lnSpc>
-                <a:spcPct val="90000"/>
-              </a:lnSpc>
-              <a:spcBef>
-                <a:spcPct val="0"/>
-              </a:spcBef>
-              <a:spcAft>
-                <a:spcPts val="600"/>
-              </a:spcAft>
-            </a:pPr>
-            <a:endParaRPr lang="en-US" sz="2400" dirty="0">
-              <a:ln w="0"/>
-              <a:solidFill>
-                <a:srgbClr val="000000"/>
-              </a:solidFill>
-              <a:effectLst>
-                <a:outerShdw blurRad="38100" dist="19050" dir="2700000" algn="tl" rotWithShape="0">
-                  <a:schemeClr val="dk1">
-                    <a:alpha val="40000"/>
-                  </a:schemeClr>
-                </a:outerShdw>
-              </a:effectLst>
-            </a:endParaRPr>
-          </a:p>
-          <a:p>
-            <a:pPr>
-              <a:lnSpc>
-                <a:spcPct val="90000"/>
-              </a:lnSpc>
-              <a:spcBef>
-                <a:spcPct val="0"/>
-              </a:spcBef>
-              <a:spcAft>
-                <a:spcPts val="600"/>
-              </a:spcAft>
-            </a:pPr>
-            <a:endParaRPr lang="en-US" sz="2400" dirty="0">
-              <a:ln w="0"/>
-              <a:solidFill>
-                <a:srgbClr val="000000"/>
-              </a:solidFill>
-              <a:effectLst>
-                <a:outerShdw blurRad="38100" dist="19050" dir="2700000" algn="tl" rotWithShape="0">
-                  <a:schemeClr val="dk1">
-                    <a:alpha val="40000"/>
-                  </a:schemeClr>
-                </a:outerShdw>
-              </a:effectLst>
-            </a:endParaRPr>
-          </a:p>
-          <a:p>
-            <a:pPr marL="342900" indent="-342900">
+            <a:endParaRPr lang="en-US" sz="2400" dirty="0"/>
+          </a:p>
+          <a:p>
+            <a:pPr marL="285750" indent="-285750">
               <a:lnSpc>
                 <a:spcPct val="90000"/>
               </a:lnSpc>
@@ -7905,49 +8136,9 @@
               <a:buChar char="•"/>
             </a:pPr>
             <a:r>
-              <a:rPr lang="en-US" sz="2400" dirty="0">
-                <a:ln w="0"/>
-                <a:solidFill>
-                  <a:srgbClr val="000000"/>
-                </a:solidFill>
-                <a:effectLst>
-                  <a:outerShdw blurRad="38100" dist="19050" dir="2700000" algn="tl" rotWithShape="0">
-                    <a:schemeClr val="dk1">
-                      <a:alpha val="40000"/>
-                    </a:schemeClr>
-                  </a:outerShdw>
-                </a:effectLst>
-              </a:rPr>
-              <a:t>Missed Payment ?</a:t>
-            </a:r>
-          </a:p>
-          <a:p>
-            <a:pPr marL="342900" indent="-342900">
-              <a:lnSpc>
-                <a:spcPct val="90000"/>
-              </a:lnSpc>
-              <a:spcBef>
-                <a:spcPct val="0"/>
-              </a:spcBef>
-              <a:spcAft>
-                <a:spcPts val="600"/>
-              </a:spcAft>
-              <a:buFont typeface="Arial" panose="020B0604020202020204" pitchFamily="34" charset="0"/>
-              <a:buChar char="•"/>
-            </a:pPr>
-            <a:endParaRPr lang="en-US" sz="2400" dirty="0">
-              <a:ln w="0"/>
-              <a:solidFill>
-                <a:srgbClr val="000000"/>
-              </a:solidFill>
-              <a:effectLst>
-                <a:outerShdw blurRad="38100" dist="19050" dir="2700000" algn="tl" rotWithShape="0">
-                  <a:schemeClr val="dk1">
-                    <a:alpha val="40000"/>
-                  </a:schemeClr>
-                </a:outerShdw>
-              </a:effectLst>
-            </a:endParaRPr>
+              <a:rPr lang="en-US" sz="2400" dirty="0"/>
+              <a:t>We used Flutter: </a:t>
+            </a:r>
           </a:p>
           <a:p>
             <a:pPr>
@@ -7962,20 +8153,8 @@
               </a:spcAft>
             </a:pPr>
             <a:r>
-              <a:rPr lang="en-US" sz="2400" dirty="0">
-                <a:ln w="0"/>
-                <a:solidFill>
-                  <a:srgbClr val="000000"/>
-                </a:solidFill>
-                <a:effectLst>
-                  <a:outerShdw blurRad="38100" dist="19050" dir="2700000" algn="tl" rotWithShape="0">
-                    <a:schemeClr val="dk1">
-                      <a:alpha val="40000"/>
-                    </a:schemeClr>
-                  </a:outerShdw>
-                </a:effectLst>
-              </a:rPr>
-              <a:t>	Get back on track!</a:t>
+              <a:rPr lang="en-US" sz="2400" dirty="0"/>
+              <a:t>	Google’s UI toolkit for building beautiful, natively compiled 	applications for mobile, web, and desktop from a single codebase.</a:t>
             </a:r>
           </a:p>
           <a:p>
@@ -7990,328 +8169,14 @@
                 <a:spcPts val="600"/>
               </a:spcAft>
             </a:pPr>
-            <a:r>
-              <a:rPr lang="en-US" sz="2400" dirty="0">
-                <a:ln w="0"/>
-                <a:solidFill>
-                  <a:srgbClr val="000000"/>
-                </a:solidFill>
-                <a:effectLst>
-                  <a:outerShdw blurRad="38100" dist="19050" dir="2700000" algn="tl" rotWithShape="0">
-                    <a:schemeClr val="dk1">
-                      <a:alpha val="40000"/>
-                    </a:schemeClr>
-                  </a:outerShdw>
-                </a:effectLst>
-              </a:rPr>
-              <a:t>	Do you want to talk to someone?</a:t>
-            </a:r>
-          </a:p>
-          <a:p>
-            <a:pPr>
-              <a:lnSpc>
-                <a:spcPct val="90000"/>
-              </a:lnSpc>
-              <a:spcBef>
-                <a:spcPct val="0"/>
-              </a:spcBef>
-              <a:spcAft>
-                <a:spcPts val="600"/>
-              </a:spcAft>
-            </a:pPr>
-            <a:endParaRPr lang="en-US" sz="2400" dirty="0">
-              <a:ln w="0"/>
-              <a:solidFill>
-                <a:srgbClr val="000000"/>
-              </a:solidFill>
-              <a:effectLst>
-                <a:outerShdw blurRad="38100" dist="19050" dir="2700000" algn="tl" rotWithShape="0">
-                  <a:schemeClr val="dk1">
-                    <a:alpha val="40000"/>
-                  </a:schemeClr>
-                </a:outerShdw>
-              </a:effectLst>
-            </a:endParaRPr>
-          </a:p>
-          <a:p>
-            <a:pPr>
-              <a:lnSpc>
-                <a:spcPct val="90000"/>
-              </a:lnSpc>
-              <a:spcBef>
-                <a:spcPct val="0"/>
-              </a:spcBef>
-              <a:spcAft>
-                <a:spcPts val="600"/>
-              </a:spcAft>
-            </a:pPr>
-            <a:endParaRPr lang="en-US" sz="2400" dirty="0">
-              <a:ln w="0"/>
-              <a:solidFill>
-                <a:srgbClr val="000000"/>
-              </a:solidFill>
-              <a:effectLst>
-                <a:outerShdw blurRad="38100" dist="19050" dir="2700000" algn="tl" rotWithShape="0">
-                  <a:schemeClr val="dk1">
-                    <a:alpha val="40000"/>
-                  </a:schemeClr>
-                </a:outerShdw>
-              </a:effectLst>
-            </a:endParaRPr>
-          </a:p>
-          <a:p>
-            <a:pPr>
-              <a:lnSpc>
-                <a:spcPct val="90000"/>
-              </a:lnSpc>
-              <a:spcBef>
-                <a:spcPct val="0"/>
-              </a:spcBef>
-              <a:spcAft>
-                <a:spcPts val="600"/>
-              </a:spcAft>
-            </a:pPr>
-            <a:r>
-              <a:rPr lang="en-US" sz="2400" dirty="0">
-                <a:ln w="0"/>
-                <a:solidFill>
-                  <a:srgbClr val="000000"/>
-                </a:solidFill>
-                <a:effectLst>
-                  <a:outerShdw blurRad="38100" dist="19050" dir="2700000" algn="tl" rotWithShape="0">
-                    <a:schemeClr val="dk1">
-                      <a:alpha val="40000"/>
-                    </a:schemeClr>
-                  </a:outerShdw>
-                </a:effectLst>
-              </a:rPr>
-              <a:t>*** All about motivation ***</a:t>
-            </a:r>
-          </a:p>
-          <a:p>
-            <a:pPr marL="342900" indent="-342900">
-              <a:lnSpc>
-                <a:spcPct val="90000"/>
-              </a:lnSpc>
-              <a:spcBef>
-                <a:spcPct val="0"/>
-              </a:spcBef>
-              <a:spcAft>
-                <a:spcPts val="600"/>
-              </a:spcAft>
-              <a:buFont typeface="Arial" panose="020B0604020202020204" pitchFamily="34" charset="0"/>
-              <a:buChar char="•"/>
-            </a:pPr>
-            <a:endParaRPr lang="en-US" sz="2400" dirty="0">
-              <a:ln w="0"/>
-              <a:solidFill>
-                <a:srgbClr val="000000"/>
-              </a:solidFill>
-              <a:effectLst>
-                <a:outerShdw blurRad="38100" dist="19050" dir="2700000" algn="tl" rotWithShape="0">
-                  <a:schemeClr val="dk1">
-                    <a:alpha val="40000"/>
-                  </a:schemeClr>
-                </a:outerShdw>
-              </a:effectLst>
-            </a:endParaRPr>
-          </a:p>
-          <a:p>
-            <a:pPr marL="342900" indent="-342900">
-              <a:lnSpc>
-                <a:spcPct val="90000"/>
-              </a:lnSpc>
-              <a:spcBef>
-                <a:spcPct val="0"/>
-              </a:spcBef>
-              <a:spcAft>
-                <a:spcPts val="600"/>
-              </a:spcAft>
-              <a:buFont typeface="Arial" panose="020B0604020202020204" pitchFamily="34" charset="0"/>
-              <a:buChar char="•"/>
-            </a:pPr>
-            <a:endParaRPr lang="en-US" sz="2400" dirty="0">
-              <a:ln w="0"/>
-              <a:solidFill>
-                <a:srgbClr val="000000"/>
-              </a:solidFill>
-              <a:effectLst>
-                <a:outerShdw blurRad="38100" dist="19050" dir="2700000" algn="tl" rotWithShape="0">
-                  <a:schemeClr val="dk1">
-                    <a:alpha val="40000"/>
-                  </a:schemeClr>
-                </a:outerShdw>
-              </a:effectLst>
-            </a:endParaRPr>
-          </a:p>
-          <a:p>
-            <a:pPr>
-              <a:lnSpc>
-                <a:spcPct val="90000"/>
-              </a:lnSpc>
-              <a:spcBef>
-                <a:spcPct val="0"/>
-              </a:spcBef>
-              <a:spcAft>
-                <a:spcPts val="600"/>
-              </a:spcAft>
-            </a:pPr>
-            <a:endParaRPr lang="en-US" sz="4400" b="0" cap="none" spc="0" dirty="0">
-              <a:ln w="0"/>
-              <a:solidFill>
-                <a:srgbClr val="000000"/>
-              </a:solidFill>
-              <a:effectLst>
-                <a:outerShdw blurRad="38100" dist="19050" dir="2700000" algn="tl" rotWithShape="0">
-                  <a:schemeClr val="dk1">
-                    <a:alpha val="40000"/>
-                  </a:schemeClr>
-                </a:outerShdw>
-              </a:effectLst>
-              <a:latin typeface="+mj-lt"/>
-              <a:ea typeface="+mj-ea"/>
-              <a:cs typeface="+mj-cs"/>
-            </a:endParaRPr>
-          </a:p>
-          <a:p>
-            <a:pPr>
-              <a:lnSpc>
-                <a:spcPct val="90000"/>
-              </a:lnSpc>
-              <a:spcBef>
-                <a:spcPct val="0"/>
-              </a:spcBef>
-              <a:spcAft>
-                <a:spcPts val="600"/>
-              </a:spcAft>
-            </a:pPr>
-            <a:endParaRPr lang="en-US" sz="4400" dirty="0">
-              <a:ln w="0"/>
-              <a:solidFill>
-                <a:srgbClr val="000000"/>
-              </a:solidFill>
-              <a:effectLst>
-                <a:outerShdw blurRad="38100" dist="19050" dir="2700000" algn="tl" rotWithShape="0">
-                  <a:schemeClr val="dk1">
-                    <a:alpha val="40000"/>
-                  </a:schemeClr>
-                </a:outerShdw>
-              </a:effectLst>
-              <a:latin typeface="+mj-lt"/>
-              <a:ea typeface="+mj-ea"/>
-              <a:cs typeface="+mj-cs"/>
-            </a:endParaRPr>
-          </a:p>
-          <a:p>
-            <a:pPr>
-              <a:lnSpc>
-                <a:spcPct val="90000"/>
-              </a:lnSpc>
-              <a:spcBef>
-                <a:spcPct val="0"/>
-              </a:spcBef>
-              <a:spcAft>
-                <a:spcPts val="600"/>
-              </a:spcAft>
-            </a:pPr>
-            <a:endParaRPr lang="en-US" sz="4400" b="0" cap="none" spc="0" dirty="0">
-              <a:ln w="0"/>
-              <a:solidFill>
-                <a:srgbClr val="000000"/>
-              </a:solidFill>
-              <a:effectLst>
-                <a:outerShdw blurRad="38100" dist="19050" dir="2700000" algn="tl" rotWithShape="0">
-                  <a:schemeClr val="dk1">
-                    <a:alpha val="40000"/>
-                  </a:schemeClr>
-                </a:outerShdw>
-              </a:effectLst>
-              <a:latin typeface="+mj-lt"/>
-              <a:ea typeface="+mj-ea"/>
-              <a:cs typeface="+mj-cs"/>
-            </a:endParaRPr>
+            <a:endParaRPr lang="en-US" sz="2400" dirty="0"/>
           </a:p>
         </p:txBody>
       </p:sp>
-      <p:pic>
-        <p:nvPicPr>
-          <p:cNvPr id="15" name="Picture 14">
-            <a:extLst>
-              <a:ext uri="{FF2B5EF4-FFF2-40B4-BE49-F238E27FC236}">
-                <a16:creationId xmlns:a16="http://schemas.microsoft.com/office/drawing/2014/main" id="{4B9E0CD6-B508-44AF-B138-D61D48186DC9}"/>
-              </a:ext>
-            </a:extLst>
-          </p:cNvPr>
-          <p:cNvPicPr>
-            <a:picLocks noChangeAspect="1"/>
-          </p:cNvPicPr>
-          <p:nvPr/>
-        </p:nvPicPr>
-        <p:blipFill>
-          <a:blip r:embed="rId4">
-            <a:extLst>
-              <a:ext uri="{28A0092B-C50C-407E-A947-70E740481C1C}">
-                <a14:useLocalDpi xmlns:a14="http://schemas.microsoft.com/office/drawing/2010/main" val="0"/>
-              </a:ext>
-              <a:ext uri="{837473B0-CC2E-450A-ABE3-18F120FF3D39}">
-                <a1611:picAttrSrcUrl xmlns:a1611="http://schemas.microsoft.com/office/drawing/2016/11/main" r:id="rId5"/>
-              </a:ext>
-            </a:extLst>
-          </a:blip>
-          <a:stretch>
-            <a:fillRect/>
-          </a:stretch>
-        </p:blipFill>
-        <p:spPr>
-          <a:xfrm>
-            <a:off x="10065737" y="1351202"/>
-            <a:ext cx="1802027" cy="1802027"/>
-          </a:xfrm>
-          <a:prstGeom prst="rect">
-            <a:avLst/>
-          </a:prstGeom>
-        </p:spPr>
-      </p:pic>
-      <p:pic>
-        <p:nvPicPr>
-          <p:cNvPr id="16" name="Picture 15">
-            <a:extLst>
-              <a:ext uri="{FF2B5EF4-FFF2-40B4-BE49-F238E27FC236}">
-                <a16:creationId xmlns:a16="http://schemas.microsoft.com/office/drawing/2014/main" id="{390E6B56-0AD8-4137-822E-02D23B7FFBF5}"/>
-              </a:ext>
-            </a:extLst>
-          </p:cNvPr>
-          <p:cNvPicPr>
-            <a:picLocks noChangeAspect="1"/>
-          </p:cNvPicPr>
-          <p:nvPr/>
-        </p:nvPicPr>
-        <p:blipFill>
-          <a:blip r:embed="rId6">
-            <a:extLst>
-              <a:ext uri="{28A0092B-C50C-407E-A947-70E740481C1C}">
-                <a14:useLocalDpi xmlns:a14="http://schemas.microsoft.com/office/drawing/2010/main" val="0"/>
-              </a:ext>
-            </a:extLst>
-          </a:blip>
-          <a:stretch>
-            <a:fillRect/>
-          </a:stretch>
-        </p:blipFill>
-        <p:spPr>
-          <a:xfrm>
-            <a:off x="7497456" y="5062251"/>
-            <a:ext cx="3143250" cy="1457325"/>
-          </a:xfrm>
-          <a:prstGeom prst="rect">
-            <a:avLst/>
-          </a:prstGeom>
-        </p:spPr>
-      </p:pic>
     </p:spTree>
     <p:extLst>
       <p:ext uri="{BB962C8B-B14F-4D97-AF65-F5344CB8AC3E}">
-        <p14:creationId xmlns:p14="http://schemas.microsoft.com/office/powerpoint/2010/main" val="238858070"/>
+        <p14:creationId xmlns:p14="http://schemas.microsoft.com/office/powerpoint/2010/main" val="1650858510"/>
       </p:ext>
     </p:extLst>
   </p:cSld>
@@ -8426,10 +8291,138 @@
           </a:prstGeom>
         </p:spPr>
       </p:pic>
+      <p:sp>
+        <p:nvSpPr>
+          <p:cNvPr id="7" name="Rectangle 6">
+            <a:extLst>
+              <a:ext uri="{FF2B5EF4-FFF2-40B4-BE49-F238E27FC236}">
+                <a16:creationId xmlns:a16="http://schemas.microsoft.com/office/drawing/2014/main" id="{1BD9839E-8C55-40AF-BEDE-BC1B33D803C0}"/>
+              </a:ext>
+            </a:extLst>
+          </p:cNvPr>
+          <p:cNvSpPr/>
+          <p:nvPr/>
+        </p:nvSpPr>
+        <p:spPr>
+          <a:xfrm>
+            <a:off x="6312692" y="685800"/>
+            <a:ext cx="5632565" cy="6042493"/>
+          </a:xfrm>
+          <a:prstGeom prst="rect">
+            <a:avLst/>
+          </a:prstGeom>
+        </p:spPr>
+        <p:txBody>
+          <a:bodyPr vert="horz" lIns="91440" tIns="45720" rIns="91440" bIns="45720" rtlCol="0" anchor="t">
+            <a:normAutofit/>
+          </a:bodyPr>
+          <a:lstStyle/>
+          <a:p>
+            <a:pPr>
+              <a:lnSpc>
+                <a:spcPct val="90000"/>
+              </a:lnSpc>
+              <a:spcBef>
+                <a:spcPct val="0"/>
+              </a:spcBef>
+              <a:spcAft>
+                <a:spcPts val="600"/>
+              </a:spcAft>
+            </a:pPr>
+            <a:endParaRPr lang="en-US" sz="2400" dirty="0"/>
+          </a:p>
+          <a:p>
+            <a:pPr marL="285750" indent="-285750">
+              <a:lnSpc>
+                <a:spcPct val="90000"/>
+              </a:lnSpc>
+              <a:spcBef>
+                <a:spcPct val="0"/>
+              </a:spcBef>
+              <a:spcAft>
+                <a:spcPts val="600"/>
+              </a:spcAft>
+              <a:buFont typeface="Arial" panose="020B0604020202020204" pitchFamily="34" charset="0"/>
+              <a:buChar char="•"/>
+            </a:pPr>
+            <a:r>
+              <a:rPr lang="en-US" sz="2400" dirty="0"/>
+              <a:t>We used Flutter: </a:t>
+            </a:r>
+          </a:p>
+          <a:p>
+            <a:pPr>
+              <a:lnSpc>
+                <a:spcPct val="90000"/>
+              </a:lnSpc>
+              <a:spcBef>
+                <a:spcPct val="0"/>
+              </a:spcBef>
+              <a:spcAft>
+                <a:spcPts val="600"/>
+              </a:spcAft>
+            </a:pPr>
+            <a:r>
+              <a:rPr lang="en-US" sz="2400" dirty="0"/>
+              <a:t>	Google’s UI toolkit for building beautiful, natively compiled 	applications for mobile, web, and desktop from a single codebase.</a:t>
+            </a:r>
+          </a:p>
+          <a:p>
+            <a:pPr>
+              <a:lnSpc>
+                <a:spcPct val="90000"/>
+              </a:lnSpc>
+              <a:spcBef>
+                <a:spcPct val="0"/>
+              </a:spcBef>
+              <a:spcAft>
+                <a:spcPts val="600"/>
+              </a:spcAft>
+            </a:pPr>
+            <a:endParaRPr lang="en-US" sz="2400" dirty="0"/>
+          </a:p>
+        </p:txBody>
+      </p:sp>
+      <p:pic>
+        <p:nvPicPr>
+          <p:cNvPr id="3" name="Picture 2">
+            <a:extLst>
+              <a:ext uri="{FF2B5EF4-FFF2-40B4-BE49-F238E27FC236}">
+                <a16:creationId xmlns:a16="http://schemas.microsoft.com/office/drawing/2014/main" id="{67DA7C53-3C67-4093-B9C2-25CFB3B4E370}"/>
+              </a:ext>
+            </a:extLst>
+          </p:cNvPr>
+          <p:cNvPicPr>
+            <a:picLocks noChangeAspect="1"/>
+          </p:cNvPicPr>
+          <p:nvPr/>
+        </p:nvPicPr>
+        <p:blipFill>
+          <a:blip r:embed="rId4">
+            <a:extLst>
+              <a:ext uri="{28A0092B-C50C-407E-A947-70E740481C1C}">
+                <a14:useLocalDpi xmlns:a14="http://schemas.microsoft.com/office/drawing/2010/main" val="0"/>
+              </a:ext>
+            </a:extLst>
+          </a:blip>
+          <a:stretch>
+            <a:fillRect/>
+          </a:stretch>
+        </p:blipFill>
+        <p:spPr>
+          <a:xfrm>
+            <a:off x="7787937" y="2688771"/>
+            <a:ext cx="4169229" cy="4169229"/>
+          </a:xfrm>
+          <a:prstGeom prst="rect">
+            <a:avLst/>
+          </a:prstGeom>
+        </p:spPr>
+      </p:pic>
     </p:spTree>
     <p:extLst>
       <p:ext uri="{BB962C8B-B14F-4D97-AF65-F5344CB8AC3E}">
-        <p14:creationId xmlns:p14="http://schemas.microsoft.com/office/powerpoint/2010/main" val="1650858510"/>
+        <p14:creationId xmlns:p14="http://schemas.microsoft.com/office/powerpoint/2010/main" val="1440961895"/>
       </p:ext>
     </p:extLst>
   </p:cSld>
@@ -8442,6 +8435,14 @@
 <file path=ppt/slides/slide9.xml><?xml version="1.0" encoding="utf-8"?>
 <p:sld xmlns:a="http://schemas.openxmlformats.org/drawingml/2006/main" xmlns:r="http://schemas.openxmlformats.org/officeDocument/2006/relationships" xmlns:p="http://schemas.openxmlformats.org/presentationml/2006/main">
   <p:cSld>
+    <p:bg>
+      <p:bgPr>
+        <a:solidFill>
+          <a:schemeClr val="bg1"/>
+        </a:solidFill>
+        <a:effectLst/>
+      </p:bgPr>
+    </p:bg>
     <p:spTree>
       <p:nvGrpSpPr>
         <p:cNvPr id="1" name=""/>
@@ -8456,12 +8457,128 @@
           <a:chExt cx="0" cy="0"/>
         </a:xfrm>
       </p:grpSpPr>
+      <p:pic>
+        <p:nvPicPr>
+          <p:cNvPr id="6" name="Picture 5">
+            <a:extLst>
+              <a:ext uri="{FF2B5EF4-FFF2-40B4-BE49-F238E27FC236}">
+                <a16:creationId xmlns:a16="http://schemas.microsoft.com/office/drawing/2014/main" id="{047F9DAC-3EAF-40FF-AD0A-E83211859F24}"/>
+              </a:ext>
+            </a:extLst>
+          </p:cNvPr>
+          <p:cNvPicPr>
+            <a:picLocks noChangeAspect="1"/>
+          </p:cNvPicPr>
+          <p:nvPr/>
+        </p:nvPicPr>
+        <p:blipFill rotWithShape="1">
+          <a:blip r:embed="rId2">
+            <a:extLst>
+              <a:ext uri="{28A0092B-C50C-407E-A947-70E740481C1C}">
+                <a14:useLocalDpi xmlns:a14="http://schemas.microsoft.com/office/drawing/2010/main" val="0"/>
+              </a:ext>
+            </a:extLst>
+          </a:blip>
+          <a:srcRect l="5629" r="4152" b="-2"/>
+          <a:stretch/>
+        </p:blipFill>
+        <p:spPr>
+          <a:xfrm>
+            <a:off x="-11909" y="10"/>
+            <a:ext cx="6324601" cy="6857990"/>
+          </a:xfrm>
+          <a:prstGeom prst="rect">
+            <a:avLst/>
+          </a:prstGeom>
+        </p:spPr>
+      </p:pic>
+      <p:pic>
+        <p:nvPicPr>
+          <p:cNvPr id="17" name="Picture 10">
+            <a:extLst>
+              <a:ext uri="{FF2B5EF4-FFF2-40B4-BE49-F238E27FC236}">
+                <a16:creationId xmlns:a16="http://schemas.microsoft.com/office/drawing/2014/main" id="{19AE98B8-B73A-4724-B639-017087F9239F}"/>
+              </a:ext>
+              <a:ext uri="{C183D7F6-B498-43B3-948B-1728B52AA6E4}">
+                <adec:decorative xmlns:adec="http://schemas.microsoft.com/office/drawing/2017/decorative" val="1"/>
+              </a:ext>
+            </a:extLst>
+          </p:cNvPr>
+          <p:cNvPicPr>
+            <a:picLocks noGrp="1" noRot="1" noChangeAspect="1" noMove="1" noResize="1" noEditPoints="1" noAdjustHandles="1" noChangeArrowheads="1" noChangeShapeType="1" noCrop="1"/>
+          </p:cNvPicPr>
+          <p:nvPr>
+            <p:extLst>
+              <p:ext uri="{386F3935-93C4-4BCD-93E2-E3B085C9AB24}">
+                <p16:designElem xmlns:p16="http://schemas.microsoft.com/office/powerpoint/2015/main" val="1"/>
+              </p:ext>
+            </p:extLst>
+          </p:nvPr>
+        </p:nvPicPr>
+        <p:blipFill>
+          <a:blip r:embed="rId3">
+            <a:extLst>
+              <a:ext uri="{28A0092B-C50C-407E-A947-70E740481C1C}">
+                <a14:useLocalDpi xmlns:a14="http://schemas.microsoft.com/office/drawing/2010/main" val="0"/>
+              </a:ext>
+            </a:extLst>
+          </a:blip>
+          <a:stretch>
+            <a:fillRect/>
+          </a:stretch>
+        </p:blipFill>
+        <p:spPr>
+          <a:xfrm>
+            <a:off x="0" y="0"/>
+            <a:ext cx="12192000" cy="6858000"/>
+          </a:xfrm>
+          <a:prstGeom prst="rect">
+            <a:avLst/>
+          </a:prstGeom>
+        </p:spPr>
+      </p:pic>
+      <p:pic>
+        <p:nvPicPr>
+          <p:cNvPr id="5" name="Picture 4">
+            <a:extLst>
+              <a:ext uri="{FF2B5EF4-FFF2-40B4-BE49-F238E27FC236}">
+                <a16:creationId xmlns:a16="http://schemas.microsoft.com/office/drawing/2014/main" id="{54981C8F-A284-4540-805D-833BD63E1F2B}"/>
+              </a:ext>
+            </a:extLst>
+          </p:cNvPr>
+          <p:cNvPicPr>
+            <a:picLocks noChangeAspect="1"/>
+          </p:cNvPicPr>
+          <p:nvPr/>
+        </p:nvPicPr>
+        <p:blipFill>
+          <a:blip r:embed="rId4">
+            <a:extLst>
+              <a:ext uri="{28A0092B-C50C-407E-A947-70E740481C1C}">
+                <a14:useLocalDpi xmlns:a14="http://schemas.microsoft.com/office/drawing/2010/main" val="0"/>
+              </a:ext>
+            </a:extLst>
+          </a:blip>
+          <a:stretch>
+            <a:fillRect/>
+          </a:stretch>
+        </p:blipFill>
+        <p:spPr>
+          <a:xfrm>
+            <a:off x="8712713" y="457200"/>
+            <a:ext cx="2885482" cy="5943600"/>
+          </a:xfrm>
+          <a:prstGeom prst="rect">
+            <a:avLst/>
+          </a:prstGeom>
+        </p:spPr>
+      </p:pic>
       <p:sp>
         <p:nvSpPr>
-          <p:cNvPr id="2" name="Rectangle 1">
-            <a:extLst>
-              <a:ext uri="{FF2B5EF4-FFF2-40B4-BE49-F238E27FC236}">
-                <a16:creationId xmlns:a16="http://schemas.microsoft.com/office/drawing/2014/main" id="{74C58203-793B-4E6D-938A-334F35970113}"/>
+          <p:cNvPr id="8" name="Rectangle 7">
+            <a:extLst>
+              <a:ext uri="{FF2B5EF4-FFF2-40B4-BE49-F238E27FC236}">
+                <a16:creationId xmlns:a16="http://schemas.microsoft.com/office/drawing/2014/main" id="{31C2C0C7-C180-4D08-BF7C-A74F42EBC656}"/>
               </a:ext>
             </a:extLst>
           </p:cNvPr>
@@ -8470,16 +8587,16 @@
         </p:nvSpPr>
         <p:spPr>
           <a:xfrm>
-            <a:off x="4438284" y="384355"/>
-            <a:ext cx="2263248" cy="341632"/>
+            <a:off x="5341366" y="221343"/>
+            <a:ext cx="3589819" cy="809172"/>
           </a:xfrm>
           <a:prstGeom prst="rect">
             <a:avLst/>
           </a:prstGeom>
         </p:spPr>
         <p:txBody>
-          <a:bodyPr wrap="none">
-            <a:spAutoFit/>
+          <a:bodyPr vert="horz" lIns="91440" tIns="45720" rIns="91440" bIns="45720" rtlCol="0" anchor="t">
+            <a:normAutofit/>
           </a:bodyPr>
           <a:lstStyle/>
           <a:p>
@@ -8495,42 +8612,10 @@
               </a:spcAft>
             </a:pPr>
             <a:r>
-              <a:rPr lang="en-US" dirty="0">
-                <a:solidFill>
-                  <a:schemeClr val="bg1"/>
-                </a:solidFill>
-              </a:rPr>
-              <a:t>Our Coding Approach:</a:t>
-            </a:r>
-          </a:p>
-        </p:txBody>
-      </p:sp>
-      <p:sp>
-        <p:nvSpPr>
-          <p:cNvPr id="6" name="Rectangle 5">
-            <a:extLst>
-              <a:ext uri="{FF2B5EF4-FFF2-40B4-BE49-F238E27FC236}">
-                <a16:creationId xmlns:a16="http://schemas.microsoft.com/office/drawing/2014/main" id="{240D8D61-9C33-4C33-A762-90B1D9A476CB}"/>
-              </a:ext>
-            </a:extLst>
-          </p:cNvPr>
-          <p:cNvSpPr/>
-          <p:nvPr/>
-        </p:nvSpPr>
-        <p:spPr>
-          <a:xfrm>
-            <a:off x="4475789" y="555171"/>
-            <a:ext cx="7326060" cy="6042493"/>
-          </a:xfrm>
-          <a:prstGeom prst="rect">
-            <a:avLst/>
-          </a:prstGeom>
-        </p:spPr>
-        <p:txBody>
-          <a:bodyPr vert="horz" lIns="91440" tIns="45720" rIns="91440" bIns="45720" rtlCol="0" anchor="t">
-            <a:normAutofit/>
-          </a:bodyPr>
-          <a:lstStyle/>
+              <a:rPr lang="en-US" sz="2800" dirty="0"/>
+              <a:t>What we developed:</a:t>
+            </a:r>
+          </a:p>
           <a:p>
             <a:pPr>
               <a:lnSpc>
@@ -8543,176 +8628,14 @@
                 <a:spcPts val="600"/>
               </a:spcAft>
             </a:pPr>
-            <a:endParaRPr lang="en-US" dirty="0"/>
-          </a:p>
-          <a:p>
-            <a:pPr marL="285750" indent="-285750">
-              <a:lnSpc>
-                <a:spcPct val="90000"/>
-              </a:lnSpc>
-              <a:spcBef>
-                <a:spcPct val="0"/>
-              </a:spcBef>
-              <a:spcAft>
-                <a:spcPts val="600"/>
-              </a:spcAft>
-              <a:buFont typeface="Arial" panose="020B0604020202020204" pitchFamily="34" charset="0"/>
-              <a:buChar char="•"/>
-            </a:pPr>
-            <a:r>
-              <a:rPr lang="en-US" dirty="0"/>
-              <a:t>We used Flutter: </a:t>
-            </a:r>
-          </a:p>
-          <a:p>
-            <a:pPr>
-              <a:lnSpc>
-                <a:spcPct val="90000"/>
-              </a:lnSpc>
-              <a:spcBef>
-                <a:spcPct val="0"/>
-              </a:spcBef>
-              <a:spcAft>
-                <a:spcPts val="600"/>
-              </a:spcAft>
-            </a:pPr>
-            <a:r>
-              <a:rPr lang="en-US" dirty="0"/>
-              <a:t>	Google’s UI toolkit for building beautiful, natively compiled 	applications for mobile, web, and desktop from a single codebase.</a:t>
-            </a:r>
-          </a:p>
-          <a:p>
-            <a:pPr>
-              <a:lnSpc>
-                <a:spcPct val="90000"/>
-              </a:lnSpc>
-              <a:spcBef>
-                <a:spcPct val="0"/>
-              </a:spcBef>
-              <a:spcAft>
-                <a:spcPts val="600"/>
-              </a:spcAft>
-            </a:pPr>
-            <a:endParaRPr lang="en-US" dirty="0"/>
-          </a:p>
-          <a:p>
-            <a:pPr marL="285750" indent="-285750">
-              <a:lnSpc>
-                <a:spcPct val="90000"/>
-              </a:lnSpc>
-              <a:spcBef>
-                <a:spcPct val="0"/>
-              </a:spcBef>
-              <a:spcAft>
-                <a:spcPts val="600"/>
-              </a:spcAft>
-              <a:buFont typeface="Arial" panose="020B0604020202020204" pitchFamily="34" charset="0"/>
-              <a:buChar char="•"/>
-            </a:pPr>
-            <a:r>
-              <a:rPr lang="en-US" dirty="0"/>
-              <a:t>What we developed:</a:t>
-            </a:r>
+            <a:endParaRPr lang="en-US" sz="2800" dirty="0"/>
           </a:p>
         </p:txBody>
       </p:sp>
-      <p:grpSp>
-        <p:nvGrpSpPr>
-          <p:cNvPr id="11" name="Group 10">
-            <a:extLst>
-              <a:ext uri="{FF2B5EF4-FFF2-40B4-BE49-F238E27FC236}">
-                <a16:creationId xmlns:a16="http://schemas.microsoft.com/office/drawing/2014/main" id="{6C671DBA-F549-4514-A15F-1800242AAE9D}"/>
-              </a:ext>
-            </a:extLst>
-          </p:cNvPr>
-          <p:cNvGrpSpPr/>
-          <p:nvPr/>
-        </p:nvGrpSpPr>
-        <p:grpSpPr>
-          <a:xfrm>
-            <a:off x="0" y="0"/>
-            <a:ext cx="4126394" cy="6858000"/>
-            <a:chOff x="-3251" y="0"/>
-            <a:chExt cx="4126394" cy="6858000"/>
-          </a:xfrm>
-        </p:grpSpPr>
-        <p:pic>
-          <p:nvPicPr>
-            <p:cNvPr id="10" name="Picture 9">
-              <a:extLst>
-                <a:ext uri="{FF2B5EF4-FFF2-40B4-BE49-F238E27FC236}">
-                  <a16:creationId xmlns:a16="http://schemas.microsoft.com/office/drawing/2014/main" id="{558B775A-BD8B-43AC-99F5-4B64D517854B}"/>
-                </a:ext>
-              </a:extLst>
-            </p:cNvPr>
-            <p:cNvPicPr>
-              <a:picLocks noChangeAspect="1"/>
-            </p:cNvPicPr>
-            <p:nvPr/>
-          </p:nvPicPr>
-          <p:blipFill>
-            <a:blip r:embed="rId3">
-              <a:extLst>
-                <a:ext uri="{28A0092B-C50C-407E-A947-70E740481C1C}">
-                  <a14:useLocalDpi xmlns:a14="http://schemas.microsoft.com/office/drawing/2010/main" val="0"/>
-                </a:ext>
-              </a:extLst>
-            </a:blip>
-            <a:stretch>
-              <a:fillRect/>
-            </a:stretch>
-          </p:blipFill>
-          <p:spPr>
-            <a:xfrm>
-              <a:off x="0" y="0"/>
-              <a:ext cx="4123143" cy="3674076"/>
-            </a:xfrm>
-            <a:prstGeom prst="rect">
-              <a:avLst/>
-            </a:prstGeom>
-          </p:spPr>
-        </p:pic>
-        <p:pic>
-          <p:nvPicPr>
-            <p:cNvPr id="8" name="Picture 7">
-              <a:extLst>
-                <a:ext uri="{FF2B5EF4-FFF2-40B4-BE49-F238E27FC236}">
-                  <a16:creationId xmlns:a16="http://schemas.microsoft.com/office/drawing/2014/main" id="{EEC6DB6D-8E96-402D-B68E-B2231866E1E8}"/>
-                </a:ext>
-              </a:extLst>
-            </p:cNvPr>
-            <p:cNvPicPr>
-              <a:picLocks noChangeAspect="1"/>
-            </p:cNvPicPr>
-            <p:nvPr/>
-          </p:nvPicPr>
-          <p:blipFill>
-            <a:blip r:embed="rId4">
-              <a:extLst>
-                <a:ext uri="{28A0092B-C50C-407E-A947-70E740481C1C}">
-                  <a14:useLocalDpi xmlns:a14="http://schemas.microsoft.com/office/drawing/2010/main" val="0"/>
-                </a:ext>
-              </a:extLst>
-            </a:blip>
-            <a:stretch>
-              <a:fillRect/>
-            </a:stretch>
-          </p:blipFill>
-          <p:spPr>
-            <a:xfrm>
-              <a:off x="-3251" y="2858000"/>
-              <a:ext cx="4088889" cy="4000000"/>
-            </a:xfrm>
-            <a:prstGeom prst="rect">
-              <a:avLst/>
-            </a:prstGeom>
-          </p:spPr>
-        </p:pic>
-      </p:grpSp>
     </p:spTree>
     <p:extLst>
       <p:ext uri="{BB962C8B-B14F-4D97-AF65-F5344CB8AC3E}">
-        <p14:creationId xmlns:p14="http://schemas.microsoft.com/office/powerpoint/2010/main" val="2234181911"/>
+        <p14:creationId xmlns:p14="http://schemas.microsoft.com/office/powerpoint/2010/main" val="3348164293"/>
       </p:ext>
     </p:extLst>
   </p:cSld>
